--- a/anom/anom-talk.pptx
+++ b/anom/anom-talk.pptx
@@ -5,7 +5,7 @@
     <p:sldMasterId id="2147483648" r:id="rId1"/>
   </p:sldMasterIdLst>
   <p:notesMasterIdLst>
-    <p:NotesMasterId r:id="rId24"/>
+    <p:NotesMasterId r:id="rId27"/>
   </p:notesMasterIdLst>
   <p:sldIdLst>
     <p:sldId id="256" r:id="rId2"/>
@@ -30,6 +30,9 @@
     <p:sldId id="275" r:id="rId21"/>
     <p:sldId id="276" r:id="rId22"/>
     <p:sldId id="277" r:id="rId23"/>
+    <p:sldId id="278" r:id="rId24"/>
+    <p:sldId id="279" r:id="rId25"/>
+    <p:sldId id="280" r:id="rId26"/>
   </p:sldIdLst>
   <p:sldSz cx="9144000" cy="6858000" type="screen4x3"/>
   <p:notesSz cx="6858000" cy="9144000"/>
@@ -1418,7 +1421,31 @@
             </a:pPr>
             <a:r>
               <a:rPr/>
-              <a:t>Here’s</a:t>
+              <a:t>This</a:t>
+            </a:r>
+            <a:r>
+              <a:rPr/>
+              <a:t> </a:t>
+            </a:r>
+            <a:r>
+              <a:rPr/>
+              <a:t>dataset</a:t>
+            </a:r>
+            <a:r>
+              <a:rPr/>
+              <a:t> </a:t>
+            </a:r>
+            <a:r>
+              <a:rPr/>
+              <a:t>comes</a:t>
+            </a:r>
+            <a:r>
+              <a:rPr/>
+              <a:t> </a:t>
+            </a:r>
+            <a:r>
+              <a:rPr/>
+              <a:t>from</a:t>
             </a:r>
             <a:r>
               <a:rPr/>
@@ -1434,7 +1461,71 @@
             </a:r>
             <a:r>
               <a:rPr/>
-              <a:t>data</a:t>
+              <a:t>SAS</a:t>
+            </a:r>
+            <a:r>
+              <a:rPr/>
+              <a:t> </a:t>
+            </a:r>
+            <a:r>
+              <a:rPr/>
+              <a:t>QC</a:t>
+            </a:r>
+            <a:r>
+              <a:rPr/>
+              <a:t> </a:t>
+            </a:r>
+            <a:r>
+              <a:rPr/>
+              <a:t>Guide.</a:t>
+            </a:r>
+            <a:r>
+              <a:rPr/>
+              <a:t> </a:t>
+            </a:r>
+            <a:r>
+              <a:rPr/>
+              <a:t>It</a:t>
+            </a:r>
+            <a:r>
+              <a:rPr/>
+              <a:t> </a:t>
+            </a:r>
+            <a:r>
+              <a:rPr/>
+              <a:t>represents</a:t>
+            </a:r>
+            <a:r>
+              <a:rPr/>
+              <a:t> </a:t>
+            </a:r>
+            <a:r>
+              <a:rPr/>
+              <a:t>deviations</a:t>
+            </a:r>
+            <a:r>
+              <a:rPr/>
+              <a:t> </a:t>
+            </a:r>
+            <a:r>
+              <a:rPr/>
+              <a:t>in</a:t>
+            </a:r>
+            <a:r>
+              <a:rPr/>
+              <a:t> </a:t>
+            </a:r>
+            <a:r>
+              <a:rPr/>
+              <a:t>label</a:t>
+            </a:r>
+            <a:r>
+              <a:rPr/>
+              <a:t> </a:t>
+            </a:r>
+            <a:r>
+              <a:rPr/>
+              <a:t>placement</a:t>
             </a:r>
             <a:r>
               <a:rPr/>
@@ -1450,6 +1541,150 @@
             </a:r>
             <a:r>
               <a:rPr/>
+              <a:t>a</a:t>
+            </a:r>
+            <a:r>
+              <a:rPr/>
+              <a:t> </a:t>
+            </a:r>
+            <a:r>
+              <a:rPr/>
+              <a:t>bottling</a:t>
+            </a:r>
+            <a:r>
+              <a:rPr/>
+              <a:t> </a:t>
+            </a:r>
+            <a:r>
+              <a:rPr/>
+              <a:t>machine.</a:t>
+            </a:r>
+            <a:r>
+              <a:rPr/>
+              <a:t> </a:t>
+            </a:r>
+            <a:r>
+              <a:rPr/>
+              <a:t>There</a:t>
+            </a:r>
+            <a:r>
+              <a:rPr/>
+              <a:t> </a:t>
+            </a:r>
+            <a:r>
+              <a:rPr/>
+              <a:t>are</a:t>
+            </a:r>
+            <a:r>
+              <a:rPr/>
+              <a:t> </a:t>
+            </a:r>
+            <a:r>
+              <a:rPr/>
+              <a:t>six</a:t>
+            </a:r>
+            <a:r>
+              <a:rPr/>
+              <a:t> </a:t>
+            </a:r>
+            <a:r>
+              <a:rPr/>
+              <a:t>different</a:t>
+            </a:r>
+            <a:r>
+              <a:rPr/>
+              <a:t> </a:t>
+            </a:r>
+            <a:r>
+              <a:rPr/>
+              <a:t>positions</a:t>
+            </a:r>
+            <a:r>
+              <a:rPr/>
+              <a:t> </a:t>
+            </a:r>
+            <a:r>
+              <a:rPr/>
+              <a:t>for</a:t>
+            </a:r>
+            <a:r>
+              <a:rPr/>
+              <a:t> </a:t>
+            </a:r>
+            <a:r>
+              <a:rPr/>
+              <a:t>this</a:t>
+            </a:r>
+            <a:r>
+              <a:rPr/>
+              <a:t> </a:t>
+            </a:r>
+            <a:r>
+              <a:rPr/>
+              <a:t>machine,</a:t>
+            </a:r>
+            <a:r>
+              <a:rPr/>
+              <a:t> </a:t>
+            </a:r>
+            <a:r>
+              <a:rPr/>
+              <a:t>and</a:t>
+            </a:r>
+            <a:r>
+              <a:rPr/>
+              <a:t> </a:t>
+            </a:r>
+            <a:r>
+              <a:rPr/>
+              <a:t>you</a:t>
+            </a:r>
+            <a:r>
+              <a:rPr/>
+              <a:t> </a:t>
+            </a:r>
+            <a:r>
+              <a:rPr/>
+              <a:t>want</a:t>
+            </a:r>
+            <a:r>
+              <a:rPr/>
+              <a:t> </a:t>
+            </a:r>
+            <a:r>
+              <a:rPr/>
+              <a:t>to</a:t>
+            </a:r>
+            <a:r>
+              <a:rPr/>
+              <a:t> </a:t>
+            </a:r>
+            <a:r>
+              <a:rPr/>
+              <a:t>find</a:t>
+            </a:r>
+            <a:r>
+              <a:rPr/>
+              <a:t> </a:t>
+            </a:r>
+            <a:r>
+              <a:rPr/>
+              <a:t>out</a:t>
+            </a:r>
+            <a:r>
+              <a:rPr/>
+              <a:t> </a:t>
+            </a:r>
+            <a:r>
+              <a:rPr/>
+              <a:t>if</a:t>
+            </a:r>
+            <a:r>
+              <a:rPr/>
+              <a:t> </a:t>
+            </a:r>
+            <a:r>
+              <a:rPr/>
               <a:t>the</a:t>
             </a:r>
             <a:r>
@@ -1458,31 +1693,55 @@
             </a:r>
             <a:r>
               <a:rPr/>
-              <a:t>second</a:t>
-            </a:r>
-            <a:r>
-              <a:rPr/>
-              <a:t> </a:t>
-            </a:r>
-            <a:r>
-              <a:rPr/>
-              <a:t>position.</a:t>
-            </a:r>
-            <a:r>
-              <a:rPr/>
-              <a:t> </a:t>
-            </a:r>
-            <a:r>
-              <a:rPr/>
-              <a:t>There</a:t>
-            </a:r>
-            <a:r>
-              <a:rPr/>
-              <a:t> </a:t>
-            </a:r>
-            <a:r>
-              <a:rPr/>
-              <a:t>is</a:t>
+              <a:t>deviations</a:t>
+            </a:r>
+            <a:r>
+              <a:rPr/>
+              <a:t> </a:t>
+            </a:r>
+            <a:r>
+              <a:rPr/>
+              <a:t>are</a:t>
+            </a:r>
+            <a:r>
+              <a:rPr/>
+              <a:t> </a:t>
+            </a:r>
+            <a:r>
+              <a:rPr/>
+              <a:t>substantially</a:t>
+            </a:r>
+            <a:r>
+              <a:rPr/>
+              <a:t> </a:t>
+            </a:r>
+            <a:r>
+              <a:rPr/>
+              <a:t>different</a:t>
+            </a:r>
+            <a:r>
+              <a:rPr/>
+              <a:t> </a:t>
+            </a:r>
+            <a:r>
+              <a:rPr/>
+              <a:t>for</a:t>
+            </a:r>
+            <a:r>
+              <a:rPr/>
+              <a:t> </a:t>
+            </a:r>
+            <a:r>
+              <a:rPr/>
+              <a:t>one</a:t>
+            </a:r>
+            <a:r>
+              <a:rPr/>
+              <a:t> </a:t>
+            </a:r>
+            <a:r>
+              <a:rPr/>
+              <a:t>or</a:t>
             </a:r>
             <a:r>
               <a:rPr/>
@@ -1498,79 +1757,7 @@
             </a:r>
             <a:r>
               <a:rPr/>
-              <a:t>of</a:t>
-            </a:r>
-            <a:r>
-              <a:rPr/>
-              <a:t> </a:t>
-            </a:r>
-            <a:r>
-              <a:rPr/>
-              <a:t>a</a:t>
-            </a:r>
-            <a:r>
-              <a:rPr/>
-              <a:t> </a:t>
-            </a:r>
-            <a:r>
-              <a:rPr/>
-              <a:t>mix</a:t>
-            </a:r>
-            <a:r>
-              <a:rPr/>
-              <a:t> </a:t>
-            </a:r>
-            <a:r>
-              <a:rPr/>
-              <a:t>here,</a:t>
-            </a:r>
-            <a:r>
-              <a:rPr/>
-              <a:t> </a:t>
-            </a:r>
-            <a:r>
-              <a:rPr/>
-              <a:t>and</a:t>
-            </a:r>
-            <a:r>
-              <a:rPr/>
-              <a:t> </a:t>
-            </a:r>
-            <a:r>
-              <a:rPr/>
-              <a:t>more</a:t>
-            </a:r>
-            <a:r>
-              <a:rPr/>
-              <a:t> </a:t>
-            </a:r>
-            <a:r>
-              <a:rPr/>
-              <a:t>positive</a:t>
-            </a:r>
-            <a:r>
-              <a:rPr/>
-              <a:t> </a:t>
-            </a:r>
-            <a:r>
-              <a:rPr/>
-              <a:t>than</a:t>
-            </a:r>
-            <a:r>
-              <a:rPr/>
-              <a:t> </a:t>
-            </a:r>
-            <a:r>
-              <a:rPr/>
-              <a:t>negative</a:t>
-            </a:r>
-            <a:r>
-              <a:rPr/>
-              <a:t> </a:t>
-            </a:r>
-            <a:r>
-              <a:rPr/>
-              <a:t>deviations.</a:t>
+              <a:t>positions.</a:t>
             </a:r>
           </a:p>
           <a:p>
@@ -1584,71 +1771,55 @@
             </a:pPr>
             <a:r>
               <a:rPr/>
-              <a:t>I</a:t>
-            </a:r>
-            <a:r>
-              <a:rPr/>
-              <a:t> </a:t>
-            </a:r>
-            <a:r>
-              <a:rPr/>
-              <a:t>won’t</a:t>
-            </a:r>
-            <a:r>
-              <a:rPr/>
-              <a:t> </a:t>
-            </a:r>
-            <a:r>
-              <a:rPr/>
-              <a:t>show</a:t>
-            </a:r>
-            <a:r>
-              <a:rPr/>
-              <a:t> </a:t>
-            </a:r>
-            <a:r>
-              <a:rPr/>
-              <a:t>the</a:t>
-            </a:r>
-            <a:r>
-              <a:rPr/>
-              <a:t> </a:t>
-            </a:r>
-            <a:r>
-              <a:rPr/>
-              <a:t>rest</a:t>
-            </a:r>
-            <a:r>
-              <a:rPr/>
-              <a:t> </a:t>
-            </a:r>
-            <a:r>
-              <a:rPr/>
-              <a:t>of</a:t>
-            </a:r>
-            <a:r>
-              <a:rPr/>
-              <a:t> </a:t>
-            </a:r>
-            <a:r>
-              <a:rPr/>
-              <a:t>the</a:t>
-            </a:r>
-            <a:r>
-              <a:rPr/>
-              <a:t> </a:t>
-            </a:r>
-            <a:r>
-              <a:rPr/>
-              <a:t>raw</a:t>
-            </a:r>
-            <a:r>
-              <a:rPr/>
-              <a:t> </a:t>
-            </a:r>
-            <a:r>
-              <a:rPr/>
-              <a:t>data,</a:t>
+              <a:t>The</a:t>
+            </a:r>
+            <a:r>
+              <a:rPr/>
+              <a:t> </a:t>
+            </a:r>
+            <a:r>
+              <a:rPr/>
+              <a:t>deviations</a:t>
+            </a:r>
+            <a:r>
+              <a:rPr/>
+              <a:t> </a:t>
+            </a:r>
+            <a:r>
+              <a:rPr/>
+              <a:t>for</a:t>
+            </a:r>
+            <a:r>
+              <a:rPr/>
+              <a:t> </a:t>
+            </a:r>
+            <a:r>
+              <a:rPr/>
+              <a:t>Position</a:t>
+            </a:r>
+            <a:r>
+              <a:rPr/>
+              <a:t> </a:t>
+            </a:r>
+            <a:r>
+              <a:rPr/>
+              <a:t>1</a:t>
+            </a:r>
+            <a:r>
+              <a:rPr/>
+              <a:t> </a:t>
+            </a:r>
+            <a:r>
+              <a:rPr/>
+              <a:t>are</a:t>
+            </a:r>
+            <a:r>
+              <a:rPr/>
+              <a:t> </a:t>
+            </a:r>
+            <a:r>
+              <a:rPr/>
+              <a:t>small</a:t>
             </a:r>
             <a:r>
               <a:rPr/>
@@ -1664,31 +1835,15 @@
             </a:r>
             <a:r>
               <a:rPr/>
-              <a:t>here</a:t>
-            </a:r>
-            <a:r>
-              <a:rPr/>
-              <a:t> </a:t>
-            </a:r>
-            <a:r>
-              <a:rPr/>
-              <a:t>is</a:t>
-            </a:r>
-            <a:r>
-              <a:rPr/>
-              <a:t> </a:t>
-            </a:r>
-            <a:r>
-              <a:rPr/>
-              <a:t>a</a:t>
-            </a:r>
-            <a:r>
-              <a:rPr/>
-              <a:t> </a:t>
-            </a:r>
-            <a:r>
-              <a:rPr/>
-              <a:t>graph.</a:t>
+              <a:t>mostly</a:t>
+            </a:r>
+            <a:r>
+              <a:rPr/>
+              <a:t> </a:t>
+            </a:r>
+            <a:r>
+              <a:rPr/>
+              <a:t>negative.</a:t>
             </a:r>
           </a:p>
         </p:txBody>
@@ -1770,15 +1925,7 @@
             </a:pPr>
             <a:r>
               <a:rPr/>
-              <a:t>Here</a:t>
-            </a:r>
-            <a:r>
-              <a:rPr/>
-              <a:t> </a:t>
-            </a:r>
-            <a:r>
-              <a:rPr/>
-              <a:t>are</a:t>
+              <a:t>Here’s</a:t>
             </a:r>
             <a:r>
               <a:rPr/>
@@ -1794,7 +1941,95 @@
             </a:r>
             <a:r>
               <a:rPr/>
-              <a:t>means</a:t>
+              <a:t>data</a:t>
+            </a:r>
+            <a:r>
+              <a:rPr/>
+              <a:t> </a:t>
+            </a:r>
+            <a:r>
+              <a:rPr/>
+              <a:t>for</a:t>
+            </a:r>
+            <a:r>
+              <a:rPr/>
+              <a:t> </a:t>
+            </a:r>
+            <a:r>
+              <a:rPr/>
+              <a:t>the</a:t>
+            </a:r>
+            <a:r>
+              <a:rPr/>
+              <a:t> </a:t>
+            </a:r>
+            <a:r>
+              <a:rPr/>
+              <a:t>second</a:t>
+            </a:r>
+            <a:r>
+              <a:rPr/>
+              <a:t> </a:t>
+            </a:r>
+            <a:r>
+              <a:rPr/>
+              <a:t>position.</a:t>
+            </a:r>
+            <a:r>
+              <a:rPr/>
+              <a:t> </a:t>
+            </a:r>
+            <a:r>
+              <a:rPr/>
+              <a:t>There</a:t>
+            </a:r>
+            <a:r>
+              <a:rPr/>
+              <a:t> </a:t>
+            </a:r>
+            <a:r>
+              <a:rPr/>
+              <a:t>is</a:t>
+            </a:r>
+            <a:r>
+              <a:rPr/>
+              <a:t> </a:t>
+            </a:r>
+            <a:r>
+              <a:rPr/>
+              <a:t>more</a:t>
+            </a:r>
+            <a:r>
+              <a:rPr/>
+              <a:t> </a:t>
+            </a:r>
+            <a:r>
+              <a:rPr/>
+              <a:t>of</a:t>
+            </a:r>
+            <a:r>
+              <a:rPr/>
+              <a:t> </a:t>
+            </a:r>
+            <a:r>
+              <a:rPr/>
+              <a:t>a</a:t>
+            </a:r>
+            <a:r>
+              <a:rPr/>
+              <a:t> </a:t>
+            </a:r>
+            <a:r>
+              <a:rPr/>
+              <a:t>mix</a:t>
+            </a:r>
+            <a:r>
+              <a:rPr/>
+              <a:t> </a:t>
+            </a:r>
+            <a:r>
+              <a:rPr/>
+              <a:t>here,</a:t>
             </a:r>
             <a:r>
               <a:rPr/>
@@ -1810,39 +2045,157 @@
             </a:r>
             <a:r>
               <a:rPr/>
-              <a:t>standard</a:t>
-            </a:r>
-            <a:r>
-              <a:rPr/>
-              <a:t> </a:t>
-            </a:r>
-            <a:r>
-              <a:rPr/>
-              <a:t>deviations</a:t>
-            </a:r>
-            <a:r>
-              <a:rPr/>
-              <a:t> </a:t>
-            </a:r>
-            <a:r>
-              <a:rPr/>
-              <a:t>for</a:t>
-            </a:r>
-            <a:r>
-              <a:rPr/>
-              <a:t> </a:t>
-            </a:r>
-            <a:r>
-              <a:rPr/>
-              <a:t>each</a:t>
-            </a:r>
-            <a:r>
-              <a:rPr/>
-              <a:t> </a:t>
-            </a:r>
-            <a:r>
-              <a:rPr/>
-              <a:t>position.</a:t>
+              <a:t>more</a:t>
+            </a:r>
+            <a:r>
+              <a:rPr/>
+              <a:t> </a:t>
+            </a:r>
+            <a:r>
+              <a:rPr/>
+              <a:t>positive</a:t>
+            </a:r>
+            <a:r>
+              <a:rPr/>
+              <a:t> </a:t>
+            </a:r>
+            <a:r>
+              <a:rPr/>
+              <a:t>than</a:t>
+            </a:r>
+            <a:r>
+              <a:rPr/>
+              <a:t> </a:t>
+            </a:r>
+            <a:r>
+              <a:rPr/>
+              <a:t>negative</a:t>
+            </a:r>
+            <a:r>
+              <a:rPr/>
+              <a:t> </a:t>
+            </a:r>
+            <a:r>
+              <a:rPr/>
+              <a:t>deviations.</a:t>
+            </a:r>
+          </a:p>
+          <a:p>
+            <a:pPr lvl="0" marL="0" indent="0">
+              <a:buNone/>
+            </a:pPr>
+          </a:p>
+          <a:p>
+            <a:pPr lvl="0" marL="0" indent="0">
+              <a:buNone/>
+            </a:pPr>
+            <a:r>
+              <a:rPr/>
+              <a:t>I</a:t>
+            </a:r>
+            <a:r>
+              <a:rPr/>
+              <a:t> </a:t>
+            </a:r>
+            <a:r>
+              <a:rPr/>
+              <a:t>won’t</a:t>
+            </a:r>
+            <a:r>
+              <a:rPr/>
+              <a:t> </a:t>
+            </a:r>
+            <a:r>
+              <a:rPr/>
+              <a:t>show</a:t>
+            </a:r>
+            <a:r>
+              <a:rPr/>
+              <a:t> </a:t>
+            </a:r>
+            <a:r>
+              <a:rPr/>
+              <a:t>the</a:t>
+            </a:r>
+            <a:r>
+              <a:rPr/>
+              <a:t> </a:t>
+            </a:r>
+            <a:r>
+              <a:rPr/>
+              <a:t>rest</a:t>
+            </a:r>
+            <a:r>
+              <a:rPr/>
+              <a:t> </a:t>
+            </a:r>
+            <a:r>
+              <a:rPr/>
+              <a:t>of</a:t>
+            </a:r>
+            <a:r>
+              <a:rPr/>
+              <a:t> </a:t>
+            </a:r>
+            <a:r>
+              <a:rPr/>
+              <a:t>the</a:t>
+            </a:r>
+            <a:r>
+              <a:rPr/>
+              <a:t> </a:t>
+            </a:r>
+            <a:r>
+              <a:rPr/>
+              <a:t>raw</a:t>
+            </a:r>
+            <a:r>
+              <a:rPr/>
+              <a:t> </a:t>
+            </a:r>
+            <a:r>
+              <a:rPr/>
+              <a:t>data,</a:t>
+            </a:r>
+            <a:r>
+              <a:rPr/>
+              <a:t> </a:t>
+            </a:r>
+            <a:r>
+              <a:rPr/>
+              <a:t>but</a:t>
+            </a:r>
+            <a:r>
+              <a:rPr/>
+              <a:t> </a:t>
+            </a:r>
+            <a:r>
+              <a:rPr/>
+              <a:t>here</a:t>
+            </a:r>
+            <a:r>
+              <a:rPr/>
+              <a:t> </a:t>
+            </a:r>
+            <a:r>
+              <a:rPr/>
+              <a:t>is</a:t>
+            </a:r>
+            <a:r>
+              <a:rPr/>
+              <a:t> </a:t>
+            </a:r>
+            <a:r>
+              <a:rPr/>
+              <a:t>a</a:t>
+            </a:r>
+            <a:r>
+              <a:rPr/>
+              <a:t> </a:t>
+            </a:r>
+            <a:r>
+              <a:rPr/>
+              <a:t>graph.</a:t>
             </a:r>
           </a:p>
         </p:txBody>
@@ -1864,7 +2217,7 @@
           <a:p>
             <a:fld id="{18BDFEC3-8487-43E8-A154-7C12CBC1FFF2}" type="slidenum">
               <a:rPr lang="en-US"/>
-              <a:t>16</a:t>
+              <a:t>15</a:t>
             </a:fld>
             <a:endParaRPr lang="en-US"/>
           </a:p>
@@ -1932,7 +2285,7 @@
             </a:r>
             <a:r>
               <a:rPr/>
-              <a:t>is</a:t>
+              <a:t>are</a:t>
             </a:r>
             <a:r>
               <a:rPr/>
@@ -1948,119 +2301,55 @@
             </a:r>
             <a:r>
               <a:rPr/>
-              <a:t>calculation</a:t>
-            </a:r>
-            <a:r>
-              <a:rPr/>
-              <a:t> </a:t>
-            </a:r>
-            <a:r>
-              <a:rPr/>
-              <a:t>of</a:t>
-            </a:r>
-            <a:r>
-              <a:rPr/>
-              <a:t> </a:t>
-            </a:r>
-            <a:r>
-              <a:rPr/>
-              <a:t>limits.</a:t>
-            </a:r>
-            <a:r>
-              <a:rPr/>
-              <a:t> </a:t>
-            </a:r>
-            <a:r>
-              <a:rPr/>
-              <a:t>Anything</a:t>
-            </a:r>
-            <a:r>
-              <a:rPr/>
-              <a:t> </a:t>
-            </a:r>
-            <a:r>
-              <a:rPr/>
-              <a:t>outside</a:t>
-            </a:r>
-            <a:r>
-              <a:rPr/>
-              <a:t> </a:t>
-            </a:r>
-            <a:r>
-              <a:rPr/>
-              <a:t>these</a:t>
-            </a:r>
-            <a:r>
-              <a:rPr/>
-              <a:t> </a:t>
-            </a:r>
-            <a:r>
-              <a:rPr/>
-              <a:t>limits</a:t>
-            </a:r>
-            <a:r>
-              <a:rPr/>
-              <a:t> </a:t>
-            </a:r>
-            <a:r>
-              <a:rPr/>
-              <a:t>is</a:t>
-            </a:r>
-            <a:r>
-              <a:rPr/>
-              <a:t> </a:t>
-            </a:r>
-            <a:r>
-              <a:rPr/>
-              <a:t>statistically</a:t>
-            </a:r>
-            <a:r>
-              <a:rPr/>
-              <a:t> </a:t>
-            </a:r>
-            <a:r>
-              <a:rPr/>
-              <a:t>significantly</a:t>
-            </a:r>
-            <a:r>
-              <a:rPr/>
-              <a:t> </a:t>
-            </a:r>
-            <a:r>
-              <a:rPr/>
-              <a:t>different</a:t>
-            </a:r>
-            <a:r>
-              <a:rPr/>
-              <a:t> </a:t>
-            </a:r>
-            <a:r>
-              <a:rPr/>
-              <a:t>than</a:t>
-            </a:r>
-            <a:r>
-              <a:rPr/>
-              <a:t> </a:t>
-            </a:r>
-            <a:r>
-              <a:rPr/>
-              <a:t>the</a:t>
-            </a:r>
-            <a:r>
-              <a:rPr/>
-              <a:t> </a:t>
-            </a:r>
-            <a:r>
-              <a:rPr/>
-              <a:t>overall</a:t>
-            </a:r>
-            <a:r>
-              <a:rPr/>
-              <a:t> </a:t>
-            </a:r>
-            <a:r>
-              <a:rPr/>
-              <a:t>mean.</a:t>
+              <a:t>means</a:t>
+            </a:r>
+            <a:r>
+              <a:rPr/>
+              <a:t> </a:t>
+            </a:r>
+            <a:r>
+              <a:rPr/>
+              <a:t>and</a:t>
+            </a:r>
+            <a:r>
+              <a:rPr/>
+              <a:t> </a:t>
+            </a:r>
+            <a:r>
+              <a:rPr/>
+              <a:t>standard</a:t>
+            </a:r>
+            <a:r>
+              <a:rPr/>
+              <a:t> </a:t>
+            </a:r>
+            <a:r>
+              <a:rPr/>
+              <a:t>deviations</a:t>
+            </a:r>
+            <a:r>
+              <a:rPr/>
+              <a:t> </a:t>
+            </a:r>
+            <a:r>
+              <a:rPr/>
+              <a:t>for</a:t>
+            </a:r>
+            <a:r>
+              <a:rPr/>
+              <a:t> </a:t>
+            </a:r>
+            <a:r>
+              <a:rPr/>
+              <a:t>each</a:t>
+            </a:r>
+            <a:r>
+              <a:rPr/>
+              <a:t> </a:t>
+            </a:r>
+            <a:r>
+              <a:rPr/>
+              <a:t>position.</a:t>
             </a:r>
           </a:p>
         </p:txBody>
@@ -2082,7 +2371,7 @@
           <a:p>
             <a:fld id="{18BDFEC3-8487-43E8-A154-7C12CBC1FFF2}" type="slidenum">
               <a:rPr lang="en-US"/>
-              <a:t>20</a:t>
+              <a:t>17</a:t>
             </a:fld>
             <a:endParaRPr lang="en-US"/>
           </a:p>
@@ -2142,31 +2431,15 @@
             </a:pPr>
             <a:r>
               <a:rPr/>
-              <a:t>You</a:t>
-            </a:r>
-            <a:r>
-              <a:rPr/>
-              <a:t> </a:t>
-            </a:r>
-            <a:r>
-              <a:rPr/>
-              <a:t>can</a:t>
-            </a:r>
-            <a:r>
-              <a:rPr/>
-              <a:t> </a:t>
-            </a:r>
-            <a:r>
-              <a:rPr/>
-              <a:t>also</a:t>
-            </a:r>
-            <a:r>
-              <a:rPr/>
-              <a:t> </a:t>
-            </a:r>
-            <a:r>
-              <a:rPr/>
-              <a:t>compute</a:t>
+              <a:t>Here</a:t>
+            </a:r>
+            <a:r>
+              <a:rPr/>
+              <a:t> </a:t>
+            </a:r>
+            <a:r>
+              <a:rPr/>
+              <a:t>is</a:t>
             </a:r>
             <a:r>
               <a:rPr/>
@@ -2182,95 +2455,95 @@
             </a:r>
             <a:r>
               <a:rPr/>
-              <a:t>critical</a:t>
-            </a:r>
-            <a:r>
-              <a:rPr/>
-              <a:t> </a:t>
-            </a:r>
-            <a:r>
-              <a:rPr/>
-              <a:t>value</a:t>
-            </a:r>
-            <a:r>
-              <a:rPr/>
-              <a:t> </a:t>
-            </a:r>
-            <a:r>
-              <a:rPr/>
-              <a:t>using</a:t>
-            </a:r>
-            <a:r>
-              <a:rPr/>
-              <a:t> </a:t>
-            </a:r>
-            <a:r>
-              <a:rPr/>
-              <a:t>a</a:t>
-            </a:r>
-            <a:r>
-              <a:rPr/>
-              <a:t> </a:t>
-            </a:r>
-            <a:r>
-              <a:rPr/>
-              <a:t>multivariate</a:t>
-            </a:r>
-            <a:r>
-              <a:rPr/>
-              <a:t> </a:t>
-            </a:r>
-            <a:r>
-              <a:rPr/>
-              <a:t>t-distribution.</a:t>
-            </a:r>
-            <a:r>
-              <a:rPr/>
-              <a:t> </a:t>
-            </a:r>
-            <a:r>
-              <a:rPr/>
-              <a:t>There</a:t>
-            </a:r>
-            <a:r>
-              <a:rPr/>
-              <a:t> </a:t>
-            </a:r>
-            <a:r>
-              <a:rPr/>
-              <a:t>are</a:t>
-            </a:r>
-            <a:r>
-              <a:rPr/>
-              <a:t> </a:t>
-            </a:r>
-            <a:r>
-              <a:rPr/>
-              <a:t>a</a:t>
-            </a:r>
-            <a:r>
-              <a:rPr/>
-              <a:t> </a:t>
-            </a:r>
-            <a:r>
-              <a:rPr/>
-              <a:t>few</a:t>
-            </a:r>
-            <a:r>
-              <a:rPr/>
-              <a:t> </a:t>
-            </a:r>
-            <a:r>
-              <a:rPr/>
-              <a:t>complications.</a:t>
-            </a:r>
-            <a:r>
-              <a:rPr/>
-              <a:t> </a:t>
-            </a:r>
-            <a:r>
-              <a:rPr/>
-              <a:t>First</a:t>
+              <a:t>calculation</a:t>
+            </a:r>
+            <a:r>
+              <a:rPr/>
+              <a:t> </a:t>
+            </a:r>
+            <a:r>
+              <a:rPr/>
+              <a:t>of</a:t>
+            </a:r>
+            <a:r>
+              <a:rPr/>
+              <a:t> </a:t>
+            </a:r>
+            <a:r>
+              <a:rPr/>
+              <a:t>limits.</a:t>
+            </a:r>
+            <a:r>
+              <a:rPr/>
+              <a:t> </a:t>
+            </a:r>
+            <a:r>
+              <a:rPr/>
+              <a:t>Anything</a:t>
+            </a:r>
+            <a:r>
+              <a:rPr/>
+              <a:t> </a:t>
+            </a:r>
+            <a:r>
+              <a:rPr/>
+              <a:t>outside</a:t>
+            </a:r>
+            <a:r>
+              <a:rPr/>
+              <a:t> </a:t>
+            </a:r>
+            <a:r>
+              <a:rPr/>
+              <a:t>these</a:t>
+            </a:r>
+            <a:r>
+              <a:rPr/>
+              <a:t> </a:t>
+            </a:r>
+            <a:r>
+              <a:rPr/>
+              <a:t>limits</a:t>
+            </a:r>
+            <a:r>
+              <a:rPr/>
+              <a:t> </a:t>
+            </a:r>
+            <a:r>
+              <a:rPr/>
+              <a:t>is</a:t>
+            </a:r>
+            <a:r>
+              <a:rPr/>
+              <a:t> </a:t>
+            </a:r>
+            <a:r>
+              <a:rPr/>
+              <a:t>statistically</a:t>
+            </a:r>
+            <a:r>
+              <a:rPr/>
+              <a:t> </a:t>
+            </a:r>
+            <a:r>
+              <a:rPr/>
+              <a:t>significantly</a:t>
+            </a:r>
+            <a:r>
+              <a:rPr/>
+              <a:t> </a:t>
+            </a:r>
+            <a:r>
+              <a:rPr/>
+              <a:t>different</a:t>
+            </a:r>
+            <a:r>
+              <a:rPr/>
+              <a:t> </a:t>
+            </a:r>
+            <a:r>
+              <a:rPr/>
+              <a:t>than</a:t>
             </a:r>
             <a:r>
               <a:rPr/>
@@ -2286,86 +2559,6 @@
             </a:r>
             <a:r>
               <a:rPr/>
-              <a:t>distribution</a:t>
-            </a:r>
-            <a:r>
-              <a:rPr/>
-              <a:t> </a:t>
-            </a:r>
-            <a:r>
-              <a:rPr/>
-              <a:t>you</a:t>
-            </a:r>
-            <a:r>
-              <a:rPr/>
-              <a:t> </a:t>
-            </a:r>
-            <a:r>
-              <a:rPr/>
-              <a:t>are</a:t>
-            </a:r>
-            <a:r>
-              <a:rPr/>
-              <a:t> </a:t>
-            </a:r>
-            <a:r>
-              <a:rPr/>
-              <a:t>trying</a:t>
-            </a:r>
-            <a:r>
-              <a:rPr/>
-              <a:t> </a:t>
-            </a:r>
-            <a:r>
-              <a:rPr/>
-              <a:t>to</a:t>
-            </a:r>
-            <a:r>
-              <a:rPr/>
-              <a:t> </a:t>
-            </a:r>
-            <a:r>
-              <a:rPr/>
-              <a:t>describe</a:t>
-            </a:r>
-            <a:r>
-              <a:rPr/>
-              <a:t> </a:t>
-            </a:r>
-            <a:r>
-              <a:rPr/>
-              <a:t>represents</a:t>
-            </a:r>
-            <a:r>
-              <a:rPr/>
-              <a:t> </a:t>
-            </a:r>
-            <a:r>
-              <a:rPr/>
-              <a:t>deviations</a:t>
-            </a:r>
-            <a:r>
-              <a:rPr/>
-              <a:t> </a:t>
-            </a:r>
-            <a:r>
-              <a:rPr/>
-              <a:t>from</a:t>
-            </a:r>
-            <a:r>
-              <a:rPr/>
-              <a:t> </a:t>
-            </a:r>
-            <a:r>
-              <a:rPr/>
-              <a:t>an</a:t>
-            </a:r>
-            <a:r>
-              <a:rPr/>
-              <a:t> </a:t>
-            </a:r>
-            <a:r>
-              <a:rPr/>
               <a:t>overall</a:t>
             </a:r>
             <a:r>
@@ -2374,729 +2567,7 @@
             </a:r>
             <a:r>
               <a:rPr/>
-              <a:t>mean,</a:t>
-            </a:r>
-            <a:r>
-              <a:rPr/>
-              <a:t> </a:t>
-            </a:r>
-            <a:r>
-              <a:rPr/>
-              <a:t>so</a:t>
-            </a:r>
-            <a:r>
-              <a:rPr/>
-              <a:t> </a:t>
-            </a:r>
-            <a:r>
-              <a:rPr/>
-              <a:t>there</a:t>
-            </a:r>
-            <a:r>
-              <a:rPr/>
-              <a:t> </a:t>
-            </a:r>
-            <a:r>
-              <a:rPr/>
-              <a:t>will</a:t>
-            </a:r>
-            <a:r>
-              <a:rPr/>
-              <a:t> </a:t>
-            </a:r>
-            <a:r>
-              <a:rPr/>
-              <a:t>be</a:t>
-            </a:r>
-            <a:r>
-              <a:rPr/>
-              <a:t> </a:t>
-            </a:r>
-            <a:r>
-              <a:rPr/>
-              <a:t>correlations</a:t>
-            </a:r>
-            <a:r>
-              <a:rPr/>
-              <a:t> </a:t>
-            </a:r>
-            <a:r>
-              <a:rPr/>
-              <a:t>in</a:t>
-            </a:r>
-            <a:r>
-              <a:rPr/>
-              <a:t> </a:t>
-            </a:r>
-            <a:r>
-              <a:rPr/>
-              <a:t>the</a:t>
-            </a:r>
-            <a:r>
-              <a:rPr/>
-              <a:t> </a:t>
-            </a:r>
-            <a:r>
-              <a:rPr/>
-              <a:t>data</a:t>
-            </a:r>
-            <a:r>
-              <a:rPr/>
-              <a:t> </a:t>
-            </a:r>
-            <a:r>
-              <a:rPr/>
-              <a:t>since</a:t>
-            </a:r>
-            <a:r>
-              <a:rPr/>
-              <a:t> </a:t>
-            </a:r>
-            <a:r>
-              <a:rPr/>
-              <a:t>each</a:t>
-            </a:r>
-            <a:r>
-              <a:rPr/>
-              <a:t> </a:t>
-            </a:r>
-            <a:r>
-              <a:rPr/>
-              <a:t>group</a:t>
-            </a:r>
-            <a:r>
-              <a:rPr/>
-              <a:t> </a:t>
-            </a:r>
-            <a:r>
-              <a:rPr/>
-              <a:t>contributes</a:t>
-            </a:r>
-            <a:r>
-              <a:rPr/>
-              <a:t> </a:t>
-            </a:r>
-            <a:r>
-              <a:rPr/>
-              <a:t>to</a:t>
-            </a:r>
-            <a:r>
-              <a:rPr/>
-              <a:t> </a:t>
-            </a:r>
-            <a:r>
-              <a:rPr/>
-              <a:t>the</a:t>
-            </a:r>
-            <a:r>
-              <a:rPr/>
-              <a:t> </a:t>
-            </a:r>
-            <a:r>
-              <a:rPr/>
-              <a:t>overall</a:t>
-            </a:r>
-            <a:r>
-              <a:rPr/>
-              <a:t> </a:t>
-            </a:r>
-            <a:r>
-              <a:rPr/>
               <a:t>mean.</a:t>
-            </a:r>
-            <a:r>
-              <a:rPr/>
-              <a:t> </a:t>
-            </a:r>
-            <a:r>
-              <a:rPr/>
-              <a:t>This</a:t>
-            </a:r>
-            <a:r>
-              <a:rPr/>
-              <a:t> </a:t>
-            </a:r>
-            <a:r>
-              <a:rPr/>
-              <a:t>correlation,</a:t>
-            </a:r>
-            <a:r>
-              <a:rPr/>
-              <a:t> </a:t>
-            </a:r>
-            <a:r>
-              <a:rPr/>
-              <a:t>-1/(I-1),</a:t>
-            </a:r>
-            <a:r>
-              <a:rPr/>
-              <a:t> </a:t>
-            </a:r>
-            <a:r>
-              <a:rPr/>
-              <a:t>is</a:t>
-            </a:r>
-            <a:r>
-              <a:rPr/>
-              <a:t> </a:t>
-            </a:r>
-            <a:r>
-              <a:rPr/>
-              <a:t>the</a:t>
-            </a:r>
-            <a:r>
-              <a:rPr/>
-              <a:t> </a:t>
-            </a:r>
-            <a:r>
-              <a:rPr/>
-              <a:t>same</a:t>
-            </a:r>
-            <a:r>
-              <a:rPr/>
-              <a:t> </a:t>
-            </a:r>
-            <a:r>
-              <a:rPr/>
-              <a:t>for</a:t>
-            </a:r>
-            <a:r>
-              <a:rPr/>
-              <a:t> </a:t>
-            </a:r>
-            <a:r>
-              <a:rPr/>
-              <a:t>any</a:t>
-            </a:r>
-            <a:r>
-              <a:rPr/>
-              <a:t> </a:t>
-            </a:r>
-            <a:r>
-              <a:rPr/>
-              <a:t>pair</a:t>
-            </a:r>
-            <a:r>
-              <a:rPr/>
-              <a:t> </a:t>
-            </a:r>
-            <a:r>
-              <a:rPr/>
-              <a:t>of</a:t>
-            </a:r>
-            <a:r>
-              <a:rPr/>
-              <a:t> </a:t>
-            </a:r>
-            <a:r>
-              <a:rPr/>
-              <a:t>deviations.</a:t>
-            </a:r>
-            <a:r>
-              <a:rPr/>
-              <a:t> </a:t>
-            </a:r>
-            <a:r>
-              <a:rPr/>
-              <a:t>Second,</a:t>
-            </a:r>
-            <a:r>
-              <a:rPr/>
-              <a:t> </a:t>
-            </a:r>
-            <a:r>
-              <a:rPr/>
-              <a:t>the</a:t>
-            </a:r>
-            <a:r>
-              <a:rPr/>
-              <a:t> </a:t>
-            </a:r>
-            <a:r>
-              <a:rPr/>
-              <a:t>sum</a:t>
-            </a:r>
-            <a:r>
-              <a:rPr/>
-              <a:t> </a:t>
-            </a:r>
-            <a:r>
-              <a:rPr/>
-              <a:t>of</a:t>
-            </a:r>
-            <a:r>
-              <a:rPr/>
-              <a:t> </a:t>
-            </a:r>
-            <a:r>
-              <a:rPr/>
-              <a:t>the</a:t>
-            </a:r>
-            <a:r>
-              <a:rPr/>
-              <a:t> </a:t>
-            </a:r>
-            <a:r>
-              <a:rPr/>
-              <a:t>deviations</a:t>
-            </a:r>
-            <a:r>
-              <a:rPr/>
-              <a:t> </a:t>
-            </a:r>
-            <a:r>
-              <a:rPr/>
-              <a:t>must</a:t>
-            </a:r>
-            <a:r>
-              <a:rPr/>
-              <a:t> </a:t>
-            </a:r>
-            <a:r>
-              <a:rPr/>
-              <a:t>equal</a:t>
-            </a:r>
-            <a:r>
-              <a:rPr/>
-              <a:t> </a:t>
-            </a:r>
-            <a:r>
-              <a:rPr/>
-              <a:t>zero,</a:t>
-            </a:r>
-            <a:r>
-              <a:rPr/>
-              <a:t> </a:t>
-            </a:r>
-            <a:r>
-              <a:rPr/>
-              <a:t>so</a:t>
-            </a:r>
-            <a:r>
-              <a:rPr/>
-              <a:t> </a:t>
-            </a:r>
-            <a:r>
-              <a:rPr/>
-              <a:t>this</a:t>
-            </a:r>
-            <a:r>
-              <a:rPr/>
-              <a:t> </a:t>
-            </a:r>
-            <a:r>
-              <a:rPr/>
-              <a:t>produces</a:t>
-            </a:r>
-            <a:r>
-              <a:rPr/>
-              <a:t> </a:t>
-            </a:r>
-            <a:r>
-              <a:rPr/>
-              <a:t>a</a:t>
-            </a:r>
-            <a:r>
-              <a:rPr/>
-              <a:t> </a:t>
-            </a:r>
-            <a:r>
-              <a:rPr/>
-              <a:t>degenerate</a:t>
-            </a:r>
-            <a:r>
-              <a:rPr/>
-              <a:t> </a:t>
-            </a:r>
-            <a:r>
-              <a:rPr/>
-              <a:t>distribution.</a:t>
-            </a:r>
-            <a:r>
-              <a:rPr/>
-              <a:t> </a:t>
-            </a:r>
-            <a:r>
-              <a:rPr/>
-              <a:t>This</a:t>
-            </a:r>
-            <a:r>
-              <a:rPr/>
-              <a:t> </a:t>
-            </a:r>
-            <a:r>
-              <a:rPr/>
-              <a:t>degeneracy</a:t>
-            </a:r>
-            <a:r>
-              <a:rPr/>
-              <a:t> </a:t>
-            </a:r>
-            <a:r>
-              <a:rPr/>
-              <a:t>means</a:t>
-            </a:r>
-            <a:r>
-              <a:rPr/>
-              <a:t> </a:t>
-            </a:r>
-            <a:r>
-              <a:rPr/>
-              <a:t>that</a:t>
-            </a:r>
-            <a:r>
-              <a:rPr/>
-              <a:t> </a:t>
-            </a:r>
-            <a:r>
-              <a:rPr/>
-              <a:t>there</a:t>
-            </a:r>
-            <a:r>
-              <a:rPr/>
-              <a:t> </a:t>
-            </a:r>
-            <a:r>
-              <a:rPr/>
-              <a:t>is</a:t>
-            </a:r>
-            <a:r>
-              <a:rPr/>
-              <a:t> </a:t>
-            </a:r>
-            <a:r>
-              <a:rPr/>
-              <a:t>no</a:t>
-            </a:r>
-            <a:r>
-              <a:rPr/>
-              <a:t> </a:t>
-            </a:r>
-            <a:r>
-              <a:rPr/>
-              <a:t>inverse</a:t>
-            </a:r>
-            <a:r>
-              <a:rPr/>
-              <a:t> </a:t>
-            </a:r>
-            <a:r>
-              <a:rPr/>
-              <a:t>for</a:t>
-            </a:r>
-            <a:r>
-              <a:rPr/>
-              <a:t> </a:t>
-            </a:r>
-            <a:r>
-              <a:rPr/>
-              <a:t>the</a:t>
-            </a:r>
-            <a:r>
-              <a:rPr/>
-              <a:t> </a:t>
-            </a:r>
-            <a:r>
-              <a:rPr/>
-              <a:t>correlation</a:t>
-            </a:r>
-            <a:r>
-              <a:rPr/>
-              <a:t> </a:t>
-            </a:r>
-            <a:r>
-              <a:rPr/>
-              <a:t>matrix.</a:t>
-            </a:r>
-          </a:p>
-          <a:p>
-            <a:pPr lvl="0" marL="0" indent="0">
-              <a:buNone/>
-            </a:pPr>
-          </a:p>
-          <a:p>
-            <a:pPr lvl="0" marL="0" indent="0">
-              <a:buNone/>
-            </a:pPr>
-            <a:r>
-              <a:rPr/>
-              <a:t>In</a:t>
-            </a:r>
-            <a:r>
-              <a:rPr/>
-              <a:t> </a:t>
-            </a:r>
-            <a:r>
-              <a:rPr/>
-              <a:t>R,</a:t>
-            </a:r>
-            <a:r>
-              <a:rPr/>
-              <a:t> </a:t>
-            </a:r>
-            <a:r>
-              <a:rPr/>
-              <a:t>there</a:t>
-            </a:r>
-            <a:r>
-              <a:rPr/>
-              <a:t> </a:t>
-            </a:r>
-            <a:r>
-              <a:rPr/>
-              <a:t>is</a:t>
-            </a:r>
-            <a:r>
-              <a:rPr/>
-              <a:t> </a:t>
-            </a:r>
-            <a:r>
-              <a:rPr/>
-              <a:t>a</a:t>
-            </a:r>
-            <a:r>
-              <a:rPr/>
-              <a:t> </a:t>
-            </a:r>
-            <a:r>
-              <a:rPr/>
-              <a:t>library,</a:t>
-            </a:r>
-            <a:r>
-              <a:rPr/>
-              <a:t> </a:t>
-            </a:r>
-            <a:r>
-              <a:rPr/>
-              <a:t>mvtnorm,</a:t>
-            </a:r>
-            <a:r>
-              <a:rPr/>
-              <a:t> </a:t>
-            </a:r>
-            <a:r>
-              <a:rPr/>
-              <a:t>that</a:t>
-            </a:r>
-            <a:r>
-              <a:rPr/>
-              <a:t> </a:t>
-            </a:r>
-            <a:r>
-              <a:rPr/>
-              <a:t>will</a:t>
-            </a:r>
-            <a:r>
-              <a:rPr/>
-              <a:t> </a:t>
-            </a:r>
-            <a:r>
-              <a:rPr/>
-              <a:t>allow</a:t>
-            </a:r>
-            <a:r>
-              <a:rPr/>
-              <a:t> </a:t>
-            </a:r>
-            <a:r>
-              <a:rPr/>
-              <a:t>you</a:t>
-            </a:r>
-            <a:r>
-              <a:rPr/>
-              <a:t> </a:t>
-            </a:r>
-            <a:r>
-              <a:rPr/>
-              <a:t>to</a:t>
-            </a:r>
-            <a:r>
-              <a:rPr/>
-              <a:t> </a:t>
-            </a:r>
-            <a:r>
-              <a:rPr/>
-              <a:t>compute</a:t>
-            </a:r>
-            <a:r>
-              <a:rPr/>
-              <a:t> </a:t>
-            </a:r>
-            <a:r>
-              <a:rPr/>
-              <a:t>the</a:t>
-            </a:r>
-            <a:r>
-              <a:rPr/>
-              <a:t> </a:t>
-            </a:r>
-            <a:r>
-              <a:rPr/>
-              <a:t>percentiles</a:t>
-            </a:r>
-            <a:r>
-              <a:rPr/>
-              <a:t> </a:t>
-            </a:r>
-            <a:r>
-              <a:rPr/>
-              <a:t>needed</a:t>
-            </a:r>
-            <a:r>
-              <a:rPr/>
-              <a:t> </a:t>
-            </a:r>
-            <a:r>
-              <a:rPr/>
-              <a:t>for</a:t>
-            </a:r>
-            <a:r>
-              <a:rPr/>
-              <a:t> </a:t>
-            </a:r>
-            <a:r>
-              <a:rPr/>
-              <a:t>ANOM.</a:t>
-            </a:r>
-            <a:r>
-              <a:rPr/>
-              <a:t> </a:t>
-            </a:r>
-            <a:r>
-              <a:rPr/>
-              <a:t>Here’s</a:t>
-            </a:r>
-            <a:r>
-              <a:rPr/>
-              <a:t> </a:t>
-            </a:r>
-            <a:r>
-              <a:rPr/>
-              <a:t>an</a:t>
-            </a:r>
-            <a:r>
-              <a:rPr/>
-              <a:t> </a:t>
-            </a:r>
-            <a:r>
-              <a:rPr/>
-              <a:t>example:</a:t>
-            </a:r>
-          </a:p>
-          <a:p>
-            <a:pPr lvl="0" marL="0" indent="0">
-              <a:buNone/>
-            </a:pPr>
-          </a:p>
-          <a:p>
-            <a:pPr lvl="0" marL="0" indent="0">
-              <a:buNone/>
-            </a:pPr>
-            <a:r>
-              <a:rPr/>
-              <a:t>i</a:t>
-            </a:r>
-            <a:r>
-              <a:rPr/>
-              <a:t> </a:t>
-            </a:r>
-            <a:r>
-              <a:rPr/>
-              <a:t>&lt;-</a:t>
-            </a:r>
-            <a:r>
-              <a:rPr/>
-              <a:t> </a:t>
-            </a:r>
-            <a:r>
-              <a:rPr/>
-              <a:t>5</a:t>
-            </a:r>
-            <a:r>
-              <a:rPr/>
-              <a:t> </a:t>
-            </a:r>
-            <a:r>
-              <a:rPr/>
-              <a:t>co</a:t>
-            </a:r>
-            <a:r>
-              <a:rPr/>
-              <a:t> </a:t>
-            </a:r>
-            <a:r>
-              <a:rPr/>
-              <a:t>&lt;-</a:t>
-            </a:r>
-            <a:r>
-              <a:rPr/>
-              <a:t> </a:t>
-            </a:r>
-            <a:r>
-              <a:rPr/>
-              <a:t>matrix(-1/(i-1),nrow=i,ncol=i)</a:t>
-            </a:r>
-            <a:r>
-              <a:rPr/>
-              <a:t> </a:t>
-            </a:r>
-            <a:r>
-              <a:rPr/>
-              <a:t>diag(co)</a:t>
-            </a:r>
-            <a:r>
-              <a:rPr/>
-              <a:t> </a:t>
-            </a:r>
-            <a:r>
-              <a:rPr/>
-              <a:t>&lt;-</a:t>
-            </a:r>
-            <a:r>
-              <a:rPr/>
-              <a:t> </a:t>
-            </a:r>
-            <a:r>
-              <a:rPr/>
-              <a:t>rep(1,i)</a:t>
-            </a:r>
-            <a:r>
-              <a:rPr/>
-              <a:t> </a:t>
-            </a:r>
-            <a:r>
-              <a:rPr/>
-              <a:t>qmvt(p=0.95,tail=</a:t>
-            </a:r>
-            <a:r>
-              <a:rPr/>
-              <a:t>“</a:t>
-            </a:r>
-            <a:r>
-              <a:rPr/>
-              <a:t>both.tails</a:t>
-            </a:r>
-            <a:r>
-              <a:rPr/>
-              <a:t>”</a:t>
-            </a:r>
-            <a:r>
-              <a:rPr/>
-              <a:t>,corr=co,df=5000)</a:t>
-            </a:r>
-          </a:p>
-          <a:p>
-            <a:pPr lvl="0" marL="0" indent="0">
-              <a:buNone/>
-            </a:pPr>
-          </a:p>
-          <a:p>
-            <a:pPr lvl="0" marL="0" indent="0">
-              <a:buNone/>
-            </a:pPr>
-            <a:r>
-              <a:rPr/>
-              <a:t>http://www.pmean.com/07/AnomExample.html</a:t>
             </a:r>
           </a:p>
         </p:txBody>
@@ -3118,7 +2589,371 @@
           <a:p>
             <a:fld id="{18BDFEC3-8487-43E8-A154-7C12CBC1FFF2}" type="slidenum">
               <a:rPr lang="en-US"/>
-              <a:t>22</a:t>
+              <a:t>21</a:t>
+            </a:fld>
+            <a:endParaRPr lang="en-US"/>
+          </a:p>
+        </p:txBody>
+      </p:sp>
+    </p:spTree>
+  </p:cSld>
+</p:notes>
+</file>
+
+<file path=ppt/notesSlides/notesSlide14.xml><?xml version="1.0" encoding="utf-8"?>
+<p:notes xmlns:a="http://schemas.openxmlformats.org/drawingml/2006/main" xmlns:r="http://schemas.openxmlformats.org/officeDocument/2006/relationships" xmlns:p="http://schemas.openxmlformats.org/presentationml/2006/main">
+  <p:cSld>
+    <p:spTree>
+      <p:nvGrpSpPr>
+        <p:cNvPr id="1" name=""/>
+        <p:cNvGrpSpPr/>
+        <p:nvPr/>
+      </p:nvGrpSpPr>
+      <p:grpSpPr>
+        <a:xfrm>
+          <a:off x="0" y="0"/>
+          <a:ext cx="0" cy="0"/>
+          <a:chOff x="0" y="0"/>
+          <a:chExt cx="0" cy="0"/>
+        </a:xfrm>
+      </p:grpSpPr>
+      <p:sp>
+        <p:nvSpPr>
+          <p:cNvPr id="2" name="Slide Image Placeholder 1"/>
+          <p:cNvSpPr>
+            <a:spLocks noGrp="1" noRot="1" noChangeAspect="1"/>
+          </p:cNvSpPr>
+          <p:nvPr>
+            <p:ph type="sldImg"/>
+          </p:nvPr>
+        </p:nvSpPr>
+        <p:spPr/>
+      </p:sp>
+      <p:sp>
+        <p:nvSpPr>
+          <p:cNvPr id="3" name="Notes Placeholder 2"/>
+          <p:cNvSpPr>
+            <a:spLocks noGrp="1"/>
+          </p:cNvSpPr>
+          <p:nvPr>
+            <p:ph type="body" idx="1"/>
+          </p:nvPr>
+        </p:nvSpPr>
+        <p:spPr/>
+        <p:txBody>
+          <a:bodyPr/>
+          <a:lstStyle/>
+          <a:p>
+            <a:pPr lvl="0" marL="0" indent="0">
+              <a:buNone/>
+            </a:pPr>
+            <a:r>
+              <a:rPr/>
+              <a:t>You</a:t>
+            </a:r>
+            <a:r>
+              <a:rPr/>
+              <a:t> </a:t>
+            </a:r>
+            <a:r>
+              <a:rPr/>
+              <a:t>can</a:t>
+            </a:r>
+            <a:r>
+              <a:rPr/>
+              <a:t> </a:t>
+            </a:r>
+            <a:r>
+              <a:rPr/>
+              <a:t>also</a:t>
+            </a:r>
+            <a:r>
+              <a:rPr/>
+              <a:t> </a:t>
+            </a:r>
+            <a:r>
+              <a:rPr/>
+              <a:t>use</a:t>
+            </a:r>
+            <a:r>
+              <a:rPr/>
+              <a:t> </a:t>
+            </a:r>
+            <a:r>
+              <a:rPr/>
+              <a:t>the</a:t>
+            </a:r>
+            <a:r>
+              <a:rPr/>
+              <a:t> </a:t>
+            </a:r>
+            <a:r>
+              <a:rPr/>
+              <a:t>analysis</a:t>
+            </a:r>
+            <a:r>
+              <a:rPr/>
+              <a:t> </a:t>
+            </a:r>
+            <a:r>
+              <a:rPr/>
+              <a:t>of</a:t>
+            </a:r>
+            <a:r>
+              <a:rPr/>
+              <a:t> </a:t>
+            </a:r>
+            <a:r>
+              <a:rPr/>
+              <a:t>means</a:t>
+            </a:r>
+            <a:r>
+              <a:rPr/>
+              <a:t> </a:t>
+            </a:r>
+            <a:r>
+              <a:rPr/>
+              <a:t>methods</a:t>
+            </a:r>
+            <a:r>
+              <a:rPr/>
+              <a:t> </a:t>
+            </a:r>
+            <a:r>
+              <a:rPr/>
+              <a:t>for</a:t>
+            </a:r>
+            <a:r>
+              <a:rPr/>
+              <a:t> </a:t>
+            </a:r>
+            <a:r>
+              <a:rPr/>
+              <a:t>proportions</a:t>
+            </a:r>
+            <a:r>
+              <a:rPr/>
+              <a:t> </a:t>
+            </a:r>
+            <a:r>
+              <a:rPr/>
+              <a:t>and</a:t>
+            </a:r>
+            <a:r>
+              <a:rPr/>
+              <a:t> </a:t>
+            </a:r>
+            <a:r>
+              <a:rPr/>
+              <a:t>counts.</a:t>
+            </a:r>
+            <a:r>
+              <a:rPr/>
+              <a:t> </a:t>
+            </a:r>
+            <a:r>
+              <a:rPr/>
+              <a:t>Here’s</a:t>
+            </a:r>
+            <a:r>
+              <a:rPr/>
+              <a:t> </a:t>
+            </a:r>
+            <a:r>
+              <a:rPr/>
+              <a:t>an</a:t>
+            </a:r>
+            <a:r>
+              <a:rPr/>
+              <a:t> </a:t>
+            </a:r>
+            <a:r>
+              <a:rPr/>
+              <a:t>example</a:t>
+            </a:r>
+            <a:r>
+              <a:rPr/>
+              <a:t> </a:t>
+            </a:r>
+            <a:r>
+              <a:rPr/>
+              <a:t>of</a:t>
+            </a:r>
+            <a:r>
+              <a:rPr/>
+              <a:t> </a:t>
+            </a:r>
+            <a:r>
+              <a:rPr/>
+              <a:t>some</a:t>
+            </a:r>
+            <a:r>
+              <a:rPr/>
+              <a:t> </a:t>
+            </a:r>
+            <a:r>
+              <a:rPr/>
+              <a:t>proportion</a:t>
+            </a:r>
+            <a:r>
+              <a:rPr/>
+              <a:t> </a:t>
+            </a:r>
+            <a:r>
+              <a:rPr/>
+              <a:t>data.</a:t>
+            </a:r>
+          </a:p>
+        </p:txBody>
+      </p:sp>
+      <p:sp>
+        <p:nvSpPr>
+          <p:cNvPr id="4" name="Slide Number Placeholder 3"/>
+          <p:cNvSpPr>
+            <a:spLocks noGrp="1"/>
+          </p:cNvSpPr>
+          <p:nvPr>
+            <p:ph type="sldNum" sz="quarter" idx="10"/>
+          </p:nvPr>
+        </p:nvSpPr>
+        <p:spPr/>
+        <p:txBody>
+          <a:bodyPr/>
+          <a:lstStyle/>
+          <a:p>
+            <a:fld id="{18BDFEC3-8487-43E8-A154-7C12CBC1FFF2}" type="slidenum">
+              <a:rPr lang="en-US"/>
+              <a:t>23</a:t>
+            </a:fld>
+            <a:endParaRPr lang="en-US"/>
+          </a:p>
+        </p:txBody>
+      </p:sp>
+    </p:spTree>
+  </p:cSld>
+</p:notes>
+</file>
+
+<file path=ppt/notesSlides/notesSlide15.xml><?xml version="1.0" encoding="utf-8"?>
+<p:notes xmlns:a="http://schemas.openxmlformats.org/drawingml/2006/main" xmlns:r="http://schemas.openxmlformats.org/officeDocument/2006/relationships" xmlns:p="http://schemas.openxmlformats.org/presentationml/2006/main">
+  <p:cSld>
+    <p:spTree>
+      <p:nvGrpSpPr>
+        <p:cNvPr id="1" name=""/>
+        <p:cNvGrpSpPr/>
+        <p:nvPr/>
+      </p:nvGrpSpPr>
+      <p:grpSpPr>
+        <a:xfrm>
+          <a:off x="0" y="0"/>
+          <a:ext cx="0" cy="0"/>
+          <a:chOff x="0" y="0"/>
+          <a:chExt cx="0" cy="0"/>
+        </a:xfrm>
+      </p:grpSpPr>
+      <p:sp>
+        <p:nvSpPr>
+          <p:cNvPr id="2" name="Slide Image Placeholder 1"/>
+          <p:cNvSpPr>
+            <a:spLocks noGrp="1" noRot="1" noChangeAspect="1"/>
+          </p:cNvSpPr>
+          <p:nvPr>
+            <p:ph type="sldImg"/>
+          </p:nvPr>
+        </p:nvSpPr>
+        <p:spPr/>
+      </p:sp>
+      <p:sp>
+        <p:nvSpPr>
+          <p:cNvPr id="3" name="Notes Placeholder 2"/>
+          <p:cNvSpPr>
+            <a:spLocks noGrp="1"/>
+          </p:cNvSpPr>
+          <p:nvPr>
+            <p:ph type="body" idx="1"/>
+          </p:nvPr>
+        </p:nvSpPr>
+        <p:spPr/>
+        <p:txBody>
+          <a:bodyPr/>
+          <a:lstStyle/>
+          <a:p>
+            <a:pPr lvl="0" marL="0" indent="0">
+              <a:buNone/>
+            </a:pPr>
+            <a:r>
+              <a:rPr/>
+              <a:t>Here</a:t>
+            </a:r>
+            <a:r>
+              <a:rPr/>
+              <a:t> </a:t>
+            </a:r>
+            <a:r>
+              <a:rPr/>
+              <a:t>is</a:t>
+            </a:r>
+            <a:r>
+              <a:rPr/>
+              <a:t> </a:t>
+            </a:r>
+            <a:r>
+              <a:rPr/>
+              <a:t>a</a:t>
+            </a:r>
+            <a:r>
+              <a:rPr/>
+              <a:t> </a:t>
+            </a:r>
+            <a:r>
+              <a:rPr/>
+              <a:t>plot</a:t>
+            </a:r>
+            <a:r>
+              <a:rPr/>
+              <a:t> </a:t>
+            </a:r>
+            <a:r>
+              <a:rPr/>
+              <a:t>of</a:t>
+            </a:r>
+            <a:r>
+              <a:rPr/>
+              <a:t> </a:t>
+            </a:r>
+            <a:r>
+              <a:rPr/>
+              <a:t>the</a:t>
+            </a:r>
+            <a:r>
+              <a:rPr/>
+              <a:t> </a:t>
+            </a:r>
+            <a:r>
+              <a:rPr/>
+              <a:t>proportions.</a:t>
+            </a:r>
+          </a:p>
+        </p:txBody>
+      </p:sp>
+      <p:sp>
+        <p:nvSpPr>
+          <p:cNvPr id="4" name="Slide Number Placeholder 3"/>
+          <p:cNvSpPr>
+            <a:spLocks noGrp="1"/>
+          </p:cNvSpPr>
+          <p:nvPr>
+            <p:ph type="sldNum" sz="quarter" idx="10"/>
+          </p:nvPr>
+        </p:nvSpPr>
+        <p:spPr/>
+        <p:txBody>
+          <a:bodyPr/>
+          <a:lstStyle/>
+          <a:p>
+            <a:fld id="{18BDFEC3-8487-43E8-A154-7C12CBC1FFF2}" type="slidenum">
+              <a:rPr lang="en-US"/>
+              <a:t>25</a:t>
             </a:fld>
             <a:endParaRPr lang="en-US"/>
           </a:p>
@@ -9400,23 +9235,23 @@
             </a:pPr>
             <a:r>
               <a:rPr/>
-              <a:t>This</a:t>
-            </a:r>
-            <a:r>
-              <a:rPr/>
-              <a:t> </a:t>
-            </a:r>
-            <a:r>
-              <a:rPr/>
-              <a:t>dataset</a:t>
-            </a:r>
-            <a:r>
-              <a:rPr/>
-              <a:t> </a:t>
-            </a:r>
-            <a:r>
-              <a:rPr/>
-              <a:t>comes</a:t>
+              <a:t>You</a:t>
+            </a:r>
+            <a:r>
+              <a:rPr/>
+              <a:t> </a:t>
+            </a:r>
+            <a:r>
+              <a:rPr/>
+              <a:t>need</a:t>
+            </a:r>
+            <a:r>
+              <a:rPr/>
+              <a:t> </a:t>
+            </a:r>
+            <a:r>
+              <a:rPr/>
+              <a:t>percentiles</a:t>
             </a:r>
             <a:r>
               <a:rPr/>
@@ -9432,6 +9267,238 @@
             </a:r>
             <a:r>
               <a:rPr/>
+              <a:t>a</a:t>
+            </a:r>
+            <a:r>
+              <a:rPr/>
+              <a:t> </a:t>
+            </a:r>
+            <a:r>
+              <a:rPr/>
+              <a:t>special</a:t>
+            </a:r>
+            <a:r>
+              <a:rPr/>
+              <a:t> </a:t>
+            </a:r>
+            <a:r>
+              <a:rPr/>
+              <a:t>distribution.</a:t>
+            </a:r>
+            <a:r>
+              <a:rPr/>
+              <a:t> </a:t>
+            </a:r>
+            <a:r>
+              <a:rPr/>
+              <a:t>You</a:t>
+            </a:r>
+            <a:r>
+              <a:rPr/>
+              <a:t> </a:t>
+            </a:r>
+            <a:r>
+              <a:rPr/>
+              <a:t>can</a:t>
+            </a:r>
+            <a:r>
+              <a:rPr/>
+              <a:t> </a:t>
+            </a:r>
+            <a:r>
+              <a:rPr/>
+              <a:t>find</a:t>
+            </a:r>
+            <a:r>
+              <a:rPr/>
+              <a:t> </a:t>
+            </a:r>
+            <a:r>
+              <a:rPr/>
+              <a:t>tables</a:t>
+            </a:r>
+            <a:r>
+              <a:rPr/>
+              <a:t> </a:t>
+            </a:r>
+            <a:r>
+              <a:rPr/>
+              <a:t>for</a:t>
+            </a:r>
+            <a:r>
+              <a:rPr/>
+              <a:t> </a:t>
+            </a:r>
+            <a:r>
+              <a:rPr/>
+              <a:t>this</a:t>
+            </a:r>
+            <a:r>
+              <a:rPr/>
+              <a:t> </a:t>
+            </a:r>
+            <a:r>
+              <a:rPr/>
+              <a:t>distribution</a:t>
+            </a:r>
+            <a:r>
+              <a:rPr/>
+              <a:t> </a:t>
+            </a:r>
+            <a:r>
+              <a:rPr/>
+              <a:t>in</a:t>
+            </a:r>
+            <a:r>
+              <a:rPr/>
+              <a:t> </a:t>
+            </a:r>
+            <a:r>
+              <a:rPr/>
+              <a:t>many</a:t>
+            </a:r>
+            <a:r>
+              <a:rPr/>
+              <a:t> </a:t>
+            </a:r>
+            <a:r>
+              <a:rPr/>
+              <a:t>places.</a:t>
+            </a:r>
+            <a:r>
+              <a:rPr/>
+              <a:t> </a:t>
+            </a:r>
+            <a:r>
+              <a:rPr/>
+              <a:t>Here’s</a:t>
+            </a:r>
+            <a:r>
+              <a:rPr/>
+              <a:t> </a:t>
+            </a:r>
+            <a:r>
+              <a:rPr/>
+              <a:t>a</a:t>
+            </a:r>
+            <a:r>
+              <a:rPr/>
+              <a:t> </a:t>
+            </a:r>
+            <a:r>
+              <a:rPr/>
+              <a:t>small</a:t>
+            </a:r>
+            <a:r>
+              <a:rPr/>
+              <a:t> </a:t>
+            </a:r>
+            <a:r>
+              <a:rPr/>
+              <a:t>piece</a:t>
+            </a:r>
+            <a:r>
+              <a:rPr/>
+              <a:t> </a:t>
+            </a:r>
+            <a:r>
+              <a:rPr/>
+              <a:t>of</a:t>
+            </a:r>
+            <a:r>
+              <a:rPr/>
+              <a:t> </a:t>
+            </a:r>
+            <a:r>
+              <a:rPr/>
+              <a:t>a</a:t>
+            </a:r>
+            <a:r>
+              <a:rPr/>
+              <a:t> </a:t>
+            </a:r>
+            <a:r>
+              <a:rPr/>
+              <a:t>table</a:t>
+            </a:r>
+            <a:r>
+              <a:rPr/>
+              <a:t> </a:t>
+            </a:r>
+            <a:r>
+              <a:rPr/>
+              <a:t>that</a:t>
+            </a:r>
+            <a:r>
+              <a:rPr/>
+              <a:t> </a:t>
+            </a:r>
+            <a:r>
+              <a:rPr/>
+              <a:t>I</a:t>
+            </a:r>
+            <a:r>
+              <a:rPr/>
+              <a:t> </a:t>
+            </a:r>
+            <a:r>
+              <a:rPr/>
+              <a:t>produced</a:t>
+            </a:r>
+            <a:r>
+              <a:rPr/>
+              <a:t> </a:t>
+            </a:r>
+            <a:r>
+              <a:rPr/>
+              <a:t>a</a:t>
+            </a:r>
+            <a:r>
+              <a:rPr/>
+              <a:t> </a:t>
+            </a:r>
+            <a:r>
+              <a:rPr/>
+              <a:t>while</a:t>
+            </a:r>
+            <a:r>
+              <a:rPr/>
+              <a:t> </a:t>
+            </a:r>
+            <a:r>
+              <a:rPr/>
+              <a:t>back.</a:t>
+            </a:r>
+            <a:r>
+              <a:rPr/>
+              <a:t> </a:t>
+            </a:r>
+            <a:r>
+              <a:rPr/>
+              <a:t>You</a:t>
+            </a:r>
+            <a:r>
+              <a:rPr/>
+              <a:t> </a:t>
+            </a:r>
+            <a:r>
+              <a:rPr/>
+              <a:t>can</a:t>
+            </a:r>
+            <a:r>
+              <a:rPr/>
+              <a:t> </a:t>
+            </a:r>
+            <a:r>
+              <a:rPr/>
+              <a:t>find</a:t>
+            </a:r>
+            <a:r>
+              <a:rPr/>
+              <a:t> </a:t>
+            </a:r>
+            <a:r>
+              <a:rPr/>
               <a:t>the</a:t>
             </a:r>
             <a:r>
@@ -9440,303 +9507,23 @@
             </a:r>
             <a:r>
               <a:rPr/>
-              <a:t>SAS</a:t>
-            </a:r>
-            <a:r>
-              <a:rPr/>
-              <a:t> </a:t>
-            </a:r>
-            <a:r>
-              <a:rPr/>
-              <a:t>QC</a:t>
-            </a:r>
-            <a:r>
-              <a:rPr/>
-              <a:t> </a:t>
-            </a:r>
-            <a:r>
-              <a:rPr/>
-              <a:t>Guide.</a:t>
-            </a:r>
-            <a:r>
-              <a:rPr/>
-              <a:t> </a:t>
-            </a:r>
-            <a:r>
-              <a:rPr/>
-              <a:t>It</a:t>
-            </a:r>
-            <a:r>
-              <a:rPr/>
-              <a:t> </a:t>
-            </a:r>
-            <a:r>
-              <a:rPr/>
-              <a:t>represents</a:t>
-            </a:r>
-            <a:r>
-              <a:rPr/>
-              <a:t> </a:t>
-            </a:r>
-            <a:r>
-              <a:rPr/>
-              <a:t>deviations</a:t>
-            </a:r>
-            <a:r>
-              <a:rPr/>
-              <a:t> </a:t>
-            </a:r>
-            <a:r>
-              <a:rPr/>
-              <a:t>in</a:t>
-            </a:r>
-            <a:r>
-              <a:rPr/>
-              <a:t> </a:t>
-            </a:r>
-            <a:r>
-              <a:rPr/>
-              <a:t>label</a:t>
-            </a:r>
-            <a:r>
-              <a:rPr/>
-              <a:t> </a:t>
-            </a:r>
-            <a:r>
-              <a:rPr/>
-              <a:t>placement</a:t>
-            </a:r>
-            <a:r>
-              <a:rPr/>
-              <a:t> </a:t>
-            </a:r>
-            <a:r>
-              <a:rPr/>
-              <a:t>for</a:t>
-            </a:r>
-            <a:r>
-              <a:rPr/>
-              <a:t> </a:t>
-            </a:r>
-            <a:r>
-              <a:rPr/>
-              <a:t>a</a:t>
-            </a:r>
-            <a:r>
-              <a:rPr/>
-              <a:t> </a:t>
-            </a:r>
-            <a:r>
-              <a:rPr/>
-              <a:t>bottling</a:t>
-            </a:r>
-            <a:r>
-              <a:rPr/>
-              <a:t> </a:t>
-            </a:r>
-            <a:r>
-              <a:rPr/>
-              <a:t>machine.</a:t>
-            </a:r>
-            <a:r>
-              <a:rPr/>
-              <a:t> </a:t>
-            </a:r>
-            <a:r>
-              <a:rPr/>
-              <a:t>There</a:t>
-            </a:r>
-            <a:r>
-              <a:rPr/>
-              <a:t> </a:t>
-            </a:r>
-            <a:r>
-              <a:rPr/>
-              <a:t>are</a:t>
-            </a:r>
-            <a:r>
-              <a:rPr/>
-              <a:t> </a:t>
-            </a:r>
-            <a:r>
-              <a:rPr/>
-              <a:t>six</a:t>
-            </a:r>
-            <a:r>
-              <a:rPr/>
-              <a:t> </a:t>
-            </a:r>
-            <a:r>
-              <a:rPr/>
-              <a:t>different</a:t>
-            </a:r>
-            <a:r>
-              <a:rPr/>
-              <a:t> </a:t>
-            </a:r>
-            <a:r>
-              <a:rPr/>
-              <a:t>positions</a:t>
-            </a:r>
-            <a:r>
-              <a:rPr/>
-              <a:t> </a:t>
-            </a:r>
-            <a:r>
-              <a:rPr/>
-              <a:t>for</a:t>
-            </a:r>
-            <a:r>
-              <a:rPr/>
-              <a:t> </a:t>
-            </a:r>
-            <a:r>
-              <a:rPr/>
-              <a:t>this</a:t>
-            </a:r>
-            <a:r>
-              <a:rPr/>
-              <a:t> </a:t>
-            </a:r>
-            <a:r>
-              <a:rPr/>
-              <a:t>machine,</a:t>
-            </a:r>
-            <a:r>
-              <a:rPr/>
-              <a:t> </a:t>
-            </a:r>
-            <a:r>
-              <a:rPr/>
-              <a:t>and</a:t>
-            </a:r>
-            <a:r>
-              <a:rPr/>
-              <a:t> </a:t>
-            </a:r>
-            <a:r>
-              <a:rPr/>
-              <a:t>you</a:t>
-            </a:r>
-            <a:r>
-              <a:rPr/>
-              <a:t> </a:t>
-            </a:r>
-            <a:r>
-              <a:rPr/>
-              <a:t>want</a:t>
-            </a:r>
-            <a:r>
-              <a:rPr/>
-              <a:t> </a:t>
-            </a:r>
-            <a:r>
-              <a:rPr/>
-              <a:t>to</a:t>
-            </a:r>
-            <a:r>
-              <a:rPr/>
-              <a:t> </a:t>
-            </a:r>
-            <a:r>
-              <a:rPr/>
-              <a:t>find</a:t>
-            </a:r>
-            <a:r>
-              <a:rPr/>
-              <a:t> </a:t>
-            </a:r>
-            <a:r>
-              <a:rPr/>
-              <a:t>out</a:t>
-            </a:r>
-            <a:r>
-              <a:rPr/>
-              <a:t> </a:t>
-            </a:r>
-            <a:r>
-              <a:rPr/>
-              <a:t>if</a:t>
-            </a:r>
-            <a:r>
-              <a:rPr/>
-              <a:t> </a:t>
-            </a:r>
-            <a:r>
-              <a:rPr/>
-              <a:t>the</a:t>
-            </a:r>
-            <a:r>
-              <a:rPr/>
-              <a:t> </a:t>
-            </a:r>
-            <a:r>
-              <a:rPr/>
-              <a:t>deviations</a:t>
-            </a:r>
-            <a:r>
-              <a:rPr/>
-              <a:t> </a:t>
-            </a:r>
-            <a:r>
-              <a:rPr/>
-              <a:t>are</a:t>
-            </a:r>
-            <a:r>
-              <a:rPr/>
-              <a:t> </a:t>
-            </a:r>
-            <a:r>
-              <a:rPr/>
-              <a:t>substantially</a:t>
-            </a:r>
-            <a:r>
-              <a:rPr/>
-              <a:t> </a:t>
-            </a:r>
-            <a:r>
-              <a:rPr/>
-              <a:t>different</a:t>
-            </a:r>
-            <a:r>
-              <a:rPr/>
-              <a:t> </a:t>
-            </a:r>
-            <a:r>
-              <a:rPr/>
-              <a:t>for</a:t>
-            </a:r>
-            <a:r>
-              <a:rPr/>
-              <a:t> </a:t>
-            </a:r>
-            <a:r>
-              <a:rPr/>
-              <a:t>one</a:t>
-            </a:r>
-            <a:r>
-              <a:rPr/>
-              <a:t> </a:t>
-            </a:r>
-            <a:r>
-              <a:rPr/>
-              <a:t>or</a:t>
-            </a:r>
-            <a:r>
-              <a:rPr/>
-              <a:t> </a:t>
-            </a:r>
-            <a:r>
-              <a:rPr/>
-              <a:t>more</a:t>
-            </a:r>
-            <a:r>
-              <a:rPr/>
-              <a:t> </a:t>
-            </a:r>
-            <a:r>
-              <a:rPr/>
-              <a:t>positions.</a:t>
+              <a:t>full</a:t>
+            </a:r>
+            <a:r>
+              <a:rPr/>
+              <a:t> </a:t>
+            </a:r>
+            <a:r>
+              <a:rPr/>
+              <a:t>table</a:t>
+            </a:r>
+            <a:r>
+              <a:rPr/>
+              <a:t> </a:t>
+            </a:r>
+            <a:r>
+              <a:rPr/>
+              <a:t>at</a:t>
             </a:r>
           </a:p>
           <a:p>
@@ -9750,7 +9537,439 @@
             </a:pPr>
             <a:r>
               <a:rPr/>
-              <a:t>The</a:t>
+              <a:t>http://www.pmean.com/07/AnomTable05Part1.html</a:t>
+            </a:r>
+          </a:p>
+          <a:p>
+            <a:pPr lvl="0" marL="0" indent="0">
+              <a:buNone/>
+            </a:pPr>
+          </a:p>
+          <a:p>
+            <a:pPr lvl="0" marL="0" indent="0">
+              <a:buNone/>
+            </a:pPr>
+            <a:r>
+              <a:rPr/>
+              <a:t>and</a:t>
+            </a:r>
+          </a:p>
+          <a:p>
+            <a:pPr lvl="0" marL="0" indent="0">
+              <a:buNone/>
+            </a:pPr>
+          </a:p>
+          <a:p>
+            <a:pPr lvl="0" marL="0" indent="0">
+              <a:buNone/>
+            </a:pPr>
+            <a:r>
+              <a:rPr/>
+              <a:t>http://www.pmean.com/07/AnomTable05Part2.html</a:t>
+            </a:r>
+          </a:p>
+          <a:p>
+            <a:pPr lvl="0" marL="0" indent="0">
+              <a:buNone/>
+            </a:pPr>
+          </a:p>
+          <a:p>
+            <a:pPr lvl="0" marL="0" indent="0">
+              <a:buNone/>
+            </a:pPr>
+            <a:r>
+              <a:rPr/>
+              <a:t>If</a:t>
+            </a:r>
+            <a:r>
+              <a:rPr/>
+              <a:t> </a:t>
+            </a:r>
+            <a:r>
+              <a:rPr/>
+              <a:t>you</a:t>
+            </a:r>
+            <a:r>
+              <a:rPr/>
+              <a:t> </a:t>
+            </a:r>
+            <a:r>
+              <a:rPr/>
+              <a:t>are</a:t>
+            </a:r>
+            <a:r>
+              <a:rPr/>
+              <a:t> </a:t>
+            </a:r>
+            <a:r>
+              <a:rPr/>
+              <a:t>curious,</a:t>
+            </a:r>
+            <a:r>
+              <a:rPr/>
+              <a:t> </a:t>
+            </a:r>
+            <a:r>
+              <a:rPr/>
+              <a:t>here</a:t>
+            </a:r>
+            <a:r>
+              <a:rPr/>
+              <a:t> </a:t>
+            </a:r>
+            <a:r>
+              <a:rPr/>
+              <a:t>are</a:t>
+            </a:r>
+            <a:r>
+              <a:rPr/>
+              <a:t> </a:t>
+            </a:r>
+            <a:r>
+              <a:rPr/>
+              <a:t>a</a:t>
+            </a:r>
+            <a:r>
+              <a:rPr/>
+              <a:t> </a:t>
+            </a:r>
+            <a:r>
+              <a:rPr/>
+              <a:t>few</a:t>
+            </a:r>
+            <a:r>
+              <a:rPr/>
+              <a:t> </a:t>
+            </a:r>
+            <a:r>
+              <a:rPr/>
+              <a:t>details</a:t>
+            </a:r>
+            <a:r>
+              <a:rPr/>
+              <a:t> </a:t>
+            </a:r>
+            <a:r>
+              <a:rPr/>
+              <a:t>about</a:t>
+            </a:r>
+            <a:r>
+              <a:rPr/>
+              <a:t> </a:t>
+            </a:r>
+            <a:r>
+              <a:rPr/>
+              <a:t>how</a:t>
+            </a:r>
+            <a:r>
+              <a:rPr/>
+              <a:t> </a:t>
+            </a:r>
+            <a:r>
+              <a:rPr/>
+              <a:t>I</a:t>
+            </a:r>
+            <a:r>
+              <a:rPr/>
+              <a:t> </a:t>
+            </a:r>
+            <a:r>
+              <a:rPr/>
+              <a:t>generated</a:t>
+            </a:r>
+            <a:r>
+              <a:rPr/>
+              <a:t> </a:t>
+            </a:r>
+            <a:r>
+              <a:rPr/>
+              <a:t>this</a:t>
+            </a:r>
+            <a:r>
+              <a:rPr/>
+              <a:t> </a:t>
+            </a:r>
+            <a:r>
+              <a:rPr/>
+              <a:t>table.</a:t>
+            </a:r>
+            <a:r>
+              <a:rPr/>
+              <a:t> </a:t>
+            </a:r>
+            <a:r>
+              <a:rPr/>
+              <a:t>I</a:t>
+            </a:r>
+            <a:r>
+              <a:rPr/>
+              <a:t> </a:t>
+            </a:r>
+            <a:r>
+              <a:rPr/>
+              <a:t>cross</a:t>
+            </a:r>
+            <a:r>
+              <a:rPr/>
+              <a:t> </a:t>
+            </a:r>
+            <a:r>
+              <a:rPr/>
+              <a:t>checked</a:t>
+            </a:r>
+            <a:r>
+              <a:rPr/>
+              <a:t> </a:t>
+            </a:r>
+            <a:r>
+              <a:rPr/>
+              <a:t>it</a:t>
+            </a:r>
+            <a:r>
+              <a:rPr/>
+              <a:t> </a:t>
+            </a:r>
+            <a:r>
+              <a:rPr/>
+              <a:t>against</a:t>
+            </a:r>
+            <a:r>
+              <a:rPr/>
+              <a:t> </a:t>
+            </a:r>
+            <a:r>
+              <a:rPr/>
+              <a:t>several</a:t>
+            </a:r>
+            <a:r>
+              <a:rPr/>
+              <a:t> </a:t>
+            </a:r>
+            <a:r>
+              <a:rPr/>
+              <a:t>other</a:t>
+            </a:r>
+            <a:r>
+              <a:rPr/>
+              <a:t> </a:t>
+            </a:r>
+            <a:r>
+              <a:rPr/>
+              <a:t>tables,</a:t>
+            </a:r>
+            <a:r>
+              <a:rPr/>
+              <a:t> </a:t>
+            </a:r>
+            <a:r>
+              <a:rPr/>
+              <a:t>by</a:t>
+            </a:r>
+            <a:r>
+              <a:rPr/>
+              <a:t> </a:t>
+            </a:r>
+            <a:r>
+              <a:rPr/>
+              <a:t>the</a:t>
+            </a:r>
+            <a:r>
+              <a:rPr/>
+              <a:t> </a:t>
+            </a:r>
+            <a:r>
+              <a:rPr/>
+              <a:t>way.</a:t>
+            </a:r>
+          </a:p>
+          <a:p>
+            <a:pPr lvl="0" marL="0" indent="0">
+              <a:buNone/>
+            </a:pPr>
+          </a:p>
+          <a:p>
+            <a:pPr lvl="0" marL="0" indent="0">
+              <a:buNone/>
+            </a:pPr>
+            <a:r>
+              <a:rPr/>
+              <a:t>You</a:t>
+            </a:r>
+            <a:r>
+              <a:rPr/>
+              <a:t> </a:t>
+            </a:r>
+            <a:r>
+              <a:rPr/>
+              <a:t>compute</a:t>
+            </a:r>
+            <a:r>
+              <a:rPr/>
+              <a:t> </a:t>
+            </a:r>
+            <a:r>
+              <a:rPr/>
+              <a:t>the</a:t>
+            </a:r>
+            <a:r>
+              <a:rPr/>
+              <a:t> </a:t>
+            </a:r>
+            <a:r>
+              <a:rPr/>
+              <a:t>critical</a:t>
+            </a:r>
+            <a:r>
+              <a:rPr/>
+              <a:t> </a:t>
+            </a:r>
+            <a:r>
+              <a:rPr/>
+              <a:t>value</a:t>
+            </a:r>
+            <a:r>
+              <a:rPr/>
+              <a:t> </a:t>
+            </a:r>
+            <a:r>
+              <a:rPr/>
+              <a:t>using</a:t>
+            </a:r>
+            <a:r>
+              <a:rPr/>
+              <a:t> </a:t>
+            </a:r>
+            <a:r>
+              <a:rPr/>
+              <a:t>a</a:t>
+            </a:r>
+            <a:r>
+              <a:rPr/>
+              <a:t> </a:t>
+            </a:r>
+            <a:r>
+              <a:rPr/>
+              <a:t>multivariate</a:t>
+            </a:r>
+            <a:r>
+              <a:rPr/>
+              <a:t> </a:t>
+            </a:r>
+            <a:r>
+              <a:rPr/>
+              <a:t>t-distribution.</a:t>
+            </a:r>
+            <a:r>
+              <a:rPr/>
+              <a:t> </a:t>
+            </a:r>
+            <a:r>
+              <a:rPr/>
+              <a:t>There</a:t>
+            </a:r>
+            <a:r>
+              <a:rPr/>
+              <a:t> </a:t>
+            </a:r>
+            <a:r>
+              <a:rPr/>
+              <a:t>are</a:t>
+            </a:r>
+            <a:r>
+              <a:rPr/>
+              <a:t> </a:t>
+            </a:r>
+            <a:r>
+              <a:rPr/>
+              <a:t>a</a:t>
+            </a:r>
+            <a:r>
+              <a:rPr/>
+              <a:t> </a:t>
+            </a:r>
+            <a:r>
+              <a:rPr/>
+              <a:t>few</a:t>
+            </a:r>
+            <a:r>
+              <a:rPr/>
+              <a:t> </a:t>
+            </a:r>
+            <a:r>
+              <a:rPr/>
+              <a:t>complications.</a:t>
+            </a:r>
+            <a:r>
+              <a:rPr/>
+              <a:t> </a:t>
+            </a:r>
+            <a:r>
+              <a:rPr/>
+              <a:t>First</a:t>
+            </a:r>
+            <a:r>
+              <a:rPr/>
+              <a:t> </a:t>
+            </a:r>
+            <a:r>
+              <a:rPr/>
+              <a:t>the</a:t>
+            </a:r>
+            <a:r>
+              <a:rPr/>
+              <a:t> </a:t>
+            </a:r>
+            <a:r>
+              <a:rPr/>
+              <a:t>distribution</a:t>
+            </a:r>
+            <a:r>
+              <a:rPr/>
+              <a:t> </a:t>
+            </a:r>
+            <a:r>
+              <a:rPr/>
+              <a:t>you</a:t>
+            </a:r>
+            <a:r>
+              <a:rPr/>
+              <a:t> </a:t>
+            </a:r>
+            <a:r>
+              <a:rPr/>
+              <a:t>are</a:t>
+            </a:r>
+            <a:r>
+              <a:rPr/>
+              <a:t> </a:t>
+            </a:r>
+            <a:r>
+              <a:rPr/>
+              <a:t>trying</a:t>
+            </a:r>
+            <a:r>
+              <a:rPr/>
+              <a:t> </a:t>
+            </a:r>
+            <a:r>
+              <a:rPr/>
+              <a:t>to</a:t>
+            </a:r>
+            <a:r>
+              <a:rPr/>
+              <a:t> </a:t>
+            </a:r>
+            <a:r>
+              <a:rPr/>
+              <a:t>describe</a:t>
+            </a:r>
+            <a:r>
+              <a:rPr/>
+              <a:t> </a:t>
+            </a:r>
+            <a:r>
+              <a:rPr/>
+              <a:t>represents</a:t>
             </a:r>
             <a:r>
               <a:rPr/>
@@ -9766,6 +9985,214 @@
             </a:r>
             <a:r>
               <a:rPr/>
+              <a:t>from</a:t>
+            </a:r>
+            <a:r>
+              <a:rPr/>
+              <a:t> </a:t>
+            </a:r>
+            <a:r>
+              <a:rPr/>
+              <a:t>an</a:t>
+            </a:r>
+            <a:r>
+              <a:rPr/>
+              <a:t> </a:t>
+            </a:r>
+            <a:r>
+              <a:rPr/>
+              <a:t>overall</a:t>
+            </a:r>
+            <a:r>
+              <a:rPr/>
+              <a:t> </a:t>
+            </a:r>
+            <a:r>
+              <a:rPr/>
+              <a:t>mean,</a:t>
+            </a:r>
+            <a:r>
+              <a:rPr/>
+              <a:t> </a:t>
+            </a:r>
+            <a:r>
+              <a:rPr/>
+              <a:t>so</a:t>
+            </a:r>
+            <a:r>
+              <a:rPr/>
+              <a:t> </a:t>
+            </a:r>
+            <a:r>
+              <a:rPr/>
+              <a:t>there</a:t>
+            </a:r>
+            <a:r>
+              <a:rPr/>
+              <a:t> </a:t>
+            </a:r>
+            <a:r>
+              <a:rPr/>
+              <a:t>will</a:t>
+            </a:r>
+            <a:r>
+              <a:rPr/>
+              <a:t> </a:t>
+            </a:r>
+            <a:r>
+              <a:rPr/>
+              <a:t>be</a:t>
+            </a:r>
+            <a:r>
+              <a:rPr/>
+              <a:t> </a:t>
+            </a:r>
+            <a:r>
+              <a:rPr/>
+              <a:t>correlations</a:t>
+            </a:r>
+            <a:r>
+              <a:rPr/>
+              <a:t> </a:t>
+            </a:r>
+            <a:r>
+              <a:rPr/>
+              <a:t>in</a:t>
+            </a:r>
+            <a:r>
+              <a:rPr/>
+              <a:t> </a:t>
+            </a:r>
+            <a:r>
+              <a:rPr/>
+              <a:t>the</a:t>
+            </a:r>
+            <a:r>
+              <a:rPr/>
+              <a:t> </a:t>
+            </a:r>
+            <a:r>
+              <a:rPr/>
+              <a:t>data</a:t>
+            </a:r>
+            <a:r>
+              <a:rPr/>
+              <a:t> </a:t>
+            </a:r>
+            <a:r>
+              <a:rPr/>
+              <a:t>since</a:t>
+            </a:r>
+            <a:r>
+              <a:rPr/>
+              <a:t> </a:t>
+            </a:r>
+            <a:r>
+              <a:rPr/>
+              <a:t>each</a:t>
+            </a:r>
+            <a:r>
+              <a:rPr/>
+              <a:t> </a:t>
+            </a:r>
+            <a:r>
+              <a:rPr/>
+              <a:t>group</a:t>
+            </a:r>
+            <a:r>
+              <a:rPr/>
+              <a:t> </a:t>
+            </a:r>
+            <a:r>
+              <a:rPr/>
+              <a:t>contributes</a:t>
+            </a:r>
+            <a:r>
+              <a:rPr/>
+              <a:t> </a:t>
+            </a:r>
+            <a:r>
+              <a:rPr/>
+              <a:t>to</a:t>
+            </a:r>
+            <a:r>
+              <a:rPr/>
+              <a:t> </a:t>
+            </a:r>
+            <a:r>
+              <a:rPr/>
+              <a:t>the</a:t>
+            </a:r>
+            <a:r>
+              <a:rPr/>
+              <a:t> </a:t>
+            </a:r>
+            <a:r>
+              <a:rPr/>
+              <a:t>overall</a:t>
+            </a:r>
+            <a:r>
+              <a:rPr/>
+              <a:t> </a:t>
+            </a:r>
+            <a:r>
+              <a:rPr/>
+              <a:t>mean.</a:t>
+            </a:r>
+            <a:r>
+              <a:rPr/>
+              <a:t> </a:t>
+            </a:r>
+            <a:r>
+              <a:rPr/>
+              <a:t>This</a:t>
+            </a:r>
+            <a:r>
+              <a:rPr/>
+              <a:t> </a:t>
+            </a:r>
+            <a:r>
+              <a:rPr/>
+              <a:t>correlation,</a:t>
+            </a:r>
+            <a:r>
+              <a:rPr/>
+              <a:t> </a:t>
+            </a:r>
+            <a:r>
+              <a:rPr/>
+              <a:t>-1/(I-1),</a:t>
+            </a:r>
+            <a:r>
+              <a:rPr/>
+              <a:t> </a:t>
+            </a:r>
+            <a:r>
+              <a:rPr/>
+              <a:t>is</a:t>
+            </a:r>
+            <a:r>
+              <a:rPr/>
+              <a:t> </a:t>
+            </a:r>
+            <a:r>
+              <a:rPr/>
+              <a:t>the</a:t>
+            </a:r>
+            <a:r>
+              <a:rPr/>
+              <a:t> </a:t>
+            </a:r>
+            <a:r>
+              <a:rPr/>
+              <a:t>same</a:t>
+            </a:r>
+            <a:r>
+              <a:rPr/>
+              <a:t> </a:t>
+            </a:r>
+            <a:r>
+              <a:rPr/>
               <a:t>for</a:t>
             </a:r>
             <a:r>
@@ -9774,55 +10201,621 @@
             </a:r>
             <a:r>
               <a:rPr/>
-              <a:t>Position</a:t>
-            </a:r>
-            <a:r>
-              <a:rPr/>
-              <a:t> </a:t>
-            </a:r>
-            <a:r>
-              <a:rPr/>
-              <a:t>1</a:t>
-            </a:r>
-            <a:r>
-              <a:rPr/>
-              <a:t> </a:t>
-            </a:r>
-            <a:r>
-              <a:rPr/>
-              <a:t>are</a:t>
-            </a:r>
-            <a:r>
-              <a:rPr/>
-              <a:t> </a:t>
-            </a:r>
-            <a:r>
-              <a:rPr/>
-              <a:t>small</a:t>
-            </a:r>
-            <a:r>
-              <a:rPr/>
-              <a:t> </a:t>
-            </a:r>
-            <a:r>
-              <a:rPr/>
-              <a:t>but</a:t>
-            </a:r>
-            <a:r>
-              <a:rPr/>
-              <a:t> </a:t>
-            </a:r>
-            <a:r>
-              <a:rPr/>
-              <a:t>mostly</a:t>
-            </a:r>
-            <a:r>
-              <a:rPr/>
-              <a:t> </a:t>
-            </a:r>
-            <a:r>
-              <a:rPr/>
-              <a:t>negative.</a:t>
+              <a:t>any</a:t>
+            </a:r>
+            <a:r>
+              <a:rPr/>
+              <a:t> </a:t>
+            </a:r>
+            <a:r>
+              <a:rPr/>
+              <a:t>pair</a:t>
+            </a:r>
+            <a:r>
+              <a:rPr/>
+              <a:t> </a:t>
+            </a:r>
+            <a:r>
+              <a:rPr/>
+              <a:t>of</a:t>
+            </a:r>
+            <a:r>
+              <a:rPr/>
+              <a:t> </a:t>
+            </a:r>
+            <a:r>
+              <a:rPr/>
+              <a:t>deviations.</a:t>
+            </a:r>
+            <a:r>
+              <a:rPr/>
+              <a:t> </a:t>
+            </a:r>
+            <a:r>
+              <a:rPr/>
+              <a:t>Second,</a:t>
+            </a:r>
+            <a:r>
+              <a:rPr/>
+              <a:t> </a:t>
+            </a:r>
+            <a:r>
+              <a:rPr/>
+              <a:t>the</a:t>
+            </a:r>
+            <a:r>
+              <a:rPr/>
+              <a:t> </a:t>
+            </a:r>
+            <a:r>
+              <a:rPr/>
+              <a:t>sum</a:t>
+            </a:r>
+            <a:r>
+              <a:rPr/>
+              <a:t> </a:t>
+            </a:r>
+            <a:r>
+              <a:rPr/>
+              <a:t>of</a:t>
+            </a:r>
+            <a:r>
+              <a:rPr/>
+              <a:t> </a:t>
+            </a:r>
+            <a:r>
+              <a:rPr/>
+              <a:t>the</a:t>
+            </a:r>
+            <a:r>
+              <a:rPr/>
+              <a:t> </a:t>
+            </a:r>
+            <a:r>
+              <a:rPr/>
+              <a:t>deviations</a:t>
+            </a:r>
+            <a:r>
+              <a:rPr/>
+              <a:t> </a:t>
+            </a:r>
+            <a:r>
+              <a:rPr/>
+              <a:t>must</a:t>
+            </a:r>
+            <a:r>
+              <a:rPr/>
+              <a:t> </a:t>
+            </a:r>
+            <a:r>
+              <a:rPr/>
+              <a:t>equal</a:t>
+            </a:r>
+            <a:r>
+              <a:rPr/>
+              <a:t> </a:t>
+            </a:r>
+            <a:r>
+              <a:rPr/>
+              <a:t>zero,</a:t>
+            </a:r>
+            <a:r>
+              <a:rPr/>
+              <a:t> </a:t>
+            </a:r>
+            <a:r>
+              <a:rPr/>
+              <a:t>so</a:t>
+            </a:r>
+            <a:r>
+              <a:rPr/>
+              <a:t> </a:t>
+            </a:r>
+            <a:r>
+              <a:rPr/>
+              <a:t>this</a:t>
+            </a:r>
+            <a:r>
+              <a:rPr/>
+              <a:t> </a:t>
+            </a:r>
+            <a:r>
+              <a:rPr/>
+              <a:t>produces</a:t>
+            </a:r>
+            <a:r>
+              <a:rPr/>
+              <a:t> </a:t>
+            </a:r>
+            <a:r>
+              <a:rPr/>
+              <a:t>a</a:t>
+            </a:r>
+            <a:r>
+              <a:rPr/>
+              <a:t> </a:t>
+            </a:r>
+            <a:r>
+              <a:rPr/>
+              <a:t>degenerate</a:t>
+            </a:r>
+            <a:r>
+              <a:rPr/>
+              <a:t> </a:t>
+            </a:r>
+            <a:r>
+              <a:rPr/>
+              <a:t>distribution.</a:t>
+            </a:r>
+            <a:r>
+              <a:rPr/>
+              <a:t> </a:t>
+            </a:r>
+            <a:r>
+              <a:rPr/>
+              <a:t>This</a:t>
+            </a:r>
+            <a:r>
+              <a:rPr/>
+              <a:t> </a:t>
+            </a:r>
+            <a:r>
+              <a:rPr/>
+              <a:t>degeneracy</a:t>
+            </a:r>
+            <a:r>
+              <a:rPr/>
+              <a:t> </a:t>
+            </a:r>
+            <a:r>
+              <a:rPr/>
+              <a:t>means</a:t>
+            </a:r>
+            <a:r>
+              <a:rPr/>
+              <a:t> </a:t>
+            </a:r>
+            <a:r>
+              <a:rPr/>
+              <a:t>that</a:t>
+            </a:r>
+            <a:r>
+              <a:rPr/>
+              <a:t> </a:t>
+            </a:r>
+            <a:r>
+              <a:rPr/>
+              <a:t>there</a:t>
+            </a:r>
+            <a:r>
+              <a:rPr/>
+              <a:t> </a:t>
+            </a:r>
+            <a:r>
+              <a:rPr/>
+              <a:t>is</a:t>
+            </a:r>
+            <a:r>
+              <a:rPr/>
+              <a:t> </a:t>
+            </a:r>
+            <a:r>
+              <a:rPr/>
+              <a:t>no</a:t>
+            </a:r>
+            <a:r>
+              <a:rPr/>
+              <a:t> </a:t>
+            </a:r>
+            <a:r>
+              <a:rPr/>
+              <a:t>inverse</a:t>
+            </a:r>
+            <a:r>
+              <a:rPr/>
+              <a:t> </a:t>
+            </a:r>
+            <a:r>
+              <a:rPr/>
+              <a:t>for</a:t>
+            </a:r>
+            <a:r>
+              <a:rPr/>
+              <a:t> </a:t>
+            </a:r>
+            <a:r>
+              <a:rPr/>
+              <a:t>the</a:t>
+            </a:r>
+            <a:r>
+              <a:rPr/>
+              <a:t> </a:t>
+            </a:r>
+            <a:r>
+              <a:rPr/>
+              <a:t>correlation</a:t>
+            </a:r>
+            <a:r>
+              <a:rPr/>
+              <a:t> </a:t>
+            </a:r>
+            <a:r>
+              <a:rPr/>
+              <a:t>matrix.</a:t>
+            </a:r>
+          </a:p>
+          <a:p>
+            <a:pPr lvl="0" marL="0" indent="0">
+              <a:buNone/>
+            </a:pPr>
+          </a:p>
+          <a:p>
+            <a:pPr lvl="0" marL="0" indent="0">
+              <a:buNone/>
+            </a:pPr>
+            <a:r>
+              <a:rPr/>
+              <a:t>In</a:t>
+            </a:r>
+            <a:r>
+              <a:rPr/>
+              <a:t> </a:t>
+            </a:r>
+            <a:r>
+              <a:rPr/>
+              <a:t>R,</a:t>
+            </a:r>
+            <a:r>
+              <a:rPr/>
+              <a:t> </a:t>
+            </a:r>
+            <a:r>
+              <a:rPr/>
+              <a:t>there</a:t>
+            </a:r>
+            <a:r>
+              <a:rPr/>
+              <a:t> </a:t>
+            </a:r>
+            <a:r>
+              <a:rPr/>
+              <a:t>is</a:t>
+            </a:r>
+            <a:r>
+              <a:rPr/>
+              <a:t> </a:t>
+            </a:r>
+            <a:r>
+              <a:rPr/>
+              <a:t>a</a:t>
+            </a:r>
+            <a:r>
+              <a:rPr/>
+              <a:t> </a:t>
+            </a:r>
+            <a:r>
+              <a:rPr/>
+              <a:t>library,</a:t>
+            </a:r>
+            <a:r>
+              <a:rPr/>
+              <a:t> </a:t>
+            </a:r>
+            <a:r>
+              <a:rPr/>
+              <a:t>mvtnorm,</a:t>
+            </a:r>
+            <a:r>
+              <a:rPr/>
+              <a:t> </a:t>
+            </a:r>
+            <a:r>
+              <a:rPr/>
+              <a:t>that</a:t>
+            </a:r>
+            <a:r>
+              <a:rPr/>
+              <a:t> </a:t>
+            </a:r>
+            <a:r>
+              <a:rPr/>
+              <a:t>will</a:t>
+            </a:r>
+            <a:r>
+              <a:rPr/>
+              <a:t> </a:t>
+            </a:r>
+            <a:r>
+              <a:rPr/>
+              <a:t>allow</a:t>
+            </a:r>
+            <a:r>
+              <a:rPr/>
+              <a:t> </a:t>
+            </a:r>
+            <a:r>
+              <a:rPr/>
+              <a:t>you</a:t>
+            </a:r>
+            <a:r>
+              <a:rPr/>
+              <a:t> </a:t>
+            </a:r>
+            <a:r>
+              <a:rPr/>
+              <a:t>to</a:t>
+            </a:r>
+            <a:r>
+              <a:rPr/>
+              <a:t> </a:t>
+            </a:r>
+            <a:r>
+              <a:rPr/>
+              <a:t>compute</a:t>
+            </a:r>
+            <a:r>
+              <a:rPr/>
+              <a:t> </a:t>
+            </a:r>
+            <a:r>
+              <a:rPr/>
+              <a:t>the</a:t>
+            </a:r>
+            <a:r>
+              <a:rPr/>
+              <a:t> </a:t>
+            </a:r>
+            <a:r>
+              <a:rPr/>
+              <a:t>percentiles</a:t>
+            </a:r>
+            <a:r>
+              <a:rPr/>
+              <a:t> </a:t>
+            </a:r>
+            <a:r>
+              <a:rPr/>
+              <a:t>needed</a:t>
+            </a:r>
+            <a:r>
+              <a:rPr/>
+              <a:t> </a:t>
+            </a:r>
+            <a:r>
+              <a:rPr/>
+              <a:t>for</a:t>
+            </a:r>
+            <a:r>
+              <a:rPr/>
+              <a:t> </a:t>
+            </a:r>
+            <a:r>
+              <a:rPr/>
+              <a:t>ANOM.</a:t>
+            </a:r>
+            <a:r>
+              <a:rPr/>
+              <a:t> </a:t>
+            </a:r>
+            <a:r>
+              <a:rPr/>
+              <a:t>Here’s</a:t>
+            </a:r>
+            <a:r>
+              <a:rPr/>
+              <a:t> </a:t>
+            </a:r>
+            <a:r>
+              <a:rPr/>
+              <a:t>an</a:t>
+            </a:r>
+            <a:r>
+              <a:rPr/>
+              <a:t> </a:t>
+            </a:r>
+            <a:r>
+              <a:rPr/>
+              <a:t>example</a:t>
+            </a:r>
+            <a:r>
+              <a:rPr/>
+              <a:t> </a:t>
+            </a:r>
+            <a:r>
+              <a:rPr/>
+              <a:t>to</a:t>
+            </a:r>
+            <a:r>
+              <a:rPr/>
+              <a:t> </a:t>
+            </a:r>
+            <a:r>
+              <a:rPr/>
+              <a:t>get</a:t>
+            </a:r>
+            <a:r>
+              <a:rPr/>
+              <a:t> </a:t>
+            </a:r>
+            <a:r>
+              <a:rPr/>
+              <a:t>h(0.95,</a:t>
+            </a:r>
+            <a:r>
+              <a:rPr/>
+              <a:t> </a:t>
+            </a:r>
+            <a:r>
+              <a:rPr/>
+              <a:t>5,</a:t>
+            </a:r>
+            <a:r>
+              <a:rPr/>
+              <a:t> </a:t>
+            </a:r>
+            <a:r>
+              <a:rPr/>
+              <a:t>15):</a:t>
+            </a:r>
+          </a:p>
+          <a:p>
+            <a:pPr lvl="0" marL="0" indent="0">
+              <a:buNone/>
+            </a:pPr>
+          </a:p>
+          <a:p>
+            <a:pPr lvl="0" marL="0" indent="0">
+              <a:buNone/>
+            </a:pPr>
+            <a:r>
+              <a:rPr/>
+              <a:t>i</a:t>
+            </a:r>
+            <a:r>
+              <a:rPr/>
+              <a:t> </a:t>
+            </a:r>
+            <a:r>
+              <a:rPr/>
+              <a:t>&lt;-</a:t>
+            </a:r>
+            <a:r>
+              <a:rPr/>
+              <a:t> </a:t>
+            </a:r>
+            <a:r>
+              <a:rPr/>
+              <a:t>5</a:t>
+            </a:r>
+          </a:p>
+          <a:p>
+            <a:pPr lvl="0" marL="0" indent="0">
+              <a:buNone/>
+            </a:pPr>
+          </a:p>
+          <a:p>
+            <a:pPr lvl="0" marL="0" indent="0">
+              <a:buNone/>
+            </a:pPr>
+            <a:r>
+              <a:rPr/>
+              <a:t>co</a:t>
+            </a:r>
+            <a:r>
+              <a:rPr/>
+              <a:t> </a:t>
+            </a:r>
+            <a:r>
+              <a:rPr/>
+              <a:t>&lt;-</a:t>
+            </a:r>
+            <a:r>
+              <a:rPr/>
+              <a:t> </a:t>
+            </a:r>
+            <a:r>
+              <a:rPr/>
+              <a:t>matrix(-1/(i-1),</a:t>
+            </a:r>
+            <a:r>
+              <a:rPr/>
+              <a:t> </a:t>
+            </a:r>
+            <a:r>
+              <a:rPr/>
+              <a:t>nrow=i,</a:t>
+            </a:r>
+            <a:r>
+              <a:rPr/>
+              <a:t> </a:t>
+            </a:r>
+            <a:r>
+              <a:rPr/>
+              <a:t>ncol=i)</a:t>
+            </a:r>
+          </a:p>
+          <a:p>
+            <a:pPr lvl="0" marL="0" indent="0">
+              <a:buNone/>
+            </a:pPr>
+          </a:p>
+          <a:p>
+            <a:pPr lvl="0" marL="0" indent="0">
+              <a:buNone/>
+            </a:pPr>
+            <a:r>
+              <a:rPr/>
+              <a:t>diag(co)</a:t>
+            </a:r>
+            <a:r>
+              <a:rPr/>
+              <a:t> </a:t>
+            </a:r>
+            <a:r>
+              <a:rPr/>
+              <a:t>&lt;-</a:t>
+            </a:r>
+            <a:r>
+              <a:rPr/>
+              <a:t> </a:t>
+            </a:r>
+            <a:r>
+              <a:rPr/>
+              <a:t>rep(1,i)</a:t>
+            </a:r>
+          </a:p>
+          <a:p>
+            <a:pPr lvl="0" marL="0" indent="0">
+              <a:buNone/>
+            </a:pPr>
+          </a:p>
+          <a:p>
+            <a:pPr lvl="0" marL="0" indent="0">
+              <a:buNone/>
+            </a:pPr>
+            <a:r>
+              <a:rPr/>
+              <a:t>qmvt(p=0.95,</a:t>
+            </a:r>
+            <a:r>
+              <a:rPr/>
+              <a:t> </a:t>
+            </a:r>
+            <a:r>
+              <a:rPr/>
+              <a:t>tail=</a:t>
+            </a:r>
+            <a:r>
+              <a:rPr/>
+              <a:t>“</a:t>
+            </a:r>
+            <a:r>
+              <a:rPr/>
+              <a:t>both.tails</a:t>
+            </a:r>
+            <a:r>
+              <a:rPr/>
+              <a:t>”</a:t>
+            </a:r>
+            <a:r>
+              <a:rPr/>
+              <a:t>,</a:t>
+            </a:r>
+            <a:r>
+              <a:rPr/>
+              <a:t> </a:t>
+            </a:r>
+            <a:r>
+              <a:rPr/>
+              <a:t>corr=co,</a:t>
+            </a:r>
+            <a:r>
+              <a:rPr/>
+              <a:t> </a:t>
+            </a:r>
+            <a:r>
+              <a:rPr/>
+              <a:t>df=15)</a:t>
             </a:r>
           </a:p>
         </p:txBody>
@@ -13763,23 +14756,15 @@
             </a:pPr>
             <a:r>
               <a:rPr/>
-              <a:t>An</a:t>
-            </a:r>
-            <a:r>
-              <a:rPr/>
-              <a:t> </a:t>
-            </a:r>
-            <a:r>
-              <a:rPr/>
-              <a:t>example</a:t>
-            </a:r>
-            <a:r>
-              <a:rPr/>
-              <a:t> </a:t>
-            </a:r>
-            <a:r>
-              <a:rPr/>
-              <a:t>(1/2)</a:t>
+              <a:t>ANOM</a:t>
+            </a:r>
+            <a:r>
+              <a:rPr/>
+              <a:t> </a:t>
+            </a:r>
+            <a:r>
+              <a:rPr/>
+              <a:t>table</a:t>
             </a:r>
           </a:p>
         </p:txBody>
@@ -13806,22 +14791,16 @@
               <a:rPr>
                 <a:latin typeface="Courier"/>
               </a:rPr>
-              <a:t>## Position 1</a:t>
-            </a:r>
-          </a:p>
-          <a:p>
-            <a:pPr lvl="0" indent="0">
-              <a:buNone/>
-            </a:pPr>
-            <a:r>
-              <a:rPr>
-                <a:latin typeface="Courier"/>
-              </a:rPr>
-              <a:t>## -0.02386 -0.02853
-## -0.03001 -0.00428
-## -0.03623 -0.04222
-## -0.00144 -0.06466
-## 0.00944 -0.00163</a:t>
+              <a:t>     I=2   3    4    5    6  
+df=2 4.30 5.88 6.59 7.10 7.49
+   3 3.18 4.18 4.60 4.92 5.14
+   4 2.78 3.56 3.89 4.12 4.30
+   5 2.57 3.25 3.52 3.72 3.88
+   6 2.45 3.07 3.31 3.49 3.62
+   7 2.36 2.94 3.17 3.33 3.46
+   8 2.31 2.86 3.06 3.22 3.33
+   9 2.26 2.79 2.99 3.13 3.24
+  10 2.23 2.74 2.93 3.07 3.17</a:t>
             </a:r>
           </a:p>
         </p:txBody>
@@ -13884,7 +14863,7 @@
             </a:r>
             <a:r>
               <a:rPr/>
-              <a:t>(2/2)</a:t>
+              <a:t>(1/2)</a:t>
             </a:r>
           </a:p>
         </p:txBody>
@@ -13911,7 +14890,7 @@
               <a:rPr>
                 <a:latin typeface="Courier"/>
               </a:rPr>
-              <a:t>## Position 2</a:t>
+              <a:t>## Position 1</a:t>
             </a:r>
           </a:p>
           <a:p>
@@ -13922,11 +14901,11 @@
               <a:rPr>
                 <a:latin typeface="Courier"/>
               </a:rPr>
-              <a:t>## -0.02014 -0.02725
-## 0.02268 -0.03323
-## 0.03661 0.04378
-## 0.05562 0.00977
-## 0.05641 0.01816</a:t>
+              <a:t>## -0.02386 -0.02853
+## -0.03001 -0.00428
+## -0.03623 -0.04222
+## -0.00144 -0.06466
+## 0.00944 -0.00163</a:t>
             </a:r>
           </a:p>
         </p:txBody>
@@ -13973,6 +14952,111 @@
             </a:pPr>
             <a:r>
               <a:rPr/>
+              <a:t>An</a:t>
+            </a:r>
+            <a:r>
+              <a:rPr/>
+              <a:t> </a:t>
+            </a:r>
+            <a:r>
+              <a:rPr/>
+              <a:t>example</a:t>
+            </a:r>
+            <a:r>
+              <a:rPr/>
+              <a:t> </a:t>
+            </a:r>
+            <a:r>
+              <a:rPr/>
+              <a:t>(2/2)</a:t>
+            </a:r>
+          </a:p>
+        </p:txBody>
+      </p:sp>
+      <p:sp>
+        <p:nvSpPr>
+          <p:cNvPr id="3" name="Content Placeholder 2"/>
+          <p:cNvSpPr>
+            <a:spLocks noGrp="1"/>
+          </p:cNvSpPr>
+          <p:nvPr>
+            <p:ph idx="1"/>
+          </p:nvPr>
+        </p:nvSpPr>
+        <p:spPr/>
+        <p:txBody>
+          <a:bodyPr/>
+          <a:lstStyle/>
+          <a:p>
+            <a:pPr lvl="0" indent="0">
+              <a:buNone/>
+            </a:pPr>
+            <a:r>
+              <a:rPr>
+                <a:latin typeface="Courier"/>
+              </a:rPr>
+              <a:t>## Position 2</a:t>
+            </a:r>
+          </a:p>
+          <a:p>
+            <a:pPr lvl="0" indent="0">
+              <a:buNone/>
+            </a:pPr>
+            <a:r>
+              <a:rPr>
+                <a:latin typeface="Courier"/>
+              </a:rPr>
+              <a:t>## -0.02014 -0.02725
+## 0.02268 -0.03323
+## 0.03661 0.04378
+## 0.05562 0.00977
+## 0.05641 0.01816</a:t>
+            </a:r>
+          </a:p>
+        </p:txBody>
+      </p:sp>
+    </p:spTree>
+  </p:cSld>
+</p:sld>
+</file>
+
+<file path=ppt/slides/slide16.xml><?xml version="1.0" encoding="utf-8"?>
+<p:sld xmlns:a="http://schemas.openxmlformats.org/drawingml/2006/main" xmlns:r="http://schemas.openxmlformats.org/officeDocument/2006/relationships" xmlns:p="http://schemas.openxmlformats.org/presentationml/2006/main">
+  <p:cSld>
+    <p:spTree>
+      <p:nvGrpSpPr>
+        <p:cNvPr id="1" name=""/>
+        <p:cNvGrpSpPr/>
+        <p:nvPr/>
+      </p:nvGrpSpPr>
+      <p:grpSpPr>
+        <a:xfrm>
+          <a:off x="0" y="0"/>
+          <a:ext cx="0" cy="0"/>
+          <a:chOff x="0" y="0"/>
+          <a:chExt cx="0" cy="0"/>
+        </a:xfrm>
+      </p:grpSpPr>
+      <p:sp>
+        <p:nvSpPr>
+          <p:cNvPr id="2" name="Title 1"/>
+          <p:cNvSpPr>
+            <a:spLocks noGrp="1"/>
+          </p:cNvSpPr>
+          <p:nvPr>
+            <p:ph type="title"/>
+          </p:nvPr>
+        </p:nvSpPr>
+        <p:spPr/>
+        <p:txBody>
+          <a:bodyPr/>
+          <a:lstStyle/>
+          <a:p>
+            <a:pPr lvl="0" marL="0" indent="0">
+              <a:buNone/>
+            </a:pPr>
+            <a:r>
+              <a:rPr/>
               <a:t>Graph</a:t>
             </a:r>
             <a:r>
@@ -14037,7 +15121,7 @@
 </p:sld>
 </file>
 
-<file path=ppt/slides/slide16.xml><?xml version="1.0" encoding="utf-8"?>
+<file path=ppt/slides/slide17.xml><?xml version="1.0" encoding="utf-8"?>
 <p:sld xmlns:a="http://schemas.openxmlformats.org/drawingml/2006/main" xmlns:r="http://schemas.openxmlformats.org/officeDocument/2006/relationships" xmlns:p="http://schemas.openxmlformats.org/presentationml/2006/main">
   <p:cSld>
     <p:spTree>
@@ -14125,7 +15209,7 @@
 </p:sld>
 </file>
 
-<file path=ppt/slides/slide17.xml><?xml version="1.0" encoding="utf-8"?>
+<file path=ppt/slides/slide18.xml><?xml version="1.0" encoding="utf-8"?>
 <p:sld xmlns:a="http://schemas.openxmlformats.org/drawingml/2006/main" xmlns:r="http://schemas.openxmlformats.org/officeDocument/2006/relationships" xmlns:p="http://schemas.openxmlformats.org/presentationml/2006/main">
   <p:cSld>
     <p:spTree>
@@ -14210,7 +15294,7 @@
 </p:sld>
 </file>
 
-<file path=ppt/slides/slide18.xml><?xml version="1.0" encoding="utf-8"?>
+<file path=ppt/slides/slide19.xml><?xml version="1.0" encoding="utf-8"?>
 <p:sld xmlns:a="http://schemas.openxmlformats.org/drawingml/2006/main" xmlns:r="http://schemas.openxmlformats.org/officeDocument/2006/relationships" xmlns:p="http://schemas.openxmlformats.org/presentationml/2006/main">
   <p:cSld>
     <p:spTree>
@@ -14325,7 +15409,133 @@
 </p:sld>
 </file>
 
-<file path=ppt/slides/slide19.xml><?xml version="1.0" encoding="utf-8"?>
+<file path=ppt/slides/slide2.xml><?xml version="1.0" encoding="utf-8"?>
+<p:sld xmlns:a="http://schemas.openxmlformats.org/drawingml/2006/main" xmlns:r="http://schemas.openxmlformats.org/officeDocument/2006/relationships" xmlns:p="http://schemas.openxmlformats.org/presentationml/2006/main">
+  <p:cSld>
+    <p:spTree>
+      <p:nvGrpSpPr>
+        <p:cNvPr id="1" name=""/>
+        <p:cNvGrpSpPr/>
+        <p:nvPr/>
+      </p:nvGrpSpPr>
+      <p:grpSpPr>
+        <a:xfrm>
+          <a:off x="0" y="0"/>
+          <a:ext cx="0" cy="0"/>
+          <a:chOff x="0" y="0"/>
+          <a:chExt cx="0" cy="0"/>
+        </a:xfrm>
+      </p:grpSpPr>
+      <p:sp>
+        <p:nvSpPr>
+          <p:cNvPr id="2" name="Title 1"/>
+          <p:cNvSpPr>
+            <a:spLocks noGrp="1"/>
+          </p:cNvSpPr>
+          <p:nvPr>
+            <p:ph type="title"/>
+          </p:nvPr>
+        </p:nvSpPr>
+        <p:spPr/>
+        <p:txBody>
+          <a:bodyPr/>
+          <a:lstStyle/>
+          <a:p>
+            <a:pPr lvl="0" marL="0" indent="0">
+              <a:buNone/>
+            </a:pPr>
+            <a:r>
+              <a:rPr/>
+              <a:t>Introduction</a:t>
+            </a:r>
+          </a:p>
+        </p:txBody>
+      </p:sp>
+      <p:sp>
+        <p:nvSpPr>
+          <p:cNvPr id="3" name="Content Placeholder 2"/>
+          <p:cNvSpPr>
+            <a:spLocks noGrp="1"/>
+          </p:cNvSpPr>
+          <p:nvPr>
+            <p:ph idx="1"/>
+          </p:nvPr>
+        </p:nvSpPr>
+        <p:spPr/>
+        <p:txBody>
+          <a:bodyPr/>
+          <a:lstStyle/>
+          <a:p>
+            <a:pPr lvl="1"/>
+            <a:r>
+              <a:rPr/>
+              <a:t>Analysis of Means (ANOM)</a:t>
+            </a:r>
+          </a:p>
+          <a:p>
+            <a:pPr lvl="2"/>
+            <a:r>
+              <a:rPr/>
+              <a:t>Applications</a:t>
+            </a:r>
+          </a:p>
+          <a:p>
+            <a:pPr lvl="3"/>
+            <a:r>
+              <a:rPr/>
+              <a:t>Quality control</a:t>
+            </a:r>
+          </a:p>
+          <a:p>
+            <a:pPr lvl="3"/>
+            <a:r>
+              <a:rPr/>
+              <a:t>Institutional comparisons</a:t>
+            </a:r>
+          </a:p>
+          <a:p>
+            <a:pPr lvl="1"/>
+            <a:r>
+              <a:rPr/>
+              <a:t>Similar but different from ANOVA</a:t>
+            </a:r>
+          </a:p>
+          <a:p>
+            <a:pPr lvl="1"/>
+            <a:r>
+              <a:rPr/>
+              <a:t>Similar but different from control charts</a:t>
+            </a:r>
+          </a:p>
+          <a:p>
+            <a:pPr lvl="1"/>
+            <a:r>
+              <a:rPr/>
+              <a:t>ANOM advantages</a:t>
+            </a:r>
+          </a:p>
+          <a:p>
+            <a:pPr lvl="2"/>
+            <a:r>
+              <a:rPr/>
+              <a:t>Easy to calculate</a:t>
+            </a:r>
+          </a:p>
+          <a:p>
+            <a:pPr lvl="2"/>
+            <a:r>
+              <a:rPr/>
+              <a:t>Simple, interpretable conclusions</a:t>
+            </a:r>
+          </a:p>
+        </p:txBody>
+      </p:sp>
+    </p:spTree>
+  </p:cSld>
+</p:sld>
+</file>
+
+<file path=ppt/slides/slide20.xml><?xml version="1.0" encoding="utf-8"?>
 <p:sld xmlns:a="http://schemas.openxmlformats.org/drawingml/2006/main" xmlns:r="http://schemas.openxmlformats.org/officeDocument/2006/relationships" xmlns:p="http://schemas.openxmlformats.org/presentationml/2006/main">
   <p:cSld>
     <p:spTree>
@@ -14434,133 +15644,7 @@
 </p:sld>
 </file>
 
-<file path=ppt/slides/slide2.xml><?xml version="1.0" encoding="utf-8"?>
-<p:sld xmlns:a="http://schemas.openxmlformats.org/drawingml/2006/main" xmlns:r="http://schemas.openxmlformats.org/officeDocument/2006/relationships" xmlns:p="http://schemas.openxmlformats.org/presentationml/2006/main">
-  <p:cSld>
-    <p:spTree>
-      <p:nvGrpSpPr>
-        <p:cNvPr id="1" name=""/>
-        <p:cNvGrpSpPr/>
-        <p:nvPr/>
-      </p:nvGrpSpPr>
-      <p:grpSpPr>
-        <a:xfrm>
-          <a:off x="0" y="0"/>
-          <a:ext cx="0" cy="0"/>
-          <a:chOff x="0" y="0"/>
-          <a:chExt cx="0" cy="0"/>
-        </a:xfrm>
-      </p:grpSpPr>
-      <p:sp>
-        <p:nvSpPr>
-          <p:cNvPr id="2" name="Title 1"/>
-          <p:cNvSpPr>
-            <a:spLocks noGrp="1"/>
-          </p:cNvSpPr>
-          <p:nvPr>
-            <p:ph type="title"/>
-          </p:nvPr>
-        </p:nvSpPr>
-        <p:spPr/>
-        <p:txBody>
-          <a:bodyPr/>
-          <a:lstStyle/>
-          <a:p>
-            <a:pPr lvl="0" marL="0" indent="0">
-              <a:buNone/>
-            </a:pPr>
-            <a:r>
-              <a:rPr/>
-              <a:t>Introduction</a:t>
-            </a:r>
-          </a:p>
-        </p:txBody>
-      </p:sp>
-      <p:sp>
-        <p:nvSpPr>
-          <p:cNvPr id="3" name="Content Placeholder 2"/>
-          <p:cNvSpPr>
-            <a:spLocks noGrp="1"/>
-          </p:cNvSpPr>
-          <p:nvPr>
-            <p:ph idx="1"/>
-          </p:nvPr>
-        </p:nvSpPr>
-        <p:spPr/>
-        <p:txBody>
-          <a:bodyPr/>
-          <a:lstStyle/>
-          <a:p>
-            <a:pPr lvl="1"/>
-            <a:r>
-              <a:rPr/>
-              <a:t>Analysis of Means (ANOM)</a:t>
-            </a:r>
-          </a:p>
-          <a:p>
-            <a:pPr lvl="2"/>
-            <a:r>
-              <a:rPr/>
-              <a:t>Applications</a:t>
-            </a:r>
-          </a:p>
-          <a:p>
-            <a:pPr lvl="3"/>
-            <a:r>
-              <a:rPr/>
-              <a:t>Quality control</a:t>
-            </a:r>
-          </a:p>
-          <a:p>
-            <a:pPr lvl="3"/>
-            <a:r>
-              <a:rPr/>
-              <a:t>Institutional comparisons</a:t>
-            </a:r>
-          </a:p>
-          <a:p>
-            <a:pPr lvl="1"/>
-            <a:r>
-              <a:rPr/>
-              <a:t>Similar but different from ANOVA</a:t>
-            </a:r>
-          </a:p>
-          <a:p>
-            <a:pPr lvl="1"/>
-            <a:r>
-              <a:rPr/>
-              <a:t>Similar but different from control charts</a:t>
-            </a:r>
-          </a:p>
-          <a:p>
-            <a:pPr lvl="1"/>
-            <a:r>
-              <a:rPr/>
-              <a:t>ANOM advantages</a:t>
-            </a:r>
-          </a:p>
-          <a:p>
-            <a:pPr lvl="2"/>
-            <a:r>
-              <a:rPr/>
-              <a:t>Easy to calculate</a:t>
-            </a:r>
-          </a:p>
-          <a:p>
-            <a:pPr lvl="2"/>
-            <a:r>
-              <a:rPr/>
-              <a:t>Simple, interpretable conclusions</a:t>
-            </a:r>
-          </a:p>
-        </p:txBody>
-      </p:sp>
-    </p:spTree>
-  </p:cSld>
-</p:sld>
-</file>
-
-<file path=ppt/slides/slide20.xml><?xml version="1.0" encoding="utf-8"?>
+<file path=ppt/slides/slide21.xml><?xml version="1.0" encoding="utf-8"?>
 <p:sld xmlns:a="http://schemas.openxmlformats.org/drawingml/2006/main" xmlns:r="http://schemas.openxmlformats.org/officeDocument/2006/relationships" xmlns:p="http://schemas.openxmlformats.org/presentationml/2006/main">
   <p:cSld>
     <p:spTree>
@@ -14852,7 +15936,7 @@
 </p:sld>
 </file>
 
-<file path=ppt/slides/slide21.xml><?xml version="1.0" encoding="utf-8"?>
+<file path=ppt/slides/slide22.xml><?xml version="1.0" encoding="utf-8"?>
 <p:sld xmlns:a="http://schemas.openxmlformats.org/drawingml/2006/main" xmlns:r="http://schemas.openxmlformats.org/officeDocument/2006/relationships" xmlns:p="http://schemas.openxmlformats.org/presentationml/2006/main">
   <p:cSld>
     <p:spTree>
@@ -14961,7 +16045,7 @@
 </p:sld>
 </file>
 
-<file path=ppt/slides/slide22.xml><?xml version="1.0" encoding="utf-8"?>
+<file path=ppt/slides/slide23.xml><?xml version="1.0" encoding="utf-8"?>
 <p:sld xmlns:a="http://schemas.openxmlformats.org/drawingml/2006/main" xmlns:r="http://schemas.openxmlformats.org/officeDocument/2006/relationships" xmlns:p="http://schemas.openxmlformats.org/presentationml/2006/main">
   <p:cSld>
     <p:spTree>
@@ -14998,15 +16082,39 @@
             </a:pPr>
             <a:r>
               <a:rPr/>
-              <a:t>ANOM</a:t>
-            </a:r>
-            <a:r>
-              <a:rPr/>
-              <a:t> </a:t>
-            </a:r>
-            <a:r>
-              <a:rPr/>
-              <a:t>table</a:t>
+              <a:t>Analysis</a:t>
+            </a:r>
+            <a:r>
+              <a:rPr/>
+              <a:t> </a:t>
+            </a:r>
+            <a:r>
+              <a:rPr/>
+              <a:t>of</a:t>
+            </a:r>
+            <a:r>
+              <a:rPr/>
+              <a:t> </a:t>
+            </a:r>
+            <a:r>
+              <a:rPr/>
+              <a:t>means</a:t>
+            </a:r>
+            <a:r>
+              <a:rPr/>
+              <a:t> </a:t>
+            </a:r>
+            <a:r>
+              <a:rPr/>
+              <a:t>for</a:t>
+            </a:r>
+            <a:r>
+              <a:rPr/>
+              <a:t> </a:t>
+            </a:r>
+            <a:r>
+              <a:rPr/>
+              <a:t>proportions</a:t>
             </a:r>
           </a:p>
         </p:txBody>
@@ -15033,17 +16141,142 @@
               <a:rPr>
                 <a:latin typeface="Courier"/>
               </a:rPr>
-              <a:t>     I=2   3    4    5    6  
-df=2 4.30 5.88 6.59 7.10 7.49
-   3 3.18 4.18 4.60 4.92 5.14
-   4 2.78 3.56 3.89 4.12 4.30
-   5 2.57 3.25 3.52 3.72 3.88
-   6 2.45 3.07 3.31 3.49 3.62
-   7 2.36 2.94 3.17 3.33 3.46
-   8 2.31 2.86 3.06 3.22 3.33
-   9 2.26 2.79 2.99 3.13 3.24
-  10 2.23 2.74 2.93 3.07 3.17</a:t>
-            </a:r>
+              <a:t>##   group c_sections births
+## 1    1A        150    923
+## 2    1K         45    298
+## 3    1B         34    170
+## 4    1D         18    132
+## 5    3I         20    106
+## 6    3M         12    105</a:t>
+            </a:r>
+          </a:p>
+        </p:txBody>
+      </p:sp>
+    </p:spTree>
+  </p:cSld>
+</p:sld>
+</file>
+
+<file path=ppt/slides/slide24.xml><?xml version="1.0" encoding="utf-8"?>
+<p:sld xmlns:a="http://schemas.openxmlformats.org/drawingml/2006/main" xmlns:r="http://schemas.openxmlformats.org/officeDocument/2006/relationships" xmlns:p="http://schemas.openxmlformats.org/presentationml/2006/main">
+  <p:cSld>
+    <p:spTree>
+      <p:nvGrpSpPr>
+        <p:cNvPr id="1" name=""/>
+        <p:cNvGrpSpPr/>
+        <p:nvPr/>
+      </p:nvGrpSpPr>
+      <p:grpSpPr>
+        <a:xfrm>
+          <a:off x="0" y="0"/>
+          <a:ext cx="0" cy="0"/>
+          <a:chOff x="0" y="0"/>
+          <a:chExt cx="0" cy="0"/>
+        </a:xfrm>
+      </p:grpSpPr>
+      <p:sp>
+        <p:nvSpPr>
+          <p:cNvPr id="2" name="Title 1"/>
+          <p:cNvSpPr>
+            <a:spLocks noGrp="1"/>
+          </p:cNvSpPr>
+          <p:nvPr>
+            <p:ph type="title"/>
+          </p:nvPr>
+        </p:nvSpPr>
+        <p:spPr/>
+        <p:txBody>
+          <a:bodyPr/>
+          <a:lstStyle/>
+          <a:p>
+            <a:pPr lvl="0" marL="0" indent="0">
+              <a:buNone/>
+            </a:pPr>
+            <a:r>
+              <a:rPr/>
+              <a:t>Preliminary</a:t>
+            </a:r>
+            <a:r>
+              <a:rPr/>
+              <a:t> </a:t>
+            </a:r>
+            <a:r>
+              <a:rPr/>
+              <a:t>plot</a:t>
+            </a:r>
+          </a:p>
+        </p:txBody>
+      </p:sp>
+      <p:pic>
+        <p:nvPicPr>
+          <p:cNvPr descr="anom-talk_files/figure-pptx/p1-1.png" id="0" name="Picture 1"/>
+          <p:cNvPicPr>
+            <a:picLocks noGrp="1" noChangeAspect="1"/>
+          </p:cNvPicPr>
+          <p:nvPr/>
+        </p:nvPicPr>
+        <p:blipFill>
+          <a:blip r:embed="rId2"/>
+          <a:stretch>
+            <a:fillRect/>
+          </a:stretch>
+        </p:blipFill>
+        <p:spPr bwMode="auto">
+          <a:xfrm>
+            <a:off x="1752600" y="1600200"/>
+            <a:ext cx="5651500" cy="4521200"/>
+          </a:xfrm>
+          <a:prstGeom prst="rect">
+            <a:avLst/>
+          </a:prstGeom>
+          <a:noFill/>
+          <a:ln w="9525">
+            <a:noFill/>
+            <a:headEnd/>
+            <a:tailEnd/>
+          </a:ln>
+        </p:spPr>
+      </p:pic>
+    </p:spTree>
+  </p:cSld>
+</p:sld>
+</file>
+
+<file path=ppt/slides/slide25.xml><?xml version="1.0" encoding="utf-8"?>
+<p:sld xmlns:a="http://schemas.openxmlformats.org/drawingml/2006/main" xmlns:r="http://schemas.openxmlformats.org/officeDocument/2006/relationships" xmlns:p="http://schemas.openxmlformats.org/presentationml/2006/main">
+  <p:cSld>
+    <p:spTree>
+      <p:nvGrpSpPr>
+        <p:cNvPr id="1" name=""/>
+        <p:cNvGrpSpPr/>
+        <p:nvPr/>
+      </p:nvGrpSpPr>
+      <p:grpSpPr>
+        <a:xfrm>
+          <a:off x="0" y="0"/>
+          <a:ext cx="0" cy="0"/>
+          <a:chOff x="0" y="0"/>
+          <a:chExt cx="0" cy="0"/>
+        </a:xfrm>
+      </p:grpSpPr>
+      <p:sp>
+        <p:nvSpPr>
+          <p:cNvPr id="3" name="Content Placeholder 2"/>
+          <p:cNvSpPr>
+            <a:spLocks noGrp="1"/>
+          </p:cNvSpPr>
+          <p:nvPr>
+            <p:ph idx="1"/>
+          </p:nvPr>
+        </p:nvSpPr>
+        <p:spPr/>
+        <p:txBody>
+          <a:bodyPr/>
+          <a:lstStyle/>
+          <a:p>
+            <a:pPr lvl="0" marL="0" indent="0">
+              <a:buNone/>
+            </a:pPr>
           </a:p>
         </p:txBody>
       </p:sp>

--- a/anom/anom-talk.pptx
+++ b/anom/anom-talk.pptx
@@ -5,7 +5,7 @@
     <p:sldMasterId id="2147483648" r:id="rId1"/>
   </p:sldMasterIdLst>
   <p:notesMasterIdLst>
-    <p:NotesMasterId r:id="rId27"/>
+    <p:NotesMasterId r:id="rId33"/>
   </p:notesMasterIdLst>
   <p:sldIdLst>
     <p:sldId id="256" r:id="rId2"/>
@@ -33,6 +33,12 @@
     <p:sldId id="278" r:id="rId24"/>
     <p:sldId id="279" r:id="rId25"/>
     <p:sldId id="280" r:id="rId26"/>
+    <p:sldId id="281" r:id="rId27"/>
+    <p:sldId id="282" r:id="rId28"/>
+    <p:sldId id="283" r:id="rId29"/>
+    <p:sldId id="284" r:id="rId30"/>
+    <p:sldId id="285" r:id="rId31"/>
+    <p:sldId id="286" r:id="rId32"/>
   </p:sldIdLst>
   <p:sldSz cx="9144000" cy="6858000" type="screen4x3"/>
   <p:notesSz cx="6858000" cy="9144000"/>
@@ -2649,6 +2655,308 @@
             </a:pPr>
             <a:r>
               <a:rPr/>
+              <a:t>There</a:t>
+            </a:r>
+            <a:r>
+              <a:rPr/>
+              <a:t> </a:t>
+            </a:r>
+            <a:r>
+              <a:rPr/>
+              <a:t>are</a:t>
+            </a:r>
+            <a:r>
+              <a:rPr/>
+              <a:t> </a:t>
+            </a:r>
+            <a:r>
+              <a:rPr/>
+              <a:t>several</a:t>
+            </a:r>
+            <a:r>
+              <a:rPr/>
+              <a:t> </a:t>
+            </a:r>
+            <a:r>
+              <a:rPr/>
+              <a:t>possible</a:t>
+            </a:r>
+            <a:r>
+              <a:rPr/>
+              <a:t> </a:t>
+            </a:r>
+            <a:r>
+              <a:rPr/>
+              <a:t>extensions</a:t>
+            </a:r>
+            <a:r>
+              <a:rPr/>
+              <a:t> </a:t>
+            </a:r>
+            <a:r>
+              <a:rPr/>
+              <a:t>of</a:t>
+            </a:r>
+            <a:r>
+              <a:rPr/>
+              <a:t> </a:t>
+            </a:r>
+            <a:r>
+              <a:rPr/>
+              <a:t>the</a:t>
+            </a:r>
+            <a:r>
+              <a:rPr/>
+              <a:t> </a:t>
+            </a:r>
+            <a:r>
+              <a:rPr/>
+              <a:t>Analysis</a:t>
+            </a:r>
+            <a:r>
+              <a:rPr/>
+              <a:t> </a:t>
+            </a:r>
+            <a:r>
+              <a:rPr/>
+              <a:t>of</a:t>
+            </a:r>
+            <a:r>
+              <a:rPr/>
+              <a:t> </a:t>
+            </a:r>
+            <a:r>
+              <a:rPr/>
+              <a:t>Means</a:t>
+            </a:r>
+            <a:r>
+              <a:rPr/>
+              <a:t> </a:t>
+            </a:r>
+            <a:r>
+              <a:rPr/>
+              <a:t>model.</a:t>
+            </a:r>
+            <a:r>
+              <a:rPr/>
+              <a:t> </a:t>
+            </a:r>
+            <a:r>
+              <a:rPr/>
+              <a:t>A</a:t>
+            </a:r>
+            <a:r>
+              <a:rPr/>
+              <a:t> </a:t>
+            </a:r>
+            <a:r>
+              <a:rPr/>
+              <a:t>very</a:t>
+            </a:r>
+            <a:r>
+              <a:rPr/>
+              <a:t> </a:t>
+            </a:r>
+            <a:r>
+              <a:rPr/>
+              <a:t>interesting</a:t>
+            </a:r>
+            <a:r>
+              <a:rPr/>
+              <a:t> </a:t>
+            </a:r>
+            <a:r>
+              <a:rPr/>
+              <a:t>one</a:t>
+            </a:r>
+            <a:r>
+              <a:rPr/>
+              <a:t> </a:t>
+            </a:r>
+            <a:r>
+              <a:rPr/>
+              <a:t>appears</a:t>
+            </a:r>
+            <a:r>
+              <a:rPr/>
+              <a:t> </a:t>
+            </a:r>
+            <a:r>
+              <a:rPr/>
+              <a:t>in</a:t>
+            </a:r>
+            <a:r>
+              <a:rPr/>
+              <a:t> </a:t>
+            </a:r>
+            <a:r>
+              <a:rPr/>
+              <a:t>the</a:t>
+            </a:r>
+            <a:r>
+              <a:rPr/>
+              <a:t> </a:t>
+            </a:r>
+            <a:r>
+              <a:rPr/>
+              <a:t>same</a:t>
+            </a:r>
+            <a:r>
+              <a:rPr/>
+              <a:t> </a:t>
+            </a:r>
+            <a:r>
+              <a:rPr/>
+              <a:t>SAS</a:t>
+            </a:r>
+            <a:r>
+              <a:rPr/>
+              <a:t> </a:t>
+            </a:r>
+            <a:r>
+              <a:rPr/>
+              <a:t>reference.</a:t>
+            </a:r>
+            <a:r>
+              <a:rPr/>
+              <a:t> </a:t>
+            </a:r>
+            <a:r>
+              <a:rPr/>
+              <a:t>It</a:t>
+            </a:r>
+            <a:r>
+              <a:rPr/>
+              <a:t> </a:t>
+            </a:r>
+            <a:r>
+              <a:rPr/>
+              <a:t>involves</a:t>
+            </a:r>
+            <a:r>
+              <a:rPr/>
+              <a:t> </a:t>
+            </a:r>
+            <a:r>
+              <a:rPr/>
+              <a:t>a</a:t>
+            </a:r>
+            <a:r>
+              <a:rPr/>
+              <a:t> </a:t>
+            </a:r>
+            <a:r>
+              <a:rPr/>
+              <a:t>comparison</a:t>
+            </a:r>
+            <a:r>
+              <a:rPr/>
+              <a:t> </a:t>
+            </a:r>
+            <a:r>
+              <a:rPr/>
+              <a:t>of</a:t>
+            </a:r>
+            <a:r>
+              <a:rPr/>
+              <a:t> </a:t>
+            </a:r>
+            <a:r>
+              <a:rPr/>
+              <a:t>the</a:t>
+            </a:r>
+            <a:r>
+              <a:rPr/>
+              <a:t> </a:t>
+            </a:r>
+            <a:r>
+              <a:rPr/>
+              <a:t>probability</a:t>
+            </a:r>
+            <a:r>
+              <a:rPr/>
+              <a:t> </a:t>
+            </a:r>
+            <a:r>
+              <a:rPr/>
+              <a:t>of</a:t>
+            </a:r>
+            <a:r>
+              <a:rPr/>
+              <a:t> </a:t>
+            </a:r>
+            <a:r>
+              <a:rPr/>
+              <a:t>C-section</a:t>
+            </a:r>
+            <a:r>
+              <a:rPr/>
+              <a:t> </a:t>
+            </a:r>
+            <a:r>
+              <a:rPr/>
+              <a:t>births</a:t>
+            </a:r>
+            <a:r>
+              <a:rPr/>
+              <a:t> </a:t>
+            </a:r>
+            <a:r>
+              <a:rPr/>
+              <a:t>among</a:t>
+            </a:r>
+            <a:r>
+              <a:rPr/>
+              <a:t> </a:t>
+            </a:r>
+            <a:r>
+              <a:rPr/>
+              <a:t>a</a:t>
+            </a:r>
+            <a:r>
+              <a:rPr/>
+              <a:t> </a:t>
+            </a:r>
+            <a:r>
+              <a:rPr/>
+              <a:t>variety</a:t>
+            </a:r>
+            <a:r>
+              <a:rPr/>
+              <a:t> </a:t>
+            </a:r>
+            <a:r>
+              <a:rPr/>
+              <a:t>of</a:t>
+            </a:r>
+            <a:r>
+              <a:rPr/>
+              <a:t> </a:t>
+            </a:r>
+            <a:r>
+              <a:rPr/>
+              <a:t>different</a:t>
+            </a:r>
+            <a:r>
+              <a:rPr/>
+              <a:t> </a:t>
+            </a:r>
+            <a:r>
+              <a:rPr/>
+              <a:t>clinics.</a:t>
+            </a:r>
+          </a:p>
+          <a:p>
+            <a:pPr lvl="0" marL="0" indent="0">
+              <a:buNone/>
+            </a:pPr>
+          </a:p>
+          <a:p>
+            <a:pPr lvl="0" marL="0" indent="0">
+              <a:buNone/>
+            </a:pPr>
+            <a:r>
+              <a:rPr/>
               <a:t>You</a:t>
             </a:r>
             <a:r>
@@ -2665,14 +2973,6 @@
             </a:r>
             <a:r>
               <a:rPr/>
-              <a:t>also</a:t>
-            </a:r>
-            <a:r>
-              <a:rPr/>
-              <a:t> </a:t>
-            </a:r>
-            <a:r>
-              <a:rPr/>
               <a:t>use</a:t>
             </a:r>
             <a:r>
@@ -2689,7 +2989,63 @@
             </a:r>
             <a:r>
               <a:rPr/>
-              <a:t>analysis</a:t>
+              <a:t>normal</a:t>
+            </a:r>
+            <a:r>
+              <a:rPr/>
+              <a:t> </a:t>
+            </a:r>
+            <a:r>
+              <a:rPr/>
+              <a:t>approximation</a:t>
+            </a:r>
+            <a:r>
+              <a:rPr/>
+              <a:t> </a:t>
+            </a:r>
+            <a:r>
+              <a:rPr/>
+              <a:t>to</a:t>
+            </a:r>
+            <a:r>
+              <a:rPr/>
+              <a:t> </a:t>
+            </a:r>
+            <a:r>
+              <a:rPr/>
+              <a:t>the</a:t>
+            </a:r>
+            <a:r>
+              <a:rPr/>
+              <a:t> </a:t>
+            </a:r>
+            <a:r>
+              <a:rPr/>
+              <a:t>binomial</a:t>
+            </a:r>
+            <a:r>
+              <a:rPr/>
+              <a:t> </a:t>
+            </a:r>
+            <a:r>
+              <a:rPr/>
+              <a:t>distribution</a:t>
+            </a:r>
+            <a:r>
+              <a:rPr/>
+              <a:t> </a:t>
+            </a:r>
+            <a:r>
+              <a:rPr/>
+              <a:t>and</a:t>
+            </a:r>
+            <a:r>
+              <a:rPr/>
+              <a:t> </a:t>
+            </a:r>
+            <a:r>
+              <a:rPr/>
+              <a:t>instead</a:t>
             </a:r>
             <a:r>
               <a:rPr/>
@@ -2705,6 +3061,968 @@
             </a:r>
             <a:r>
               <a:rPr/>
+              <a:t>a</a:t>
+            </a:r>
+            <a:r>
+              <a:rPr/>
+              <a:t> </a:t>
+            </a:r>
+            <a:r>
+              <a:rPr/>
+              <a:t>pooled</a:t>
+            </a:r>
+            <a:r>
+              <a:rPr/>
+              <a:t> </a:t>
+            </a:r>
+            <a:r>
+              <a:rPr/>
+              <a:t>variance,</a:t>
+            </a:r>
+            <a:r>
+              <a:rPr/>
+              <a:t> </a:t>
+            </a:r>
+            <a:r>
+              <a:rPr/>
+              <a:t>you</a:t>
+            </a:r>
+            <a:r>
+              <a:rPr/>
+              <a:t> </a:t>
+            </a:r>
+            <a:r>
+              <a:rPr/>
+              <a:t>use</a:t>
+            </a:r>
+            <a:r>
+              <a:rPr/>
+              <a:t> </a:t>
+            </a:r>
+            <a:r>
+              <a:rPr/>
+              <a:t>the</a:t>
+            </a:r>
+            <a:r>
+              <a:rPr/>
+              <a:t> </a:t>
+            </a:r>
+            <a:r>
+              <a:rPr/>
+              <a:t>square</a:t>
+            </a:r>
+            <a:r>
+              <a:rPr/>
+              <a:t> </a:t>
+            </a:r>
+            <a:r>
+              <a:rPr/>
+              <a:t>root</a:t>
+            </a:r>
+            <a:r>
+              <a:rPr/>
+              <a:t> </a:t>
+            </a:r>
+            <a:r>
+              <a:rPr/>
+              <a:t>of</a:t>
+            </a:r>
+            <a:r>
+              <a:rPr/>
+              <a:t> </a:t>
+            </a:r>
+            <a:r>
+              <a:rPr/>
+              <a:t>p-bar</a:t>
+            </a:r>
+            <a:r>
+              <a:rPr/>
+              <a:t> </a:t>
+            </a:r>
+            <a:r>
+              <a:rPr/>
+              <a:t>times</a:t>
+            </a:r>
+            <a:r>
+              <a:rPr/>
+              <a:t> </a:t>
+            </a:r>
+            <a:r>
+              <a:rPr/>
+              <a:t>one</a:t>
+            </a:r>
+            <a:r>
+              <a:rPr/>
+              <a:t> </a:t>
+            </a:r>
+            <a:r>
+              <a:rPr/>
+              <a:t>minus</a:t>
+            </a:r>
+            <a:r>
+              <a:rPr/>
+              <a:t> </a:t>
+            </a:r>
+            <a:r>
+              <a:rPr/>
+              <a:t>p-bar.</a:t>
+            </a:r>
+          </a:p>
+          <a:p>
+            <a:pPr lvl="0" marL="0" indent="0">
+              <a:buNone/>
+            </a:pPr>
+          </a:p>
+          <a:p>
+            <a:pPr lvl="0" marL="0" indent="0">
+              <a:buNone/>
+            </a:pPr>
+            <a:r>
+              <a:rPr/>
+              <a:t>The</a:t>
+            </a:r>
+            <a:r>
+              <a:rPr/>
+              <a:t> </a:t>
+            </a:r>
+            <a:r>
+              <a:rPr/>
+              <a:t>other</a:t>
+            </a:r>
+            <a:r>
+              <a:rPr/>
+              <a:t> </a:t>
+            </a:r>
+            <a:r>
+              <a:rPr/>
+              <a:t>extension</a:t>
+            </a:r>
+            <a:r>
+              <a:rPr/>
+              <a:t> </a:t>
+            </a:r>
+            <a:r>
+              <a:rPr/>
+              <a:t>is</a:t>
+            </a:r>
+            <a:r>
+              <a:rPr/>
+              <a:t> </a:t>
+            </a:r>
+            <a:r>
+              <a:rPr/>
+              <a:t>the</a:t>
+            </a:r>
+            <a:r>
+              <a:rPr/>
+              <a:t> </a:t>
+            </a:r>
+            <a:r>
+              <a:rPr/>
+              <a:t>unequal</a:t>
+            </a:r>
+            <a:r>
+              <a:rPr/>
+              <a:t> </a:t>
+            </a:r>
+            <a:r>
+              <a:rPr/>
+              <a:t>sample</a:t>
+            </a:r>
+            <a:r>
+              <a:rPr/>
+              <a:t> </a:t>
+            </a:r>
+            <a:r>
+              <a:rPr/>
+              <a:t>sizes.</a:t>
+            </a:r>
+            <a:r>
+              <a:rPr/>
+              <a:t> </a:t>
+            </a:r>
+            <a:r>
+              <a:rPr/>
+              <a:t>Some</a:t>
+            </a:r>
+            <a:r>
+              <a:rPr/>
+              <a:t> </a:t>
+            </a:r>
+            <a:r>
+              <a:rPr/>
+              <a:t>clinics</a:t>
+            </a:r>
+            <a:r>
+              <a:rPr/>
+              <a:t> </a:t>
+            </a:r>
+            <a:r>
+              <a:rPr/>
+              <a:t>only</a:t>
+            </a:r>
+            <a:r>
+              <a:rPr/>
+              <a:t> </a:t>
+            </a:r>
+            <a:r>
+              <a:rPr/>
+              <a:t>had</a:t>
+            </a:r>
+            <a:r>
+              <a:rPr/>
+              <a:t> </a:t>
+            </a:r>
+            <a:r>
+              <a:rPr/>
+              <a:t>3</a:t>
+            </a:r>
+            <a:r>
+              <a:rPr/>
+              <a:t> </a:t>
+            </a:r>
+            <a:r>
+              <a:rPr/>
+              <a:t>total</a:t>
+            </a:r>
+            <a:r>
+              <a:rPr/>
+              <a:t> </a:t>
+            </a:r>
+            <a:r>
+              <a:rPr/>
+              <a:t>births</a:t>
+            </a:r>
+            <a:r>
+              <a:rPr/>
+              <a:t> </a:t>
+            </a:r>
+            <a:r>
+              <a:rPr/>
+              <a:t>during</a:t>
+            </a:r>
+            <a:r>
+              <a:rPr/>
+              <a:t> </a:t>
+            </a:r>
+            <a:r>
+              <a:rPr/>
+              <a:t>the</a:t>
+            </a:r>
+            <a:r>
+              <a:rPr/>
+              <a:t> </a:t>
+            </a:r>
+            <a:r>
+              <a:rPr/>
+              <a:t>study</a:t>
+            </a:r>
+            <a:r>
+              <a:rPr/>
+              <a:t> </a:t>
+            </a:r>
+            <a:r>
+              <a:rPr/>
+              <a:t>time</a:t>
+            </a:r>
+            <a:r>
+              <a:rPr/>
+              <a:t> </a:t>
+            </a:r>
+            <a:r>
+              <a:rPr/>
+              <a:t>frame,</a:t>
+            </a:r>
+            <a:r>
+              <a:rPr/>
+              <a:t> </a:t>
+            </a:r>
+            <a:r>
+              <a:rPr/>
+              <a:t>and</a:t>
+            </a:r>
+            <a:r>
+              <a:rPr/>
+              <a:t> </a:t>
+            </a:r>
+            <a:r>
+              <a:rPr/>
+              <a:t>one</a:t>
+            </a:r>
+            <a:r>
+              <a:rPr/>
+              <a:t> </a:t>
+            </a:r>
+            <a:r>
+              <a:rPr/>
+              <a:t>clinic</a:t>
+            </a:r>
+            <a:r>
+              <a:rPr/>
+              <a:t> </a:t>
+            </a:r>
+            <a:r>
+              <a:rPr/>
+              <a:t>had</a:t>
+            </a:r>
+            <a:r>
+              <a:rPr/>
+              <a:t> </a:t>
+            </a:r>
+            <a:r>
+              <a:rPr/>
+              <a:t>almost</a:t>
+            </a:r>
+            <a:r>
+              <a:rPr/>
+              <a:t> </a:t>
+            </a:r>
+            <a:r>
+              <a:rPr/>
+              <a:t>a</a:t>
+            </a:r>
+            <a:r>
+              <a:rPr/>
+              <a:t> </a:t>
+            </a:r>
+            <a:r>
+              <a:rPr/>
+              <a:t>thousand</a:t>
+            </a:r>
+            <a:r>
+              <a:rPr/>
+              <a:t> </a:t>
+            </a:r>
+            <a:r>
+              <a:rPr/>
+              <a:t>births.</a:t>
+            </a:r>
+            <a:r>
+              <a:rPr/>
+              <a:t> </a:t>
+            </a:r>
+            <a:r>
+              <a:rPr/>
+              <a:t>You</a:t>
+            </a:r>
+            <a:r>
+              <a:rPr/>
+              <a:t> </a:t>
+            </a:r>
+            <a:r>
+              <a:rPr/>
+              <a:t>have</a:t>
+            </a:r>
+            <a:r>
+              <a:rPr/>
+              <a:t> </a:t>
+            </a:r>
+            <a:r>
+              <a:rPr/>
+              <a:t>to</a:t>
+            </a:r>
+            <a:r>
+              <a:rPr/>
+              <a:t> </a:t>
+            </a:r>
+            <a:r>
+              <a:rPr/>
+              <a:t>use</a:t>
+            </a:r>
+            <a:r>
+              <a:rPr/>
+              <a:t> </a:t>
+            </a:r>
+            <a:r>
+              <a:rPr/>
+              <a:t>a</a:t>
+            </a:r>
+            <a:r>
+              <a:rPr/>
+              <a:t> </a:t>
+            </a:r>
+            <a:r>
+              <a:rPr/>
+              <a:t>different</a:t>
+            </a:r>
+            <a:r>
+              <a:rPr/>
+              <a:t> </a:t>
+            </a:r>
+            <a:r>
+              <a:rPr/>
+              <a:t>table</a:t>
+            </a:r>
+            <a:r>
+              <a:rPr/>
+              <a:t> </a:t>
+            </a:r>
+            <a:r>
+              <a:rPr/>
+              <a:t>for</a:t>
+            </a:r>
+            <a:r>
+              <a:rPr/>
+              <a:t> </a:t>
+            </a:r>
+            <a:r>
+              <a:rPr/>
+              <a:t>unequal</a:t>
+            </a:r>
+            <a:r>
+              <a:rPr/>
+              <a:t> </a:t>
+            </a:r>
+            <a:r>
+              <a:rPr/>
+              <a:t>sample</a:t>
+            </a:r>
+            <a:r>
+              <a:rPr/>
+              <a:t> </a:t>
+            </a:r>
+            <a:r>
+              <a:rPr/>
+              <a:t>sizes.</a:t>
+            </a:r>
+            <a:r>
+              <a:rPr/>
+              <a:t> </a:t>
+            </a:r>
+            <a:r>
+              <a:rPr/>
+              <a:t>I</a:t>
+            </a:r>
+            <a:r>
+              <a:rPr/>
+              <a:t> </a:t>
+            </a:r>
+            <a:r>
+              <a:rPr/>
+              <a:t>don’t</a:t>
+            </a:r>
+            <a:r>
+              <a:rPr/>
+              <a:t> </a:t>
+            </a:r>
+            <a:r>
+              <a:rPr/>
+              <a:t>have</a:t>
+            </a:r>
+            <a:r>
+              <a:rPr/>
+              <a:t> </a:t>
+            </a:r>
+            <a:r>
+              <a:rPr/>
+              <a:t>easy</a:t>
+            </a:r>
+            <a:r>
+              <a:rPr/>
+              <a:t> </a:t>
+            </a:r>
+            <a:r>
+              <a:rPr/>
+              <a:t>access</a:t>
+            </a:r>
+            <a:r>
+              <a:rPr/>
+              <a:t> </a:t>
+            </a:r>
+            <a:r>
+              <a:rPr/>
+              <a:t>to</a:t>
+            </a:r>
+            <a:r>
+              <a:rPr/>
+              <a:t> </a:t>
+            </a:r>
+            <a:r>
+              <a:rPr/>
+              <a:t>this</a:t>
+            </a:r>
+            <a:r>
+              <a:rPr/>
+              <a:t> </a:t>
+            </a:r>
+            <a:r>
+              <a:rPr/>
+              <a:t>table,</a:t>
+            </a:r>
+            <a:r>
+              <a:rPr/>
+              <a:t> </a:t>
+            </a:r>
+            <a:r>
+              <a:rPr/>
+              <a:t>but</a:t>
+            </a:r>
+            <a:r>
+              <a:rPr/>
+              <a:t> </a:t>
+            </a:r>
+            <a:r>
+              <a:rPr/>
+              <a:t>you</a:t>
+            </a:r>
+            <a:r>
+              <a:rPr/>
+              <a:t> </a:t>
+            </a:r>
+            <a:r>
+              <a:rPr/>
+              <a:t>can</a:t>
+            </a:r>
+            <a:r>
+              <a:rPr/>
+              <a:t> </a:t>
+            </a:r>
+            <a:r>
+              <a:rPr/>
+              <a:t>find</a:t>
+            </a:r>
+            <a:r>
+              <a:rPr/>
+              <a:t> </a:t>
+            </a:r>
+            <a:r>
+              <a:rPr/>
+              <a:t>it</a:t>
+            </a:r>
+            <a:r>
+              <a:rPr/>
+              <a:t> </a:t>
+            </a:r>
+            <a:r>
+              <a:rPr/>
+              <a:t>in</a:t>
+            </a:r>
+            <a:r>
+              <a:rPr/>
+              <a:t> </a:t>
+            </a:r>
+            <a:r>
+              <a:rPr/>
+              <a:t>a</a:t>
+            </a:r>
+            <a:r>
+              <a:rPr/>
+              <a:t> </a:t>
+            </a:r>
+            <a:r>
+              <a:rPr/>
+              <a:t>book</a:t>
+            </a:r>
+            <a:r>
+              <a:rPr/>
+              <a:t> </a:t>
+            </a:r>
+            <a:r>
+              <a:rPr/>
+              <a:t>by</a:t>
+            </a:r>
+            <a:r>
+              <a:rPr/>
+              <a:t> </a:t>
+            </a:r>
+            <a:r>
+              <a:rPr/>
+              <a:t>Nelson.</a:t>
+            </a:r>
+          </a:p>
+          <a:p>
+            <a:pPr lvl="0" marL="0" indent="0">
+              <a:buNone/>
+            </a:pPr>
+          </a:p>
+          <a:p>
+            <a:pPr lvl="0" marL="0" indent="0">
+              <a:buNone/>
+            </a:pPr>
+            <a:r>
+              <a:rPr/>
+              <a:t>Peter</a:t>
+            </a:r>
+            <a:r>
+              <a:rPr/>
+              <a:t> </a:t>
+            </a:r>
+            <a:r>
+              <a:rPr/>
+              <a:t>R.</a:t>
+            </a:r>
+            <a:r>
+              <a:rPr/>
+              <a:t> </a:t>
+            </a:r>
+            <a:r>
+              <a:rPr/>
+              <a:t>Nelson,</a:t>
+            </a:r>
+            <a:r>
+              <a:rPr/>
+              <a:t> </a:t>
+            </a:r>
+            <a:r>
+              <a:rPr/>
+              <a:t>Peter</a:t>
+            </a:r>
+            <a:r>
+              <a:rPr/>
+              <a:t> </a:t>
+            </a:r>
+            <a:r>
+              <a:rPr/>
+              <a:t>S.</a:t>
+            </a:r>
+            <a:r>
+              <a:rPr/>
+              <a:t> </a:t>
+            </a:r>
+            <a:r>
+              <a:rPr/>
+              <a:t>Wludyka,</a:t>
+            </a:r>
+            <a:r>
+              <a:rPr/>
+              <a:t> </a:t>
+            </a:r>
+            <a:r>
+              <a:rPr/>
+              <a:t>Karen</a:t>
+            </a:r>
+            <a:r>
+              <a:rPr/>
+              <a:t> </a:t>
+            </a:r>
+            <a:r>
+              <a:rPr/>
+              <a:t>A.</a:t>
+            </a:r>
+            <a:r>
+              <a:rPr/>
+              <a:t> </a:t>
+            </a:r>
+            <a:r>
+              <a:rPr/>
+              <a:t>F.</a:t>
+            </a:r>
+            <a:r>
+              <a:rPr/>
+              <a:t> </a:t>
+            </a:r>
+            <a:r>
+              <a:rPr/>
+              <a:t>Copeland.</a:t>
+            </a:r>
+            <a:r>
+              <a:rPr/>
+              <a:t> </a:t>
+            </a:r>
+            <a:r>
+              <a:rPr/>
+              <a:t>The</a:t>
+            </a:r>
+            <a:r>
+              <a:rPr/>
+              <a:t> </a:t>
+            </a:r>
+            <a:r>
+              <a:rPr/>
+              <a:t>Analysis</a:t>
+            </a:r>
+            <a:r>
+              <a:rPr/>
+              <a:t> </a:t>
+            </a:r>
+            <a:r>
+              <a:rPr/>
+              <a:t>of</a:t>
+            </a:r>
+            <a:r>
+              <a:rPr/>
+              <a:t> </a:t>
+            </a:r>
+            <a:r>
+              <a:rPr/>
+              <a:t>Means.</a:t>
+            </a:r>
+            <a:r>
+              <a:rPr/>
+              <a:t> </a:t>
+            </a:r>
+            <a:r>
+              <a:rPr/>
+              <a:t>A</a:t>
+            </a:r>
+            <a:r>
+              <a:rPr/>
+              <a:t> </a:t>
+            </a:r>
+            <a:r>
+              <a:rPr/>
+              <a:t>Graphical</a:t>
+            </a:r>
+            <a:r>
+              <a:rPr/>
+              <a:t> </a:t>
+            </a:r>
+            <a:r>
+              <a:rPr/>
+              <a:t>Method</a:t>
+            </a:r>
+            <a:r>
+              <a:rPr/>
+              <a:t> </a:t>
+            </a:r>
+            <a:r>
+              <a:rPr/>
+              <a:t>for</a:t>
+            </a:r>
+            <a:r>
+              <a:rPr/>
+              <a:t> </a:t>
+            </a:r>
+            <a:r>
+              <a:rPr/>
+              <a:t>Comparing</a:t>
+            </a:r>
+            <a:r>
+              <a:rPr/>
+              <a:t> </a:t>
+            </a:r>
+            <a:r>
+              <a:rPr/>
+              <a:t>Means,</a:t>
+            </a:r>
+            <a:r>
+              <a:rPr/>
+              <a:t> </a:t>
+            </a:r>
+            <a:r>
+              <a:rPr/>
+              <a:t>Rates,</a:t>
+            </a:r>
+            <a:r>
+              <a:rPr/>
+              <a:t> </a:t>
+            </a:r>
+            <a:r>
+              <a:rPr/>
+              <a:t>and</a:t>
+            </a:r>
+            <a:r>
+              <a:rPr/>
+              <a:t> </a:t>
+            </a:r>
+            <a:r>
+              <a:rPr/>
+              <a:t>Proportions.</a:t>
+            </a:r>
+            <a:r>
+              <a:rPr/>
+              <a:t> </a:t>
+            </a:r>
+            <a:r>
+              <a:rPr/>
+              <a:t>ASA-SIAM</a:t>
+            </a:r>
+            <a:r>
+              <a:rPr/>
+              <a:t> </a:t>
+            </a:r>
+            <a:r>
+              <a:rPr/>
+              <a:t>Series</a:t>
+            </a:r>
+            <a:r>
+              <a:rPr/>
+              <a:t> </a:t>
+            </a:r>
+            <a:r>
+              <a:rPr/>
+              <a:t>on</a:t>
+            </a:r>
+            <a:r>
+              <a:rPr/>
+              <a:t> </a:t>
+            </a:r>
+            <a:r>
+              <a:rPr/>
+              <a:t>Statistics</a:t>
+            </a:r>
+            <a:r>
+              <a:rPr/>
+              <a:t> </a:t>
+            </a:r>
+            <a:r>
+              <a:rPr/>
+              <a:t>and</a:t>
+            </a:r>
+            <a:r>
+              <a:rPr/>
+              <a:t> </a:t>
+            </a:r>
+            <a:r>
+              <a:rPr/>
+              <a:t>Probability.</a:t>
+            </a:r>
+            <a:r>
+              <a:rPr/>
+              <a:t> </a:t>
+            </a:r>
+            <a:r>
+              <a:rPr/>
+              <a:t>Siam,</a:t>
+            </a:r>
+            <a:r>
+              <a:rPr/>
+              <a:t> </a:t>
+            </a:r>
+            <a:r>
+              <a:rPr/>
+              <a:t>Philadelphia</a:t>
+            </a:r>
+            <a:r>
+              <a:rPr/>
+              <a:t> </a:t>
+            </a:r>
+            <a:r>
+              <a:rPr/>
+              <a:t>PA,</a:t>
+            </a:r>
+            <a:r>
+              <a:rPr/>
+              <a:t> </a:t>
+            </a:r>
+            <a:r>
+              <a:rPr/>
+              <a:t>ASA,</a:t>
+            </a:r>
+            <a:r>
+              <a:rPr/>
+              <a:t> </a:t>
+            </a:r>
+            <a:r>
+              <a:rPr/>
+              <a:t>Washington</a:t>
+            </a:r>
+            <a:r>
+              <a:rPr/>
+              <a:t> </a:t>
+            </a:r>
+            <a:r>
+              <a:rPr/>
+              <a:t>DC,</a:t>
+            </a:r>
+            <a:r>
+              <a:rPr/>
+              <a:t> </a:t>
+            </a:r>
+            <a:r>
+              <a:rPr/>
+              <a:t>2005.</a:t>
+            </a:r>
+          </a:p>
+          <a:p>
+            <a:pPr lvl="0" marL="0" indent="0">
+              <a:buNone/>
+            </a:pPr>
+          </a:p>
+          <a:p>
+            <a:pPr lvl="0" marL="0" indent="0">
+              <a:buNone/>
+            </a:pPr>
+            <a:r>
+              <a:rPr/>
+              <a:t>VERY</a:t>
+            </a:r>
+            <a:r>
+              <a:rPr/>
+              <a:t> </a:t>
+            </a:r>
+            <a:r>
+              <a:rPr/>
+              <a:t>IMPORTANT!!!</a:t>
+            </a:r>
+            <a:r>
+              <a:rPr/>
+              <a:t> </a:t>
+            </a:r>
+            <a:r>
+              <a:rPr/>
+              <a:t>There</a:t>
+            </a:r>
+            <a:r>
+              <a:rPr/>
+              <a:t> </a:t>
+            </a:r>
+            <a:r>
+              <a:rPr/>
+              <a:t>is</a:t>
+            </a:r>
+            <a:r>
+              <a:rPr/>
+              <a:t> </a:t>
+            </a:r>
+            <a:r>
+              <a:rPr/>
+              <a:t>a</a:t>
+            </a:r>
+            <a:r>
+              <a:rPr/>
+              <a:t> </a:t>
+            </a:r>
+            <a:r>
+              <a:rPr/>
+              <a:t>subscript</a:t>
+            </a:r>
+            <a:r>
+              <a:rPr/>
+              <a:t> </a:t>
+            </a:r>
+            <a:r>
+              <a:rPr/>
+              <a:t>i</a:t>
+            </a:r>
+            <a:r>
+              <a:rPr/>
+              <a:t> </a:t>
+            </a:r>
+            <a:r>
+              <a:rPr/>
+              <a:t>in</a:t>
+            </a:r>
+            <a:r>
+              <a:rPr/>
+              <a:t> </a:t>
+            </a:r>
+            <a:r>
+              <a:rPr/>
+              <a:t>this</a:t>
+            </a:r>
+            <a:r>
+              <a:rPr/>
+              <a:t> </a:t>
+            </a:r>
+            <a:r>
+              <a:rPr/>
+              <a:t>equation.</a:t>
+            </a:r>
+            <a:r>
+              <a:rPr/>
+              <a:t> </a:t>
+            </a:r>
+            <a:r>
+              <a:rPr/>
+              <a:t>That</a:t>
+            </a:r>
+            <a:r>
+              <a:rPr/>
+              <a:t> </a:t>
+            </a:r>
+            <a:r>
+              <a:rPr/>
               <a:t>means</a:t>
             </a:r>
             <a:r>
@@ -2713,95 +4031,127 @@
             </a:r>
             <a:r>
               <a:rPr/>
-              <a:t>methods</a:t>
-            </a:r>
-            <a:r>
-              <a:rPr/>
-              <a:t> </a:t>
-            </a:r>
-            <a:r>
-              <a:rPr/>
-              <a:t>for</a:t>
-            </a:r>
-            <a:r>
-              <a:rPr/>
-              <a:t> </a:t>
-            </a:r>
-            <a:r>
-              <a:rPr/>
-              <a:t>proportions</a:t>
-            </a:r>
-            <a:r>
-              <a:rPr/>
-              <a:t> </a:t>
-            </a:r>
-            <a:r>
-              <a:rPr/>
-              <a:t>and</a:t>
-            </a:r>
-            <a:r>
-              <a:rPr/>
-              <a:t> </a:t>
-            </a:r>
-            <a:r>
-              <a:rPr/>
-              <a:t>counts.</a:t>
-            </a:r>
-            <a:r>
-              <a:rPr/>
-              <a:t> </a:t>
-            </a:r>
-            <a:r>
-              <a:rPr/>
-              <a:t>Here’s</a:t>
-            </a:r>
-            <a:r>
-              <a:rPr/>
-              <a:t> </a:t>
-            </a:r>
-            <a:r>
-              <a:rPr/>
-              <a:t>an</a:t>
-            </a:r>
-            <a:r>
-              <a:rPr/>
-              <a:t> </a:t>
-            </a:r>
-            <a:r>
-              <a:rPr/>
-              <a:t>example</a:t>
-            </a:r>
-            <a:r>
-              <a:rPr/>
-              <a:t> </a:t>
-            </a:r>
-            <a:r>
-              <a:rPr/>
-              <a:t>of</a:t>
-            </a:r>
-            <a:r>
-              <a:rPr/>
-              <a:t> </a:t>
-            </a:r>
-            <a:r>
-              <a:rPr/>
-              <a:t>some</a:t>
-            </a:r>
-            <a:r>
-              <a:rPr/>
-              <a:t> </a:t>
-            </a:r>
-            <a:r>
-              <a:rPr/>
-              <a:t>proportion</a:t>
-            </a:r>
-            <a:r>
-              <a:rPr/>
-              <a:t> </a:t>
-            </a:r>
-            <a:r>
-              <a:rPr/>
-              <a:t>data.</a:t>
+              <a:t>that</a:t>
+            </a:r>
+            <a:r>
+              <a:rPr/>
+              <a:t> </a:t>
+            </a:r>
+            <a:r>
+              <a:rPr/>
+              <a:t>the</a:t>
+            </a:r>
+            <a:r>
+              <a:rPr/>
+              <a:t> </a:t>
+            </a:r>
+            <a:r>
+              <a:rPr/>
+              <a:t>limits</a:t>
+            </a:r>
+            <a:r>
+              <a:rPr/>
+              <a:t> </a:t>
+            </a:r>
+            <a:r>
+              <a:rPr/>
+              <a:t>vary</a:t>
+            </a:r>
+            <a:r>
+              <a:rPr/>
+              <a:t> </a:t>
+            </a:r>
+            <a:r>
+              <a:rPr/>
+              <a:t>in</a:t>
+            </a:r>
+            <a:r>
+              <a:rPr/>
+              <a:t> </a:t>
+            </a:r>
+            <a:r>
+              <a:rPr/>
+              <a:t>width.</a:t>
+            </a:r>
+            <a:r>
+              <a:rPr/>
+              <a:t> </a:t>
+            </a:r>
+            <a:r>
+              <a:rPr/>
+              <a:t>That’s</a:t>
+            </a:r>
+            <a:r>
+              <a:rPr/>
+              <a:t> </a:t>
+            </a:r>
+            <a:r>
+              <a:rPr/>
+              <a:t>to</a:t>
+            </a:r>
+            <a:r>
+              <a:rPr/>
+              <a:t> </a:t>
+            </a:r>
+            <a:r>
+              <a:rPr/>
+              <a:t>be</a:t>
+            </a:r>
+            <a:r>
+              <a:rPr/>
+              <a:t> </a:t>
+            </a:r>
+            <a:r>
+              <a:rPr/>
+              <a:t>expected</a:t>
+            </a:r>
+            <a:r>
+              <a:rPr/>
+              <a:t> </a:t>
+            </a:r>
+            <a:r>
+              <a:rPr/>
+              <a:t>when</a:t>
+            </a:r>
+            <a:r>
+              <a:rPr/>
+              <a:t> </a:t>
+            </a:r>
+            <a:r>
+              <a:rPr/>
+              <a:t>you</a:t>
+            </a:r>
+            <a:r>
+              <a:rPr/>
+              <a:t> </a:t>
+            </a:r>
+            <a:r>
+              <a:rPr/>
+              <a:t>have</a:t>
+            </a:r>
+            <a:r>
+              <a:rPr/>
+              <a:t> </a:t>
+            </a:r>
+            <a:r>
+              <a:rPr/>
+              <a:t>unequal</a:t>
+            </a:r>
+            <a:r>
+              <a:rPr/>
+              <a:t> </a:t>
+            </a:r>
+            <a:r>
+              <a:rPr/>
+              <a:t>sample</a:t>
+            </a:r>
+            <a:r>
+              <a:rPr/>
+              <a:t> </a:t>
+            </a:r>
+            <a:r>
+              <a:rPr/>
+              <a:t>sizes.</a:t>
             </a:r>
           </a:p>
         </p:txBody>
@@ -2883,31 +4233,47 @@
             </a:pPr>
             <a:r>
               <a:rPr/>
-              <a:t>Here</a:t>
-            </a:r>
-            <a:r>
-              <a:rPr/>
-              <a:t> </a:t>
-            </a:r>
-            <a:r>
-              <a:rPr/>
-              <a:t>is</a:t>
-            </a:r>
-            <a:r>
-              <a:rPr/>
-              <a:t> </a:t>
-            </a:r>
-            <a:r>
-              <a:rPr/>
-              <a:t>a</a:t>
-            </a:r>
-            <a:r>
-              <a:rPr/>
-              <a:t> </a:t>
-            </a:r>
-            <a:r>
-              <a:rPr/>
-              <a:t>plot</a:t>
+              <a:t>You</a:t>
+            </a:r>
+            <a:r>
+              <a:rPr/>
+              <a:t> </a:t>
+            </a:r>
+            <a:r>
+              <a:rPr/>
+              <a:t>can</a:t>
+            </a:r>
+            <a:r>
+              <a:rPr/>
+              <a:t> </a:t>
+            </a:r>
+            <a:r>
+              <a:rPr/>
+              <a:t>also</a:t>
+            </a:r>
+            <a:r>
+              <a:rPr/>
+              <a:t> </a:t>
+            </a:r>
+            <a:r>
+              <a:rPr/>
+              <a:t>use</a:t>
+            </a:r>
+            <a:r>
+              <a:rPr/>
+              <a:t> </a:t>
+            </a:r>
+            <a:r>
+              <a:rPr/>
+              <a:t>the</a:t>
+            </a:r>
+            <a:r>
+              <a:rPr/>
+              <a:t> </a:t>
+            </a:r>
+            <a:r>
+              <a:rPr/>
+              <a:t>analysis</a:t>
             </a:r>
             <a:r>
               <a:rPr/>
@@ -2923,15 +4289,103 @@
             </a:r>
             <a:r>
               <a:rPr/>
-              <a:t>the</a:t>
-            </a:r>
-            <a:r>
-              <a:rPr/>
-              <a:t> </a:t>
-            </a:r>
-            <a:r>
-              <a:rPr/>
-              <a:t>proportions.</a:t>
+              <a:t>means</a:t>
+            </a:r>
+            <a:r>
+              <a:rPr/>
+              <a:t> </a:t>
+            </a:r>
+            <a:r>
+              <a:rPr/>
+              <a:t>methods</a:t>
+            </a:r>
+            <a:r>
+              <a:rPr/>
+              <a:t> </a:t>
+            </a:r>
+            <a:r>
+              <a:rPr/>
+              <a:t>for</a:t>
+            </a:r>
+            <a:r>
+              <a:rPr/>
+              <a:t> </a:t>
+            </a:r>
+            <a:r>
+              <a:rPr/>
+              <a:t>proportions</a:t>
+            </a:r>
+            <a:r>
+              <a:rPr/>
+              <a:t> </a:t>
+            </a:r>
+            <a:r>
+              <a:rPr/>
+              <a:t>and</a:t>
+            </a:r>
+            <a:r>
+              <a:rPr/>
+              <a:t> </a:t>
+            </a:r>
+            <a:r>
+              <a:rPr/>
+              <a:t>counts.</a:t>
+            </a:r>
+            <a:r>
+              <a:rPr/>
+              <a:t> </a:t>
+            </a:r>
+            <a:r>
+              <a:rPr/>
+              <a:t>Here’s</a:t>
+            </a:r>
+            <a:r>
+              <a:rPr/>
+              <a:t> </a:t>
+            </a:r>
+            <a:r>
+              <a:rPr/>
+              <a:t>an</a:t>
+            </a:r>
+            <a:r>
+              <a:rPr/>
+              <a:t> </a:t>
+            </a:r>
+            <a:r>
+              <a:rPr/>
+              <a:t>example</a:t>
+            </a:r>
+            <a:r>
+              <a:rPr/>
+              <a:t> </a:t>
+            </a:r>
+            <a:r>
+              <a:rPr/>
+              <a:t>of</a:t>
+            </a:r>
+            <a:r>
+              <a:rPr/>
+              <a:t> </a:t>
+            </a:r>
+            <a:r>
+              <a:rPr/>
+              <a:t>some</a:t>
+            </a:r>
+            <a:r>
+              <a:rPr/>
+              <a:t> </a:t>
+            </a:r>
+            <a:r>
+              <a:rPr/>
+              <a:t>proportion</a:t>
+            </a:r>
+            <a:r>
+              <a:rPr/>
+              <a:t> </a:t>
+            </a:r>
+            <a:r>
+              <a:rPr/>
+              <a:t>data.</a:t>
             </a:r>
           </a:p>
         </p:txBody>
@@ -2953,7 +4407,4235 @@
           <a:p>
             <a:fld id="{18BDFEC3-8487-43E8-A154-7C12CBC1FFF2}" type="slidenum">
               <a:rPr lang="en-US"/>
-              <a:t>25</a:t>
+              <a:t>24</a:t>
+            </a:fld>
+            <a:endParaRPr lang="en-US"/>
+          </a:p>
+        </p:txBody>
+      </p:sp>
+    </p:spTree>
+  </p:cSld>
+</p:notes>
+</file>
+
+<file path=ppt/notesSlides/notesSlide16.xml><?xml version="1.0" encoding="utf-8"?>
+<p:notes xmlns:a="http://schemas.openxmlformats.org/drawingml/2006/main" xmlns:r="http://schemas.openxmlformats.org/officeDocument/2006/relationships" xmlns:p="http://schemas.openxmlformats.org/presentationml/2006/main">
+  <p:cSld>
+    <p:spTree>
+      <p:nvGrpSpPr>
+        <p:cNvPr id="1" name=""/>
+        <p:cNvGrpSpPr/>
+        <p:nvPr/>
+      </p:nvGrpSpPr>
+      <p:grpSpPr>
+        <a:xfrm>
+          <a:off x="0" y="0"/>
+          <a:ext cx="0" cy="0"/>
+          <a:chOff x="0" y="0"/>
+          <a:chExt cx="0" cy="0"/>
+        </a:xfrm>
+      </p:grpSpPr>
+      <p:sp>
+        <p:nvSpPr>
+          <p:cNvPr id="2" name="Slide Image Placeholder 1"/>
+          <p:cNvSpPr>
+            <a:spLocks noGrp="1" noRot="1" noChangeAspect="1"/>
+          </p:cNvSpPr>
+          <p:nvPr>
+            <p:ph type="sldImg"/>
+          </p:nvPr>
+        </p:nvSpPr>
+        <p:spPr/>
+      </p:sp>
+      <p:sp>
+        <p:nvSpPr>
+          <p:cNvPr id="3" name="Notes Placeholder 2"/>
+          <p:cNvSpPr>
+            <a:spLocks noGrp="1"/>
+          </p:cNvSpPr>
+          <p:nvPr>
+            <p:ph type="body" idx="1"/>
+          </p:nvPr>
+        </p:nvSpPr>
+        <p:spPr/>
+        <p:txBody>
+          <a:bodyPr/>
+          <a:lstStyle/>
+          <a:p>
+            <a:pPr lvl="0" marL="0" indent="0">
+              <a:buNone/>
+            </a:pPr>
+            <a:r>
+              <a:rPr/>
+              <a:t>Here</a:t>
+            </a:r>
+            <a:r>
+              <a:rPr/>
+              <a:t> </a:t>
+            </a:r>
+            <a:r>
+              <a:rPr/>
+              <a:t>is</a:t>
+            </a:r>
+            <a:r>
+              <a:rPr/>
+              <a:t> </a:t>
+            </a:r>
+            <a:r>
+              <a:rPr/>
+              <a:t>a</a:t>
+            </a:r>
+            <a:r>
+              <a:rPr/>
+              <a:t> </a:t>
+            </a:r>
+            <a:r>
+              <a:rPr/>
+              <a:t>plot</a:t>
+            </a:r>
+            <a:r>
+              <a:rPr/>
+              <a:t> </a:t>
+            </a:r>
+            <a:r>
+              <a:rPr/>
+              <a:t>of</a:t>
+            </a:r>
+            <a:r>
+              <a:rPr/>
+              <a:t> </a:t>
+            </a:r>
+            <a:r>
+              <a:rPr/>
+              <a:t>the</a:t>
+            </a:r>
+            <a:r>
+              <a:rPr/>
+              <a:t> </a:t>
+            </a:r>
+            <a:r>
+              <a:rPr/>
+              <a:t>proportions.</a:t>
+            </a:r>
+          </a:p>
+        </p:txBody>
+      </p:sp>
+      <p:sp>
+        <p:nvSpPr>
+          <p:cNvPr id="4" name="Slide Number Placeholder 3"/>
+          <p:cNvSpPr>
+            <a:spLocks noGrp="1"/>
+          </p:cNvSpPr>
+          <p:nvPr>
+            <p:ph type="sldNum" sz="quarter" idx="10"/>
+          </p:nvPr>
+        </p:nvSpPr>
+        <p:spPr/>
+        <p:txBody>
+          <a:bodyPr/>
+          <a:lstStyle/>
+          <a:p>
+            <a:fld id="{18BDFEC3-8487-43E8-A154-7C12CBC1FFF2}" type="slidenum">
+              <a:rPr lang="en-US"/>
+              <a:t>26</a:t>
+            </a:fld>
+            <a:endParaRPr lang="en-US"/>
+          </a:p>
+        </p:txBody>
+      </p:sp>
+    </p:spTree>
+  </p:cSld>
+</p:notes>
+</file>
+
+<file path=ppt/notesSlides/notesSlide17.xml><?xml version="1.0" encoding="utf-8"?>
+<p:notes xmlns:a="http://schemas.openxmlformats.org/drawingml/2006/main" xmlns:r="http://schemas.openxmlformats.org/officeDocument/2006/relationships" xmlns:p="http://schemas.openxmlformats.org/presentationml/2006/main">
+  <p:cSld>
+    <p:spTree>
+      <p:nvGrpSpPr>
+        <p:cNvPr id="1" name=""/>
+        <p:cNvGrpSpPr/>
+        <p:nvPr/>
+      </p:nvGrpSpPr>
+      <p:grpSpPr>
+        <a:xfrm>
+          <a:off x="0" y="0"/>
+          <a:ext cx="0" cy="0"/>
+          <a:chOff x="0" y="0"/>
+          <a:chExt cx="0" cy="0"/>
+        </a:xfrm>
+      </p:grpSpPr>
+      <p:sp>
+        <p:nvSpPr>
+          <p:cNvPr id="2" name="Slide Image Placeholder 1"/>
+          <p:cNvSpPr>
+            <a:spLocks noGrp="1" noRot="1" noChangeAspect="1"/>
+          </p:cNvSpPr>
+          <p:nvPr>
+            <p:ph type="sldImg"/>
+          </p:nvPr>
+        </p:nvSpPr>
+        <p:spPr/>
+      </p:sp>
+      <p:sp>
+        <p:nvSpPr>
+          <p:cNvPr id="3" name="Notes Placeholder 2"/>
+          <p:cNvSpPr>
+            <a:spLocks noGrp="1"/>
+          </p:cNvSpPr>
+          <p:nvPr>
+            <p:ph type="body" idx="1"/>
+          </p:nvPr>
+        </p:nvSpPr>
+        <p:spPr/>
+        <p:txBody>
+          <a:bodyPr/>
+          <a:lstStyle/>
+          <a:p>
+            <a:pPr lvl="0" marL="0" indent="0">
+              <a:buNone/>
+            </a:pPr>
+            <a:r>
+              <a:rPr/>
+              <a:t>The</a:t>
+            </a:r>
+            <a:r>
+              <a:rPr/>
+              <a:t> </a:t>
+            </a:r>
+            <a:r>
+              <a:rPr/>
+              <a:t>previous</a:t>
+            </a:r>
+            <a:r>
+              <a:rPr/>
+              <a:t> </a:t>
+            </a:r>
+            <a:r>
+              <a:rPr/>
+              <a:t>example</a:t>
+            </a:r>
+            <a:r>
+              <a:rPr/>
+              <a:t> </a:t>
+            </a:r>
+            <a:r>
+              <a:rPr/>
+              <a:t>showed</a:t>
+            </a:r>
+            <a:r>
+              <a:rPr/>
+              <a:t> </a:t>
+            </a:r>
+            <a:r>
+              <a:rPr/>
+              <a:t>a</a:t>
+            </a:r>
+            <a:r>
+              <a:rPr/>
+              <a:t> </a:t>
+            </a:r>
+            <a:r>
+              <a:rPr/>
+              <a:t>negative</a:t>
+            </a:r>
+            <a:r>
+              <a:rPr/>
+              <a:t> </a:t>
+            </a:r>
+            <a:r>
+              <a:rPr/>
+              <a:t>result.</a:t>
+            </a:r>
+            <a:r>
+              <a:rPr/>
+              <a:t> </a:t>
+            </a:r>
+            <a:r>
+              <a:rPr/>
+              <a:t>None</a:t>
+            </a:r>
+            <a:r>
+              <a:rPr/>
+              <a:t> </a:t>
+            </a:r>
+            <a:r>
+              <a:rPr/>
+              <a:t>of</a:t>
+            </a:r>
+            <a:r>
+              <a:rPr/>
+              <a:t> </a:t>
+            </a:r>
+            <a:r>
+              <a:rPr/>
+              <a:t>the</a:t>
+            </a:r>
+            <a:r>
+              <a:rPr/>
+              <a:t> </a:t>
+            </a:r>
+            <a:r>
+              <a:rPr/>
+              <a:t>C-section</a:t>
+            </a:r>
+            <a:r>
+              <a:rPr/>
+              <a:t> </a:t>
+            </a:r>
+            <a:r>
+              <a:rPr/>
+              <a:t>proportions</a:t>
+            </a:r>
+            <a:r>
+              <a:rPr/>
+              <a:t> </a:t>
+            </a:r>
+            <a:r>
+              <a:rPr/>
+              <a:t>was</a:t>
+            </a:r>
+            <a:r>
+              <a:rPr/>
+              <a:t> </a:t>
+            </a:r>
+            <a:r>
+              <a:rPr/>
+              <a:t>statistically</a:t>
+            </a:r>
+            <a:r>
+              <a:rPr/>
+              <a:t> </a:t>
+            </a:r>
+            <a:r>
+              <a:rPr/>
+              <a:t>significant.</a:t>
+            </a:r>
+            <a:r>
+              <a:rPr/>
+              <a:t> </a:t>
+            </a:r>
+            <a:r>
+              <a:rPr/>
+              <a:t>Every</a:t>
+            </a:r>
+            <a:r>
+              <a:rPr/>
+              <a:t> </a:t>
+            </a:r>
+            <a:r>
+              <a:rPr/>
+              <a:t>group</a:t>
+            </a:r>
+            <a:r>
+              <a:rPr/>
+              <a:t> </a:t>
+            </a:r>
+            <a:r>
+              <a:rPr/>
+              <a:t>was</a:t>
+            </a:r>
+            <a:r>
+              <a:rPr/>
+              <a:t> </a:t>
+            </a:r>
+            <a:r>
+              <a:rPr/>
+              <a:t>average.</a:t>
+            </a:r>
+          </a:p>
+          <a:p>
+            <a:pPr lvl="0" marL="0" indent="0">
+              <a:buNone/>
+            </a:pPr>
+          </a:p>
+          <a:p>
+            <a:pPr lvl="0" marL="0" indent="0">
+              <a:buNone/>
+            </a:pPr>
+            <a:r>
+              <a:rPr/>
+              <a:t>Boring!</a:t>
+            </a:r>
+          </a:p>
+          <a:p>
+            <a:pPr lvl="0" marL="0" indent="0">
+              <a:buNone/>
+            </a:pPr>
+          </a:p>
+          <a:p>
+            <a:pPr lvl="0" marL="0" indent="0">
+              <a:buNone/>
+            </a:pPr>
+            <a:r>
+              <a:rPr/>
+              <a:t>Well,</a:t>
+            </a:r>
+            <a:r>
+              <a:rPr/>
+              <a:t> </a:t>
+            </a:r>
+            <a:r>
+              <a:rPr/>
+              <a:t>maybe</a:t>
+            </a:r>
+            <a:r>
+              <a:rPr/>
+              <a:t> </a:t>
+            </a:r>
+            <a:r>
+              <a:rPr/>
+              <a:t>not.</a:t>
+            </a:r>
+            <a:r>
+              <a:rPr/>
+              <a:t> </a:t>
+            </a:r>
+            <a:r>
+              <a:rPr/>
+              <a:t>If</a:t>
+            </a:r>
+            <a:r>
+              <a:rPr/>
+              <a:t> </a:t>
+            </a:r>
+            <a:r>
+              <a:rPr/>
+              <a:t>the</a:t>
+            </a:r>
+            <a:r>
+              <a:rPr/>
+              <a:t> </a:t>
+            </a:r>
+            <a:r>
+              <a:rPr/>
+              <a:t>different</a:t>
+            </a:r>
+            <a:r>
+              <a:rPr/>
+              <a:t> </a:t>
+            </a:r>
+            <a:r>
+              <a:rPr/>
+              <a:t>medical</a:t>
+            </a:r>
+            <a:r>
+              <a:rPr/>
+              <a:t> </a:t>
+            </a:r>
+            <a:r>
+              <a:rPr/>
+              <a:t>groups</a:t>
+            </a:r>
+            <a:r>
+              <a:rPr/>
+              <a:t> </a:t>
+            </a:r>
+            <a:r>
+              <a:rPr/>
+              <a:t>had</a:t>
+            </a:r>
+            <a:r>
+              <a:rPr/>
+              <a:t> </a:t>
+            </a:r>
+            <a:r>
+              <a:rPr/>
+              <a:t>a</a:t>
+            </a:r>
+            <a:r>
+              <a:rPr/>
+              <a:t> </a:t>
+            </a:r>
+            <a:r>
+              <a:rPr/>
+              <a:t>similar</a:t>
+            </a:r>
+            <a:r>
+              <a:rPr/>
+              <a:t> </a:t>
+            </a:r>
+            <a:r>
+              <a:rPr/>
+              <a:t>mix</a:t>
+            </a:r>
+            <a:r>
+              <a:rPr/>
+              <a:t> </a:t>
+            </a:r>
+            <a:r>
+              <a:rPr/>
+              <a:t>of</a:t>
+            </a:r>
+            <a:r>
+              <a:rPr/>
+              <a:t> </a:t>
+            </a:r>
+            <a:r>
+              <a:rPr/>
+              <a:t>pregnancies</a:t>
+            </a:r>
+            <a:r>
+              <a:rPr/>
+              <a:t> </a:t>
+            </a:r>
+            <a:r>
+              <a:rPr/>
+              <a:t>and</a:t>
+            </a:r>
+            <a:r>
+              <a:rPr/>
+              <a:t> </a:t>
+            </a:r>
+            <a:r>
+              <a:rPr/>
+              <a:t>yet</a:t>
+            </a:r>
+            <a:r>
+              <a:rPr/>
+              <a:t> </a:t>
+            </a:r>
+            <a:r>
+              <a:rPr/>
+              <a:t>some</a:t>
+            </a:r>
+            <a:r>
+              <a:rPr/>
+              <a:t> </a:t>
+            </a:r>
+            <a:r>
+              <a:rPr/>
+              <a:t>had</a:t>
+            </a:r>
+            <a:r>
+              <a:rPr/>
+              <a:t> </a:t>
+            </a:r>
+            <a:r>
+              <a:rPr/>
+              <a:t>significantly</a:t>
+            </a:r>
+            <a:r>
+              <a:rPr/>
+              <a:t> </a:t>
+            </a:r>
+            <a:r>
+              <a:rPr/>
+              <a:t>higher</a:t>
+            </a:r>
+            <a:r>
+              <a:rPr/>
+              <a:t> </a:t>
+            </a:r>
+            <a:r>
+              <a:rPr/>
+              <a:t>probabilities</a:t>
+            </a:r>
+            <a:r>
+              <a:rPr/>
+              <a:t> </a:t>
+            </a:r>
+            <a:r>
+              <a:rPr/>
+              <a:t>for</a:t>
+            </a:r>
+            <a:r>
+              <a:rPr/>
+              <a:t> </a:t>
+            </a:r>
+            <a:r>
+              <a:rPr/>
+              <a:t>C-sections,</a:t>
+            </a:r>
+            <a:r>
+              <a:rPr/>
+              <a:t> </a:t>
+            </a:r>
+            <a:r>
+              <a:rPr/>
+              <a:t>then</a:t>
+            </a:r>
+            <a:r>
+              <a:rPr/>
+              <a:t> </a:t>
+            </a:r>
+            <a:r>
+              <a:rPr/>
+              <a:t>either</a:t>
+            </a:r>
+            <a:r>
+              <a:rPr/>
+              <a:t> </a:t>
+            </a:r>
+            <a:r>
+              <a:rPr/>
+              <a:t>the</a:t>
+            </a:r>
+            <a:r>
+              <a:rPr/>
+              <a:t> </a:t>
+            </a:r>
+            <a:r>
+              <a:rPr/>
+              <a:t>groups</a:t>
+            </a:r>
+            <a:r>
+              <a:rPr/>
+              <a:t> </a:t>
+            </a:r>
+            <a:r>
+              <a:rPr/>
+              <a:t>with</a:t>
+            </a:r>
+            <a:r>
+              <a:rPr/>
+              <a:t> </a:t>
+            </a:r>
+            <a:r>
+              <a:rPr/>
+              <a:t>the</a:t>
+            </a:r>
+            <a:r>
+              <a:rPr/>
+              <a:t> </a:t>
+            </a:r>
+            <a:r>
+              <a:rPr/>
+              <a:t>higher</a:t>
+            </a:r>
+            <a:r>
+              <a:rPr/>
+              <a:t> </a:t>
+            </a:r>
+            <a:r>
+              <a:rPr/>
+              <a:t>probabilities</a:t>
+            </a:r>
+            <a:r>
+              <a:rPr/>
+              <a:t> </a:t>
+            </a:r>
+            <a:r>
+              <a:rPr/>
+              <a:t>are</a:t>
+            </a:r>
+            <a:r>
+              <a:rPr/>
+              <a:t> </a:t>
+            </a:r>
+            <a:r>
+              <a:rPr/>
+              <a:t>doing</a:t>
+            </a:r>
+            <a:r>
+              <a:rPr/>
+              <a:t> </a:t>
+            </a:r>
+            <a:r>
+              <a:rPr/>
+              <a:t>something</a:t>
+            </a:r>
+            <a:r>
+              <a:rPr/>
+              <a:t> </a:t>
+            </a:r>
+            <a:r>
+              <a:rPr/>
+              <a:t>wrong,</a:t>
+            </a:r>
+            <a:r>
+              <a:rPr/>
+              <a:t> </a:t>
+            </a:r>
+            <a:r>
+              <a:rPr/>
+              <a:t>or</a:t>
+            </a:r>
+            <a:r>
+              <a:rPr/>
+              <a:t> </a:t>
+            </a:r>
+            <a:r>
+              <a:rPr/>
+              <a:t>everyone</a:t>
+            </a:r>
+            <a:r>
+              <a:rPr/>
+              <a:t> </a:t>
+            </a:r>
+            <a:r>
+              <a:rPr/>
+              <a:t>else</a:t>
+            </a:r>
+            <a:r>
+              <a:rPr/>
+              <a:t> </a:t>
+            </a:r>
+            <a:r>
+              <a:rPr/>
+              <a:t>is</a:t>
+            </a:r>
+            <a:r>
+              <a:rPr/>
+              <a:t> </a:t>
+            </a:r>
+            <a:r>
+              <a:rPr/>
+              <a:t>doing</a:t>
+            </a:r>
+            <a:r>
+              <a:rPr/>
+              <a:t> </a:t>
+            </a:r>
+            <a:r>
+              <a:rPr/>
+              <a:t>something</a:t>
+            </a:r>
+            <a:r>
+              <a:rPr/>
+              <a:t> </a:t>
+            </a:r>
+            <a:r>
+              <a:rPr/>
+              <a:t>wrong.</a:t>
+            </a:r>
+          </a:p>
+          <a:p>
+            <a:pPr lvl="0" marL="0" indent="0">
+              <a:buNone/>
+            </a:pPr>
+          </a:p>
+          <a:p>
+            <a:pPr lvl="0" marL="0" indent="0">
+              <a:buNone/>
+            </a:pPr>
+            <a:r>
+              <a:rPr/>
+              <a:t>There</a:t>
+            </a:r>
+            <a:r>
+              <a:rPr/>
+              <a:t> </a:t>
+            </a:r>
+            <a:r>
+              <a:rPr/>
+              <a:t>is</a:t>
+            </a:r>
+            <a:r>
+              <a:rPr/>
+              <a:t> </a:t>
+            </a:r>
+            <a:r>
+              <a:rPr/>
+              <a:t>often</a:t>
+            </a:r>
+            <a:r>
+              <a:rPr/>
+              <a:t> </a:t>
+            </a:r>
+            <a:r>
+              <a:rPr/>
+              <a:t>too</a:t>
+            </a:r>
+            <a:r>
+              <a:rPr/>
+              <a:t> </a:t>
+            </a:r>
+            <a:r>
+              <a:rPr/>
+              <a:t>much</a:t>
+            </a:r>
+            <a:r>
+              <a:rPr/>
+              <a:t> </a:t>
+            </a:r>
+            <a:r>
+              <a:rPr/>
+              <a:t>inappropriate</a:t>
+            </a:r>
+            <a:r>
+              <a:rPr/>
+              <a:t> </a:t>
+            </a:r>
+            <a:r>
+              <a:rPr/>
+              <a:t>variation</a:t>
+            </a:r>
+            <a:r>
+              <a:rPr/>
+              <a:t> </a:t>
+            </a:r>
+            <a:r>
+              <a:rPr/>
+              <a:t>in</a:t>
+            </a:r>
+            <a:r>
+              <a:rPr/>
+              <a:t> </a:t>
+            </a:r>
+            <a:r>
+              <a:rPr/>
+              <a:t>the</a:t>
+            </a:r>
+            <a:r>
+              <a:rPr/>
+              <a:t> </a:t>
+            </a:r>
+            <a:r>
+              <a:rPr/>
+              <a:t>delivery</a:t>
+            </a:r>
+            <a:r>
+              <a:rPr/>
+              <a:t> </a:t>
+            </a:r>
+            <a:r>
+              <a:rPr/>
+              <a:t>of</a:t>
+            </a:r>
+            <a:r>
+              <a:rPr/>
+              <a:t> </a:t>
+            </a:r>
+            <a:r>
+              <a:rPr/>
+              <a:t>health</a:t>
+            </a:r>
+            <a:r>
+              <a:rPr/>
+              <a:t> </a:t>
+            </a:r>
+            <a:r>
+              <a:rPr/>
+              <a:t>care.</a:t>
+            </a:r>
+            <a:r>
+              <a:rPr/>
+              <a:t> </a:t>
+            </a:r>
+            <a:r>
+              <a:rPr/>
+              <a:t>A</a:t>
+            </a:r>
+            <a:r>
+              <a:rPr/>
+              <a:t> </a:t>
+            </a:r>
+            <a:r>
+              <a:rPr/>
+              <a:t>negative</a:t>
+            </a:r>
+            <a:r>
+              <a:rPr/>
+              <a:t> </a:t>
+            </a:r>
+            <a:r>
+              <a:rPr/>
+              <a:t>finding</a:t>
+            </a:r>
+            <a:r>
+              <a:rPr/>
+              <a:t> </a:t>
+            </a:r>
+            <a:r>
+              <a:rPr/>
+              <a:t>here</a:t>
+            </a:r>
+            <a:r>
+              <a:rPr/>
+              <a:t> </a:t>
+            </a:r>
+            <a:r>
+              <a:rPr/>
+              <a:t>says</a:t>
+            </a:r>
+            <a:r>
+              <a:rPr/>
+              <a:t> </a:t>
+            </a:r>
+            <a:r>
+              <a:rPr/>
+              <a:t>that</a:t>
+            </a:r>
+            <a:r>
+              <a:rPr/>
+              <a:t> </a:t>
+            </a:r>
+            <a:r>
+              <a:rPr/>
+              <a:t>this</a:t>
+            </a:r>
+            <a:r>
+              <a:rPr/>
+              <a:t> </a:t>
+            </a:r>
+            <a:r>
+              <a:rPr/>
+              <a:t>is</a:t>
+            </a:r>
+            <a:r>
+              <a:rPr/>
+              <a:t> </a:t>
+            </a:r>
+            <a:r>
+              <a:rPr/>
+              <a:t>not</a:t>
+            </a:r>
+            <a:r>
+              <a:rPr/>
+              <a:t> </a:t>
+            </a:r>
+            <a:r>
+              <a:rPr/>
+              <a:t>an</a:t>
+            </a:r>
+            <a:r>
+              <a:rPr/>
+              <a:t> </a:t>
+            </a:r>
+            <a:r>
+              <a:rPr/>
+              <a:t>issue</a:t>
+            </a:r>
+            <a:r>
+              <a:rPr/>
+              <a:t> </a:t>
+            </a:r>
+            <a:r>
+              <a:rPr/>
+              <a:t>with</a:t>
+            </a:r>
+            <a:r>
+              <a:rPr/>
+              <a:t> </a:t>
+            </a:r>
+            <a:r>
+              <a:rPr/>
+              <a:t>regard</a:t>
+            </a:r>
+            <a:r>
+              <a:rPr/>
+              <a:t> </a:t>
+            </a:r>
+            <a:r>
+              <a:rPr/>
+              <a:t>to</a:t>
+            </a:r>
+            <a:r>
+              <a:rPr/>
+              <a:t> </a:t>
+            </a:r>
+            <a:r>
+              <a:rPr/>
+              <a:t>C-section</a:t>
+            </a:r>
+            <a:r>
+              <a:rPr/>
+              <a:t> </a:t>
+            </a:r>
+            <a:r>
+              <a:rPr/>
+              <a:t>rates</a:t>
+            </a:r>
+            <a:r>
+              <a:rPr/>
+              <a:t> </a:t>
+            </a:r>
+            <a:r>
+              <a:rPr/>
+              <a:t>among</a:t>
+            </a:r>
+            <a:r>
+              <a:rPr/>
+              <a:t> </a:t>
+            </a:r>
+            <a:r>
+              <a:rPr/>
+              <a:t>the</a:t>
+            </a:r>
+            <a:r>
+              <a:rPr/>
+              <a:t> </a:t>
+            </a:r>
+            <a:r>
+              <a:rPr/>
+              <a:t>varying</a:t>
+            </a:r>
+            <a:r>
+              <a:rPr/>
+              <a:t> </a:t>
+            </a:r>
+            <a:r>
+              <a:rPr/>
+              <a:t>clinics.</a:t>
+            </a:r>
+          </a:p>
+          <a:p>
+            <a:pPr lvl="0" marL="0" indent="0">
+              <a:buNone/>
+            </a:pPr>
+          </a:p>
+          <a:p>
+            <a:pPr lvl="0" marL="0" indent="0">
+              <a:buNone/>
+            </a:pPr>
+            <a:r>
+              <a:rPr/>
+              <a:t>What</a:t>
+            </a:r>
+            <a:r>
+              <a:rPr/>
+              <a:t> </a:t>
+            </a:r>
+            <a:r>
+              <a:rPr/>
+              <a:t>if</a:t>
+            </a:r>
+            <a:r>
+              <a:rPr/>
+              <a:t> </a:t>
+            </a:r>
+            <a:r>
+              <a:rPr/>
+              <a:t>you</a:t>
+            </a:r>
+            <a:r>
+              <a:rPr/>
+              <a:t> </a:t>
+            </a:r>
+            <a:r>
+              <a:rPr/>
+              <a:t>do</a:t>
+            </a:r>
+            <a:r>
+              <a:rPr/>
+              <a:t> </a:t>
+            </a:r>
+            <a:r>
+              <a:rPr/>
+              <a:t>see</a:t>
+            </a:r>
+            <a:r>
+              <a:rPr/>
+              <a:t> </a:t>
+            </a:r>
+            <a:r>
+              <a:rPr/>
+              <a:t>one</a:t>
+            </a:r>
+            <a:r>
+              <a:rPr/>
+              <a:t> </a:t>
+            </a:r>
+            <a:r>
+              <a:rPr/>
+              <a:t>or</a:t>
+            </a:r>
+            <a:r>
+              <a:rPr/>
+              <a:t> </a:t>
+            </a:r>
+            <a:r>
+              <a:rPr/>
+              <a:t>more</a:t>
+            </a:r>
+            <a:r>
+              <a:rPr/>
+              <a:t> </a:t>
+            </a:r>
+            <a:r>
+              <a:rPr/>
+              <a:t>statistically</a:t>
+            </a:r>
+            <a:r>
+              <a:rPr/>
+              <a:t> </a:t>
+            </a:r>
+            <a:r>
+              <a:rPr/>
+              <a:t>significant</a:t>
+            </a:r>
+            <a:r>
+              <a:rPr/>
+              <a:t> </a:t>
+            </a:r>
+            <a:r>
+              <a:rPr/>
+              <a:t>deviations</a:t>
+            </a:r>
+            <a:r>
+              <a:rPr/>
+              <a:t> </a:t>
+            </a:r>
+            <a:r>
+              <a:rPr/>
+              <a:t>from</a:t>
+            </a:r>
+            <a:r>
+              <a:rPr/>
+              <a:t> </a:t>
+            </a:r>
+            <a:r>
+              <a:rPr/>
+              <a:t>the</a:t>
+            </a:r>
+            <a:r>
+              <a:rPr/>
+              <a:t> </a:t>
+            </a:r>
+            <a:r>
+              <a:rPr/>
+              <a:t>overall</a:t>
+            </a:r>
+            <a:r>
+              <a:rPr/>
+              <a:t> </a:t>
+            </a:r>
+            <a:r>
+              <a:rPr/>
+              <a:t>average?</a:t>
+            </a:r>
+          </a:p>
+          <a:p>
+            <a:pPr lvl="0" marL="0" indent="0">
+              <a:buNone/>
+            </a:pPr>
+          </a:p>
+          <a:p>
+            <a:pPr lvl="0" marL="0" indent="0">
+              <a:buNone/>
+            </a:pPr>
+            <a:r>
+              <a:rPr/>
+              <a:t>There’s</a:t>
+            </a:r>
+            <a:r>
+              <a:rPr/>
+              <a:t> </a:t>
+            </a:r>
+            <a:r>
+              <a:rPr/>
+              <a:t>a</a:t>
+            </a:r>
+            <a:r>
+              <a:rPr/>
+              <a:t> </a:t>
+            </a:r>
+            <a:r>
+              <a:rPr/>
+              <a:t>well</a:t>
+            </a:r>
+            <a:r>
+              <a:rPr/>
+              <a:t> </a:t>
+            </a:r>
+            <a:r>
+              <a:rPr/>
+              <a:t>known</a:t>
+            </a:r>
+            <a:r>
+              <a:rPr/>
+              <a:t> </a:t>
+            </a:r>
+            <a:r>
+              <a:rPr/>
+              <a:t>quote</a:t>
+            </a:r>
+            <a:r>
+              <a:rPr/>
+              <a:t> </a:t>
+            </a:r>
+            <a:r>
+              <a:rPr/>
+              <a:t>from</a:t>
+            </a:r>
+            <a:r>
+              <a:rPr/>
+              <a:t> </a:t>
+            </a:r>
+            <a:r>
+              <a:rPr/>
+              <a:t>Catherine</a:t>
+            </a:r>
+            <a:r>
+              <a:rPr/>
+              <a:t> </a:t>
+            </a:r>
+            <a:r>
+              <a:rPr/>
+              <a:t>Aird,</a:t>
+            </a:r>
+            <a:r>
+              <a:rPr/>
+              <a:t> </a:t>
+            </a:r>
+            <a:r>
+              <a:rPr/>
+              <a:t>a</a:t>
+            </a:r>
+            <a:r>
+              <a:rPr/>
+              <a:t> </a:t>
+            </a:r>
+            <a:r>
+              <a:rPr/>
+              <a:t>famous</a:t>
+            </a:r>
+            <a:r>
+              <a:rPr/>
+              <a:t> </a:t>
+            </a:r>
+            <a:r>
+              <a:rPr/>
+              <a:t>English</a:t>
+            </a:r>
+            <a:r>
+              <a:rPr/>
+              <a:t> </a:t>
+            </a:r>
+            <a:r>
+              <a:rPr/>
+              <a:t>novelist.</a:t>
+            </a:r>
+            <a:r>
+              <a:rPr/>
+              <a:t> </a:t>
+            </a:r>
+            <a:r>
+              <a:rPr/>
+              <a:t>Think</a:t>
+            </a:r>
+            <a:r>
+              <a:rPr/>
+              <a:t> </a:t>
+            </a:r>
+            <a:r>
+              <a:rPr/>
+              <a:t>of</a:t>
+            </a:r>
+            <a:r>
+              <a:rPr/>
+              <a:t> </a:t>
+            </a:r>
+            <a:r>
+              <a:rPr/>
+              <a:t>the</a:t>
+            </a:r>
+            <a:r>
+              <a:rPr/>
+              <a:t> </a:t>
+            </a:r>
+            <a:r>
+              <a:rPr/>
+              <a:t>groups</a:t>
+            </a:r>
+            <a:r>
+              <a:rPr/>
+              <a:t> </a:t>
+            </a:r>
+            <a:r>
+              <a:rPr/>
+              <a:t>that</a:t>
+            </a:r>
+            <a:r>
+              <a:rPr/>
+              <a:t> </a:t>
+            </a:r>
+            <a:r>
+              <a:rPr/>
+              <a:t>are</a:t>
+            </a:r>
+            <a:r>
+              <a:rPr/>
+              <a:t> </a:t>
+            </a:r>
+            <a:r>
+              <a:rPr/>
+              <a:t>significantly</a:t>
+            </a:r>
+            <a:r>
+              <a:rPr/>
+              <a:t> </a:t>
+            </a:r>
+            <a:r>
+              <a:rPr/>
+              <a:t>above</a:t>
+            </a:r>
+            <a:r>
+              <a:rPr/>
+              <a:t> </a:t>
+            </a:r>
+            <a:r>
+              <a:rPr/>
+              <a:t>average</a:t>
+            </a:r>
+            <a:r>
+              <a:rPr/>
+              <a:t> </a:t>
+            </a:r>
+            <a:r>
+              <a:rPr/>
+              <a:t>(assuming</a:t>
+            </a:r>
+            <a:r>
+              <a:rPr/>
+              <a:t> </a:t>
+            </a:r>
+            <a:r>
+              <a:rPr/>
+              <a:t>that</a:t>
+            </a:r>
+            <a:r>
+              <a:rPr/>
+              <a:t> </a:t>
+            </a:r>
+            <a:r>
+              <a:rPr/>
+              <a:t>larger</a:t>
+            </a:r>
+            <a:r>
+              <a:rPr/>
+              <a:t> </a:t>
+            </a:r>
+            <a:r>
+              <a:rPr/>
+              <a:t>is</a:t>
+            </a:r>
+            <a:r>
+              <a:rPr/>
+              <a:t> </a:t>
+            </a:r>
+            <a:r>
+              <a:rPr/>
+              <a:t>better)</a:t>
+            </a:r>
+            <a:r>
+              <a:rPr/>
+              <a:t> </a:t>
+            </a:r>
+            <a:r>
+              <a:rPr/>
+              <a:t>as</a:t>
+            </a:r>
+            <a:r>
+              <a:rPr/>
+              <a:t> </a:t>
+            </a:r>
+            <a:r>
+              <a:rPr/>
+              <a:t>shining</a:t>
+            </a:r>
+            <a:r>
+              <a:rPr/>
+              <a:t> </a:t>
+            </a:r>
+            <a:r>
+              <a:rPr/>
+              <a:t>examples</a:t>
+            </a:r>
+            <a:r>
+              <a:rPr/>
+              <a:t> </a:t>
+            </a:r>
+            <a:r>
+              <a:rPr/>
+              <a:t>to</a:t>
+            </a:r>
+            <a:r>
+              <a:rPr/>
+              <a:t> </a:t>
+            </a:r>
+            <a:r>
+              <a:rPr/>
+              <a:t>be</a:t>
+            </a:r>
+            <a:r>
+              <a:rPr/>
+              <a:t> </a:t>
+            </a:r>
+            <a:r>
+              <a:rPr/>
+              <a:t>emulated.</a:t>
+            </a:r>
+            <a:r>
+              <a:rPr/>
+              <a:t> </a:t>
+            </a:r>
+            <a:r>
+              <a:rPr/>
+              <a:t>Study</a:t>
+            </a:r>
+            <a:r>
+              <a:rPr/>
+              <a:t> </a:t>
+            </a:r>
+            <a:r>
+              <a:rPr/>
+              <a:t>what</a:t>
+            </a:r>
+            <a:r>
+              <a:rPr/>
+              <a:t> </a:t>
+            </a:r>
+            <a:r>
+              <a:rPr/>
+              <a:t>is</a:t>
+            </a:r>
+            <a:r>
+              <a:rPr/>
+              <a:t> </a:t>
+            </a:r>
+            <a:r>
+              <a:rPr/>
+              <a:t>different</a:t>
+            </a:r>
+            <a:r>
+              <a:rPr/>
+              <a:t> </a:t>
+            </a:r>
+            <a:r>
+              <a:rPr/>
+              <a:t>about</a:t>
+            </a:r>
+            <a:r>
+              <a:rPr/>
+              <a:t> </a:t>
+            </a:r>
+            <a:r>
+              <a:rPr/>
+              <a:t>these</a:t>
+            </a:r>
+            <a:r>
+              <a:rPr/>
+              <a:t> </a:t>
+            </a:r>
+            <a:r>
+              <a:rPr/>
+              <a:t>groups</a:t>
+            </a:r>
+            <a:r>
+              <a:rPr/>
+              <a:t> </a:t>
+            </a:r>
+            <a:r>
+              <a:rPr/>
+              <a:t>that</a:t>
+            </a:r>
+            <a:r>
+              <a:rPr/>
+              <a:t> </a:t>
+            </a:r>
+            <a:r>
+              <a:rPr/>
+              <a:t>makes</a:t>
+            </a:r>
+            <a:r>
+              <a:rPr/>
+              <a:t> </a:t>
+            </a:r>
+            <a:r>
+              <a:rPr/>
+              <a:t>them</a:t>
+            </a:r>
+            <a:r>
+              <a:rPr/>
+              <a:t> </a:t>
+            </a:r>
+            <a:r>
+              <a:rPr/>
+              <a:t>perform</a:t>
+            </a:r>
+            <a:r>
+              <a:rPr/>
+              <a:t> </a:t>
+            </a:r>
+            <a:r>
+              <a:rPr/>
+              <a:t>so</a:t>
+            </a:r>
+            <a:r>
+              <a:rPr/>
+              <a:t> </a:t>
+            </a:r>
+            <a:r>
+              <a:rPr/>
+              <a:t>well.</a:t>
+            </a:r>
+            <a:r>
+              <a:rPr/>
+              <a:t> </a:t>
+            </a:r>
+            <a:r>
+              <a:rPr/>
+              <a:t>Can</a:t>
+            </a:r>
+            <a:r>
+              <a:rPr/>
+              <a:t> </a:t>
+            </a:r>
+            <a:r>
+              <a:rPr/>
+              <a:t>other</a:t>
+            </a:r>
+            <a:r>
+              <a:rPr/>
+              <a:t> </a:t>
+            </a:r>
+            <a:r>
+              <a:rPr/>
+              <a:t>groups</a:t>
+            </a:r>
+            <a:r>
+              <a:rPr/>
+              <a:t> </a:t>
+            </a:r>
+            <a:r>
+              <a:rPr/>
+              <a:t>learn</a:t>
+            </a:r>
+            <a:r>
+              <a:rPr/>
+              <a:t> </a:t>
+            </a:r>
+            <a:r>
+              <a:rPr/>
+              <a:t>from</a:t>
+            </a:r>
+            <a:r>
+              <a:rPr/>
+              <a:t> </a:t>
+            </a:r>
+            <a:r>
+              <a:rPr/>
+              <a:t>their</a:t>
+            </a:r>
+            <a:r>
+              <a:rPr/>
+              <a:t> </a:t>
+            </a:r>
+            <a:r>
+              <a:rPr/>
+              <a:t>experience.</a:t>
+            </a:r>
+          </a:p>
+          <a:p>
+            <a:pPr lvl="0" marL="0" indent="0">
+              <a:buNone/>
+            </a:pPr>
+          </a:p>
+          <a:p>
+            <a:pPr lvl="0" marL="0" indent="0">
+              <a:buNone/>
+            </a:pPr>
+            <a:r>
+              <a:rPr/>
+              <a:t>Think</a:t>
+            </a:r>
+            <a:r>
+              <a:rPr/>
+              <a:t> </a:t>
+            </a:r>
+            <a:r>
+              <a:rPr/>
+              <a:t>of</a:t>
+            </a:r>
+            <a:r>
+              <a:rPr/>
+              <a:t> </a:t>
+            </a:r>
+            <a:r>
+              <a:rPr/>
+              <a:t>the</a:t>
+            </a:r>
+            <a:r>
+              <a:rPr/>
+              <a:t> </a:t>
+            </a:r>
+            <a:r>
+              <a:rPr/>
+              <a:t>groups</a:t>
+            </a:r>
+            <a:r>
+              <a:rPr/>
+              <a:t> </a:t>
+            </a:r>
+            <a:r>
+              <a:rPr/>
+              <a:t>that</a:t>
+            </a:r>
+            <a:r>
+              <a:rPr/>
+              <a:t> </a:t>
+            </a:r>
+            <a:r>
+              <a:rPr/>
+              <a:t>are</a:t>
+            </a:r>
+            <a:r>
+              <a:rPr/>
+              <a:t> </a:t>
+            </a:r>
+            <a:r>
+              <a:rPr/>
+              <a:t>significantly</a:t>
+            </a:r>
+            <a:r>
+              <a:rPr/>
+              <a:t> </a:t>
+            </a:r>
+            <a:r>
+              <a:rPr/>
+              <a:t>below</a:t>
+            </a:r>
+            <a:r>
+              <a:rPr/>
+              <a:t> </a:t>
+            </a:r>
+            <a:r>
+              <a:rPr/>
+              <a:t>average</a:t>
+            </a:r>
+            <a:r>
+              <a:rPr/>
+              <a:t> </a:t>
+            </a:r>
+            <a:r>
+              <a:rPr/>
+              <a:t>as</a:t>
+            </a:r>
+            <a:r>
+              <a:rPr/>
+              <a:t> </a:t>
+            </a:r>
+            <a:r>
+              <a:rPr/>
+              <a:t>the</a:t>
+            </a:r>
+            <a:r>
+              <a:rPr/>
+              <a:t> </a:t>
+            </a:r>
+            <a:r>
+              <a:rPr/>
+              <a:t>horrible</a:t>
+            </a:r>
+            <a:r>
+              <a:rPr/>
+              <a:t> </a:t>
+            </a:r>
+            <a:r>
+              <a:rPr/>
+              <a:t>warnings.</a:t>
+            </a:r>
+            <a:r>
+              <a:rPr/>
+              <a:t> </a:t>
+            </a:r>
+            <a:r>
+              <a:rPr/>
+              <a:t>Study</a:t>
+            </a:r>
+            <a:r>
+              <a:rPr/>
+              <a:t> </a:t>
+            </a:r>
+            <a:r>
+              <a:rPr/>
+              <a:t>what</a:t>
+            </a:r>
+            <a:r>
+              <a:rPr/>
+              <a:t> </a:t>
+            </a:r>
+            <a:r>
+              <a:rPr/>
+              <a:t>is</a:t>
+            </a:r>
+            <a:r>
+              <a:rPr/>
+              <a:t> </a:t>
+            </a:r>
+            <a:r>
+              <a:rPr/>
+              <a:t>different</a:t>
+            </a:r>
+            <a:r>
+              <a:rPr/>
+              <a:t> </a:t>
+            </a:r>
+            <a:r>
+              <a:rPr/>
+              <a:t>about</a:t>
+            </a:r>
+            <a:r>
+              <a:rPr/>
+              <a:t> </a:t>
+            </a:r>
+            <a:r>
+              <a:rPr/>
+              <a:t>these</a:t>
+            </a:r>
+            <a:r>
+              <a:rPr/>
+              <a:t> </a:t>
+            </a:r>
+            <a:r>
+              <a:rPr/>
+              <a:t>groups,</a:t>
+            </a:r>
+            <a:r>
+              <a:rPr/>
+              <a:t> </a:t>
+            </a:r>
+            <a:r>
+              <a:rPr/>
+              <a:t>so</a:t>
+            </a:r>
+            <a:r>
+              <a:rPr/>
+              <a:t> </a:t>
+            </a:r>
+            <a:r>
+              <a:rPr/>
+              <a:t>that</a:t>
+            </a:r>
+            <a:r>
+              <a:rPr/>
+              <a:t> </a:t>
+            </a:r>
+            <a:r>
+              <a:rPr/>
+              <a:t>you</a:t>
+            </a:r>
+            <a:r>
+              <a:rPr/>
+              <a:t> </a:t>
+            </a:r>
+            <a:r>
+              <a:rPr/>
+              <a:t>can</a:t>
+            </a:r>
+            <a:r>
+              <a:rPr/>
+              <a:t> </a:t>
+            </a:r>
+            <a:r>
+              <a:rPr/>
+              <a:t>improve</a:t>
+            </a:r>
+            <a:r>
+              <a:rPr/>
+              <a:t> </a:t>
+            </a:r>
+            <a:r>
+              <a:rPr/>
+              <a:t>them</a:t>
+            </a:r>
+            <a:r>
+              <a:rPr/>
+              <a:t> </a:t>
+            </a:r>
+            <a:r>
+              <a:rPr/>
+              <a:t>and/or</a:t>
+            </a:r>
+            <a:r>
+              <a:rPr/>
+              <a:t> </a:t>
+            </a:r>
+            <a:r>
+              <a:rPr/>
+              <a:t>so</a:t>
+            </a:r>
+            <a:r>
+              <a:rPr/>
+              <a:t> </a:t>
+            </a:r>
+            <a:r>
+              <a:rPr/>
+              <a:t>that</a:t>
+            </a:r>
+            <a:r>
+              <a:rPr/>
+              <a:t> </a:t>
+            </a:r>
+            <a:r>
+              <a:rPr/>
+              <a:t>you</a:t>
+            </a:r>
+            <a:r>
+              <a:rPr/>
+              <a:t> </a:t>
+            </a:r>
+            <a:r>
+              <a:rPr/>
+              <a:t>can</a:t>
+            </a:r>
+            <a:r>
+              <a:rPr/>
+              <a:t> </a:t>
+            </a:r>
+            <a:r>
+              <a:rPr/>
+              <a:t>avoid</a:t>
+            </a:r>
+            <a:r>
+              <a:rPr/>
+              <a:t> </a:t>
+            </a:r>
+            <a:r>
+              <a:rPr/>
+              <a:t>those</a:t>
+            </a:r>
+            <a:r>
+              <a:rPr/>
+              <a:t> </a:t>
+            </a:r>
+            <a:r>
+              <a:rPr/>
+              <a:t>problems</a:t>
+            </a:r>
+            <a:r>
+              <a:rPr/>
+              <a:t> </a:t>
+            </a:r>
+            <a:r>
+              <a:rPr/>
+              <a:t>in</a:t>
+            </a:r>
+            <a:r>
+              <a:rPr/>
+              <a:t> </a:t>
+            </a:r>
+            <a:r>
+              <a:rPr/>
+              <a:t>the</a:t>
+            </a:r>
+            <a:r>
+              <a:rPr/>
+              <a:t> </a:t>
+            </a:r>
+            <a:r>
+              <a:rPr/>
+              <a:t>other</a:t>
+            </a:r>
+            <a:r>
+              <a:rPr/>
+              <a:t> </a:t>
+            </a:r>
+            <a:r>
+              <a:rPr/>
+              <a:t>groups.</a:t>
+            </a:r>
+          </a:p>
+          <a:p>
+            <a:pPr lvl="0" marL="0" indent="0">
+              <a:buNone/>
+            </a:pPr>
+          </a:p>
+          <a:p>
+            <a:pPr lvl="0" marL="0" indent="0">
+              <a:buNone/>
+            </a:pPr>
+            <a:r>
+              <a:rPr/>
+              <a:t>The</a:t>
+            </a:r>
+            <a:r>
+              <a:rPr/>
+              <a:t> </a:t>
+            </a:r>
+            <a:r>
+              <a:rPr/>
+              <a:t>point</a:t>
+            </a:r>
+            <a:r>
+              <a:rPr/>
+              <a:t> </a:t>
+            </a:r>
+            <a:r>
+              <a:rPr/>
+              <a:t>to</a:t>
+            </a:r>
+            <a:r>
+              <a:rPr/>
+              <a:t> </a:t>
+            </a:r>
+            <a:r>
+              <a:rPr/>
+              <a:t>both</a:t>
+            </a:r>
+            <a:r>
+              <a:rPr/>
+              <a:t> </a:t>
+            </a:r>
+            <a:r>
+              <a:rPr/>
+              <a:t>of</a:t>
+            </a:r>
+            <a:r>
+              <a:rPr/>
+              <a:t> </a:t>
+            </a:r>
+            <a:r>
+              <a:rPr/>
+              <a:t>these</a:t>
+            </a:r>
+            <a:r>
+              <a:rPr/>
+              <a:t> </a:t>
+            </a:r>
+            <a:r>
+              <a:rPr/>
+              <a:t>is</a:t>
+            </a:r>
+            <a:r>
+              <a:rPr/>
+              <a:t> </a:t>
+            </a:r>
+            <a:r>
+              <a:rPr/>
+              <a:t>that</a:t>
+            </a:r>
+            <a:r>
+              <a:rPr/>
+              <a:t> </a:t>
+            </a:r>
+            <a:r>
+              <a:rPr/>
+              <a:t>any</a:t>
+            </a:r>
+            <a:r>
+              <a:rPr/>
+              <a:t> </a:t>
+            </a:r>
+            <a:r>
+              <a:rPr/>
+              <a:t>future</a:t>
+            </a:r>
+            <a:r>
+              <a:rPr/>
+              <a:t> </a:t>
+            </a:r>
+            <a:r>
+              <a:rPr/>
+              <a:t>steps</a:t>
+            </a:r>
+            <a:r>
+              <a:rPr/>
+              <a:t> </a:t>
+            </a:r>
+            <a:r>
+              <a:rPr/>
+              <a:t>that</a:t>
+            </a:r>
+            <a:r>
+              <a:rPr/>
+              <a:t> </a:t>
+            </a:r>
+            <a:r>
+              <a:rPr/>
+              <a:t>you</a:t>
+            </a:r>
+            <a:r>
+              <a:rPr/>
+              <a:t> </a:t>
+            </a:r>
+            <a:r>
+              <a:rPr/>
+              <a:t>take</a:t>
+            </a:r>
+            <a:r>
+              <a:rPr/>
+              <a:t> </a:t>
+            </a:r>
+            <a:r>
+              <a:rPr/>
+              <a:t>should</a:t>
+            </a:r>
+            <a:r>
+              <a:rPr/>
+              <a:t> </a:t>
+            </a:r>
+            <a:r>
+              <a:rPr/>
+              <a:t>be</a:t>
+            </a:r>
+            <a:r>
+              <a:rPr/>
+              <a:t> </a:t>
+            </a:r>
+            <a:r>
+              <a:rPr/>
+              <a:t>local.</a:t>
+            </a:r>
+          </a:p>
+        </p:txBody>
+      </p:sp>
+      <p:sp>
+        <p:nvSpPr>
+          <p:cNvPr id="4" name="Slide Number Placeholder 3"/>
+          <p:cNvSpPr>
+            <a:spLocks noGrp="1"/>
+          </p:cNvSpPr>
+          <p:nvPr>
+            <p:ph type="sldNum" sz="quarter" idx="10"/>
+          </p:nvPr>
+        </p:nvSpPr>
+        <p:spPr/>
+        <p:txBody>
+          <a:bodyPr/>
+          <a:lstStyle/>
+          <a:p>
+            <a:fld id="{18BDFEC3-8487-43E8-A154-7C12CBC1FFF2}" type="slidenum">
+              <a:rPr lang="en-US"/>
+              <a:t>29</a:t>
+            </a:fld>
+            <a:endParaRPr lang="en-US"/>
+          </a:p>
+        </p:txBody>
+      </p:sp>
+    </p:spTree>
+  </p:cSld>
+</p:notes>
+</file>
+
+<file path=ppt/notesSlides/notesSlide18.xml><?xml version="1.0" encoding="utf-8"?>
+<p:notes xmlns:a="http://schemas.openxmlformats.org/drawingml/2006/main" xmlns:r="http://schemas.openxmlformats.org/officeDocument/2006/relationships" xmlns:p="http://schemas.openxmlformats.org/presentationml/2006/main">
+  <p:cSld>
+    <p:spTree>
+      <p:nvGrpSpPr>
+        <p:cNvPr id="1" name=""/>
+        <p:cNvGrpSpPr/>
+        <p:nvPr/>
+      </p:nvGrpSpPr>
+      <p:grpSpPr>
+        <a:xfrm>
+          <a:off x="0" y="0"/>
+          <a:ext cx="0" cy="0"/>
+          <a:chOff x="0" y="0"/>
+          <a:chExt cx="0" cy="0"/>
+        </a:xfrm>
+      </p:grpSpPr>
+      <p:sp>
+        <p:nvSpPr>
+          <p:cNvPr id="2" name="Slide Image Placeholder 1"/>
+          <p:cNvSpPr>
+            <a:spLocks noGrp="1" noRot="1" noChangeAspect="1"/>
+          </p:cNvSpPr>
+          <p:nvPr>
+            <p:ph type="sldImg"/>
+          </p:nvPr>
+        </p:nvSpPr>
+        <p:spPr/>
+      </p:sp>
+      <p:sp>
+        <p:nvSpPr>
+          <p:cNvPr id="3" name="Notes Placeholder 2"/>
+          <p:cNvSpPr>
+            <a:spLocks noGrp="1"/>
+          </p:cNvSpPr>
+          <p:nvPr>
+            <p:ph type="body" idx="1"/>
+          </p:nvPr>
+        </p:nvSpPr>
+        <p:spPr/>
+        <p:txBody>
+          <a:bodyPr/>
+          <a:lstStyle/>
+          <a:p>
+            <a:pPr lvl="0" marL="0" indent="0">
+              <a:buNone/>
+            </a:pPr>
+            <a:r>
+              <a:rPr/>
+              <a:t>You</a:t>
+            </a:r>
+            <a:r>
+              <a:rPr/>
+              <a:t> </a:t>
+            </a:r>
+            <a:r>
+              <a:rPr/>
+              <a:t>should</a:t>
+            </a:r>
+            <a:r>
+              <a:rPr/>
+              <a:t> </a:t>
+            </a:r>
+            <a:r>
+              <a:rPr/>
+              <a:t>avoid</a:t>
+            </a:r>
+            <a:r>
+              <a:rPr/>
+              <a:t> </a:t>
+            </a:r>
+            <a:r>
+              <a:rPr/>
+              <a:t>ANOM</a:t>
+            </a:r>
+            <a:r>
+              <a:rPr/>
+              <a:t> </a:t>
+            </a:r>
+            <a:r>
+              <a:rPr/>
+              <a:t>in</a:t>
+            </a:r>
+            <a:r>
+              <a:rPr/>
+              <a:t> </a:t>
+            </a:r>
+            <a:r>
+              <a:rPr/>
+              <a:t>certain</a:t>
+            </a:r>
+            <a:r>
+              <a:rPr/>
+              <a:t> </a:t>
+            </a:r>
+            <a:r>
+              <a:rPr/>
+              <a:t>settings.</a:t>
+            </a:r>
+          </a:p>
+          <a:p>
+            <a:pPr lvl="0" marL="0" indent="0">
+              <a:buNone/>
+            </a:pPr>
+          </a:p>
+          <a:p>
+            <a:pPr lvl="0" marL="0" indent="0">
+              <a:buNone/>
+            </a:pPr>
+            <a:r>
+              <a:rPr/>
+              <a:t>It</a:t>
+            </a:r>
+            <a:r>
+              <a:rPr/>
+              <a:t> </a:t>
+            </a:r>
+            <a:r>
+              <a:rPr/>
+              <a:t>does</a:t>
+            </a:r>
+            <a:r>
+              <a:rPr/>
+              <a:t> </a:t>
+            </a:r>
+            <a:r>
+              <a:rPr/>
+              <a:t>not</a:t>
+            </a:r>
+            <a:r>
+              <a:rPr/>
+              <a:t> </a:t>
+            </a:r>
+            <a:r>
+              <a:rPr/>
+              <a:t>help</a:t>
+            </a:r>
+            <a:r>
+              <a:rPr/>
+              <a:t> </a:t>
+            </a:r>
+            <a:r>
+              <a:rPr/>
+              <a:t>when</a:t>
+            </a:r>
+            <a:r>
+              <a:rPr/>
+              <a:t> </a:t>
+            </a:r>
+            <a:r>
+              <a:rPr/>
+              <a:t>you</a:t>
+            </a:r>
+            <a:r>
+              <a:rPr/>
+              <a:t> </a:t>
+            </a:r>
+            <a:r>
+              <a:rPr/>
+              <a:t>want</a:t>
+            </a:r>
+            <a:r>
+              <a:rPr/>
+              <a:t> </a:t>
+            </a:r>
+            <a:r>
+              <a:rPr/>
+              <a:t>to</a:t>
+            </a:r>
+            <a:r>
+              <a:rPr/>
+              <a:t> </a:t>
+            </a:r>
+            <a:r>
+              <a:rPr/>
+              <a:t>identify</a:t>
+            </a:r>
+            <a:r>
+              <a:rPr/>
+              <a:t> </a:t>
+            </a:r>
+            <a:r>
+              <a:rPr/>
+              <a:t>the</a:t>
+            </a:r>
+            <a:r>
+              <a:rPr/>
+              <a:t> </a:t>
+            </a:r>
+            <a:r>
+              <a:rPr/>
+              <a:t>best</a:t>
+            </a:r>
+            <a:r>
+              <a:rPr/>
+              <a:t> </a:t>
+            </a:r>
+            <a:r>
+              <a:rPr/>
+              <a:t>among</a:t>
+            </a:r>
+            <a:r>
+              <a:rPr/>
+              <a:t> </a:t>
+            </a:r>
+            <a:r>
+              <a:rPr/>
+              <a:t>a</a:t>
+            </a:r>
+            <a:r>
+              <a:rPr/>
+              <a:t> </a:t>
+            </a:r>
+            <a:r>
+              <a:rPr/>
+              <a:t>group.</a:t>
+            </a:r>
+            <a:r>
+              <a:rPr/>
+              <a:t> </a:t>
+            </a:r>
+            <a:r>
+              <a:rPr/>
+              <a:t>There</a:t>
+            </a:r>
+            <a:r>
+              <a:rPr/>
+              <a:t> </a:t>
+            </a:r>
+            <a:r>
+              <a:rPr/>
+              <a:t>would</a:t>
+            </a:r>
+            <a:r>
+              <a:rPr/>
+              <a:t> </a:t>
+            </a:r>
+            <a:r>
+              <a:rPr/>
+              <a:t>be</a:t>
+            </a:r>
+            <a:r>
+              <a:rPr/>
+              <a:t> </a:t>
+            </a:r>
+            <a:r>
+              <a:rPr/>
+              <a:t>three</a:t>
+            </a:r>
+            <a:r>
+              <a:rPr/>
+              <a:t> </a:t>
+            </a:r>
+            <a:r>
+              <a:rPr/>
+              <a:t>or</a:t>
+            </a:r>
+            <a:r>
+              <a:rPr/>
+              <a:t> </a:t>
+            </a:r>
+            <a:r>
+              <a:rPr/>
+              <a:t>four</a:t>
+            </a:r>
+            <a:r>
+              <a:rPr/>
+              <a:t> </a:t>
+            </a:r>
+            <a:r>
+              <a:rPr/>
+              <a:t>groups</a:t>
+            </a:r>
+            <a:r>
+              <a:rPr/>
+              <a:t> </a:t>
+            </a:r>
+            <a:r>
+              <a:rPr/>
+              <a:t>that</a:t>
+            </a:r>
+            <a:r>
+              <a:rPr/>
+              <a:t> </a:t>
+            </a:r>
+            <a:r>
+              <a:rPr/>
+              <a:t>are</a:t>
+            </a:r>
+            <a:r>
+              <a:rPr/>
+              <a:t> </a:t>
+            </a:r>
+            <a:r>
+              <a:rPr/>
+              <a:t>all</a:t>
+            </a:r>
+            <a:r>
+              <a:rPr/>
+              <a:t> </a:t>
+            </a:r>
+            <a:r>
+              <a:rPr/>
+              <a:t>above</a:t>
+            </a:r>
+            <a:r>
+              <a:rPr/>
+              <a:t> </a:t>
+            </a:r>
+            <a:r>
+              <a:rPr/>
+              <a:t>average,</a:t>
+            </a:r>
+            <a:r>
+              <a:rPr/>
+              <a:t> </a:t>
+            </a:r>
+            <a:r>
+              <a:rPr/>
+              <a:t>but</a:t>
+            </a:r>
+            <a:r>
+              <a:rPr/>
+              <a:t> </a:t>
+            </a:r>
+            <a:r>
+              <a:rPr/>
+              <a:t>maybe</a:t>
+            </a:r>
+            <a:r>
+              <a:rPr/>
+              <a:t> </a:t>
+            </a:r>
+            <a:r>
+              <a:rPr/>
+              <a:t>they</a:t>
+            </a:r>
+            <a:r>
+              <a:rPr/>
+              <a:t> </a:t>
+            </a:r>
+            <a:r>
+              <a:rPr/>
+              <a:t>are</a:t>
+            </a:r>
+            <a:r>
+              <a:rPr/>
+              <a:t> </a:t>
+            </a:r>
+            <a:r>
+              <a:rPr/>
+              <a:t>all</a:t>
+            </a:r>
+            <a:r>
+              <a:rPr/>
+              <a:t> </a:t>
+            </a:r>
+            <a:r>
+              <a:rPr/>
+              <a:t>about</a:t>
+            </a:r>
+            <a:r>
+              <a:rPr/>
+              <a:t> </a:t>
+            </a:r>
+            <a:r>
+              <a:rPr/>
+              <a:t>the</a:t>
+            </a:r>
+            <a:r>
+              <a:rPr/>
+              <a:t> </a:t>
+            </a:r>
+            <a:r>
+              <a:rPr/>
+              <a:t>same</a:t>
+            </a:r>
+            <a:r>
+              <a:rPr/>
+              <a:t> </a:t>
+            </a:r>
+            <a:r>
+              <a:rPr/>
+              <a:t>or</a:t>
+            </a:r>
+            <a:r>
+              <a:rPr/>
+              <a:t> </a:t>
+            </a:r>
+            <a:r>
+              <a:rPr/>
+              <a:t>maybe</a:t>
+            </a:r>
+            <a:r>
+              <a:rPr/>
+              <a:t> </a:t>
+            </a:r>
+            <a:r>
+              <a:rPr/>
+              <a:t>one</a:t>
+            </a:r>
+            <a:r>
+              <a:rPr/>
+              <a:t> </a:t>
+            </a:r>
+            <a:r>
+              <a:rPr/>
+              <a:t>is</a:t>
+            </a:r>
+            <a:r>
+              <a:rPr/>
+              <a:t> </a:t>
+            </a:r>
+            <a:r>
+              <a:rPr/>
+              <a:t>head</a:t>
+            </a:r>
+            <a:r>
+              <a:rPr/>
+              <a:t> </a:t>
+            </a:r>
+            <a:r>
+              <a:rPr/>
+              <a:t>and</a:t>
+            </a:r>
+            <a:r>
+              <a:rPr/>
+              <a:t> </a:t>
+            </a:r>
+            <a:r>
+              <a:rPr/>
+              <a:t>shoulders</a:t>
+            </a:r>
+            <a:r>
+              <a:rPr/>
+              <a:t> </a:t>
+            </a:r>
+            <a:r>
+              <a:rPr/>
+              <a:t>above</a:t>
+            </a:r>
+            <a:r>
+              <a:rPr/>
+              <a:t> </a:t>
+            </a:r>
+            <a:r>
+              <a:rPr/>
+              <a:t>the</a:t>
+            </a:r>
+            <a:r>
+              <a:rPr/>
+              <a:t> </a:t>
+            </a:r>
+            <a:r>
+              <a:rPr/>
+              <a:t>others.</a:t>
+            </a:r>
+            <a:r>
+              <a:rPr/>
+              <a:t> </a:t>
+            </a:r>
+            <a:r>
+              <a:rPr/>
+              <a:t>Analysis</a:t>
+            </a:r>
+            <a:r>
+              <a:rPr/>
+              <a:t> </a:t>
+            </a:r>
+            <a:r>
+              <a:rPr/>
+              <a:t>of</a:t>
+            </a:r>
+            <a:r>
+              <a:rPr/>
+              <a:t> </a:t>
+            </a:r>
+            <a:r>
+              <a:rPr/>
+              <a:t>means</a:t>
+            </a:r>
+            <a:r>
+              <a:rPr/>
+              <a:t> </a:t>
+            </a:r>
+            <a:r>
+              <a:rPr/>
+              <a:t>cannot</a:t>
+            </a:r>
+            <a:r>
+              <a:rPr/>
+              <a:t> </a:t>
+            </a:r>
+            <a:r>
+              <a:rPr/>
+              <a:t>distinguish</a:t>
+            </a:r>
+            <a:r>
+              <a:rPr/>
+              <a:t> </a:t>
+            </a:r>
+            <a:r>
+              <a:rPr/>
+              <a:t>between</a:t>
+            </a:r>
+            <a:r>
+              <a:rPr/>
+              <a:t> </a:t>
+            </a:r>
+            <a:r>
+              <a:rPr/>
+              <a:t>these</a:t>
+            </a:r>
+            <a:r>
+              <a:rPr/>
+              <a:t> </a:t>
+            </a:r>
+            <a:r>
+              <a:rPr/>
+              <a:t>very</a:t>
+            </a:r>
+            <a:r>
+              <a:rPr/>
+              <a:t> </a:t>
+            </a:r>
+            <a:r>
+              <a:rPr/>
+              <a:t>different</a:t>
+            </a:r>
+            <a:r>
+              <a:rPr/>
+              <a:t> </a:t>
+            </a:r>
+            <a:r>
+              <a:rPr/>
+              <a:t>scenarios.</a:t>
+            </a:r>
+          </a:p>
+          <a:p>
+            <a:pPr lvl="0" marL="0" indent="0">
+              <a:buNone/>
+            </a:pPr>
+          </a:p>
+          <a:p>
+            <a:pPr lvl="0" marL="0" indent="0">
+              <a:buNone/>
+            </a:pPr>
+            <a:r>
+              <a:rPr/>
+              <a:t>Pairwise</a:t>
+            </a:r>
+            <a:r>
+              <a:rPr/>
+              <a:t> </a:t>
+            </a:r>
+            <a:r>
+              <a:rPr/>
+              <a:t>comparisons</a:t>
+            </a:r>
+            <a:r>
+              <a:rPr/>
+              <a:t> </a:t>
+            </a:r>
+            <a:r>
+              <a:rPr/>
+              <a:t>work</a:t>
+            </a:r>
+            <a:r>
+              <a:rPr/>
+              <a:t> </a:t>
+            </a:r>
+            <a:r>
+              <a:rPr/>
+              <a:t>well</a:t>
+            </a:r>
+            <a:r>
+              <a:rPr/>
+              <a:t> </a:t>
+            </a:r>
+            <a:r>
+              <a:rPr/>
+              <a:t>when</a:t>
+            </a:r>
+            <a:r>
+              <a:rPr/>
+              <a:t> </a:t>
+            </a:r>
+            <a:r>
+              <a:rPr/>
+              <a:t>you</a:t>
+            </a:r>
+            <a:r>
+              <a:rPr/>
+              <a:t> </a:t>
+            </a:r>
+            <a:r>
+              <a:rPr/>
+              <a:t>are</a:t>
+            </a:r>
+            <a:r>
+              <a:rPr/>
+              <a:t> </a:t>
+            </a:r>
+            <a:r>
+              <a:rPr/>
+              <a:t>searching</a:t>
+            </a:r>
+            <a:r>
+              <a:rPr/>
+              <a:t> </a:t>
+            </a:r>
+            <a:r>
+              <a:rPr/>
+              <a:t>for</a:t>
+            </a:r>
+            <a:r>
+              <a:rPr/>
+              <a:t> </a:t>
+            </a:r>
+            <a:r>
+              <a:rPr/>
+              <a:t>the</a:t>
+            </a:r>
+            <a:r>
+              <a:rPr/>
+              <a:t> </a:t>
+            </a:r>
+            <a:r>
+              <a:rPr/>
+              <a:t>best.</a:t>
+            </a:r>
+            <a:r>
+              <a:rPr/>
+              <a:t> </a:t>
+            </a:r>
+            <a:r>
+              <a:rPr/>
+              <a:t>There</a:t>
+            </a:r>
+            <a:r>
+              <a:rPr/>
+              <a:t> </a:t>
+            </a:r>
+            <a:r>
+              <a:rPr/>
+              <a:t>is</a:t>
+            </a:r>
+            <a:r>
+              <a:rPr/>
+              <a:t> </a:t>
+            </a:r>
+            <a:r>
+              <a:rPr/>
+              <a:t>also</a:t>
+            </a:r>
+            <a:r>
+              <a:rPr/>
+              <a:t> </a:t>
+            </a:r>
+            <a:r>
+              <a:rPr/>
+              <a:t>a</a:t>
+            </a:r>
+            <a:r>
+              <a:rPr/>
+              <a:t> </a:t>
+            </a:r>
+            <a:r>
+              <a:rPr/>
+              <a:t>Bayesian</a:t>
+            </a:r>
+            <a:r>
+              <a:rPr/>
+              <a:t> </a:t>
+            </a:r>
+            <a:r>
+              <a:rPr/>
+              <a:t>approach</a:t>
+            </a:r>
+            <a:r>
+              <a:rPr/>
+              <a:t> </a:t>
+            </a:r>
+            <a:r>
+              <a:rPr/>
+              <a:t>that</a:t>
+            </a:r>
+            <a:r>
+              <a:rPr/>
+              <a:t> </a:t>
+            </a:r>
+            <a:r>
+              <a:rPr/>
+              <a:t>runs</a:t>
+            </a:r>
+            <a:r>
+              <a:rPr/>
+              <a:t> </a:t>
+            </a:r>
+            <a:r>
+              <a:rPr/>
+              <a:t>repeated</a:t>
+            </a:r>
+            <a:r>
+              <a:rPr/>
+              <a:t> </a:t>
+            </a:r>
+            <a:r>
+              <a:rPr/>
+              <a:t>simulations</a:t>
+            </a:r>
+            <a:r>
+              <a:rPr/>
+              <a:t> </a:t>
+            </a:r>
+            <a:r>
+              <a:rPr/>
+              <a:t>of</a:t>
+            </a:r>
+            <a:r>
+              <a:rPr/>
+              <a:t> </a:t>
+            </a:r>
+            <a:r>
+              <a:rPr/>
+              <a:t>the</a:t>
+            </a:r>
+            <a:r>
+              <a:rPr/>
+              <a:t> </a:t>
+            </a:r>
+            <a:r>
+              <a:rPr/>
+              <a:t>posterior</a:t>
+            </a:r>
+            <a:r>
+              <a:rPr/>
+              <a:t> </a:t>
+            </a:r>
+            <a:r>
+              <a:rPr/>
+              <a:t>distribution,</a:t>
+            </a:r>
+            <a:r>
+              <a:rPr/>
+              <a:t> </a:t>
+            </a:r>
+            <a:r>
+              <a:rPr/>
+              <a:t>ranks</a:t>
+            </a:r>
+            <a:r>
+              <a:rPr/>
+              <a:t> </a:t>
+            </a:r>
+            <a:r>
+              <a:rPr/>
+              <a:t>the</a:t>
+            </a:r>
+            <a:r>
+              <a:rPr/>
+              <a:t> </a:t>
+            </a:r>
+            <a:r>
+              <a:rPr/>
+              <a:t>estimated</a:t>
+            </a:r>
+            <a:r>
+              <a:rPr/>
+              <a:t> </a:t>
+            </a:r>
+            <a:r>
+              <a:rPr/>
+              <a:t>group</a:t>
+            </a:r>
+            <a:r>
+              <a:rPr/>
+              <a:t> </a:t>
+            </a:r>
+            <a:r>
+              <a:rPr/>
+              <a:t>means,</a:t>
+            </a:r>
+            <a:r>
+              <a:rPr/>
+              <a:t> </a:t>
+            </a:r>
+            <a:r>
+              <a:rPr/>
+              <a:t>and</a:t>
+            </a:r>
+            <a:r>
+              <a:rPr/>
+              <a:t> </a:t>
+            </a:r>
+            <a:r>
+              <a:rPr/>
+              <a:t>then</a:t>
+            </a:r>
+            <a:r>
+              <a:rPr/>
+              <a:t> </a:t>
+            </a:r>
+            <a:r>
+              <a:rPr/>
+              <a:t>estimates</a:t>
+            </a:r>
+            <a:r>
+              <a:rPr/>
+              <a:t> </a:t>
+            </a:r>
+            <a:r>
+              <a:rPr/>
+              <a:t>the</a:t>
+            </a:r>
+            <a:r>
+              <a:rPr/>
+              <a:t> </a:t>
+            </a:r>
+            <a:r>
+              <a:rPr/>
+              <a:t>proportion</a:t>
+            </a:r>
+            <a:r>
+              <a:rPr/>
+              <a:t> </a:t>
+            </a:r>
+            <a:r>
+              <a:rPr/>
+              <a:t>of</a:t>
+            </a:r>
+            <a:r>
+              <a:rPr/>
+              <a:t> </a:t>
+            </a:r>
+            <a:r>
+              <a:rPr/>
+              <a:t>times</a:t>
+            </a:r>
+            <a:r>
+              <a:rPr/>
+              <a:t> </a:t>
+            </a:r>
+            <a:r>
+              <a:rPr/>
+              <a:t>that</a:t>
+            </a:r>
+            <a:r>
+              <a:rPr/>
+              <a:t> </a:t>
+            </a:r>
+            <a:r>
+              <a:rPr/>
+              <a:t>a</a:t>
+            </a:r>
+            <a:r>
+              <a:rPr/>
+              <a:t> </a:t>
+            </a:r>
+            <a:r>
+              <a:rPr/>
+              <a:t>given</a:t>
+            </a:r>
+            <a:r>
+              <a:rPr/>
+              <a:t> </a:t>
+            </a:r>
+            <a:r>
+              <a:rPr/>
+              <a:t>group</a:t>
+            </a:r>
+            <a:r>
+              <a:rPr/>
+              <a:t> </a:t>
+            </a:r>
+            <a:r>
+              <a:rPr/>
+              <a:t>gets</a:t>
+            </a:r>
+            <a:r>
+              <a:rPr/>
+              <a:t> </a:t>
+            </a:r>
+            <a:r>
+              <a:rPr/>
+              <a:t>the</a:t>
+            </a:r>
+            <a:r>
+              <a:rPr/>
+              <a:t> </a:t>
+            </a:r>
+            <a:r>
+              <a:rPr/>
+              <a:t>number</a:t>
+            </a:r>
+            <a:r>
+              <a:rPr/>
+              <a:t> </a:t>
+            </a:r>
+            <a:r>
+              <a:rPr/>
+              <a:t>1</a:t>
+            </a:r>
+            <a:r>
+              <a:rPr/>
+              <a:t> </a:t>
+            </a:r>
+            <a:r>
+              <a:rPr/>
+              <a:t>rank</a:t>
+            </a:r>
+            <a:r>
+              <a:rPr/>
+              <a:t> </a:t>
+            </a:r>
+            <a:r>
+              <a:rPr/>
+              <a:t>in</a:t>
+            </a:r>
+            <a:r>
+              <a:rPr/>
+              <a:t> </a:t>
+            </a:r>
+            <a:r>
+              <a:rPr/>
+              <a:t>the</a:t>
+            </a:r>
+            <a:r>
+              <a:rPr/>
+              <a:t> </a:t>
+            </a:r>
+            <a:r>
+              <a:rPr/>
+              <a:t>simulation.</a:t>
+            </a:r>
+          </a:p>
+          <a:p>
+            <a:pPr lvl="0" marL="0" indent="0">
+              <a:buNone/>
+            </a:pPr>
+          </a:p>
+          <a:p>
+            <a:pPr lvl="0" marL="0" indent="0">
+              <a:buNone/>
+            </a:pPr>
+            <a:r>
+              <a:rPr/>
+              <a:t>If</a:t>
+            </a:r>
+            <a:r>
+              <a:rPr/>
+              <a:t> </a:t>
+            </a:r>
+            <a:r>
+              <a:rPr/>
+              <a:t>there</a:t>
+            </a:r>
+            <a:r>
+              <a:rPr/>
+              <a:t> </a:t>
+            </a:r>
+            <a:r>
+              <a:rPr/>
+              <a:t>is</a:t>
+            </a:r>
+            <a:r>
+              <a:rPr/>
+              <a:t> </a:t>
+            </a:r>
+            <a:r>
+              <a:rPr/>
+              <a:t>a</a:t>
+            </a:r>
+            <a:r>
+              <a:rPr/>
+              <a:t> </a:t>
+            </a:r>
+            <a:r>
+              <a:rPr/>
+              <a:t>control</a:t>
+            </a:r>
+            <a:r>
+              <a:rPr/>
+              <a:t> </a:t>
+            </a:r>
+            <a:r>
+              <a:rPr/>
+              <a:t>group,</a:t>
+            </a:r>
+            <a:r>
+              <a:rPr/>
+              <a:t> </a:t>
+            </a:r>
+            <a:r>
+              <a:rPr/>
+              <a:t>your</a:t>
+            </a:r>
+            <a:r>
+              <a:rPr/>
+              <a:t> </a:t>
+            </a:r>
+            <a:r>
+              <a:rPr/>
+              <a:t>interest</a:t>
+            </a:r>
+            <a:r>
+              <a:rPr/>
+              <a:t> </a:t>
+            </a:r>
+            <a:r>
+              <a:rPr/>
+              <a:t>should</a:t>
+            </a:r>
+            <a:r>
+              <a:rPr/>
+              <a:t> </a:t>
+            </a:r>
+            <a:r>
+              <a:rPr/>
+              <a:t>be</a:t>
+            </a:r>
+            <a:r>
+              <a:rPr/>
+              <a:t> </a:t>
+            </a:r>
+            <a:r>
+              <a:rPr/>
+              <a:t>in</a:t>
+            </a:r>
+            <a:r>
+              <a:rPr/>
+              <a:t> </a:t>
+            </a:r>
+            <a:r>
+              <a:rPr/>
+              <a:t>deviations</a:t>
+            </a:r>
+            <a:r>
+              <a:rPr/>
+              <a:t> </a:t>
+            </a:r>
+            <a:r>
+              <a:rPr/>
+              <a:t>from</a:t>
+            </a:r>
+            <a:r>
+              <a:rPr/>
+              <a:t> </a:t>
+            </a:r>
+            <a:r>
+              <a:rPr/>
+              <a:t>the</a:t>
+            </a:r>
+            <a:r>
+              <a:rPr/>
+              <a:t> </a:t>
+            </a:r>
+            <a:r>
+              <a:rPr/>
+              <a:t>control</a:t>
+            </a:r>
+            <a:r>
+              <a:rPr/>
+              <a:t> </a:t>
+            </a:r>
+            <a:r>
+              <a:rPr/>
+              <a:t>group</a:t>
+            </a:r>
+            <a:r>
+              <a:rPr/>
+              <a:t> </a:t>
+            </a:r>
+            <a:r>
+              <a:rPr/>
+              <a:t>rather</a:t>
+            </a:r>
+            <a:r>
+              <a:rPr/>
+              <a:t> </a:t>
+            </a:r>
+            <a:r>
+              <a:rPr/>
+              <a:t>than</a:t>
+            </a:r>
+            <a:r>
+              <a:rPr/>
+              <a:t> </a:t>
+            </a:r>
+            <a:r>
+              <a:rPr/>
+              <a:t>deviations</a:t>
+            </a:r>
+            <a:r>
+              <a:rPr/>
+              <a:t> </a:t>
+            </a:r>
+            <a:r>
+              <a:rPr/>
+              <a:t>from</a:t>
+            </a:r>
+            <a:r>
+              <a:rPr/>
+              <a:t> </a:t>
+            </a:r>
+            <a:r>
+              <a:rPr/>
+              <a:t>an</a:t>
+            </a:r>
+            <a:r>
+              <a:rPr/>
+              <a:t> </a:t>
+            </a:r>
+            <a:r>
+              <a:rPr/>
+              <a:t>overall</a:t>
+            </a:r>
+            <a:r>
+              <a:rPr/>
+              <a:t> </a:t>
+            </a:r>
+            <a:r>
+              <a:rPr/>
+              <a:t>average.</a:t>
+            </a:r>
+            <a:r>
+              <a:rPr/>
+              <a:t> </a:t>
+            </a:r>
+            <a:r>
+              <a:rPr/>
+              <a:t>The</a:t>
+            </a:r>
+            <a:r>
+              <a:rPr/>
+              <a:t> </a:t>
+            </a:r>
+            <a:r>
+              <a:rPr/>
+              <a:t>Dunnett’s</a:t>
+            </a:r>
+            <a:r>
+              <a:rPr/>
+              <a:t> </a:t>
+            </a:r>
+            <a:r>
+              <a:rPr/>
+              <a:t>post</a:t>
+            </a:r>
+            <a:r>
+              <a:rPr/>
+              <a:t> </a:t>
+            </a:r>
+            <a:r>
+              <a:rPr/>
+              <a:t>hoc</a:t>
+            </a:r>
+            <a:r>
+              <a:rPr/>
+              <a:t> </a:t>
+            </a:r>
+            <a:r>
+              <a:rPr/>
+              <a:t>comparison</a:t>
+            </a:r>
+            <a:r>
+              <a:rPr/>
+              <a:t> </a:t>
+            </a:r>
+            <a:r>
+              <a:rPr/>
+              <a:t>in</a:t>
+            </a:r>
+            <a:r>
+              <a:rPr/>
+              <a:t> </a:t>
+            </a:r>
+            <a:r>
+              <a:rPr/>
+              <a:t>an</a:t>
+            </a:r>
+            <a:r>
+              <a:rPr/>
+              <a:t> </a:t>
+            </a:r>
+            <a:r>
+              <a:rPr/>
+              <a:t>ANOVA</a:t>
+            </a:r>
+            <a:r>
+              <a:rPr/>
+              <a:t> </a:t>
+            </a:r>
+            <a:r>
+              <a:rPr/>
+              <a:t>model</a:t>
+            </a:r>
+            <a:r>
+              <a:rPr/>
+              <a:t> </a:t>
+            </a:r>
+            <a:r>
+              <a:rPr/>
+              <a:t>works</a:t>
+            </a:r>
+            <a:r>
+              <a:rPr/>
+              <a:t> </a:t>
+            </a:r>
+            <a:r>
+              <a:rPr/>
+              <a:t>well</a:t>
+            </a:r>
+            <a:r>
+              <a:rPr/>
+              <a:t> </a:t>
+            </a:r>
+            <a:r>
+              <a:rPr/>
+              <a:t>here.</a:t>
+            </a:r>
+          </a:p>
+          <a:p>
+            <a:pPr lvl="0" marL="0" indent="0">
+              <a:buNone/>
+            </a:pPr>
+          </a:p>
+          <a:p>
+            <a:pPr lvl="0" marL="0" indent="0">
+              <a:buNone/>
+            </a:pPr>
+            <a:r>
+              <a:rPr/>
+              <a:t>Finally,</a:t>
+            </a:r>
+            <a:r>
+              <a:rPr/>
+              <a:t> </a:t>
+            </a:r>
+            <a:r>
+              <a:rPr/>
+              <a:t>and</a:t>
+            </a:r>
+            <a:r>
+              <a:rPr/>
+              <a:t> </a:t>
+            </a:r>
+            <a:r>
+              <a:rPr/>
+              <a:t>possibly</a:t>
+            </a:r>
+            <a:r>
+              <a:rPr/>
+              <a:t> </a:t>
+            </a:r>
+            <a:r>
+              <a:rPr/>
+              <a:t>the</a:t>
+            </a:r>
+            <a:r>
+              <a:rPr/>
+              <a:t> </a:t>
+            </a:r>
+            <a:r>
+              <a:rPr/>
+              <a:t>most</a:t>
+            </a:r>
+            <a:r>
+              <a:rPr/>
+              <a:t> </a:t>
+            </a:r>
+            <a:r>
+              <a:rPr/>
+              <a:t>important</a:t>
+            </a:r>
+            <a:r>
+              <a:rPr/>
+              <a:t> </a:t>
+            </a:r>
+            <a:r>
+              <a:rPr/>
+              <a:t>point</a:t>
+            </a:r>
+            <a:r>
+              <a:rPr/>
+              <a:t> </a:t>
+            </a:r>
+            <a:r>
+              <a:rPr/>
+              <a:t>is</a:t>
+            </a:r>
+            <a:r>
+              <a:rPr/>
+              <a:t> </a:t>
+            </a:r>
+            <a:r>
+              <a:rPr/>
+              <a:t>about</a:t>
+            </a:r>
+            <a:r>
+              <a:rPr/>
+              <a:t> </a:t>
+            </a:r>
+            <a:r>
+              <a:rPr/>
+              <a:t>rewards</a:t>
+            </a:r>
+            <a:r>
+              <a:rPr/>
+              <a:t> </a:t>
+            </a:r>
+            <a:r>
+              <a:rPr/>
+              <a:t>and</a:t>
+            </a:r>
+            <a:r>
+              <a:rPr/>
+              <a:t> </a:t>
+            </a:r>
+            <a:r>
+              <a:rPr/>
+              <a:t>punishments.</a:t>
+            </a:r>
+            <a:r>
+              <a:rPr/>
+              <a:t> </a:t>
+            </a:r>
+            <a:r>
+              <a:rPr/>
+              <a:t>There</a:t>
+            </a:r>
+            <a:r>
+              <a:rPr/>
+              <a:t> </a:t>
+            </a:r>
+            <a:r>
+              <a:rPr/>
+              <a:t>is</a:t>
+            </a:r>
+            <a:r>
+              <a:rPr/>
+              <a:t> </a:t>
+            </a:r>
+            <a:r>
+              <a:rPr/>
+              <a:t>an</a:t>
+            </a:r>
+            <a:r>
+              <a:rPr/>
+              <a:t> </a:t>
+            </a:r>
+            <a:r>
+              <a:rPr/>
+              <a:t>unfortunate</a:t>
+            </a:r>
+            <a:r>
+              <a:rPr/>
+              <a:t> </a:t>
+            </a:r>
+            <a:r>
+              <a:rPr/>
+              <a:t>tendency</a:t>
+            </a:r>
+            <a:r>
+              <a:rPr/>
+              <a:t> </a:t>
+            </a:r>
+            <a:r>
+              <a:rPr/>
+              <a:t>in</a:t>
+            </a:r>
+            <a:r>
+              <a:rPr/>
+              <a:t> </a:t>
+            </a:r>
+            <a:r>
+              <a:rPr/>
+              <a:t>many</a:t>
+            </a:r>
+            <a:r>
+              <a:rPr/>
+              <a:t> </a:t>
+            </a:r>
+            <a:r>
+              <a:rPr/>
+              <a:t>workplaces</a:t>
+            </a:r>
+            <a:r>
+              <a:rPr/>
+              <a:t> </a:t>
+            </a:r>
+            <a:r>
+              <a:rPr/>
+              <a:t>to</a:t>
+            </a:r>
+            <a:r>
+              <a:rPr/>
+              <a:t> </a:t>
+            </a:r>
+            <a:r>
+              <a:rPr/>
+              <a:t>blame</a:t>
+            </a:r>
+            <a:r>
+              <a:rPr/>
+              <a:t> </a:t>
+            </a:r>
+            <a:r>
+              <a:rPr/>
+              <a:t>all</a:t>
+            </a:r>
+            <a:r>
+              <a:rPr/>
+              <a:t> </a:t>
+            </a:r>
+            <a:r>
+              <a:rPr/>
+              <a:t>the</a:t>
+            </a:r>
+            <a:r>
+              <a:rPr/>
+              <a:t> </a:t>
+            </a:r>
+            <a:r>
+              <a:rPr/>
+              <a:t>quality</a:t>
+            </a:r>
+            <a:r>
+              <a:rPr/>
+              <a:t> </a:t>
+            </a:r>
+            <a:r>
+              <a:rPr/>
+              <a:t>problems</a:t>
+            </a:r>
+            <a:r>
+              <a:rPr/>
+              <a:t> </a:t>
+            </a:r>
+            <a:r>
+              <a:rPr/>
+              <a:t>on</a:t>
+            </a:r>
+            <a:r>
+              <a:rPr/>
+              <a:t> </a:t>
+            </a:r>
+            <a:r>
+              <a:rPr/>
+              <a:t>the</a:t>
+            </a:r>
+            <a:r>
+              <a:rPr/>
+              <a:t> </a:t>
+            </a:r>
+            <a:r>
+              <a:rPr/>
+              <a:t>workforce.</a:t>
+            </a:r>
+            <a:r>
+              <a:rPr/>
+              <a:t> </a:t>
+            </a:r>
+            <a:r>
+              <a:rPr/>
+              <a:t>In</a:t>
+            </a:r>
+            <a:r>
+              <a:rPr/>
+              <a:t> </a:t>
+            </a:r>
+            <a:r>
+              <a:rPr/>
+              <a:t>fact,</a:t>
+            </a:r>
+            <a:r>
+              <a:rPr/>
+              <a:t> </a:t>
+            </a:r>
+            <a:r>
+              <a:rPr/>
+              <a:t>it</a:t>
+            </a:r>
+            <a:r>
+              <a:rPr/>
+              <a:t> </a:t>
+            </a:r>
+            <a:r>
+              <a:rPr/>
+              <a:t>is</a:t>
+            </a:r>
+            <a:r>
+              <a:rPr/>
+              <a:t> </a:t>
+            </a:r>
+            <a:r>
+              <a:rPr/>
+              <a:t>the</a:t>
+            </a:r>
+            <a:r>
+              <a:rPr/>
+              <a:t> </a:t>
+            </a:r>
+            <a:r>
+              <a:rPr/>
+              <a:t>system</a:t>
+            </a:r>
+            <a:r>
+              <a:rPr/>
+              <a:t> </a:t>
+            </a:r>
+            <a:r>
+              <a:rPr/>
+              <a:t>that</a:t>
+            </a:r>
+            <a:r>
+              <a:rPr/>
+              <a:t> </a:t>
+            </a:r>
+            <a:r>
+              <a:rPr/>
+              <a:t>people</a:t>
+            </a:r>
+            <a:r>
+              <a:rPr/>
+              <a:t> </a:t>
+            </a:r>
+            <a:r>
+              <a:rPr/>
+              <a:t>work</a:t>
+            </a:r>
+            <a:r>
+              <a:rPr/>
+              <a:t> </a:t>
+            </a:r>
+            <a:r>
+              <a:rPr/>
+              <a:t>in</a:t>
+            </a:r>
+            <a:r>
+              <a:rPr/>
+              <a:t> </a:t>
+            </a:r>
+            <a:r>
+              <a:rPr/>
+              <a:t>that</a:t>
+            </a:r>
+            <a:r>
+              <a:rPr/>
+              <a:t> </a:t>
+            </a:r>
+            <a:r>
+              <a:rPr/>
+              <a:t>is</a:t>
+            </a:r>
+            <a:r>
+              <a:rPr/>
+              <a:t> </a:t>
+            </a:r>
+            <a:r>
+              <a:rPr/>
+              <a:t>most</a:t>
+            </a:r>
+            <a:r>
+              <a:rPr/>
+              <a:t> </a:t>
+            </a:r>
+            <a:r>
+              <a:rPr/>
+              <a:t>often</a:t>
+            </a:r>
+            <a:r>
+              <a:rPr/>
+              <a:t> </a:t>
+            </a:r>
+            <a:r>
+              <a:rPr/>
+              <a:t>deserving</a:t>
+            </a:r>
+            <a:r>
+              <a:rPr/>
+              <a:t> </a:t>
+            </a:r>
+            <a:r>
+              <a:rPr/>
+              <a:t>of</a:t>
+            </a:r>
+            <a:r>
+              <a:rPr/>
+              <a:t> </a:t>
+            </a:r>
+            <a:r>
+              <a:rPr/>
+              <a:t>blame.</a:t>
+            </a:r>
+          </a:p>
+          <a:p>
+            <a:pPr lvl="0" marL="0" indent="0">
+              <a:buNone/>
+            </a:pPr>
+          </a:p>
+          <a:p>
+            <a:pPr lvl="0" marL="0" indent="0">
+              <a:buNone/>
+            </a:pPr>
+            <a:r>
+              <a:rPr/>
+              <a:t>If</a:t>
+            </a:r>
+            <a:r>
+              <a:rPr/>
+              <a:t> </a:t>
+            </a:r>
+            <a:r>
+              <a:rPr/>
+              <a:t>you</a:t>
+            </a:r>
+            <a:r>
+              <a:rPr/>
+              <a:t> </a:t>
+            </a:r>
+            <a:r>
+              <a:rPr/>
+              <a:t>use</a:t>
+            </a:r>
+            <a:r>
+              <a:rPr/>
+              <a:t> </a:t>
+            </a:r>
+            <a:r>
+              <a:rPr/>
+              <a:t>Analysis</a:t>
+            </a:r>
+            <a:r>
+              <a:rPr/>
+              <a:t> </a:t>
+            </a:r>
+            <a:r>
+              <a:rPr/>
+              <a:t>of</a:t>
+            </a:r>
+            <a:r>
+              <a:rPr/>
+              <a:t> </a:t>
+            </a:r>
+            <a:r>
+              <a:rPr/>
+              <a:t>Means</a:t>
+            </a:r>
+            <a:r>
+              <a:rPr/>
+              <a:t> </a:t>
+            </a:r>
+            <a:r>
+              <a:rPr/>
+              <a:t>(or</a:t>
+            </a:r>
+            <a:r>
+              <a:rPr/>
+              <a:t> </a:t>
+            </a:r>
+            <a:r>
+              <a:rPr/>
+              <a:t>any</a:t>
+            </a:r>
+            <a:r>
+              <a:rPr/>
+              <a:t> </a:t>
+            </a:r>
+            <a:r>
+              <a:rPr/>
+              <a:t>statistical</a:t>
+            </a:r>
+            <a:r>
+              <a:rPr/>
+              <a:t> </a:t>
+            </a:r>
+            <a:r>
+              <a:rPr/>
+              <a:t>approach,</a:t>
+            </a:r>
+            <a:r>
+              <a:rPr/>
+              <a:t> </a:t>
+            </a:r>
+            <a:r>
+              <a:rPr/>
+              <a:t>for</a:t>
+            </a:r>
+            <a:r>
+              <a:rPr/>
+              <a:t> </a:t>
+            </a:r>
+            <a:r>
+              <a:rPr/>
+              <a:t>that</a:t>
+            </a:r>
+            <a:r>
+              <a:rPr/>
+              <a:t> </a:t>
+            </a:r>
+            <a:r>
+              <a:rPr/>
+              <a:t>matter)</a:t>
+            </a:r>
+            <a:r>
+              <a:rPr/>
+              <a:t> </a:t>
+            </a:r>
+            <a:r>
+              <a:rPr/>
+              <a:t>to</a:t>
+            </a:r>
+            <a:r>
+              <a:rPr/>
+              <a:t> </a:t>
+            </a:r>
+            <a:r>
+              <a:rPr/>
+              <a:t>decide</a:t>
+            </a:r>
+            <a:r>
+              <a:rPr/>
+              <a:t> </a:t>
+            </a:r>
+            <a:r>
+              <a:rPr/>
+              <a:t>who</a:t>
+            </a:r>
+            <a:r>
+              <a:rPr/>
+              <a:t> </a:t>
+            </a:r>
+            <a:r>
+              <a:rPr/>
+              <a:t>gets</a:t>
+            </a:r>
+            <a:r>
+              <a:rPr/>
+              <a:t> </a:t>
+            </a:r>
+            <a:r>
+              <a:rPr/>
+              <a:t>bonuses</a:t>
+            </a:r>
+            <a:r>
+              <a:rPr/>
+              <a:t> </a:t>
+            </a:r>
+            <a:r>
+              <a:rPr/>
+              <a:t>and</a:t>
+            </a:r>
+            <a:r>
+              <a:rPr/>
+              <a:t> </a:t>
+            </a:r>
+            <a:r>
+              <a:rPr/>
+              <a:t>who</a:t>
+            </a:r>
+            <a:r>
+              <a:rPr/>
+              <a:t> </a:t>
+            </a:r>
+            <a:r>
+              <a:rPr/>
+              <a:t>gets</a:t>
+            </a:r>
+            <a:r>
+              <a:rPr/>
+              <a:t> </a:t>
+            </a:r>
+            <a:r>
+              <a:rPr/>
+              <a:t>fired,</a:t>
+            </a:r>
+            <a:r>
+              <a:rPr/>
+              <a:t> </a:t>
+            </a:r>
+            <a:r>
+              <a:rPr/>
+              <a:t>you’re</a:t>
+            </a:r>
+            <a:r>
+              <a:rPr/>
+              <a:t> </a:t>
+            </a:r>
+            <a:r>
+              <a:rPr/>
+              <a:t>making</a:t>
+            </a:r>
+            <a:r>
+              <a:rPr/>
+              <a:t> </a:t>
+            </a:r>
+            <a:r>
+              <a:rPr/>
+              <a:t>a</a:t>
+            </a:r>
+            <a:r>
+              <a:rPr/>
+              <a:t> </a:t>
+            </a:r>
+            <a:r>
+              <a:rPr/>
+              <a:t>big</a:t>
+            </a:r>
+            <a:r>
+              <a:rPr/>
+              <a:t> </a:t>
+            </a:r>
+            <a:r>
+              <a:rPr/>
+              <a:t>mistake.</a:t>
+            </a:r>
+          </a:p>
+          <a:p>
+            <a:pPr lvl="0" marL="0" indent="0">
+              <a:buNone/>
+            </a:pPr>
+          </a:p>
+          <a:p>
+            <a:pPr lvl="0" marL="0" indent="0">
+              <a:buNone/>
+            </a:pPr>
+            <a:r>
+              <a:rPr/>
+              <a:t>An</a:t>
+            </a:r>
+            <a:r>
+              <a:rPr/>
+              <a:t> </a:t>
+            </a:r>
+            <a:r>
+              <a:rPr/>
+              <a:t>unusual</a:t>
+            </a:r>
+            <a:r>
+              <a:rPr/>
+              <a:t> </a:t>
+            </a:r>
+            <a:r>
+              <a:rPr/>
+              <a:t>result</a:t>
+            </a:r>
+            <a:r>
+              <a:rPr/>
+              <a:t> </a:t>
+            </a:r>
+            <a:r>
+              <a:rPr/>
+              <a:t>for</a:t>
+            </a:r>
+            <a:r>
+              <a:rPr/>
+              <a:t> </a:t>
+            </a:r>
+            <a:r>
+              <a:rPr/>
+              <a:t>an</a:t>
+            </a:r>
+            <a:r>
+              <a:rPr/>
+              <a:t> </a:t>
+            </a:r>
+            <a:r>
+              <a:rPr/>
+              <a:t>individual</a:t>
+            </a:r>
+            <a:r>
+              <a:rPr/>
+              <a:t> </a:t>
+            </a:r>
+            <a:r>
+              <a:rPr/>
+              <a:t>or</a:t>
+            </a:r>
+            <a:r>
+              <a:rPr/>
+              <a:t> </a:t>
+            </a:r>
+            <a:r>
+              <a:rPr/>
+              <a:t>for</a:t>
+            </a:r>
+            <a:r>
+              <a:rPr/>
+              <a:t> </a:t>
+            </a:r>
+            <a:r>
+              <a:rPr/>
+              <a:t>a</a:t>
+            </a:r>
+            <a:r>
+              <a:rPr/>
+              <a:t> </a:t>
+            </a:r>
+            <a:r>
+              <a:rPr/>
+              <a:t>particular</a:t>
+            </a:r>
+            <a:r>
+              <a:rPr/>
+              <a:t> </a:t>
+            </a:r>
+            <a:r>
+              <a:rPr/>
+              <a:t>work</a:t>
+            </a:r>
+            <a:r>
+              <a:rPr/>
+              <a:t> </a:t>
+            </a:r>
+            <a:r>
+              <a:rPr/>
+              <a:t>group</a:t>
+            </a:r>
+            <a:r>
+              <a:rPr/>
+              <a:t> </a:t>
+            </a:r>
+            <a:r>
+              <a:rPr/>
+              <a:t>becomes</a:t>
+            </a:r>
+            <a:r>
+              <a:rPr/>
+              <a:t> </a:t>
+            </a:r>
+            <a:r>
+              <a:rPr/>
+              <a:t>the</a:t>
+            </a:r>
+            <a:r>
+              <a:rPr/>
+              <a:t> </a:t>
+            </a:r>
+            <a:r>
+              <a:rPr/>
+              <a:t>start</a:t>
+            </a:r>
+            <a:r>
+              <a:rPr/>
+              <a:t> </a:t>
+            </a:r>
+            <a:r>
+              <a:rPr/>
+              <a:t>of</a:t>
+            </a:r>
+            <a:r>
+              <a:rPr/>
+              <a:t> </a:t>
+            </a:r>
+            <a:r>
+              <a:rPr/>
+              <a:t>an</a:t>
+            </a:r>
+            <a:r>
+              <a:rPr/>
+              <a:t> </a:t>
+            </a:r>
+            <a:r>
+              <a:rPr/>
+              <a:t>investigation.</a:t>
+            </a:r>
+            <a:r>
+              <a:rPr/>
+              <a:t> </a:t>
+            </a:r>
+            <a:r>
+              <a:rPr/>
+              <a:t>Mindlessly</a:t>
+            </a:r>
+            <a:r>
+              <a:rPr/>
+              <a:t> </a:t>
+            </a:r>
+            <a:r>
+              <a:rPr/>
+              <a:t>offering</a:t>
+            </a:r>
+            <a:r>
+              <a:rPr/>
+              <a:t> </a:t>
+            </a:r>
+            <a:r>
+              <a:rPr/>
+              <a:t>rewards</a:t>
+            </a:r>
+            <a:r>
+              <a:rPr/>
+              <a:t> </a:t>
+            </a:r>
+            <a:r>
+              <a:rPr/>
+              <a:t>and</a:t>
+            </a:r>
+            <a:r>
+              <a:rPr/>
+              <a:t> </a:t>
+            </a:r>
+            <a:r>
+              <a:rPr/>
+              <a:t>punishments</a:t>
+            </a:r>
+            <a:r>
+              <a:rPr/>
+              <a:t> </a:t>
+            </a:r>
+            <a:r>
+              <a:rPr/>
+              <a:t>short-circuits</a:t>
+            </a:r>
+            <a:r>
+              <a:rPr/>
+              <a:t> </a:t>
+            </a:r>
+            <a:r>
+              <a:rPr/>
+              <a:t>the</a:t>
+            </a:r>
+            <a:r>
+              <a:rPr/>
+              <a:t> </a:t>
+            </a:r>
+            <a:r>
+              <a:rPr/>
+              <a:t>thinking</a:t>
+            </a:r>
+            <a:r>
+              <a:rPr/>
+              <a:t> </a:t>
+            </a:r>
+            <a:r>
+              <a:rPr/>
+              <a:t>process.</a:t>
+            </a:r>
+            <a:r>
+              <a:rPr/>
+              <a:t> </a:t>
+            </a:r>
+            <a:r>
+              <a:rPr/>
+              <a:t>I’m</a:t>
+            </a:r>
+            <a:r>
+              <a:rPr/>
+              <a:t> </a:t>
+            </a:r>
+            <a:r>
+              <a:rPr/>
+              <a:t>not</a:t>
+            </a:r>
+            <a:r>
+              <a:rPr/>
+              <a:t> </a:t>
+            </a:r>
+            <a:r>
+              <a:rPr/>
+              <a:t>saying</a:t>
+            </a:r>
+            <a:r>
+              <a:rPr/>
+              <a:t> </a:t>
+            </a:r>
+            <a:r>
+              <a:rPr/>
+              <a:t>that</a:t>
+            </a:r>
+            <a:r>
+              <a:rPr/>
+              <a:t> </a:t>
+            </a:r>
+            <a:r>
+              <a:rPr/>
+              <a:t>workers</a:t>
+            </a:r>
+            <a:r>
+              <a:rPr/>
+              <a:t> </a:t>
+            </a:r>
+            <a:r>
+              <a:rPr/>
+              <a:t>are</a:t>
+            </a:r>
+            <a:r>
+              <a:rPr/>
+              <a:t> </a:t>
+            </a:r>
+            <a:r>
+              <a:rPr/>
+              <a:t>never</a:t>
+            </a:r>
+            <a:r>
+              <a:rPr/>
+              <a:t> </a:t>
+            </a:r>
+            <a:r>
+              <a:rPr/>
+              <a:t>to</a:t>
+            </a:r>
+            <a:r>
+              <a:rPr/>
+              <a:t> </a:t>
+            </a:r>
+            <a:r>
+              <a:rPr/>
+              <a:t>blame.</a:t>
+            </a:r>
+            <a:r>
+              <a:rPr/>
+              <a:t> </a:t>
+            </a:r>
+            <a:r>
+              <a:rPr/>
+              <a:t>I</a:t>
+            </a:r>
+            <a:r>
+              <a:rPr/>
+              <a:t> </a:t>
+            </a:r>
+            <a:r>
+              <a:rPr/>
+              <a:t>just</a:t>
+            </a:r>
+            <a:r>
+              <a:rPr/>
+              <a:t> </a:t>
+            </a:r>
+            <a:r>
+              <a:rPr/>
+              <a:t>worry</a:t>
+            </a:r>
+            <a:r>
+              <a:rPr/>
+              <a:t> </a:t>
+            </a:r>
+            <a:r>
+              <a:rPr/>
+              <a:t>that</a:t>
+            </a:r>
+            <a:r>
+              <a:rPr/>
+              <a:t> </a:t>
+            </a:r>
+            <a:r>
+              <a:rPr/>
+              <a:t>statistics</a:t>
+            </a:r>
+            <a:r>
+              <a:rPr/>
+              <a:t> </a:t>
+            </a:r>
+            <a:r>
+              <a:rPr/>
+              <a:t>make</a:t>
+            </a:r>
+            <a:r>
+              <a:rPr/>
+              <a:t> </a:t>
+            </a:r>
+            <a:r>
+              <a:rPr/>
+              <a:t>it</a:t>
+            </a:r>
+            <a:r>
+              <a:rPr/>
+              <a:t> </a:t>
+            </a:r>
+            <a:r>
+              <a:rPr/>
+              <a:t>too</a:t>
+            </a:r>
+            <a:r>
+              <a:rPr/>
+              <a:t> </a:t>
+            </a:r>
+            <a:r>
+              <a:rPr/>
+              <a:t>easy</a:t>
+            </a:r>
+            <a:r>
+              <a:rPr/>
+              <a:t> </a:t>
+            </a:r>
+            <a:r>
+              <a:rPr/>
+              <a:t>to</a:t>
+            </a:r>
+            <a:r>
+              <a:rPr/>
+              <a:t> </a:t>
+            </a:r>
+            <a:r>
+              <a:rPr/>
+              <a:t>jump</a:t>
+            </a:r>
+            <a:r>
+              <a:rPr/>
+              <a:t> </a:t>
+            </a:r>
+            <a:r>
+              <a:rPr/>
+              <a:t>to</a:t>
+            </a:r>
+            <a:r>
+              <a:rPr/>
+              <a:t> </a:t>
+            </a:r>
+            <a:r>
+              <a:rPr/>
+              <a:t>conclusions.</a:t>
+            </a:r>
+          </a:p>
+        </p:txBody>
+      </p:sp>
+      <p:sp>
+        <p:nvSpPr>
+          <p:cNvPr id="4" name="Slide Number Placeholder 3"/>
+          <p:cNvSpPr>
+            <a:spLocks noGrp="1"/>
+          </p:cNvSpPr>
+          <p:nvPr>
+            <p:ph type="sldNum" sz="quarter" idx="10"/>
+          </p:nvPr>
+        </p:nvSpPr>
+        <p:spPr/>
+        <p:txBody>
+          <a:bodyPr/>
+          <a:lstStyle/>
+          <a:p>
+            <a:fld id="{18BDFEC3-8487-43E8-A154-7C12CBC1FFF2}" type="slidenum">
+              <a:rPr lang="en-US"/>
+              <a:t>30</a:t>
             </a:fld>
             <a:endParaRPr lang="en-US"/>
           </a:p>
@@ -14082,8 +19764,8 @@
         </p:blipFill>
         <p:spPr bwMode="auto">
           <a:xfrm>
-            <a:off x="1752600" y="1600200"/>
-            <a:ext cx="5651500" cy="4521200"/>
+            <a:off x="609600" y="1600200"/>
+            <a:ext cx="7912100" cy="4521200"/>
           </a:xfrm>
           <a:prstGeom prst="rect">
             <a:avLst/>
@@ -14523,65 +20205,75 @@
                 </a:r>
                 <a14:m>
                   <m:oMath xmlns:m="http://schemas.openxmlformats.org/officeDocument/2006/math">
-                    <m:sSub>
+                    <m:d>
+                      <m:dPr>
+                        <m:begChr m:val="|"/>
+                        <m:endChr m:val="|"/>
+                        <m:sepChr m:val=""/>
+                        <m:grow/>
+                      </m:dPr>
                       <m:e>
-                        <m:acc>
-                          <m:accPr>
-                            <m:chr m:val="‾"/>
-                          </m:accPr>
+                        <m:sSub>
                           <m:e>
+                            <m:acc>
+                              <m:accPr>
+                                <m:chr m:val="‾"/>
+                              </m:accPr>
+                              <m:e>
+                                <m:r>
+                                  <m:t>Y</m:t>
+                                </m:r>
+                              </m:e>
+                            </m:acc>
+                          </m:e>
+                          <m:sub>
                             <m:r>
-                              <m:t>Y</m:t>
+                              <m:t>i</m:t>
                             </m:r>
-                          </m:e>
-                        </m:acc>
-                      </m:e>
-                      <m:sub>
-                        <m:r>
-                          <m:t>i</m:t>
-                        </m:r>
+                            <m:r>
+                              <m:rPr>
+                                <m:sty m:val="p"/>
+                              </m:rPr>
+                              <m:t>.</m:t>
+                            </m:r>
+                          </m:sub>
+                        </m:sSub>
                         <m:r>
                           <m:rPr>
                             <m:sty m:val="p"/>
                           </m:rPr>
-                          <m:t>.</m:t>
+                          <m:t>−</m:t>
                         </m:r>
-                      </m:sub>
-                    </m:sSub>
-                    <m:r>
-                      <m:rPr>
-                        <m:sty m:val="p"/>
-                      </m:rPr>
-                      <m:t>−</m:t>
-                    </m:r>
-                    <m:sSub>
-                      <m:e>
-                        <m:acc>
-                          <m:accPr>
-                            <m:chr m:val="‾"/>
-                          </m:accPr>
+                        <m:sSub>
                           <m:e>
+                            <m:acc>
+                              <m:accPr>
+                                <m:chr m:val="‾"/>
+                              </m:accPr>
+                              <m:e>
+                                <m:r>
+                                  <m:t>Y</m:t>
+                                </m:r>
+                              </m:e>
+                            </m:acc>
+                          </m:e>
+                          <m:sub>
                             <m:r>
-                              <m:t>Y</m:t>
+                              <m:rPr>
+                                <m:sty m:val="p"/>
+                              </m:rPr>
+                              <m:t>.</m:t>
                             </m:r>
-                          </m:e>
-                        </m:acc>
+                            <m:r>
+                              <m:rPr>
+                                <m:sty m:val="p"/>
+                              </m:rPr>
+                              <m:t>.</m:t>
+                            </m:r>
+                          </m:sub>
+                        </m:sSub>
                       </m:e>
-                      <m:sub>
-                        <m:r>
-                          <m:rPr>
-                            <m:sty m:val="p"/>
-                          </m:rPr>
-                          <m:t>.</m:t>
-                        </m:r>
-                        <m:r>
-                          <m:rPr>
-                            <m:sty m:val="p"/>
-                          </m:rPr>
-                          <m:t>.</m:t>
-                        </m:r>
-                      </m:sub>
-                    </m:sSub>
+                    </m:d>
                     <m:r>
                       <m:rPr>
                         <m:sty m:val="p"/>
@@ -15102,8 +20794,8 @@
         </p:blipFill>
         <p:spPr bwMode="auto">
           <a:xfrm>
-            <a:off x="1752600" y="1600200"/>
-            <a:ext cx="5651500" cy="4521200"/>
+            <a:off x="609600" y="1600200"/>
+            <a:ext cx="7912100" cy="4521200"/>
           </a:xfrm>
           <a:prstGeom prst="rect">
             <a:avLst/>
@@ -15275,8 +20967,8 @@
         </p:blipFill>
         <p:spPr bwMode="auto">
           <a:xfrm>
-            <a:off x="1752600" y="1600200"/>
-            <a:ext cx="5651500" cy="4521200"/>
+            <a:off x="609600" y="1600200"/>
+            <a:ext cx="7912100" cy="4521200"/>
           </a:xfrm>
           <a:prstGeom prst="rect">
             <a:avLst/>
@@ -15625,8 +21317,8 @@
         </p:blipFill>
         <p:spPr bwMode="auto">
           <a:xfrm>
-            <a:off x="1752600" y="1600200"/>
-            <a:ext cx="5651500" cy="4521200"/>
+            <a:off x="609600" y="1600200"/>
+            <a:ext cx="7912100" cy="4521200"/>
           </a:xfrm>
           <a:prstGeom prst="rect">
             <a:avLst/>
@@ -16026,8 +21718,8 @@
         </p:blipFill>
         <p:spPr bwMode="auto">
           <a:xfrm>
-            <a:off x="1752600" y="1600200"/>
-            <a:ext cx="5651500" cy="4521200"/>
+            <a:off x="609600" y="1600200"/>
+            <a:ext cx="7912100" cy="4521200"/>
           </a:xfrm>
           <a:prstGeom prst="rect">
             <a:avLst/>
@@ -16119,39 +21811,183 @@
           </a:p>
         </p:txBody>
       </p:sp>
-      <p:sp>
-        <p:nvSpPr>
-          <p:cNvPr id="3" name="Content Placeholder 2"/>
-          <p:cNvSpPr>
-            <a:spLocks noGrp="1"/>
-          </p:cNvSpPr>
-          <p:nvPr>
-            <p:ph idx="1"/>
-          </p:nvPr>
-        </p:nvSpPr>
-        <p:spPr/>
-        <p:txBody>
-          <a:bodyPr/>
-          <a:lstStyle/>
-          <a:p>
-            <a:pPr lvl="0" indent="0">
-              <a:buNone/>
-            </a:pPr>
-            <a:r>
-              <a:rPr>
-                <a:latin typeface="Courier"/>
-              </a:rPr>
-              <a:t>##   group c_sections births
-## 1    1A        150    923
-## 2    1K         45    298
-## 3    1B         34    170
-## 4    1D         18    132
-## 5    3I         20    106
-## 6    3M         12    105</a:t>
-            </a:r>
-          </a:p>
-        </p:txBody>
-      </p:sp>
+      <mc:AlternateContent xmlns:mc="http://schemas.openxmlformats.org/markup-compatibility/2006">
+        <mc:Choice xmlns:a14="http://schemas.microsoft.com/office/drawing/2010/main" Requires="a14">
+          <p:sp>
+            <p:nvSpPr>
+              <p:cNvPr id="3" name="Content Placeholder 2"/>
+              <p:cNvSpPr>
+                <a:spLocks noGrp="1"/>
+              </p:cNvSpPr>
+              <p:nvPr>
+                <p:ph idx="1"/>
+              </p:nvPr>
+            </p:nvSpPr>
+            <p:spPr/>
+            <p:txBody>
+              <a:bodyPr/>
+              <a:lstStyle/>
+              <a:p>
+                <a:pPr lvl="1"/>
+                <a:r>
+                  <a:rPr/>
+                  <a:t>Two extensions</a:t>
+                </a:r>
+              </a:p>
+              <a:p>
+                <a:pPr lvl="2"/>
+                <a:r>
+                  <a:rPr/>
+                  <a:t>Proportions rather than means</a:t>
+                </a:r>
+              </a:p>
+              <a:p>
+                <a:pPr lvl="2"/>
+                <a:r>
+                  <a:rPr/>
+                  <a:t>Unequal group sizes</a:t>
+                </a:r>
+              </a:p>
+              <a:p>
+                <a:pPr lvl="1"/>
+                <a:r>
+                  <a:rPr/>
+                  <a:t>Limits</a:t>
+                </a:r>
+              </a:p>
+              <a:p>
+                <a:pPr lvl="2"/>
+                <a14:m>
+                  <m:oMath xmlns:m="http://schemas.openxmlformats.org/officeDocument/2006/math">
+                    <m:acc>
+                      <m:accPr>
+                        <m:chr m:val="‾"/>
+                      </m:accPr>
+                      <m:e>
+                        <m:r>
+                          <m:t>p</m:t>
+                        </m:r>
+                      </m:e>
+                    </m:acc>
+                    <m:r>
+                      <m:rPr>
+                        <m:sty m:val="p"/>
+                      </m:rPr>
+                      <m:t>±</m:t>
+                    </m:r>
+                    <m:r>
+                      <m:t>m</m:t>
+                    </m:r>
+                    <m:d>
+                      <m:dPr>
+                        <m:begChr m:val="("/>
+                        <m:endChr m:val=")"/>
+                        <m:sepChr m:val=""/>
+                        <m:grow/>
+                      </m:dPr>
+                      <m:e>
+                        <m:r>
+                          <m:t>1</m:t>
+                        </m:r>
+                        <m:r>
+                          <m:rPr>
+                            <m:sty m:val="p"/>
+                          </m:rPr>
+                          <m:t>−</m:t>
+                        </m:r>
+                        <m:r>
+                          <m:t>α</m:t>
+                        </m:r>
+                        <m:r>
+                          <m:rPr>
+                            <m:sty m:val="p"/>
+                          </m:rPr>
+                          <m:t>,</m:t>
+                        </m:r>
+                        <m:r>
+                          <m:t>k</m:t>
+                        </m:r>
+                        <m:r>
+                          <m:rPr>
+                            <m:sty m:val="p"/>
+                          </m:rPr>
+                          <m:t>,</m:t>
+                        </m:r>
+                        <m:r>
+                          <m:rPr>
+                            <m:sty m:val="p"/>
+                          </m:rPr>
+                          <m:t>∞</m:t>
+                        </m:r>
+                      </m:e>
+                    </m:d>
+                    <m:rad>
+                      <m:radPr>
+                        <m:degHide m:val="1"/>
+                      </m:radPr>
+                      <m:deg/>
+                      <m:e>
+                        <m:f>
+                          <m:fPr>
+                            <m:type m:val="bar"/>
+                          </m:fPr>
+                          <m:num>
+                            <m:r>
+                              <m:t>N</m:t>
+                            </m:r>
+                            <m:r>
+                              <m:rPr>
+                                <m:sty m:val="p"/>
+                              </m:rPr>
+                              <m:t>−</m:t>
+                            </m:r>
+                            <m:sSub>
+                              <m:e>
+                                <m:r>
+                                  <m:t>n</m:t>
+                                </m:r>
+                              </m:e>
+                              <m:sub>
+                                <m:r>
+                                  <m:t>i</m:t>
+                                </m:r>
+                              </m:sub>
+                            </m:sSub>
+                          </m:num>
+                          <m:den>
+                            <m:r>
+                              <m:t>N</m:t>
+                            </m:r>
+                            <m:sSub>
+                              <m:e>
+                                <m:r>
+                                  <m:t>n</m:t>
+                                </m:r>
+                              </m:e>
+                              <m:sub>
+                                <m:r>
+                                  <m:t>i</m:t>
+                                </m:r>
+                              </m:sub>
+                            </m:sSub>
+                          </m:den>
+                        </m:f>
+                      </m:e>
+                    </m:rad>
+                  </m:oMath>
+                </a14:m>
+              </a:p>
+              <a:p>
+                <a:pPr lvl="2"/>
+                <a:r>
+                  <a:rPr/>
+                  <a:t>IMPORTANT!!! Limits change with i</a:t>
+                </a:r>
+              </a:p>
+            </p:txBody>
+          </p:sp>
+        </mc:Choice>
+      </mc:AlternateContent>
     </p:spTree>
   </p:cSld>
 </p:sld>
@@ -16194,6 +22030,94 @@
             </a:pPr>
             <a:r>
               <a:rPr/>
+              <a:t>An</a:t>
+            </a:r>
+            <a:r>
+              <a:rPr/>
+              <a:t> </a:t>
+            </a:r>
+            <a:r>
+              <a:rPr/>
+              <a:t>example</a:t>
+            </a:r>
+          </a:p>
+        </p:txBody>
+      </p:sp>
+      <p:sp>
+        <p:nvSpPr>
+          <p:cNvPr id="3" name="Content Placeholder 2"/>
+          <p:cNvSpPr>
+            <a:spLocks noGrp="1"/>
+          </p:cNvSpPr>
+          <p:nvPr>
+            <p:ph idx="1"/>
+          </p:nvPr>
+        </p:nvSpPr>
+        <p:spPr/>
+        <p:txBody>
+          <a:bodyPr/>
+          <a:lstStyle/>
+          <a:p>
+            <a:pPr lvl="0" indent="0">
+              <a:buNone/>
+            </a:pPr>
+            <a:r>
+              <a:rPr>
+                <a:latin typeface="Courier"/>
+              </a:rPr>
+              <a:t>##   group c_sections births
+## 1    1A        150    923
+## 2    1K         45    298
+## 3    1B         34    170
+## 4    1D         18    132
+## 5    3I         20    106
+## 6    3M         12    105</a:t>
+            </a:r>
+          </a:p>
+        </p:txBody>
+      </p:sp>
+    </p:spTree>
+  </p:cSld>
+</p:sld>
+</file>
+
+<file path=ppt/slides/slide25.xml><?xml version="1.0" encoding="utf-8"?>
+<p:sld xmlns:a="http://schemas.openxmlformats.org/drawingml/2006/main" xmlns:r="http://schemas.openxmlformats.org/officeDocument/2006/relationships" xmlns:p="http://schemas.openxmlformats.org/presentationml/2006/main">
+  <p:cSld>
+    <p:spTree>
+      <p:nvGrpSpPr>
+        <p:cNvPr id="1" name=""/>
+        <p:cNvGrpSpPr/>
+        <p:nvPr/>
+      </p:nvGrpSpPr>
+      <p:grpSpPr>
+        <a:xfrm>
+          <a:off x="0" y="0"/>
+          <a:ext cx="0" cy="0"/>
+          <a:chOff x="0" y="0"/>
+          <a:chExt cx="0" cy="0"/>
+        </a:xfrm>
+      </p:grpSpPr>
+      <p:sp>
+        <p:nvSpPr>
+          <p:cNvPr id="2" name="Title 1"/>
+          <p:cNvSpPr>
+            <a:spLocks noGrp="1"/>
+          </p:cNvSpPr>
+          <p:nvPr>
+            <p:ph type="title"/>
+          </p:nvPr>
+        </p:nvSpPr>
+        <p:spPr/>
+        <p:txBody>
+          <a:bodyPr/>
+          <a:lstStyle/>
+          <a:p>
+            <a:pPr lvl="0" marL="0" indent="0">
+              <a:buNone/>
+            </a:pPr>
+            <a:r>
+              <a:rPr/>
               <a:t>Preliminary</a:t>
             </a:r>
             <a:r>
@@ -16223,8 +22147,8 @@
         </p:blipFill>
         <p:spPr bwMode="auto">
           <a:xfrm>
-            <a:off x="1752600" y="1600200"/>
-            <a:ext cx="5651500" cy="4521200"/>
+            <a:off x="609600" y="1600200"/>
+            <a:ext cx="7912100" cy="4521200"/>
           </a:xfrm>
           <a:prstGeom prst="rect">
             <a:avLst/>
@@ -16242,7 +22166,7 @@
 </p:sld>
 </file>
 
-<file path=ppt/slides/slide25.xml><?xml version="1.0" encoding="utf-8"?>
+<file path=ppt/slides/slide26.xml><?xml version="1.0" encoding="utf-8"?>
 <p:sld xmlns:a="http://schemas.openxmlformats.org/drawingml/2006/main" xmlns:r="http://schemas.openxmlformats.org/officeDocument/2006/relationships" xmlns:p="http://schemas.openxmlformats.org/presentationml/2006/main">
   <p:cSld>
     <p:spTree>
@@ -16277,6 +22201,309 @@
             <a:pPr lvl="0" marL="0" indent="0">
               <a:buNone/>
             </a:pPr>
+          </a:p>
+        </p:txBody>
+      </p:sp>
+    </p:spTree>
+  </p:cSld>
+</p:sld>
+</file>
+
+<file path=ppt/slides/slide27.xml><?xml version="1.0" encoding="utf-8"?>
+<p:sld xmlns:a="http://schemas.openxmlformats.org/drawingml/2006/main" xmlns:r="http://schemas.openxmlformats.org/officeDocument/2006/relationships" xmlns:p="http://schemas.openxmlformats.org/presentationml/2006/main">
+  <p:cSld>
+    <p:spTree>
+      <p:nvGrpSpPr>
+        <p:cNvPr id="1" name=""/>
+        <p:cNvGrpSpPr/>
+        <p:nvPr/>
+      </p:nvGrpSpPr>
+      <p:grpSpPr>
+        <a:xfrm>
+          <a:off x="0" y="0"/>
+          <a:ext cx="0" cy="0"/>
+          <a:chOff x="0" y="0"/>
+          <a:chExt cx="0" cy="0"/>
+        </a:xfrm>
+      </p:grpSpPr>
+      <p:sp>
+        <p:nvSpPr>
+          <p:cNvPr id="2" name="Title 1"/>
+          <p:cNvSpPr>
+            <a:spLocks noGrp="1"/>
+          </p:cNvSpPr>
+          <p:nvPr>
+            <p:ph type="title"/>
+          </p:nvPr>
+        </p:nvSpPr>
+        <p:spPr/>
+        <p:txBody>
+          <a:bodyPr/>
+          <a:lstStyle/>
+          <a:p>
+            <a:pPr lvl="0" marL="0" indent="0">
+              <a:buNone/>
+            </a:pPr>
+            <a:r>
+              <a:rPr/>
+              <a:t>Calculate</a:t>
+            </a:r>
+            <a:r>
+              <a:rPr/>
+              <a:t> </a:t>
+            </a:r>
+            <a:r>
+              <a:rPr/>
+              <a:t>limits</a:t>
+            </a:r>
+          </a:p>
+        </p:txBody>
+      </p:sp>
+      <p:sp>
+        <p:nvSpPr>
+          <p:cNvPr id="3" name="Content Placeholder 2"/>
+          <p:cNvSpPr>
+            <a:spLocks noGrp="1"/>
+          </p:cNvSpPr>
+          <p:nvPr>
+            <p:ph idx="1"/>
+          </p:nvPr>
+        </p:nvSpPr>
+        <p:spPr/>
+        <p:txBody>
+          <a:bodyPr/>
+          <a:lstStyle/>
+          <a:p>
+            <a:pPr lvl="0" indent="0">
+              <a:buNone/>
+            </a:pPr>
+            <a:r>
+              <a:rPr>
+                <a:latin typeface="Courier"/>
+              </a:rPr>
+              <a:t>## [1] 3.127979</a:t>
+            </a:r>
+          </a:p>
+        </p:txBody>
+      </p:sp>
+    </p:spTree>
+  </p:cSld>
+</p:sld>
+</file>
+
+<file path=ppt/slides/slide28.xml><?xml version="1.0" encoding="utf-8"?>
+<p:sld xmlns:a="http://schemas.openxmlformats.org/drawingml/2006/main" xmlns:r="http://schemas.openxmlformats.org/officeDocument/2006/relationships" xmlns:p="http://schemas.openxmlformats.org/presentationml/2006/main">
+  <p:cSld>
+    <p:spTree>
+      <p:nvGrpSpPr>
+        <p:cNvPr id="1" name=""/>
+        <p:cNvGrpSpPr/>
+        <p:nvPr/>
+      </p:nvGrpSpPr>
+      <p:grpSpPr>
+        <a:xfrm>
+          <a:off x="0" y="0"/>
+          <a:ext cx="0" cy="0"/>
+          <a:chOff x="0" y="0"/>
+          <a:chExt cx="0" cy="0"/>
+        </a:xfrm>
+      </p:grpSpPr>
+      <p:sp>
+        <p:nvSpPr>
+          <p:cNvPr id="2" name="Title 1"/>
+          <p:cNvSpPr>
+            <a:spLocks noGrp="1"/>
+          </p:cNvSpPr>
+          <p:nvPr>
+            <p:ph type="title"/>
+          </p:nvPr>
+        </p:nvSpPr>
+        <p:spPr/>
+        <p:txBody>
+          <a:bodyPr/>
+          <a:lstStyle/>
+          <a:p>
+            <a:pPr lvl="0" marL="0" indent="0">
+              <a:buNone/>
+            </a:pPr>
+            <a:r>
+              <a:rPr/>
+              <a:t>Plot</a:t>
+            </a:r>
+            <a:r>
+              <a:rPr/>
+              <a:t> </a:t>
+            </a:r>
+            <a:r>
+              <a:rPr/>
+              <a:t>limits</a:t>
+            </a:r>
+          </a:p>
+        </p:txBody>
+      </p:sp>
+      <p:pic>
+        <p:nvPicPr>
+          <p:cNvPr descr="anom-talk_files/figure-pptx/p-graph-1.png" id="0" name="Picture 1"/>
+          <p:cNvPicPr>
+            <a:picLocks noGrp="1" noChangeAspect="1"/>
+          </p:cNvPicPr>
+          <p:nvPr/>
+        </p:nvPicPr>
+        <p:blipFill>
+          <a:blip r:embed="rId2"/>
+          <a:stretch>
+            <a:fillRect/>
+          </a:stretch>
+        </p:blipFill>
+        <p:spPr bwMode="auto">
+          <a:xfrm>
+            <a:off x="609600" y="1600200"/>
+            <a:ext cx="7912100" cy="4521200"/>
+          </a:xfrm>
+          <a:prstGeom prst="rect">
+            <a:avLst/>
+          </a:prstGeom>
+          <a:noFill/>
+          <a:ln w="9525">
+            <a:noFill/>
+            <a:headEnd/>
+            <a:tailEnd/>
+          </a:ln>
+        </p:spPr>
+      </p:pic>
+    </p:spTree>
+  </p:cSld>
+</p:sld>
+</file>
+
+<file path=ppt/slides/slide29.xml><?xml version="1.0" encoding="utf-8"?>
+<p:sld xmlns:a="http://schemas.openxmlformats.org/drawingml/2006/main" xmlns:r="http://schemas.openxmlformats.org/officeDocument/2006/relationships" xmlns:p="http://schemas.openxmlformats.org/presentationml/2006/main">
+  <p:cSld>
+    <p:spTree>
+      <p:nvGrpSpPr>
+        <p:cNvPr id="1" name=""/>
+        <p:cNvGrpSpPr/>
+        <p:nvPr/>
+      </p:nvGrpSpPr>
+      <p:grpSpPr>
+        <a:xfrm>
+          <a:off x="0" y="0"/>
+          <a:ext cx="0" cy="0"/>
+          <a:chOff x="0" y="0"/>
+          <a:chExt cx="0" cy="0"/>
+        </a:xfrm>
+      </p:grpSpPr>
+      <p:sp>
+        <p:nvSpPr>
+          <p:cNvPr id="2" name="Title 1"/>
+          <p:cNvSpPr>
+            <a:spLocks noGrp="1"/>
+          </p:cNvSpPr>
+          <p:nvPr>
+            <p:ph type="title"/>
+          </p:nvPr>
+        </p:nvSpPr>
+        <p:spPr/>
+        <p:txBody>
+          <a:bodyPr/>
+          <a:lstStyle/>
+          <a:p>
+            <a:pPr lvl="0" marL="0" indent="0">
+              <a:buNone/>
+            </a:pPr>
+            <a:r>
+              <a:rPr/>
+              <a:t>How</a:t>
+            </a:r>
+            <a:r>
+              <a:rPr/>
+              <a:t> </a:t>
+            </a:r>
+            <a:r>
+              <a:rPr/>
+              <a:t>to</a:t>
+            </a:r>
+            <a:r>
+              <a:rPr/>
+              <a:t> </a:t>
+            </a:r>
+            <a:r>
+              <a:rPr/>
+              <a:t>handle</a:t>
+            </a:r>
+            <a:r>
+              <a:rPr/>
+              <a:t> </a:t>
+            </a:r>
+            <a:r>
+              <a:rPr/>
+              <a:t>results</a:t>
+            </a:r>
+          </a:p>
+        </p:txBody>
+      </p:sp>
+      <p:sp>
+        <p:nvSpPr>
+          <p:cNvPr id="3" name="Content Placeholder 2"/>
+          <p:cNvSpPr>
+            <a:spLocks noGrp="1"/>
+          </p:cNvSpPr>
+          <p:nvPr>
+            <p:ph idx="1"/>
+          </p:nvPr>
+        </p:nvSpPr>
+        <p:spPr/>
+        <p:txBody>
+          <a:bodyPr/>
+          <a:lstStyle/>
+          <a:p>
+            <a:pPr lvl="1"/>
+            <a:r>
+              <a:rPr/>
+              <a:t>Negative result implies consistency</a:t>
+            </a:r>
+          </a:p>
+          <a:p>
+            <a:pPr lvl="2"/>
+            <a:r>
+              <a:rPr/>
+              <a:t>But is it consistently bad?</a:t>
+            </a:r>
+          </a:p>
+          <a:p>
+            <a:pPr lvl="2"/>
+            <a:r>
+              <a:rPr/>
+              <a:t>Work on global changes</a:t>
+            </a:r>
+          </a:p>
+          <a:p>
+            <a:pPr lvl="1"/>
+            <a:r>
+              <a:rPr/>
+              <a:t>Positive result implies inconsistency</a:t>
+            </a:r>
+          </a:p>
+          <a:p>
+            <a:pPr lvl="2"/>
+            <a:r>
+              <a:rPr/>
+              <a:t>“If you can’t be a good example, then you’ll just have to be a horrible warning”</a:t>
+            </a:r>
+          </a:p>
+          <a:p>
+            <a:pPr lvl="2"/>
+            <a:r>
+              <a:rPr/>
+              <a:t>Work on local changes</a:t>
+            </a:r>
+          </a:p>
+          <a:p>
+            <a:pPr lvl="1"/>
+            <a:r>
+              <a:rPr/>
+              <a:t>Similar advice on control charts</a:t>
+            </a:r>
           </a:p>
         </p:txBody>
       </p:sp>
@@ -16745,6 +22972,210 @@
 </p:sld>
 </file>
 
+<file path=ppt/slides/slide30.xml><?xml version="1.0" encoding="utf-8"?>
+<p:sld xmlns:a="http://schemas.openxmlformats.org/drawingml/2006/main" xmlns:r="http://schemas.openxmlformats.org/officeDocument/2006/relationships" xmlns:p="http://schemas.openxmlformats.org/presentationml/2006/main">
+  <p:cSld>
+    <p:spTree>
+      <p:nvGrpSpPr>
+        <p:cNvPr id="1" name=""/>
+        <p:cNvGrpSpPr/>
+        <p:nvPr/>
+      </p:nvGrpSpPr>
+      <p:grpSpPr>
+        <a:xfrm>
+          <a:off x="0" y="0"/>
+          <a:ext cx="0" cy="0"/>
+          <a:chOff x="0" y="0"/>
+          <a:chExt cx="0" cy="0"/>
+        </a:xfrm>
+      </p:grpSpPr>
+      <p:sp>
+        <p:nvSpPr>
+          <p:cNvPr id="2" name="Title 1"/>
+          <p:cNvSpPr>
+            <a:spLocks noGrp="1"/>
+          </p:cNvSpPr>
+          <p:nvPr>
+            <p:ph type="title"/>
+          </p:nvPr>
+        </p:nvSpPr>
+        <p:spPr/>
+        <p:txBody>
+          <a:bodyPr/>
+          <a:lstStyle/>
+          <a:p>
+            <a:pPr lvl="0" marL="0" indent="0">
+              <a:buNone/>
+            </a:pPr>
+            <a:r>
+              <a:rPr/>
+              <a:t>ANOM</a:t>
+            </a:r>
+            <a:r>
+              <a:rPr/>
+              <a:t> </a:t>
+            </a:r>
+            <a:r>
+              <a:rPr/>
+              <a:t>contraindications</a:t>
+            </a:r>
+          </a:p>
+        </p:txBody>
+      </p:sp>
+      <p:sp>
+        <p:nvSpPr>
+          <p:cNvPr id="3" name="Content Placeholder 2"/>
+          <p:cNvSpPr>
+            <a:spLocks noGrp="1"/>
+          </p:cNvSpPr>
+          <p:nvPr>
+            <p:ph idx="1"/>
+          </p:nvPr>
+        </p:nvSpPr>
+        <p:spPr/>
+        <p:txBody>
+          <a:bodyPr/>
+          <a:lstStyle/>
+          <a:p>
+            <a:pPr lvl="1"/>
+            <a:r>
+              <a:rPr/>
+              <a:t>Simplicity comes with a price</a:t>
+            </a:r>
+          </a:p>
+          <a:p>
+            <a:pPr lvl="1"/>
+            <a:r>
+              <a:rPr/>
+              <a:t>You should not use ANOM</a:t>
+            </a:r>
+          </a:p>
+          <a:p>
+            <a:pPr lvl="2"/>
+            <a:r>
+              <a:rPr/>
+              <a:t>when searching for the best group</a:t>
+            </a:r>
+          </a:p>
+          <a:p>
+            <a:pPr lvl="2"/>
+            <a:r>
+              <a:rPr/>
+              <a:t>when comparing to a control group</a:t>
+            </a:r>
+          </a:p>
+          <a:p>
+            <a:pPr lvl="2"/>
+            <a:r>
+              <a:rPr/>
+              <a:t>for a reward or punishment system</a:t>
+            </a:r>
+          </a:p>
+        </p:txBody>
+      </p:sp>
+    </p:spTree>
+  </p:cSld>
+</p:sld>
+</file>
+
+<file path=ppt/slides/slide31.xml><?xml version="1.0" encoding="utf-8"?>
+<p:sld xmlns:a="http://schemas.openxmlformats.org/drawingml/2006/main" xmlns:r="http://schemas.openxmlformats.org/officeDocument/2006/relationships" xmlns:p="http://schemas.openxmlformats.org/presentationml/2006/main">
+  <p:cSld>
+    <p:spTree>
+      <p:nvGrpSpPr>
+        <p:cNvPr id="1" name=""/>
+        <p:cNvGrpSpPr/>
+        <p:nvPr/>
+      </p:nvGrpSpPr>
+      <p:grpSpPr>
+        <a:xfrm>
+          <a:off x="0" y="0"/>
+          <a:ext cx="0" cy="0"/>
+          <a:chOff x="0" y="0"/>
+          <a:chExt cx="0" cy="0"/>
+        </a:xfrm>
+      </p:grpSpPr>
+      <p:sp>
+        <p:nvSpPr>
+          <p:cNvPr id="2" name="Title 1"/>
+          <p:cNvSpPr>
+            <a:spLocks noGrp="1"/>
+          </p:cNvSpPr>
+          <p:nvPr>
+            <p:ph type="title"/>
+          </p:nvPr>
+        </p:nvSpPr>
+        <p:spPr/>
+        <p:txBody>
+          <a:bodyPr/>
+          <a:lstStyle/>
+          <a:p>
+            <a:pPr lvl="0" marL="0" indent="0">
+              <a:buNone/>
+            </a:pPr>
+            <a:r>
+              <a:rPr/>
+              <a:t>Conclusions</a:t>
+            </a:r>
+          </a:p>
+        </p:txBody>
+      </p:sp>
+      <p:sp>
+        <p:nvSpPr>
+          <p:cNvPr id="3" name="Content Placeholder 2"/>
+          <p:cNvSpPr>
+            <a:spLocks noGrp="1"/>
+          </p:cNvSpPr>
+          <p:nvPr>
+            <p:ph idx="1"/>
+          </p:nvPr>
+        </p:nvSpPr>
+        <p:spPr/>
+        <p:txBody>
+          <a:bodyPr/>
+          <a:lstStyle/>
+          <a:p>
+            <a:pPr lvl="1"/>
+            <a:r>
+              <a:rPr/>
+              <a:t>ANOM compares each group mean to the overall mean</a:t>
+            </a:r>
+          </a:p>
+          <a:p>
+            <a:pPr lvl="1"/>
+            <a:r>
+              <a:rPr/>
+              <a:t>It can be applied for proportions or counts as well</a:t>
+            </a:r>
+          </a:p>
+          <a:p>
+            <a:pPr lvl="1"/>
+            <a:r>
+              <a:rPr/>
+              <a:t>It has a simple interpretation</a:t>
+            </a:r>
+          </a:p>
+          <a:p>
+            <a:pPr lvl="1"/>
+            <a:r>
+              <a:rPr/>
+              <a:t>It has a simple graphical display</a:t>
+            </a:r>
+          </a:p>
+          <a:p>
+            <a:pPr lvl="1"/>
+            <a:r>
+              <a:rPr/>
+              <a:t>Useful for some but not all research settings</a:t>
+            </a:r>
+          </a:p>
+        </p:txBody>
+      </p:sp>
+    </p:spTree>
+  </p:cSld>
+</p:sld>
+</file>
+
 <file path=ppt/slides/slide4.xml><?xml version="1.0" encoding="utf-8"?>
 <p:sld xmlns:a="http://schemas.openxmlformats.org/drawingml/2006/main" xmlns:r="http://schemas.openxmlformats.org/officeDocument/2006/relationships" xmlns:p="http://schemas.openxmlformats.org/presentationml/2006/main">
   <p:cSld>
@@ -17038,8 +23469,8 @@
         </p:blipFill>
         <p:spPr bwMode="auto">
           <a:xfrm>
-            <a:off x="1752600" y="1600200"/>
-            <a:ext cx="5651500" cy="4521200"/>
+            <a:off x="609600" y="1600200"/>
+            <a:ext cx="7912100" cy="4521200"/>
           </a:xfrm>
           <a:prstGeom prst="rect">
             <a:avLst/>
@@ -17529,8 +23960,8 @@
         </p:blipFill>
         <p:spPr bwMode="auto">
           <a:xfrm>
-            <a:off x="1752600" y="1600200"/>
-            <a:ext cx="5651500" cy="4521200"/>
+            <a:off x="609600" y="1600200"/>
+            <a:ext cx="7912100" cy="4521200"/>
           </a:xfrm>
           <a:prstGeom prst="rect">
             <a:avLst/>

--- a/anom/anom-talk.pptx
+++ b/anom/anom-talk.pptx
@@ -29542,7 +29542,7 @@
               <a:rPr>
                 <a:latin typeface="Courier"/>
               </a:rPr>
-              <a:t>## Position 1</a:t>
+              <a:t>Position 1</a:t>
             </a:r>
           </a:p>
           <a:p>
@@ -29553,11 +29553,11 @@
               <a:rPr>
                 <a:latin typeface="Courier"/>
               </a:rPr>
-              <a:t>## -0.02386 -0.02853
-## -0.03001 -0.00428
-## -0.03623 -0.04222
-## -0.00144 -0.06466
-## 0.00944 -0.00163</a:t>
+              <a:t>-0.02386 -0.02853
+-0.03001 -0.00428
+-0.03623 -0.04222
+-0.00144 -0.06466
+0.00944 -0.00163</a:t>
             </a:r>
           </a:p>
         </p:txBody>
@@ -29647,7 +29647,7 @@
               <a:rPr>
                 <a:latin typeface="Courier"/>
               </a:rPr>
-              <a:t>## Position 2</a:t>
+              <a:t>Position 2</a:t>
             </a:r>
           </a:p>
           <a:p>
@@ -29658,11 +29658,11 @@
               <a:rPr>
                 <a:latin typeface="Courier"/>
               </a:rPr>
-              <a:t>## -0.02014 -0.02725
-## 0.02268 -0.03323
-## 0.03661 0.04378
-## 0.05562 0.00977
-## 0.05641 0.01816</a:t>
+              <a:t>-0.02014 -0.02725
+0.02268 -0.03323
+0.03661 0.04378
+0.05562 0.00977
+0.05641 0.01816</a:t>
             </a:r>
           </a:p>
         </p:txBody>
@@ -29971,13 +29971,13 @@
               <a:rPr>
                 <a:latin typeface="Courier"/>
               </a:rPr>
-              <a:t>##   position    avg stdev
-## 1        1 -0.022 0.023
-## 2        2  0.016 0.033
-## 3        3  0.006 0.029
-## 4        4  0.065 0.021
-## 5        5  0.008 0.026
-## 6        6 -0.013 0.016</a:t>
+              <a:t>  position    avg stdev
+1        1 -0.022 0.023
+2        2  0.016 0.033
+3        3  0.006 0.029
+4        4  0.065 0.021
+5        5  0.008 0.026
+6        6 -0.013 0.016</a:t>
             </a:r>
           </a:p>
         </p:txBody>
@@ -30176,8 +30176,8 @@
               <a:rPr>
                 <a:latin typeface="Courier"/>
               </a:rPr>
-              <a:t>##    avg    sp
-## 1 0.01 0.025</a:t>
+              <a:t>   avg    sp
+1 0.01 0.025</a:t>
             </a:r>
           </a:p>
         </p:txBody>
@@ -31203,13 +31203,13 @@
               <a:rPr>
                 <a:latin typeface="Courier"/>
               </a:rPr>
-              <a:t>##   group c_sections births
-## 1    1A        150    923
-## 2    1K         45    298
-## 3    1B         34    170
-## 4    1D         18    132
-## 5    3I         20    106
-## 6    3M         12    105</a:t>
+              <a:t>  group c_sections births
+1    1A        150    923
+2    1K         45    298
+3    1B         34    170
+4    1D         18    132
+5    3I         20    106
+6    3M         12    105</a:t>
             </a:r>
           </a:p>
         </p:txBody>
@@ -31921,12 +31921,12 @@
               <a:rPr>
                 <a:latin typeface="Courier"/>
               </a:rPr>
-              <a:t>##   clinic cat_scans members
-## 1      1        50  26.838
-## 2      2        71  26.895
-## 3      3        41  26.142
-## 4      4        62  25.907
-## 5      5        89  26.565</a:t>
+              <a:t>  clinic cat_scans members
+1      1        50  26.838
+2      2        71  26.895
+3      3        41  26.142
+4      4        62  25.907
+5      5        89  26.565</a:t>
             </a:r>
           </a:p>
           <a:p>
@@ -33973,8 +33973,8 @@
               <a:rPr>
                 <a:latin typeface="Courier"/>
               </a:rPr>
-              <a:t>## png 
-##   2</a:t>
+              <a:t>png 
+  2 </a:t>
             </a:r>
           </a:p>
         </p:txBody>

--- a/anom/anom-talk.pptx
+++ b/anom/anom-talk.pptx
@@ -5,7 +5,7 @@
     <p:sldMasterId id="2147483648" r:id="rId1"/>
   </p:sldMasterIdLst>
   <p:notesMasterIdLst>
-    <p:NotesMasterId r:id="rId53"/>
+    <p:NotesMasterId r:id="rId55"/>
   </p:notesMasterIdLst>
   <p:sldIdLst>
     <p:sldId id="256" r:id="rId2"/>
@@ -59,6 +59,8 @@
     <p:sldId id="304" r:id="rId50"/>
     <p:sldId id="305" r:id="rId51"/>
     <p:sldId id="306" r:id="rId52"/>
+    <p:sldId id="307" r:id="rId53"/>
+    <p:sldId id="308" r:id="rId54"/>
   </p:sldIdLst>
   <p:sldSz cx="9144000" cy="6858000" type="screen4x3"/>
   <p:notesSz cx="6858000" cy="9144000"/>
@@ -677,7 +679,15 @@
             </a:r>
             <a:r>
               <a:rPr/>
-              <a:t>underappreciated</a:t>
+              <a:t>under</a:t>
+            </a:r>
+            <a:r>
+              <a:rPr/>
+              <a:t> </a:t>
+            </a:r>
+            <a:r>
+              <a:rPr/>
+              <a:t>appreciated</a:t>
             </a:r>
             <a:r>
               <a:rPr/>
@@ -1387,7 +1397,7 @@
           <a:p>
             <a:fld id="{18BDFEC3-8487-43E8-A154-7C12CBC1FFF2}" type="slidenum">
               <a:rPr lang="en-US"/>
-              <a:t>3</a:t>
+              <a:t>2</a:t>
             </a:fld>
             <a:endParaRPr lang="en-US"/>
           </a:p>
@@ -3307,7 +3317,7 @@
           <a:p>
             <a:fld id="{18BDFEC3-8487-43E8-A154-7C12CBC1FFF2}" type="slidenum">
               <a:rPr lang="en-US"/>
-              <a:t>12</a:t>
+              <a:t>11</a:t>
             </a:fld>
             <a:endParaRPr lang="en-US"/>
           </a:p>
@@ -3921,7 +3931,7 @@
           <a:p>
             <a:fld id="{18BDFEC3-8487-43E8-A154-7C12CBC1FFF2}" type="slidenum">
               <a:rPr lang="en-US"/>
-              <a:t>13</a:t>
+              <a:t>12</a:t>
             </a:fld>
             <a:endParaRPr lang="en-US"/>
           </a:p>
@@ -4441,7 +4451,7 @@
           <a:p>
             <a:fld id="{18BDFEC3-8487-43E8-A154-7C12CBC1FFF2}" type="slidenum">
               <a:rPr lang="en-US"/>
-              <a:t>14</a:t>
+              <a:t>13</a:t>
             </a:fld>
             <a:endParaRPr lang="en-US"/>
           </a:p>
@@ -4691,7 +4701,7 @@
           <a:p>
             <a:fld id="{18BDFEC3-8487-43E8-A154-7C12CBC1FFF2}" type="slidenum">
               <a:rPr lang="en-US"/>
-              <a:t>15</a:t>
+              <a:t>14</a:t>
             </a:fld>
             <a:endParaRPr lang="en-US"/>
           </a:p>
@@ -5251,7 +5261,7 @@
           <a:p>
             <a:fld id="{18BDFEC3-8487-43E8-A154-7C12CBC1FFF2}" type="slidenum">
               <a:rPr lang="en-US"/>
-              <a:t>16</a:t>
+              <a:t>15</a:t>
             </a:fld>
             <a:endParaRPr lang="en-US"/>
           </a:p>
@@ -5467,7 +5477,7 @@
           <a:p>
             <a:fld id="{18BDFEC3-8487-43E8-A154-7C12CBC1FFF2}" type="slidenum">
               <a:rPr lang="en-US"/>
-              <a:t>17</a:t>
+              <a:t>16</a:t>
             </a:fld>
             <a:endParaRPr lang="en-US"/>
           </a:p>
@@ -5709,7 +5719,7 @@
           <a:p>
             <a:fld id="{18BDFEC3-8487-43E8-A154-7C12CBC1FFF2}" type="slidenum">
               <a:rPr lang="en-US"/>
-              <a:t>19</a:t>
+              <a:t>18</a:t>
             </a:fld>
             <a:endParaRPr lang="en-US"/>
           </a:p>
@@ -5959,7 +5969,7 @@
           <a:p>
             <a:fld id="{18BDFEC3-8487-43E8-A154-7C12CBC1FFF2}" type="slidenum">
               <a:rPr lang="en-US"/>
-              <a:t>20</a:t>
+              <a:t>19</a:t>
             </a:fld>
             <a:endParaRPr lang="en-US"/>
           </a:p>
@@ -6399,7 +6409,7 @@
           <a:p>
             <a:fld id="{18BDFEC3-8487-43E8-A154-7C12CBC1FFF2}" type="slidenum">
               <a:rPr lang="en-US"/>
-              <a:t>21</a:t>
+              <a:t>20</a:t>
             </a:fld>
             <a:endParaRPr lang="en-US"/>
           </a:p>
@@ -6583,7 +6593,15 @@
             </a:r>
             <a:r>
               <a:rPr/>
-              <a:t>centerline</a:t>
+              <a:t>center</a:t>
+            </a:r>
+            <a:r>
+              <a:rPr/>
+              <a:t> </a:t>
+            </a:r>
+            <a:r>
+              <a:rPr/>
+              <a:t>line</a:t>
             </a:r>
           </a:p>
           <a:p>
@@ -7073,7 +7091,7 @@
           <a:p>
             <a:fld id="{18BDFEC3-8487-43E8-A154-7C12CBC1FFF2}" type="slidenum">
               <a:rPr lang="en-US"/>
-              <a:t>22</a:t>
+              <a:t>21</a:t>
             </a:fld>
             <a:endParaRPr lang="en-US"/>
           </a:p>
@@ -7457,7 +7475,7 @@
           <a:p>
             <a:fld id="{18BDFEC3-8487-43E8-A154-7C12CBC1FFF2}" type="slidenum">
               <a:rPr lang="en-US"/>
-              <a:t>4</a:t>
+              <a:t>3</a:t>
             </a:fld>
             <a:endParaRPr lang="en-US"/>
           </a:p>
@@ -7945,7 +7963,7 @@
           <a:p>
             <a:fld id="{18BDFEC3-8487-43E8-A154-7C12CBC1FFF2}" type="slidenum">
               <a:rPr lang="en-US"/>
-              <a:t>24</a:t>
+              <a:t>23</a:t>
             </a:fld>
             <a:endParaRPr lang="en-US"/>
           </a:p>
@@ -9607,7 +9625,7 @@
           <a:p>
             <a:fld id="{18BDFEC3-8487-43E8-A154-7C12CBC1FFF2}" type="slidenum">
               <a:rPr lang="en-US"/>
-              <a:t>25</a:t>
+              <a:t>24</a:t>
             </a:fld>
             <a:endParaRPr lang="en-US"/>
           </a:p>
@@ -9675,7 +9693,15 @@
             </a:r>
             <a:r>
               <a:rPr/>
-              <a:t>dataset</a:t>
+              <a:t>data</a:t>
+            </a:r>
+            <a:r>
+              <a:rPr/>
+              <a:t> </a:t>
+            </a:r>
+            <a:r>
+              <a:rPr/>
+              <a:t>set</a:t>
             </a:r>
             <a:r>
               <a:rPr/>
@@ -10421,7 +10447,7 @@
           <a:p>
             <a:fld id="{18BDFEC3-8487-43E8-A154-7C12CBC1FFF2}" type="slidenum">
               <a:rPr lang="en-US"/>
-              <a:t>28</a:t>
+              <a:t>27</a:t>
             </a:fld>
             <a:endParaRPr lang="en-US"/>
           </a:p>
@@ -10623,7 +10649,7 @@
           <a:p>
             <a:fld id="{18BDFEC3-8487-43E8-A154-7C12CBC1FFF2}" type="slidenum">
               <a:rPr lang="en-US"/>
-              <a:t>29</a:t>
+              <a:t>28</a:t>
             </a:fld>
             <a:endParaRPr lang="en-US"/>
           </a:p>
@@ -10865,7 +10891,7 @@
           <a:p>
             <a:fld id="{18BDFEC3-8487-43E8-A154-7C12CBC1FFF2}" type="slidenum">
               <a:rPr lang="en-US"/>
-              <a:t>30</a:t>
+              <a:t>29</a:t>
             </a:fld>
             <a:endParaRPr lang="en-US"/>
           </a:p>
@@ -11083,7 +11109,7 @@
           <a:p>
             <a:fld id="{18BDFEC3-8487-43E8-A154-7C12CBC1FFF2}" type="slidenum">
               <a:rPr lang="en-US"/>
-              <a:t>31</a:t>
+              <a:t>30</a:t>
             </a:fld>
             <a:endParaRPr lang="en-US"/>
           </a:p>
@@ -11301,7 +11327,7 @@
           <a:p>
             <a:fld id="{18BDFEC3-8487-43E8-A154-7C12CBC1FFF2}" type="slidenum">
               <a:rPr lang="en-US"/>
-              <a:t>32</a:t>
+              <a:t>31</a:t>
             </a:fld>
             <a:endParaRPr lang="en-US"/>
           </a:p>
@@ -11449,7 +11475,7 @@
             </a:r>
             <a:r>
               <a:rPr/>
-              <a:t>intuiton</a:t>
+              <a:t>intuition</a:t>
             </a:r>
             <a:r>
               <a:rPr/>
@@ -12293,7 +12319,7 @@
           <a:p>
             <a:fld id="{18BDFEC3-8487-43E8-A154-7C12CBC1FFF2}" type="slidenum">
               <a:rPr lang="en-US"/>
-              <a:t>33</a:t>
+              <a:t>32</a:t>
             </a:fld>
             <a:endParaRPr lang="en-US"/>
           </a:p>
@@ -13073,7 +13099,7 @@
           <a:p>
             <a:fld id="{18BDFEC3-8487-43E8-A154-7C12CBC1FFF2}" type="slidenum">
               <a:rPr lang="en-US"/>
-              <a:t>35</a:t>
+              <a:t>34</a:t>
             </a:fld>
             <a:endParaRPr lang="en-US"/>
           </a:p>
@@ -14651,7 +14677,7 @@
           <a:p>
             <a:fld id="{18BDFEC3-8487-43E8-A154-7C12CBC1FFF2}" type="slidenum">
               <a:rPr lang="en-US"/>
-              <a:t>36</a:t>
+              <a:t>35</a:t>
             </a:fld>
             <a:endParaRPr lang="en-US"/>
           </a:p>
@@ -14845,7 +14871,7 @@
           <a:p>
             <a:fld id="{18BDFEC3-8487-43E8-A154-7C12CBC1FFF2}" type="slidenum">
               <a:rPr lang="en-US"/>
-              <a:t>5</a:t>
+              <a:t>4</a:t>
             </a:fld>
             <a:endParaRPr lang="en-US"/>
           </a:p>
@@ -15079,7 +15105,7 @@
           <a:p>
             <a:fld id="{18BDFEC3-8487-43E8-A154-7C12CBC1FFF2}" type="slidenum">
               <a:rPr lang="en-US"/>
-              <a:t>37</a:t>
+              <a:t>36</a:t>
             </a:fld>
             <a:endParaRPr lang="en-US"/>
           </a:p>
@@ -15401,7 +15427,7 @@
           <a:p>
             <a:fld id="{18BDFEC3-8487-43E8-A154-7C12CBC1FFF2}" type="slidenum">
               <a:rPr lang="en-US"/>
-              <a:t>39</a:t>
+              <a:t>38</a:t>
             </a:fld>
             <a:endParaRPr lang="en-US"/>
           </a:p>
@@ -15875,7 +15901,7 @@
           <a:p>
             <a:fld id="{18BDFEC3-8487-43E8-A154-7C12CBC1FFF2}" type="slidenum">
               <a:rPr lang="en-US"/>
-              <a:t>40</a:t>
+              <a:t>39</a:t>
             </a:fld>
             <a:endParaRPr lang="en-US"/>
           </a:p>
@@ -16397,7 +16423,7 @@
           <a:p>
             <a:fld id="{18BDFEC3-8487-43E8-A154-7C12CBC1FFF2}" type="slidenum">
               <a:rPr lang="en-US"/>
-              <a:t>41</a:t>
+              <a:t>40</a:t>
             </a:fld>
             <a:endParaRPr lang="en-US"/>
           </a:p>
@@ -16743,7 +16769,7 @@
           <a:p>
             <a:fld id="{18BDFEC3-8487-43E8-A154-7C12CBC1FFF2}" type="slidenum">
               <a:rPr lang="en-US"/>
-              <a:t>42</a:t>
+              <a:t>41</a:t>
             </a:fld>
             <a:endParaRPr lang="en-US"/>
           </a:p>
@@ -17009,7 +17035,7 @@
           <a:p>
             <a:fld id="{18BDFEC3-8487-43E8-A154-7C12CBC1FFF2}" type="slidenum">
               <a:rPr lang="en-US"/>
-              <a:t>44</a:t>
+              <a:t>43</a:t>
             </a:fld>
             <a:endParaRPr lang="en-US"/>
           </a:p>
@@ -17713,7 +17739,7 @@
           <a:p>
             <a:fld id="{18BDFEC3-8487-43E8-A154-7C12CBC1FFF2}" type="slidenum">
               <a:rPr lang="en-US"/>
-              <a:t>45</a:t>
+              <a:t>44</a:t>
             </a:fld>
             <a:endParaRPr lang="en-US"/>
           </a:p>
@@ -18259,7 +18285,7 @@
           <a:p>
             <a:fld id="{18BDFEC3-8487-43E8-A154-7C12CBC1FFF2}" type="slidenum">
               <a:rPr lang="en-US"/>
-              <a:t>46</a:t>
+              <a:t>45</a:t>
             </a:fld>
             <a:endParaRPr lang="en-US"/>
           </a:p>
@@ -20677,7 +20703,7 @@
           <a:p>
             <a:fld id="{18BDFEC3-8487-43E8-A154-7C12CBC1FFF2}" type="slidenum">
               <a:rPr lang="en-US"/>
-              <a:t>48</a:t>
+              <a:t>47</a:t>
             </a:fld>
             <a:endParaRPr lang="en-US"/>
           </a:p>
@@ -22529,7 +22555,7 @@
           <a:p>
             <a:fld id="{18BDFEC3-8487-43E8-A154-7C12CBC1FFF2}" type="slidenum">
               <a:rPr lang="en-US"/>
-              <a:t>49</a:t>
+              <a:t>48</a:t>
             </a:fld>
             <a:endParaRPr lang="en-US"/>
           </a:p>
@@ -22787,7 +22813,7 @@
           <a:p>
             <a:fld id="{18BDFEC3-8487-43E8-A154-7C12CBC1FFF2}" type="slidenum">
               <a:rPr lang="en-US"/>
-              <a:t>6</a:t>
+              <a:t>5</a:t>
             </a:fld>
             <a:endParaRPr lang="en-US"/>
           </a:p>
@@ -25033,7 +25059,1803 @@
           <a:p>
             <a:fld id="{18BDFEC3-8487-43E8-A154-7C12CBC1FFF2}" type="slidenum">
               <a:rPr lang="en-US"/>
+              <a:t>49</a:t>
+            </a:fld>
+            <a:endParaRPr lang="en-US"/>
+          </a:p>
+        </p:txBody>
+      </p:sp>
+    </p:spTree>
+  </p:cSld>
+</p:notes>
+</file>
+
+<file path=ppt/notesSlides/notesSlide41.xml><?xml version="1.0" encoding="utf-8"?>
+<p:notes xmlns:a="http://schemas.openxmlformats.org/drawingml/2006/main" xmlns:r="http://schemas.openxmlformats.org/officeDocument/2006/relationships" xmlns:p="http://schemas.openxmlformats.org/presentationml/2006/main">
+  <p:cSld>
+    <p:spTree>
+      <p:nvGrpSpPr>
+        <p:cNvPr id="1" name=""/>
+        <p:cNvGrpSpPr/>
+        <p:nvPr/>
+      </p:nvGrpSpPr>
+      <p:grpSpPr>
+        <a:xfrm>
+          <a:off x="0" y="0"/>
+          <a:ext cx="0" cy="0"/>
+          <a:chOff x="0" y="0"/>
+          <a:chExt cx="0" cy="0"/>
+        </a:xfrm>
+      </p:grpSpPr>
+      <p:sp>
+        <p:nvSpPr>
+          <p:cNvPr id="2" name="Slide Image Placeholder 1"/>
+          <p:cNvSpPr>
+            <a:spLocks noGrp="1" noRot="1" noChangeAspect="1"/>
+          </p:cNvSpPr>
+          <p:nvPr>
+            <p:ph type="sldImg"/>
+          </p:nvPr>
+        </p:nvSpPr>
+        <p:spPr/>
+      </p:sp>
+      <p:sp>
+        <p:nvSpPr>
+          <p:cNvPr id="3" name="Notes Placeholder 2"/>
+          <p:cNvSpPr>
+            <a:spLocks noGrp="1"/>
+          </p:cNvSpPr>
+          <p:nvPr>
+            <p:ph type="body" idx="1"/>
+          </p:nvPr>
+        </p:nvSpPr>
+        <p:spPr/>
+        <p:txBody>
+          <a:bodyPr/>
+          <a:lstStyle/>
+          <a:p>
+            <a:pPr lvl="0" marL="0" indent="0">
+              <a:buNone/>
+            </a:pPr>
+            <a:r>
+              <a:rPr/>
+              <a:t>The</a:t>
+            </a:r>
+            <a:r>
+              <a:rPr/>
+              <a:t> </a:t>
+            </a:r>
+            <a:r>
+              <a:rPr/>
+              <a:t>book</a:t>
+            </a:r>
+          </a:p>
+          <a:p>
+            <a:pPr lvl="0" marL="0" indent="0">
+              <a:buNone/>
+            </a:pPr>
+          </a:p>
+          <a:p>
+            <a:pPr lvl="0" marL="0" indent="0">
+              <a:buNone/>
+            </a:pPr>
+            <a:r>
+              <a:rPr/>
+              <a:t>Peter</a:t>
+            </a:r>
+            <a:r>
+              <a:rPr/>
+              <a:t> </a:t>
+            </a:r>
+            <a:r>
+              <a:rPr/>
+              <a:t>R.</a:t>
+            </a:r>
+            <a:r>
+              <a:rPr/>
+              <a:t> </a:t>
+            </a:r>
+            <a:r>
+              <a:rPr/>
+              <a:t>Nelson,</a:t>
+            </a:r>
+            <a:r>
+              <a:rPr/>
+              <a:t> </a:t>
+            </a:r>
+            <a:r>
+              <a:rPr/>
+              <a:t>Peter</a:t>
+            </a:r>
+            <a:r>
+              <a:rPr/>
+              <a:t> </a:t>
+            </a:r>
+            <a:r>
+              <a:rPr/>
+              <a:t>S.</a:t>
+            </a:r>
+            <a:r>
+              <a:rPr/>
+              <a:t> </a:t>
+            </a:r>
+            <a:r>
+              <a:rPr/>
+              <a:t>Wludyka,</a:t>
+            </a:r>
+            <a:r>
+              <a:rPr/>
+              <a:t> </a:t>
+            </a:r>
+            <a:r>
+              <a:rPr/>
+              <a:t>Karen</a:t>
+            </a:r>
+            <a:r>
+              <a:rPr/>
+              <a:t> </a:t>
+            </a:r>
+            <a:r>
+              <a:rPr/>
+              <a:t>A.F.</a:t>
+            </a:r>
+            <a:r>
+              <a:rPr/>
+              <a:t> </a:t>
+            </a:r>
+            <a:r>
+              <a:rPr/>
+              <a:t>Copeland.</a:t>
+            </a:r>
+            <a:r>
+              <a:rPr/>
+              <a:t> </a:t>
+            </a:r>
+            <a:r>
+              <a:rPr/>
+              <a:t>The</a:t>
+            </a:r>
+            <a:r>
+              <a:rPr/>
+              <a:t> </a:t>
+            </a:r>
+            <a:r>
+              <a:rPr/>
+              <a:t>Analysis</a:t>
+            </a:r>
+            <a:r>
+              <a:rPr/>
+              <a:t> </a:t>
+            </a:r>
+            <a:r>
+              <a:rPr/>
+              <a:t>of</a:t>
+            </a:r>
+            <a:r>
+              <a:rPr/>
+              <a:t> </a:t>
+            </a:r>
+            <a:r>
+              <a:rPr/>
+              <a:t>Means.</a:t>
+            </a:r>
+            <a:r>
+              <a:rPr/>
+              <a:t> </a:t>
+            </a:r>
+            <a:r>
+              <a:rPr/>
+              <a:t>A</a:t>
+            </a:r>
+            <a:r>
+              <a:rPr/>
+              <a:t> </a:t>
+            </a:r>
+            <a:r>
+              <a:rPr/>
+              <a:t>Graphical</a:t>
+            </a:r>
+            <a:r>
+              <a:rPr/>
+              <a:t> </a:t>
+            </a:r>
+            <a:r>
+              <a:rPr/>
+              <a:t>Method</a:t>
+            </a:r>
+            <a:r>
+              <a:rPr/>
+              <a:t> </a:t>
+            </a:r>
+            <a:r>
+              <a:rPr/>
+              <a:t>for</a:t>
+            </a:r>
+            <a:r>
+              <a:rPr/>
+              <a:t> </a:t>
+            </a:r>
+            <a:r>
+              <a:rPr/>
+              <a:t>Comparing</a:t>
+            </a:r>
+            <a:r>
+              <a:rPr/>
+              <a:t> </a:t>
+            </a:r>
+            <a:r>
+              <a:rPr/>
+              <a:t>Means,</a:t>
+            </a:r>
+            <a:r>
+              <a:rPr/>
+              <a:t> </a:t>
+            </a:r>
+            <a:r>
+              <a:rPr/>
+              <a:t>Rates,</a:t>
+            </a:r>
+            <a:r>
+              <a:rPr/>
+              <a:t> </a:t>
+            </a:r>
+            <a:r>
+              <a:rPr/>
+              <a:t>and</a:t>
+            </a:r>
+            <a:r>
+              <a:rPr/>
+              <a:t> </a:t>
+            </a:r>
+            <a:r>
+              <a:rPr/>
+              <a:t>Proportions.</a:t>
+            </a:r>
+            <a:r>
+              <a:rPr/>
+              <a:t> </a:t>
+            </a:r>
+            <a:r>
+              <a:rPr/>
+              <a:t>ASA-Siam</a:t>
+            </a:r>
+            <a:r>
+              <a:rPr/>
+              <a:t> </a:t>
+            </a:r>
+            <a:r>
+              <a:rPr/>
+              <a:t>Series</a:t>
+            </a:r>
+            <a:r>
+              <a:rPr/>
+              <a:t> </a:t>
+            </a:r>
+            <a:r>
+              <a:rPr/>
+              <a:t>on</a:t>
+            </a:r>
+            <a:r>
+              <a:rPr/>
+              <a:t> </a:t>
+            </a:r>
+            <a:r>
+              <a:rPr/>
+              <a:t>Statistics</a:t>
+            </a:r>
+            <a:r>
+              <a:rPr/>
+              <a:t> </a:t>
+            </a:r>
+            <a:r>
+              <a:rPr/>
+              <a:t>and</a:t>
+            </a:r>
+            <a:r>
+              <a:rPr/>
+              <a:t> </a:t>
+            </a:r>
+            <a:r>
+              <a:rPr/>
+              <a:t>Applied</a:t>
+            </a:r>
+            <a:r>
+              <a:rPr/>
+              <a:t> </a:t>
+            </a:r>
+            <a:r>
+              <a:rPr/>
+              <a:t>Probability.</a:t>
+            </a:r>
+            <a:r>
+              <a:rPr/>
+              <a:t> </a:t>
+            </a:r>
+            <a:r>
+              <a:rPr/>
+              <a:t>Siam,</a:t>
+            </a:r>
+            <a:r>
+              <a:rPr/>
+              <a:t> </a:t>
+            </a:r>
+            <a:r>
+              <a:rPr/>
+              <a:t>Philadelphia</a:t>
+            </a:r>
+            <a:r>
+              <a:rPr/>
+              <a:t> </a:t>
+            </a:r>
+            <a:r>
+              <a:rPr/>
+              <a:t>PA,</a:t>
+            </a:r>
+            <a:r>
+              <a:rPr/>
+              <a:t> </a:t>
+            </a:r>
+            <a:r>
+              <a:rPr/>
+              <a:t>ASA,</a:t>
+            </a:r>
+            <a:r>
+              <a:rPr/>
+              <a:t> </a:t>
+            </a:r>
+            <a:r>
+              <a:rPr/>
+              <a:t>Alexandria</a:t>
+            </a:r>
+            <a:r>
+              <a:rPr/>
+              <a:t> </a:t>
+            </a:r>
+            <a:r>
+              <a:rPr/>
+              <a:t>VA,</a:t>
+            </a:r>
+            <a:r>
+              <a:rPr/>
+              <a:t> </a:t>
+            </a:r>
+            <a:r>
+              <a:rPr/>
+              <a:t>2005.</a:t>
+            </a:r>
+          </a:p>
+          <a:p>
+            <a:pPr lvl="0" marL="0" indent="0">
+              <a:buNone/>
+            </a:pPr>
+          </a:p>
+          <a:p>
+            <a:pPr lvl="0" marL="0" indent="0">
+              <a:buNone/>
+            </a:pPr>
+            <a:r>
+              <a:rPr/>
+              <a:t>has</a:t>
+            </a:r>
+            <a:r>
+              <a:rPr/>
+              <a:t> </a:t>
+            </a:r>
+            <a:r>
+              <a:rPr/>
+              <a:t>everything</a:t>
+            </a:r>
+            <a:r>
+              <a:rPr/>
+              <a:t> </a:t>
+            </a:r>
+            <a:r>
+              <a:rPr/>
+              <a:t>you</a:t>
+            </a:r>
+            <a:r>
+              <a:rPr/>
+              <a:t> </a:t>
+            </a:r>
+            <a:r>
+              <a:rPr/>
+              <a:t>need</a:t>
+            </a:r>
+            <a:r>
+              <a:rPr/>
+              <a:t> </a:t>
+            </a:r>
+            <a:r>
+              <a:rPr/>
+              <a:t>including</a:t>
+            </a:r>
+            <a:r>
+              <a:rPr/>
+              <a:t> </a:t>
+            </a:r>
+            <a:r>
+              <a:rPr/>
+              <a:t>most</a:t>
+            </a:r>
+            <a:r>
+              <a:rPr/>
+              <a:t> </a:t>
+            </a:r>
+            <a:r>
+              <a:rPr/>
+              <a:t>of</a:t>
+            </a:r>
+            <a:r>
+              <a:rPr/>
+              <a:t> </a:t>
+            </a:r>
+            <a:r>
+              <a:rPr/>
+              <a:t>the</a:t>
+            </a:r>
+            <a:r>
+              <a:rPr/>
+              <a:t> </a:t>
+            </a:r>
+            <a:r>
+              <a:rPr/>
+              <a:t>extensions</a:t>
+            </a:r>
+            <a:r>
+              <a:rPr/>
+              <a:t> </a:t>
+            </a:r>
+            <a:r>
+              <a:rPr/>
+              <a:t>discussed</a:t>
+            </a:r>
+            <a:r>
+              <a:rPr/>
+              <a:t> </a:t>
+            </a:r>
+            <a:r>
+              <a:rPr/>
+              <a:t>earlier.</a:t>
+            </a:r>
+          </a:p>
+        </p:txBody>
+      </p:sp>
+      <p:sp>
+        <p:nvSpPr>
+          <p:cNvPr id="4" name="Slide Number Placeholder 3"/>
+          <p:cNvSpPr>
+            <a:spLocks noGrp="1"/>
+          </p:cNvSpPr>
+          <p:nvPr>
+            <p:ph type="sldNum" sz="quarter" idx="10"/>
+          </p:nvPr>
+        </p:nvSpPr>
+        <p:spPr/>
+        <p:txBody>
+          <a:bodyPr/>
+          <a:lstStyle/>
+          <a:p>
+            <a:fld id="{18BDFEC3-8487-43E8-A154-7C12CBC1FFF2}" type="slidenum">
+              <a:rPr lang="en-US"/>
               <a:t>50</a:t>
+            </a:fld>
+            <a:endParaRPr lang="en-US"/>
+          </a:p>
+        </p:txBody>
+      </p:sp>
+    </p:spTree>
+  </p:cSld>
+</p:notes>
+</file>
+
+<file path=ppt/notesSlides/notesSlide42.xml><?xml version="1.0" encoding="utf-8"?>
+<p:notes xmlns:a="http://schemas.openxmlformats.org/drawingml/2006/main" xmlns:r="http://schemas.openxmlformats.org/officeDocument/2006/relationships" xmlns:p="http://schemas.openxmlformats.org/presentationml/2006/main">
+  <p:cSld>
+    <p:spTree>
+      <p:nvGrpSpPr>
+        <p:cNvPr id="1" name=""/>
+        <p:cNvGrpSpPr/>
+        <p:nvPr/>
+      </p:nvGrpSpPr>
+      <p:grpSpPr>
+        <a:xfrm>
+          <a:off x="0" y="0"/>
+          <a:ext cx="0" cy="0"/>
+          <a:chOff x="0" y="0"/>
+          <a:chExt cx="0" cy="0"/>
+        </a:xfrm>
+      </p:grpSpPr>
+      <p:sp>
+        <p:nvSpPr>
+          <p:cNvPr id="2" name="Slide Image Placeholder 1"/>
+          <p:cNvSpPr>
+            <a:spLocks noGrp="1" noRot="1" noChangeAspect="1"/>
+          </p:cNvSpPr>
+          <p:nvPr>
+            <p:ph type="sldImg"/>
+          </p:nvPr>
+        </p:nvSpPr>
+        <p:spPr/>
+      </p:sp>
+      <p:sp>
+        <p:nvSpPr>
+          <p:cNvPr id="3" name="Notes Placeholder 2"/>
+          <p:cNvSpPr>
+            <a:spLocks noGrp="1"/>
+          </p:cNvSpPr>
+          <p:nvPr>
+            <p:ph type="body" idx="1"/>
+          </p:nvPr>
+        </p:nvSpPr>
+        <p:spPr/>
+        <p:txBody>
+          <a:bodyPr/>
+          <a:lstStyle/>
+          <a:p>
+            <a:pPr lvl="0" marL="0" indent="0">
+              <a:buNone/>
+            </a:pPr>
+            <a:r>
+              <a:rPr/>
+              <a:t>SAS</a:t>
+            </a:r>
+            <a:r>
+              <a:rPr/>
+              <a:t> </a:t>
+            </a:r>
+            <a:r>
+              <a:rPr/>
+              <a:t>put</a:t>
+            </a:r>
+            <a:r>
+              <a:rPr/>
+              <a:t> </a:t>
+            </a:r>
+            <a:r>
+              <a:rPr/>
+              <a:t>all</a:t>
+            </a:r>
+            <a:r>
+              <a:rPr/>
+              <a:t> </a:t>
+            </a:r>
+            <a:r>
+              <a:rPr/>
+              <a:t>its</a:t>
+            </a:r>
+            <a:r>
+              <a:rPr/>
+              <a:t> </a:t>
+            </a:r>
+            <a:r>
+              <a:rPr/>
+              <a:t>documentation</a:t>
+            </a:r>
+            <a:r>
+              <a:rPr/>
+              <a:t> </a:t>
+            </a:r>
+            <a:r>
+              <a:rPr/>
+              <a:t>online</a:t>
+            </a:r>
+            <a:r>
+              <a:rPr/>
+              <a:t> </a:t>
+            </a:r>
+            <a:r>
+              <a:rPr/>
+              <a:t>a</a:t>
+            </a:r>
+            <a:r>
+              <a:rPr/>
+              <a:t> </a:t>
+            </a:r>
+            <a:r>
+              <a:rPr/>
+              <a:t>couple</a:t>
+            </a:r>
+            <a:r>
+              <a:rPr/>
+              <a:t> </a:t>
+            </a:r>
+            <a:r>
+              <a:rPr/>
+              <a:t>of</a:t>
+            </a:r>
+            <a:r>
+              <a:rPr/>
+              <a:t> </a:t>
+            </a:r>
+            <a:r>
+              <a:rPr/>
+              <a:t>decades</a:t>
+            </a:r>
+            <a:r>
+              <a:rPr/>
+              <a:t> </a:t>
+            </a:r>
+            <a:r>
+              <a:rPr/>
+              <a:t>ago,</a:t>
+            </a:r>
+            <a:r>
+              <a:rPr/>
+              <a:t> </a:t>
+            </a:r>
+            <a:r>
+              <a:rPr/>
+              <a:t>and</a:t>
+            </a:r>
+            <a:r>
+              <a:rPr/>
+              <a:t> </a:t>
+            </a:r>
+            <a:r>
+              <a:rPr/>
+              <a:t>it</a:t>
+            </a:r>
+            <a:r>
+              <a:rPr/>
+              <a:t> </a:t>
+            </a:r>
+            <a:r>
+              <a:rPr/>
+              <a:t>is</a:t>
+            </a:r>
+            <a:r>
+              <a:rPr/>
+              <a:t> </a:t>
+            </a:r>
+            <a:r>
+              <a:rPr/>
+              <a:t>a</a:t>
+            </a:r>
+            <a:r>
+              <a:rPr/>
+              <a:t> </a:t>
+            </a:r>
+            <a:r>
+              <a:rPr/>
+              <a:t>great</a:t>
+            </a:r>
+            <a:r>
+              <a:rPr/>
+              <a:t> </a:t>
+            </a:r>
+            <a:r>
+              <a:rPr/>
+              <a:t>resource,</a:t>
+            </a:r>
+            <a:r>
+              <a:rPr/>
+              <a:t> </a:t>
+            </a:r>
+            <a:r>
+              <a:rPr/>
+              <a:t>even</a:t>
+            </a:r>
+            <a:r>
+              <a:rPr/>
+              <a:t> </a:t>
+            </a:r>
+            <a:r>
+              <a:rPr/>
+              <a:t>if</a:t>
+            </a:r>
+            <a:r>
+              <a:rPr/>
+              <a:t> </a:t>
+            </a:r>
+            <a:r>
+              <a:rPr/>
+              <a:t>you</a:t>
+            </a:r>
+            <a:r>
+              <a:rPr/>
+              <a:t> </a:t>
+            </a:r>
+            <a:r>
+              <a:rPr/>
+              <a:t>don’t</a:t>
+            </a:r>
+            <a:r>
+              <a:rPr/>
+              <a:t> </a:t>
+            </a:r>
+            <a:r>
+              <a:rPr/>
+              <a:t>use</a:t>
+            </a:r>
+            <a:r>
+              <a:rPr/>
+              <a:t> </a:t>
+            </a:r>
+            <a:r>
+              <a:rPr/>
+              <a:t>SAS.</a:t>
+            </a:r>
+            <a:r>
+              <a:rPr/>
+              <a:t> </a:t>
+            </a:r>
+            <a:r>
+              <a:rPr/>
+              <a:t>This</a:t>
+            </a:r>
+            <a:r>
+              <a:rPr/>
+              <a:t> </a:t>
+            </a:r>
+            <a:r>
+              <a:rPr/>
+              <a:t>is</a:t>
+            </a:r>
+            <a:r>
+              <a:rPr/>
+              <a:t> </a:t>
+            </a:r>
+            <a:r>
+              <a:rPr/>
+              <a:t>the</a:t>
+            </a:r>
+            <a:r>
+              <a:rPr/>
+              <a:t> </a:t>
+            </a:r>
+            <a:r>
+              <a:rPr/>
+              <a:t>front</a:t>
+            </a:r>
+            <a:r>
+              <a:rPr/>
+              <a:t> </a:t>
+            </a:r>
+            <a:r>
+              <a:rPr/>
+              <a:t>“</a:t>
+            </a:r>
+            <a:r>
+              <a:rPr/>
+              <a:t>cover</a:t>
+            </a:r>
+            <a:r>
+              <a:rPr/>
+              <a:t>”</a:t>
+            </a:r>
+            <a:r>
+              <a:rPr/>
+              <a:t> </a:t>
+            </a:r>
+            <a:r>
+              <a:rPr/>
+              <a:t>of</a:t>
+            </a:r>
+            <a:r>
+              <a:rPr/>
+              <a:t> </a:t>
+            </a:r>
+            <a:r>
+              <a:rPr/>
+              <a:t>the</a:t>
+            </a:r>
+            <a:r>
+              <a:rPr/>
+              <a:t> </a:t>
+            </a:r>
+            <a:r>
+              <a:rPr/>
+              <a:t>documentation</a:t>
+            </a:r>
+            <a:r>
+              <a:rPr/>
+              <a:t> </a:t>
+            </a:r>
+            <a:r>
+              <a:rPr/>
+              <a:t>for</a:t>
+            </a:r>
+            <a:r>
+              <a:rPr/>
+              <a:t> </a:t>
+            </a:r>
+            <a:r>
+              <a:rPr/>
+              <a:t>PROC</a:t>
+            </a:r>
+            <a:r>
+              <a:rPr/>
+              <a:t> </a:t>
+            </a:r>
+            <a:r>
+              <a:rPr/>
+              <a:t>ANOM,</a:t>
+            </a:r>
+            <a:r>
+              <a:rPr/>
+              <a:t> </a:t>
+            </a:r>
+            <a:r>
+              <a:rPr/>
+              <a:t>and</a:t>
+            </a:r>
+            <a:r>
+              <a:rPr/>
+              <a:t> </a:t>
+            </a:r>
+            <a:r>
+              <a:rPr/>
+              <a:t>it</a:t>
+            </a:r>
+            <a:r>
+              <a:rPr/>
+              <a:t> </a:t>
+            </a:r>
+            <a:r>
+              <a:rPr/>
+              <a:t>is</a:t>
+            </a:r>
+            <a:r>
+              <a:rPr/>
+              <a:t> </a:t>
+            </a:r>
+            <a:r>
+              <a:rPr/>
+              <a:t>available</a:t>
+            </a:r>
+            <a:r>
+              <a:rPr/>
+              <a:t> </a:t>
+            </a:r>
+            <a:r>
+              <a:rPr/>
+              <a:t>at</a:t>
+            </a:r>
+          </a:p>
+          <a:p>
+            <a:pPr lvl="0" marL="0" indent="0">
+              <a:buNone/>
+            </a:pPr>
+          </a:p>
+          <a:p>
+            <a:pPr lvl="0" marL="0" indent="0">
+              <a:buNone/>
+            </a:pPr>
+            <a:r>
+              <a:rPr/>
+              <a:t>https://support.sas.com/documentation/onlinedoc/qc/142/anom.pdf</a:t>
+            </a:r>
+          </a:p>
+          <a:p>
+            <a:pPr lvl="0" marL="0" indent="0">
+              <a:buNone/>
+            </a:pPr>
+          </a:p>
+          <a:p>
+            <a:pPr lvl="0" marL="0" indent="0">
+              <a:buNone/>
+            </a:pPr>
+            <a:r>
+              <a:rPr/>
+              <a:t>My</a:t>
+            </a:r>
+            <a:r>
+              <a:rPr/>
+              <a:t> </a:t>
+            </a:r>
+            <a:r>
+              <a:rPr/>
+              <a:t>only</a:t>
+            </a:r>
+            <a:r>
+              <a:rPr/>
+              <a:t> </a:t>
+            </a:r>
+            <a:r>
+              <a:rPr/>
+              <a:t>complaint</a:t>
+            </a:r>
+            <a:r>
+              <a:rPr/>
+              <a:t> </a:t>
+            </a:r>
+            <a:r>
+              <a:rPr/>
+              <a:t>is</a:t>
+            </a:r>
+            <a:r>
+              <a:rPr/>
+              <a:t> </a:t>
+            </a:r>
+            <a:r>
+              <a:rPr/>
+              <a:t>that</a:t>
+            </a:r>
+            <a:r>
+              <a:rPr/>
+              <a:t> </a:t>
+            </a:r>
+            <a:r>
+              <a:rPr/>
+              <a:t>they</a:t>
+            </a:r>
+            <a:r>
+              <a:rPr/>
+              <a:t> </a:t>
+            </a:r>
+            <a:r>
+              <a:rPr/>
+              <a:t>did</a:t>
+            </a:r>
+            <a:r>
+              <a:rPr/>
+              <a:t> </a:t>
+            </a:r>
+            <a:r>
+              <a:rPr/>
+              <a:t>too</a:t>
+            </a:r>
+            <a:r>
+              <a:rPr/>
+              <a:t> </a:t>
+            </a:r>
+            <a:r>
+              <a:rPr/>
+              <a:t>much.</a:t>
+            </a:r>
+            <a:r>
+              <a:rPr/>
+              <a:t> </a:t>
+            </a:r>
+            <a:r>
+              <a:rPr/>
+              <a:t>The</a:t>
+            </a:r>
+            <a:r>
+              <a:rPr/>
+              <a:t> </a:t>
+            </a:r>
+            <a:r>
+              <a:rPr/>
+              <a:t>entire</a:t>
+            </a:r>
+            <a:r>
+              <a:rPr/>
+              <a:t> </a:t>
+            </a:r>
+            <a:r>
+              <a:rPr/>
+              <a:t>manual</a:t>
+            </a:r>
+            <a:r>
+              <a:rPr/>
+              <a:t> </a:t>
+            </a:r>
+            <a:r>
+              <a:rPr/>
+              <a:t>is</a:t>
+            </a:r>
+            <a:r>
+              <a:rPr/>
+              <a:t> </a:t>
+            </a:r>
+            <a:r>
+              <a:rPr/>
+              <a:t>160</a:t>
+            </a:r>
+            <a:r>
+              <a:rPr/>
+              <a:t> </a:t>
+            </a:r>
+            <a:r>
+              <a:rPr/>
+              <a:t>pages.</a:t>
+            </a:r>
+            <a:r>
+              <a:rPr/>
+              <a:t> </a:t>
+            </a:r>
+            <a:r>
+              <a:rPr/>
+              <a:t>About</a:t>
+            </a:r>
+            <a:r>
+              <a:rPr/>
+              <a:t> </a:t>
+            </a:r>
+            <a:r>
+              <a:rPr/>
+              <a:t>25%</a:t>
+            </a:r>
+            <a:r>
+              <a:rPr/>
+              <a:t> </a:t>
+            </a:r>
+            <a:r>
+              <a:rPr/>
+              <a:t>of</a:t>
+            </a:r>
+            <a:r>
+              <a:rPr/>
+              <a:t> </a:t>
+            </a:r>
+            <a:r>
+              <a:rPr/>
+              <a:t>the</a:t>
+            </a:r>
+            <a:r>
+              <a:rPr/>
+              <a:t> </a:t>
+            </a:r>
+            <a:r>
+              <a:rPr/>
+              <a:t>content</a:t>
+            </a:r>
+            <a:r>
+              <a:rPr/>
+              <a:t> </a:t>
+            </a:r>
+            <a:r>
+              <a:rPr/>
+              <a:t>is</a:t>
+            </a:r>
+            <a:r>
+              <a:rPr/>
+              <a:t> </a:t>
+            </a:r>
+            <a:r>
+              <a:rPr/>
+              <a:t>general</a:t>
+            </a:r>
+            <a:r>
+              <a:rPr/>
+              <a:t> </a:t>
+            </a:r>
+            <a:r>
+              <a:rPr/>
+              <a:t>tutorials</a:t>
+            </a:r>
+            <a:r>
+              <a:rPr/>
+              <a:t> </a:t>
+            </a:r>
+            <a:r>
+              <a:rPr/>
+              <a:t>on</a:t>
+            </a:r>
+            <a:r>
+              <a:rPr/>
+              <a:t> </a:t>
+            </a:r>
+            <a:r>
+              <a:rPr/>
+              <a:t>the</a:t>
+            </a:r>
+            <a:r>
+              <a:rPr/>
+              <a:t> </a:t>
+            </a:r>
+            <a:r>
+              <a:rPr/>
+              <a:t>methodology</a:t>
+            </a:r>
+            <a:r>
+              <a:rPr/>
+              <a:t> </a:t>
+            </a:r>
+            <a:r>
+              <a:rPr/>
+              <a:t>itself</a:t>
+            </a:r>
+            <a:r>
+              <a:rPr/>
+              <a:t> </a:t>
+            </a:r>
+            <a:r>
+              <a:rPr/>
+              <a:t>and</a:t>
+            </a:r>
+            <a:r>
+              <a:rPr/>
+              <a:t> </a:t>
+            </a:r>
+            <a:r>
+              <a:rPr/>
+              <a:t>not</a:t>
+            </a:r>
+            <a:r>
+              <a:rPr/>
+              <a:t> </a:t>
+            </a:r>
+            <a:r>
+              <a:rPr/>
+              <a:t>SAS</a:t>
+            </a:r>
+            <a:r>
+              <a:rPr/>
+              <a:t> </a:t>
+            </a:r>
+            <a:r>
+              <a:rPr/>
+              <a:t>specific.</a:t>
+            </a:r>
+          </a:p>
+        </p:txBody>
+      </p:sp>
+      <p:sp>
+        <p:nvSpPr>
+          <p:cNvPr id="4" name="Slide Number Placeholder 3"/>
+          <p:cNvSpPr>
+            <a:spLocks noGrp="1"/>
+          </p:cNvSpPr>
+          <p:nvPr>
+            <p:ph type="sldNum" sz="quarter" idx="10"/>
+          </p:nvPr>
+        </p:nvSpPr>
+        <p:spPr/>
+        <p:txBody>
+          <a:bodyPr/>
+          <a:lstStyle/>
+          <a:p>
+            <a:fld id="{18BDFEC3-8487-43E8-A154-7C12CBC1FFF2}" type="slidenum">
+              <a:rPr lang="en-US"/>
+              <a:t>51</a:t>
+            </a:fld>
+            <a:endParaRPr lang="en-US"/>
+          </a:p>
+        </p:txBody>
+      </p:sp>
+    </p:spTree>
+  </p:cSld>
+</p:notes>
+</file>
+
+<file path=ppt/notesSlides/notesSlide43.xml><?xml version="1.0" encoding="utf-8"?>
+<p:notes xmlns:a="http://schemas.openxmlformats.org/drawingml/2006/main" xmlns:r="http://schemas.openxmlformats.org/officeDocument/2006/relationships" xmlns:p="http://schemas.openxmlformats.org/presentationml/2006/main">
+  <p:cSld>
+    <p:spTree>
+      <p:nvGrpSpPr>
+        <p:cNvPr id="1" name=""/>
+        <p:cNvGrpSpPr/>
+        <p:nvPr/>
+      </p:nvGrpSpPr>
+      <p:grpSpPr>
+        <a:xfrm>
+          <a:off x="0" y="0"/>
+          <a:ext cx="0" cy="0"/>
+          <a:chOff x="0" y="0"/>
+          <a:chExt cx="0" cy="0"/>
+        </a:xfrm>
+      </p:grpSpPr>
+      <p:sp>
+        <p:nvSpPr>
+          <p:cNvPr id="2" name="Slide Image Placeholder 1"/>
+          <p:cNvSpPr>
+            <a:spLocks noGrp="1" noRot="1" noChangeAspect="1"/>
+          </p:cNvSpPr>
+          <p:nvPr>
+            <p:ph type="sldImg"/>
+          </p:nvPr>
+        </p:nvSpPr>
+        <p:spPr/>
+      </p:sp>
+      <p:sp>
+        <p:nvSpPr>
+          <p:cNvPr id="3" name="Notes Placeholder 2"/>
+          <p:cNvSpPr>
+            <a:spLocks noGrp="1"/>
+          </p:cNvSpPr>
+          <p:nvPr>
+            <p:ph type="body" idx="1"/>
+          </p:nvPr>
+        </p:nvSpPr>
+        <p:spPr/>
+        <p:txBody>
+          <a:bodyPr/>
+          <a:lstStyle/>
+          <a:p>
+            <a:pPr lvl="0" marL="0" indent="0">
+              <a:buNone/>
+            </a:pPr>
+            <a:r>
+              <a:rPr/>
+              <a:t>The</a:t>
+            </a:r>
+            <a:r>
+              <a:rPr/>
+              <a:t> </a:t>
+            </a:r>
+            <a:r>
+              <a:rPr/>
+              <a:t>quality</a:t>
+            </a:r>
+            <a:r>
+              <a:rPr/>
+              <a:t> </a:t>
+            </a:r>
+            <a:r>
+              <a:rPr/>
+              <a:t>of</a:t>
+            </a:r>
+            <a:r>
+              <a:rPr/>
+              <a:t> </a:t>
+            </a:r>
+            <a:r>
+              <a:rPr/>
+              <a:t>documentation</a:t>
+            </a:r>
+            <a:r>
+              <a:rPr/>
+              <a:t> </a:t>
+            </a:r>
+            <a:r>
+              <a:rPr/>
+              <a:t>in</a:t>
+            </a:r>
+            <a:r>
+              <a:rPr/>
+              <a:t> </a:t>
+            </a:r>
+            <a:r>
+              <a:rPr/>
+              <a:t>R</a:t>
+            </a:r>
+            <a:r>
+              <a:rPr/>
+              <a:t> </a:t>
+            </a:r>
+            <a:r>
+              <a:rPr/>
+              <a:t>is</a:t>
+            </a:r>
+            <a:r>
+              <a:rPr/>
+              <a:t> </a:t>
+            </a:r>
+            <a:r>
+              <a:rPr/>
+              <a:t>uneven,</a:t>
+            </a:r>
+            <a:r>
+              <a:rPr/>
+              <a:t> </a:t>
+            </a:r>
+            <a:r>
+              <a:rPr/>
+              <a:t>but</a:t>
+            </a:r>
+            <a:r>
+              <a:rPr/>
+              <a:t> </a:t>
+            </a:r>
+            <a:r>
+              <a:rPr/>
+              <a:t>any</a:t>
+            </a:r>
+            <a:r>
+              <a:rPr/>
+              <a:t> </a:t>
+            </a:r>
+            <a:r>
+              <a:rPr/>
+              <a:t>package</a:t>
+            </a:r>
+            <a:r>
+              <a:rPr/>
+              <a:t> </a:t>
+            </a:r>
+            <a:r>
+              <a:rPr/>
+              <a:t>that</a:t>
+            </a:r>
+            <a:r>
+              <a:rPr/>
+              <a:t> </a:t>
+            </a:r>
+            <a:r>
+              <a:rPr/>
+              <a:t>comes</a:t>
+            </a:r>
+            <a:r>
+              <a:rPr/>
+              <a:t> </a:t>
+            </a:r>
+            <a:r>
+              <a:rPr/>
+              <a:t>with</a:t>
+            </a:r>
+            <a:r>
+              <a:rPr/>
+              <a:t> </a:t>
+            </a:r>
+            <a:r>
+              <a:rPr/>
+              <a:t>a</a:t>
+            </a:r>
+            <a:r>
+              <a:rPr/>
+              <a:t> </a:t>
+            </a:r>
+            <a:r>
+              <a:rPr/>
+              <a:t>vignette</a:t>
+            </a:r>
+            <a:r>
+              <a:rPr/>
+              <a:t> </a:t>
+            </a:r>
+            <a:r>
+              <a:rPr/>
+              <a:t>is</a:t>
+            </a:r>
+            <a:r>
+              <a:rPr/>
+              <a:t> </a:t>
+            </a:r>
+            <a:r>
+              <a:rPr/>
+              <a:t>almost</a:t>
+            </a:r>
+            <a:r>
+              <a:rPr/>
+              <a:t> </a:t>
+            </a:r>
+            <a:r>
+              <a:rPr/>
+              <a:t>always</a:t>
+            </a:r>
+            <a:r>
+              <a:rPr/>
+              <a:t> </a:t>
+            </a:r>
+            <a:r>
+              <a:rPr/>
+              <a:t>well</a:t>
+            </a:r>
+            <a:r>
+              <a:rPr/>
+              <a:t> </a:t>
+            </a:r>
+            <a:r>
+              <a:rPr/>
+              <a:t>documented.</a:t>
+            </a:r>
+            <a:r>
+              <a:rPr/>
+              <a:t> </a:t>
+            </a:r>
+            <a:r>
+              <a:rPr/>
+              <a:t>A</a:t>
+            </a:r>
+            <a:r>
+              <a:rPr/>
+              <a:t> </a:t>
+            </a:r>
+            <a:r>
+              <a:rPr/>
+              <a:t>vignette</a:t>
+            </a:r>
+            <a:r>
+              <a:rPr/>
+              <a:t> </a:t>
+            </a:r>
+            <a:r>
+              <a:rPr/>
+              <a:t>is</a:t>
+            </a:r>
+            <a:r>
+              <a:rPr/>
+              <a:t> </a:t>
+            </a:r>
+            <a:r>
+              <a:rPr/>
+              <a:t>a</a:t>
+            </a:r>
+            <a:r>
+              <a:rPr/>
+              <a:t> </a:t>
+            </a:r>
+            <a:r>
+              <a:rPr/>
+              <a:t>document</a:t>
+            </a:r>
+            <a:r>
+              <a:rPr/>
+              <a:t> </a:t>
+            </a:r>
+            <a:r>
+              <a:rPr/>
+              <a:t>showing</a:t>
+            </a:r>
+            <a:r>
+              <a:rPr/>
+              <a:t> </a:t>
+            </a:r>
+            <a:r>
+              <a:rPr/>
+              <a:t>a</a:t>
+            </a:r>
+            <a:r>
+              <a:rPr/>
+              <a:t> </a:t>
+            </a:r>
+            <a:r>
+              <a:rPr/>
+              <a:t>few</a:t>
+            </a:r>
+            <a:r>
+              <a:rPr/>
+              <a:t> </a:t>
+            </a:r>
+            <a:r>
+              <a:rPr/>
+              <a:t>simple</a:t>
+            </a:r>
+            <a:r>
+              <a:rPr/>
+              <a:t> </a:t>
+            </a:r>
+            <a:r>
+              <a:rPr/>
+              <a:t>examples</a:t>
+            </a:r>
+            <a:r>
+              <a:rPr/>
+              <a:t> </a:t>
+            </a:r>
+            <a:r>
+              <a:rPr/>
+              <a:t>of</a:t>
+            </a:r>
+            <a:r>
+              <a:rPr/>
+              <a:t> </a:t>
+            </a:r>
+            <a:r>
+              <a:rPr/>
+              <a:t>how</a:t>
+            </a:r>
+            <a:r>
+              <a:rPr/>
+              <a:t> </a:t>
+            </a:r>
+            <a:r>
+              <a:rPr/>
+              <a:t>to</a:t>
+            </a:r>
+            <a:r>
+              <a:rPr/>
+              <a:t> </a:t>
+            </a:r>
+            <a:r>
+              <a:rPr/>
+              <a:t>use</a:t>
+            </a:r>
+            <a:r>
+              <a:rPr/>
+              <a:t> </a:t>
+            </a:r>
+            <a:r>
+              <a:rPr/>
+              <a:t>an</a:t>
+            </a:r>
+            <a:r>
+              <a:rPr/>
+              <a:t> </a:t>
+            </a:r>
+            <a:r>
+              <a:rPr/>
+              <a:t>R</a:t>
+            </a:r>
+            <a:r>
+              <a:rPr/>
+              <a:t> </a:t>
+            </a:r>
+            <a:r>
+              <a:rPr/>
+              <a:t>package</a:t>
+            </a:r>
+            <a:r>
+              <a:rPr/>
+              <a:t> </a:t>
+            </a:r>
+            <a:r>
+              <a:rPr/>
+              <a:t>and</a:t>
+            </a:r>
+            <a:r>
+              <a:rPr/>
+              <a:t> </a:t>
+            </a:r>
+            <a:r>
+              <a:rPr/>
+              <a:t>interpret</a:t>
+            </a:r>
+            <a:r>
+              <a:rPr/>
+              <a:t> </a:t>
+            </a:r>
+            <a:r>
+              <a:rPr/>
+              <a:t>the</a:t>
+            </a:r>
+            <a:r>
+              <a:rPr/>
+              <a:t> </a:t>
+            </a:r>
+            <a:r>
+              <a:rPr/>
+              <a:t>output.</a:t>
+            </a:r>
+            <a:r>
+              <a:rPr/>
+              <a:t> </a:t>
+            </a:r>
+            <a:r>
+              <a:rPr/>
+              <a:t>The</a:t>
+            </a:r>
+            <a:r>
+              <a:rPr/>
+              <a:t> </a:t>
+            </a:r>
+            <a:r>
+              <a:rPr/>
+              <a:t>vignette</a:t>
+            </a:r>
+            <a:r>
+              <a:rPr/>
+              <a:t> </a:t>
+            </a:r>
+            <a:r>
+              <a:rPr/>
+              <a:t>for</a:t>
+            </a:r>
+            <a:r>
+              <a:rPr/>
+              <a:t> </a:t>
+            </a:r>
+            <a:r>
+              <a:rPr/>
+              <a:t>the</a:t>
+            </a:r>
+            <a:r>
+              <a:rPr/>
+              <a:t> </a:t>
+            </a:r>
+            <a:r>
+              <a:rPr/>
+              <a:t>R</a:t>
+            </a:r>
+            <a:r>
+              <a:rPr/>
+              <a:t> </a:t>
+            </a:r>
+            <a:r>
+              <a:rPr/>
+              <a:t>package</a:t>
+            </a:r>
+            <a:r>
+              <a:rPr/>
+              <a:t> </a:t>
+            </a:r>
+            <a:r>
+              <a:rPr/>
+              <a:t>ANOM</a:t>
+            </a:r>
+            <a:r>
+              <a:rPr/>
+              <a:t> </a:t>
+            </a:r>
+            <a:r>
+              <a:rPr/>
+              <a:t>actually</a:t>
+            </a:r>
+            <a:r>
+              <a:rPr/>
+              <a:t> </a:t>
+            </a:r>
+            <a:r>
+              <a:rPr/>
+              <a:t>starts</a:t>
+            </a:r>
+            <a:r>
+              <a:rPr/>
+              <a:t> </a:t>
+            </a:r>
+            <a:r>
+              <a:rPr/>
+              <a:t>with</a:t>
+            </a:r>
+            <a:r>
+              <a:rPr/>
+              <a:t> </a:t>
+            </a:r>
+            <a:r>
+              <a:rPr/>
+              <a:t>some</a:t>
+            </a:r>
+            <a:r>
+              <a:rPr/>
+              <a:t> </a:t>
+            </a:r>
+            <a:r>
+              <a:rPr/>
+              <a:t>advanced</a:t>
+            </a:r>
+            <a:r>
+              <a:rPr/>
+              <a:t> </a:t>
+            </a:r>
+            <a:r>
+              <a:rPr/>
+              <a:t>examples,</a:t>
+            </a:r>
+            <a:r>
+              <a:rPr/>
+              <a:t> </a:t>
+            </a:r>
+            <a:r>
+              <a:rPr/>
+              <a:t>but</a:t>
+            </a:r>
+            <a:r>
+              <a:rPr/>
+              <a:t> </a:t>
+            </a:r>
+            <a:r>
+              <a:rPr/>
+              <a:t>you</a:t>
+            </a:r>
+            <a:r>
+              <a:rPr/>
+              <a:t> </a:t>
+            </a:r>
+            <a:r>
+              <a:rPr/>
+              <a:t>will</a:t>
+            </a:r>
+            <a:r>
+              <a:rPr/>
+              <a:t> </a:t>
+            </a:r>
+            <a:r>
+              <a:rPr/>
+              <a:t>find</a:t>
+            </a:r>
+            <a:r>
+              <a:rPr/>
+              <a:t> </a:t>
+            </a:r>
+            <a:r>
+              <a:rPr/>
+              <a:t>references</a:t>
+            </a:r>
+            <a:r>
+              <a:rPr/>
+              <a:t> </a:t>
+            </a:r>
+            <a:r>
+              <a:rPr/>
+              <a:t>in</a:t>
+            </a:r>
+            <a:r>
+              <a:rPr/>
+              <a:t> </a:t>
+            </a:r>
+            <a:r>
+              <a:rPr/>
+              <a:t>this</a:t>
+            </a:r>
+            <a:r>
+              <a:rPr/>
+              <a:t> </a:t>
+            </a:r>
+            <a:r>
+              <a:rPr/>
+              <a:t>vignette</a:t>
+            </a:r>
+            <a:r>
+              <a:rPr/>
+              <a:t> </a:t>
+            </a:r>
+            <a:r>
+              <a:rPr/>
+              <a:t>by</a:t>
+            </a:r>
+            <a:r>
+              <a:rPr/>
+              <a:t> </a:t>
+            </a:r>
+            <a:r>
+              <a:rPr/>
+              <a:t>the</a:t>
+            </a:r>
+            <a:r>
+              <a:rPr/>
+              <a:t> </a:t>
+            </a:r>
+            <a:r>
+              <a:rPr/>
+              <a:t>same</a:t>
+            </a:r>
+            <a:r>
+              <a:rPr/>
+              <a:t> </a:t>
+            </a:r>
+            <a:r>
+              <a:rPr/>
+              <a:t>author</a:t>
+            </a:r>
+            <a:r>
+              <a:rPr/>
+              <a:t> </a:t>
+            </a:r>
+            <a:r>
+              <a:rPr/>
+              <a:t>covering</a:t>
+            </a:r>
+            <a:r>
+              <a:rPr/>
+              <a:t> </a:t>
+            </a:r>
+            <a:r>
+              <a:rPr/>
+              <a:t>more</a:t>
+            </a:r>
+            <a:r>
+              <a:rPr/>
+              <a:t> </a:t>
+            </a:r>
+            <a:r>
+              <a:rPr/>
+              <a:t>basic</a:t>
+            </a:r>
+            <a:r>
+              <a:rPr/>
+              <a:t> </a:t>
+            </a:r>
+            <a:r>
+              <a:rPr/>
+              <a:t>examples.</a:t>
+            </a:r>
+          </a:p>
+          <a:p>
+            <a:pPr lvl="0" marL="0" indent="0">
+              <a:buNone/>
+            </a:pPr>
+          </a:p>
+          <a:p>
+            <a:pPr lvl="0" marL="0" indent="0">
+              <a:buNone/>
+            </a:pPr>
+            <a:r>
+              <a:rPr/>
+              <a:t>https://cran.r-project.org/web/packages/ANOM/vignettes/ANOM.pdf</a:t>
+            </a:r>
+          </a:p>
+        </p:txBody>
+      </p:sp>
+      <p:sp>
+        <p:nvSpPr>
+          <p:cNvPr id="4" name="Slide Number Placeholder 3"/>
+          <p:cNvSpPr>
+            <a:spLocks noGrp="1"/>
+          </p:cNvSpPr>
+          <p:nvPr>
+            <p:ph type="sldNum" sz="quarter" idx="10"/>
+          </p:nvPr>
+        </p:nvSpPr>
+        <p:spPr/>
+        <p:txBody>
+          <a:bodyPr/>
+          <a:lstStyle/>
+          <a:p>
+            <a:fld id="{18BDFEC3-8487-43E8-A154-7C12CBC1FFF2}" type="slidenum">
+              <a:rPr lang="en-US"/>
+              <a:t>52</a:t>
             </a:fld>
             <a:endParaRPr lang="en-US"/>
           </a:p>
@@ -25551,7 +27373,7 @@
             </a:r>
             <a:r>
               <a:rPr/>
-              <a:t>(arbirarily</a:t>
+              <a:t>(arbitrarily</a:t>
             </a:r>
             <a:r>
               <a:rPr/>
@@ -26147,7 +27969,7 @@
           <a:p>
             <a:fld id="{18BDFEC3-8487-43E8-A154-7C12CBC1FFF2}" type="slidenum">
               <a:rPr lang="en-US"/>
-              <a:t>7</a:t>
+              <a:t>6</a:t>
             </a:fld>
             <a:endParaRPr lang="en-US"/>
           </a:p>
@@ -26829,7 +28651,7 @@
           <a:p>
             <a:fld id="{18BDFEC3-8487-43E8-A154-7C12CBC1FFF2}" type="slidenum">
               <a:rPr lang="en-US"/>
-              <a:t>8</a:t>
+              <a:t>7</a:t>
             </a:fld>
             <a:endParaRPr lang="en-US"/>
           </a:p>
@@ -27945,7 +29767,7 @@
           <a:p>
             <a:fld id="{18BDFEC3-8487-43E8-A154-7C12CBC1FFF2}" type="slidenum">
               <a:rPr lang="en-US"/>
-              <a:t>9</a:t>
+              <a:t>8</a:t>
             </a:fld>
             <a:endParaRPr lang="en-US"/>
           </a:p>
@@ -28505,7 +30327,7 @@
           <a:p>
             <a:fld id="{18BDFEC3-8487-43E8-A154-7C12CBC1FFF2}" type="slidenum">
               <a:rPr lang="en-US"/>
-              <a:t>10</a:t>
+              <a:t>9</a:t>
             </a:fld>
             <a:endParaRPr lang="en-US"/>
           </a:p>
@@ -29035,7 +30857,7 @@
           <a:p>
             <a:fld id="{18BDFEC3-8487-43E8-A154-7C12CBC1FFF2}" type="slidenum">
               <a:rPr lang="en-US"/>
-              <a:t>11</a:t>
+              <a:t>10</a:t>
             </a:fld>
             <a:endParaRPr lang="en-US"/>
           </a:p>
@@ -32219,322 +34041,6 @@
             </a:pPr>
             <a:r>
               <a:rPr/>
-              <a:t>Analysis</a:t>
-            </a:r>
-            <a:r>
-              <a:rPr/>
-              <a:t> </a:t>
-            </a:r>
-            <a:r>
-              <a:rPr/>
-              <a:t>of</a:t>
-            </a:r>
-            <a:r>
-              <a:rPr/>
-              <a:t> </a:t>
-            </a:r>
-            <a:r>
-              <a:rPr/>
-              <a:t>Variance</a:t>
-            </a:r>
-            <a:r>
-              <a:rPr/>
-              <a:t> </a:t>
-            </a:r>
-            <a:r>
-              <a:rPr/>
-              <a:t>hypotheses</a:t>
-            </a:r>
-          </a:p>
-        </p:txBody>
-      </p:sp>
-      <mc:AlternateContent xmlns:mc="http://schemas.openxmlformats.org/markup-compatibility/2006">
-        <mc:Choice xmlns:a14="http://schemas.microsoft.com/office/drawing/2010/main" Requires="a14">
-          <p:sp>
-            <p:nvSpPr>
-              <p:cNvPr id="3" name="Content Placeholder 2"/>
-              <p:cNvSpPr>
-                <a:spLocks noGrp="1"/>
-              </p:cNvSpPr>
-              <p:nvPr>
-                <p:ph idx="1"/>
-              </p:nvPr>
-            </p:nvSpPr>
-            <p:spPr/>
-            <p:txBody>
-              <a:bodyPr/>
-              <a:lstStyle/>
-              <a:p>
-                <a:pPr lvl="1"/>
-                <a14:m>
-                  <m:oMathPara xmlns:m="http://schemas.openxmlformats.org/officeDocument/2006/math">
-                    <m:oMathParaPr>
-                      <m:jc m:val="center"/>
-                    </m:oMathParaPr>
-                    <m:oMath>
-                      <m:sSub>
-                        <m:e>
-                          <m:r>
-                            <m:t>H</m:t>
-                          </m:r>
-                        </m:e>
-                        <m:sub>
-                          <m:r>
-                            <m:t>0</m:t>
-                          </m:r>
-                        </m:sub>
-                      </m:sSub>
-                      <m:r>
-                        <m:rPr>
-                          <m:sty m:val="p"/>
-                        </m:rPr>
-                        <m:t>:</m:t>
-                      </m:r>
-                      <m:sSub>
-                        <m:e>
-                          <m:r>
-                            <m:t>μ</m:t>
-                          </m:r>
-                        </m:e>
-                        <m:sub>
-                          <m:r>
-                            <m:t>i</m:t>
-                          </m:r>
-                        </m:sub>
-                      </m:sSub>
-                      <m:r>
-                        <m:rPr>
-                          <m:sty m:val="p"/>
-                        </m:rPr>
-                        <m:t>=</m:t>
-                      </m:r>
-                      <m:sSub>
-                        <m:e>
-                          <m:r>
-                            <m:t>μ</m:t>
-                          </m:r>
-                        </m:e>
-                        <m:sub>
-                          <m:r>
-                            <m:t>j</m:t>
-                          </m:r>
-                        </m:sub>
-                      </m:sSub>
-                      <m:r>
-                        <m:t> </m:t>
-                      </m:r>
-                      <m:r>
-                        <m:t>f</m:t>
-                      </m:r>
-                      <m:r>
-                        <m:t>o</m:t>
-                      </m:r>
-                      <m:r>
-                        <m:t>r</m:t>
-                      </m:r>
-                      <m:r>
-                        <m:t> </m:t>
-                      </m:r>
-                      <m:r>
-                        <m:t>a</m:t>
-                      </m:r>
-                      <m:r>
-                        <m:t>l</m:t>
-                      </m:r>
-                      <m:r>
-                        <m:t>l</m:t>
-                      </m:r>
-                      <m:r>
-                        <m:t> </m:t>
-                      </m:r>
-                      <m:r>
-                        <m:t>i</m:t>
-                      </m:r>
-                      <m:r>
-                        <m:rPr>
-                          <m:sty m:val="p"/>
-                        </m:rPr>
-                        <m:t>,</m:t>
-                      </m:r>
-                      <m:r>
-                        <m:t>j</m:t>
-                      </m:r>
-                    </m:oMath>
-                  </m:oMathPara>
-                </a14:m>
-              </a:p>
-              <a:p>
-                <a:pPr lvl="1"/>
-                <a14:m>
-                  <m:oMathPara xmlns:m="http://schemas.openxmlformats.org/officeDocument/2006/math">
-                    <m:oMathParaPr>
-                      <m:jc m:val="center"/>
-                    </m:oMathParaPr>
-                    <m:oMath>
-                      <m:sSub>
-                        <m:e>
-                          <m:r>
-                            <m:t>H</m:t>
-                          </m:r>
-                        </m:e>
-                        <m:sub>
-                          <m:r>
-                            <m:t>1</m:t>
-                          </m:r>
-                        </m:sub>
-                      </m:sSub>
-                      <m:r>
-                        <m:rPr>
-                          <m:sty m:val="p"/>
-                        </m:rPr>
-                        <m:t>:</m:t>
-                      </m:r>
-                      <m:sSub>
-                        <m:e>
-                          <m:r>
-                            <m:t>μ</m:t>
-                          </m:r>
-                        </m:e>
-                        <m:sub>
-                          <m:r>
-                            <m:t>i</m:t>
-                          </m:r>
-                        </m:sub>
-                      </m:sSub>
-                      <m:r>
-                        <m:rPr>
-                          <m:sty m:val="p"/>
-                        </m:rPr>
-                        <m:t>≠</m:t>
-                      </m:r>
-                      <m:sSub>
-                        <m:e>
-                          <m:r>
-                            <m:t>μ</m:t>
-                          </m:r>
-                        </m:e>
-                        <m:sub>
-                          <m:r>
-                            <m:t>j</m:t>
-                          </m:r>
-                        </m:sub>
-                      </m:sSub>
-                      <m:r>
-                        <m:t> </m:t>
-                      </m:r>
-                      <m:r>
-                        <m:t>f</m:t>
-                      </m:r>
-                      <m:r>
-                        <m:t>o</m:t>
-                      </m:r>
-                      <m:r>
-                        <m:t>r</m:t>
-                      </m:r>
-                      <m:r>
-                        <m:t> </m:t>
-                      </m:r>
-                      <m:r>
-                        <m:t>a</m:t>
-                      </m:r>
-                      <m:r>
-                        <m:t>t</m:t>
-                      </m:r>
-                      <m:r>
-                        <m:t> </m:t>
-                      </m:r>
-                      <m:r>
-                        <m:t>l</m:t>
-                      </m:r>
-                      <m:r>
-                        <m:t>e</m:t>
-                      </m:r>
-                      <m:r>
-                        <m:t>a</m:t>
-                      </m:r>
-                      <m:r>
-                        <m:t>s</m:t>
-                      </m:r>
-                      <m:r>
-                        <m:t>t</m:t>
-                      </m:r>
-                      <m:r>
-                        <m:t> </m:t>
-                      </m:r>
-                      <m:r>
-                        <m:t>o</m:t>
-                      </m:r>
-                      <m:r>
-                        <m:t>n</m:t>
-                      </m:r>
-                      <m:r>
-                        <m:t>e</m:t>
-                      </m:r>
-                      <m:r>
-                        <m:t> </m:t>
-                      </m:r>
-                      <m:r>
-                        <m:t>i</m:t>
-                      </m:r>
-                      <m:r>
-                        <m:rPr>
-                          <m:sty m:val="p"/>
-                        </m:rPr>
-                        <m:t>,</m:t>
-                      </m:r>
-                      <m:r>
-                        <m:t>j</m:t>
-                      </m:r>
-                    </m:oMath>
-                  </m:oMathPara>
-                </a14:m>
-              </a:p>
-            </p:txBody>
-          </p:sp>
-        </mc:Choice>
-      </mc:AlternateContent>
-    </p:spTree>
-  </p:cSld>
-</p:sld>
-</file>
-
-<file path=ppt/slides/slide11.xml><?xml version="1.0" encoding="utf-8"?>
-<p:sld xmlns:a="http://schemas.openxmlformats.org/drawingml/2006/main" xmlns:r="http://schemas.openxmlformats.org/officeDocument/2006/relationships" xmlns:p="http://schemas.openxmlformats.org/presentationml/2006/main">
-  <p:cSld>
-    <p:spTree>
-      <p:nvGrpSpPr>
-        <p:cNvPr id="1" name=""/>
-        <p:cNvGrpSpPr/>
-        <p:nvPr/>
-      </p:nvGrpSpPr>
-      <p:grpSpPr>
-        <a:xfrm>
-          <a:off x="0" y="0"/>
-          <a:ext cx="0" cy="0"/>
-          <a:chOff x="0" y="0"/>
-          <a:chExt cx="0" cy="0"/>
-        </a:xfrm>
-      </p:grpSpPr>
-      <p:sp>
-        <p:nvSpPr>
-          <p:cNvPr id="2" name="Title 1"/>
-          <p:cNvSpPr>
-            <a:spLocks noGrp="1"/>
-          </p:cNvSpPr>
-          <p:nvPr>
-            <p:ph type="title"/>
-          </p:nvPr>
-        </p:nvSpPr>
-        <p:spPr/>
-        <p:txBody>
-          <a:bodyPr/>
-          <a:lstStyle/>
-          <a:p>
-            <a:pPr lvl="0" marL="0" indent="0">
-              <a:buNone/>
-            </a:pPr>
-            <a:r>
-              <a:rPr/>
               <a:t>Strength</a:t>
             </a:r>
             <a:r>
@@ -32653,7 +34159,7 @@
 </p:sld>
 </file>
 
-<file path=ppt/slides/slide12.xml><?xml version="1.0" encoding="utf-8"?>
+<file path=ppt/slides/slide11.xml><?xml version="1.0" encoding="utf-8"?>
 <p:sld xmlns:a="http://schemas.openxmlformats.org/drawingml/2006/main" xmlns:r="http://schemas.openxmlformats.org/officeDocument/2006/relationships" xmlns:p="http://schemas.openxmlformats.org/presentationml/2006/main">
   <p:cSld>
     <p:spTree>
@@ -32840,7 +34346,7 @@
 </p:sld>
 </file>
 
-<file path=ppt/slides/slide13.xml><?xml version="1.0" encoding="utf-8"?>
+<file path=ppt/slides/slide12.xml><?xml version="1.0" encoding="utf-8"?>
 <p:sld xmlns:a="http://schemas.openxmlformats.org/drawingml/2006/main" xmlns:r="http://schemas.openxmlformats.org/officeDocument/2006/relationships" xmlns:p="http://schemas.openxmlformats.org/presentationml/2006/main">
   <p:cSld>
     <p:spTree>
@@ -33091,6 +34597,118 @@
 </p:sld>
 </file>
 
+<file path=ppt/slides/slide13.xml><?xml version="1.0" encoding="utf-8"?>
+<p:sld xmlns:a="http://schemas.openxmlformats.org/drawingml/2006/main" xmlns:r="http://schemas.openxmlformats.org/officeDocument/2006/relationships" xmlns:p="http://schemas.openxmlformats.org/presentationml/2006/main">
+  <p:cSld>
+    <p:spTree>
+      <p:nvGrpSpPr>
+        <p:cNvPr id="1" name=""/>
+        <p:cNvGrpSpPr/>
+        <p:nvPr/>
+      </p:nvGrpSpPr>
+      <p:grpSpPr>
+        <a:xfrm>
+          <a:off x="0" y="0"/>
+          <a:ext cx="0" cy="0"/>
+          <a:chOff x="0" y="0"/>
+          <a:chExt cx="0" cy="0"/>
+        </a:xfrm>
+      </p:grpSpPr>
+      <p:sp>
+        <p:nvSpPr>
+          <p:cNvPr id="2" name="Title 1"/>
+          <p:cNvSpPr>
+            <a:spLocks noGrp="1"/>
+          </p:cNvSpPr>
+          <p:nvPr>
+            <p:ph type="title"/>
+          </p:nvPr>
+        </p:nvSpPr>
+        <p:spPr/>
+        <p:txBody>
+          <a:bodyPr/>
+          <a:lstStyle/>
+          <a:p>
+            <a:pPr lvl="0" marL="0" indent="0">
+              <a:buNone/>
+            </a:pPr>
+            <a:r>
+              <a:rPr/>
+              <a:t>Piston</a:t>
+            </a:r>
+            <a:r>
+              <a:rPr/>
+              <a:t> </a:t>
+            </a:r>
+            <a:r>
+              <a:rPr/>
+              <a:t>ring,</a:t>
+            </a:r>
+            <a:r>
+              <a:rPr/>
+              <a:t> </a:t>
+            </a:r>
+            <a:r>
+              <a:rPr/>
+              <a:t>descriptive</a:t>
+            </a:r>
+            <a:r>
+              <a:rPr/>
+              <a:t> </a:t>
+            </a:r>
+            <a:r>
+              <a:rPr/>
+              <a:t>statistics</a:t>
+            </a:r>
+            <a:r>
+              <a:rPr/>
+              <a:t> </a:t>
+            </a:r>
+            <a:r>
+              <a:rPr/>
+              <a:t>(1/2)</a:t>
+            </a:r>
+          </a:p>
+        </p:txBody>
+      </p:sp>
+      <p:sp>
+        <p:nvSpPr>
+          <p:cNvPr id="3" name="Content Placeholder 2"/>
+          <p:cNvSpPr>
+            <a:spLocks noGrp="1"/>
+          </p:cNvSpPr>
+          <p:nvPr>
+            <p:ph idx="1"/>
+          </p:nvPr>
+        </p:nvSpPr>
+        <p:spPr/>
+        <p:txBody>
+          <a:bodyPr/>
+          <a:lstStyle/>
+          <a:p>
+            <a:pPr lvl="0" indent="0">
+              <a:buNone/>
+            </a:pPr>
+            <a:r>
+              <a:rPr>
+                <a:latin typeface="Courier"/>
+              </a:rPr>
+              <a:t>  Mean_diameter Stdev_diameter
+1        74.010          0.015
+2        74.001          0.008
+3        74.008          0.015
+4        74.003          0.009
+5        74.003          0.012
+6        73.996          0.009</a:t>
+            </a:r>
+          </a:p>
+        </p:txBody>
+      </p:sp>
+    </p:spTree>
+  </p:cSld>
+</p:sld>
+</file>
+
 <file path=ppt/slides/slide14.xml><?xml version="1.0" encoding="utf-8"?>
 <p:sld xmlns:a="http://schemas.openxmlformats.org/drawingml/2006/main" xmlns:r="http://schemas.openxmlformats.org/officeDocument/2006/relationships" xmlns:p="http://schemas.openxmlformats.org/presentationml/2006/main">
   <p:cSld>
@@ -33160,7 +34778,7 @@
             </a:r>
             <a:r>
               <a:rPr/>
-              <a:t>(1/2)</a:t>
+              <a:t>(2/2)</a:t>
             </a:r>
           </a:p>
         </p:txBody>
@@ -33187,13 +34805,13 @@
               <a:rPr>
                 <a:latin typeface="Courier"/>
               </a:rPr>
-              <a:t>  Mean_diameter Stdev_diameter
-1        74.010          0.015
-2        74.001          0.008
-3        74.008          0.015
-4        74.003          0.009
-5        74.003          0.012
-6        73.996          0.009</a:t>
+              <a:t>   Mean_diameter Stdev_diameter
+35        74.013          0.012
+36        74.004          0.013
+37        74.017          0.007
+38        74.020          0.011
+39        74.023          0.009
+40        74.013          0.012</a:t>
             </a:r>
           </a:p>
         </p:txBody>
@@ -33240,39 +34858,31 @@
             </a:pPr>
             <a:r>
               <a:rPr/>
-              <a:t>Piston</a:t>
-            </a:r>
-            <a:r>
-              <a:rPr/>
-              <a:t> </a:t>
-            </a:r>
-            <a:r>
-              <a:rPr/>
-              <a:t>ring,</a:t>
-            </a:r>
-            <a:r>
-              <a:rPr/>
-              <a:t> </a:t>
-            </a:r>
-            <a:r>
-              <a:rPr/>
-              <a:t>descriptive</a:t>
-            </a:r>
-            <a:r>
-              <a:rPr/>
-              <a:t> </a:t>
-            </a:r>
-            <a:r>
-              <a:rPr/>
-              <a:t>statistics</a:t>
-            </a:r>
-            <a:r>
-              <a:rPr/>
-              <a:t> </a:t>
-            </a:r>
-            <a:r>
-              <a:rPr/>
-              <a:t>(2/2)</a:t>
+              <a:t>Control</a:t>
+            </a:r>
+            <a:r>
+              <a:rPr/>
+              <a:t> </a:t>
+            </a:r>
+            <a:r>
+              <a:rPr/>
+              <a:t>chart</a:t>
+            </a:r>
+            <a:r>
+              <a:rPr/>
+              <a:t> </a:t>
+            </a:r>
+            <a:r>
+              <a:rPr/>
+              <a:t>rules</a:t>
+            </a:r>
+            <a:r>
+              <a:rPr/>
+              <a:t> </a:t>
+            </a:r>
+            <a:r>
+              <a:rPr/>
+              <a:t>(1/2)</a:t>
             </a:r>
           </a:p>
         </p:txBody>
@@ -33292,20 +34902,52 @@
           <a:bodyPr/>
           <a:lstStyle/>
           <a:p>
-            <a:pPr lvl="0" indent="0">
-              <a:buNone/>
-            </a:pPr>
-            <a:r>
-              <a:rPr>
-                <a:latin typeface="Courier"/>
-              </a:rPr>
-              <a:t>   Mean_diameter Stdev_diameter
-35        74.013          0.012
-36        74.004          0.013
-37        74.017          0.007
-38        74.020          0.011
-39        74.023          0.009
-40        74.013          0.012</a:t>
+            <a:pPr lvl="1"/>
+            <a:r>
+              <a:rPr/>
+              <a:t>Plot the data in time sequence</a:t>
+            </a:r>
+          </a:p>
+          <a:p>
+            <a:pPr lvl="1"/>
+            <a:r>
+              <a:rPr/>
+              <a:t>Add control limits at 3 SIGMA</a:t>
+            </a:r>
+          </a:p>
+          <a:p>
+            <a:pPr lvl="1"/>
+            <a:r>
+              <a:rPr/>
+              <a:t>Out of control if:</a:t>
+            </a:r>
+          </a:p>
+          <a:p>
+            <a:pPr lvl="2"/>
+            <a:r>
+              <a:rPr/>
+              <a:t>One point outside of 3 SIGMA limits</a:t>
+            </a:r>
+          </a:p>
+          <a:p>
+            <a:pPr lvl="2"/>
+            <a:r>
+              <a:rPr/>
+              <a:t>Two out out three points outside of 2 SIGMA limits</a:t>
+            </a:r>
+          </a:p>
+          <a:p>
+            <a:pPr lvl="2"/>
+            <a:r>
+              <a:rPr/>
+              <a:t>Four out out five points outside of 1 SIGMA limits</a:t>
+            </a:r>
+          </a:p>
+          <a:p>
+            <a:pPr lvl="2"/>
+            <a:r>
+              <a:rPr/>
+              <a:t>Eight points on same side of center line</a:t>
             </a:r>
           </a:p>
         </p:txBody>
@@ -33316,142 +34958,6 @@
 </file>
 
 <file path=ppt/slides/slide16.xml><?xml version="1.0" encoding="utf-8"?>
-<p:sld xmlns:a="http://schemas.openxmlformats.org/drawingml/2006/main" xmlns:r="http://schemas.openxmlformats.org/officeDocument/2006/relationships" xmlns:p="http://schemas.openxmlformats.org/presentationml/2006/main">
-  <p:cSld>
-    <p:spTree>
-      <p:nvGrpSpPr>
-        <p:cNvPr id="1" name=""/>
-        <p:cNvGrpSpPr/>
-        <p:nvPr/>
-      </p:nvGrpSpPr>
-      <p:grpSpPr>
-        <a:xfrm>
-          <a:off x="0" y="0"/>
-          <a:ext cx="0" cy="0"/>
-          <a:chOff x="0" y="0"/>
-          <a:chExt cx="0" cy="0"/>
-        </a:xfrm>
-      </p:grpSpPr>
-      <p:sp>
-        <p:nvSpPr>
-          <p:cNvPr id="2" name="Title 1"/>
-          <p:cNvSpPr>
-            <a:spLocks noGrp="1"/>
-          </p:cNvSpPr>
-          <p:nvPr>
-            <p:ph type="title"/>
-          </p:nvPr>
-        </p:nvSpPr>
-        <p:spPr/>
-        <p:txBody>
-          <a:bodyPr/>
-          <a:lstStyle/>
-          <a:p>
-            <a:pPr lvl="0" marL="0" indent="0">
-              <a:buNone/>
-            </a:pPr>
-            <a:r>
-              <a:rPr/>
-              <a:t>Control</a:t>
-            </a:r>
-            <a:r>
-              <a:rPr/>
-              <a:t> </a:t>
-            </a:r>
-            <a:r>
-              <a:rPr/>
-              <a:t>chart</a:t>
-            </a:r>
-            <a:r>
-              <a:rPr/>
-              <a:t> </a:t>
-            </a:r>
-            <a:r>
-              <a:rPr/>
-              <a:t>rules</a:t>
-            </a:r>
-            <a:r>
-              <a:rPr/>
-              <a:t> </a:t>
-            </a:r>
-            <a:r>
-              <a:rPr/>
-              <a:t>(1/2)</a:t>
-            </a:r>
-          </a:p>
-        </p:txBody>
-      </p:sp>
-      <p:sp>
-        <p:nvSpPr>
-          <p:cNvPr id="3" name="Content Placeholder 2"/>
-          <p:cNvSpPr>
-            <a:spLocks noGrp="1"/>
-          </p:cNvSpPr>
-          <p:nvPr>
-            <p:ph idx="1"/>
-          </p:nvPr>
-        </p:nvSpPr>
-        <p:spPr/>
-        <p:txBody>
-          <a:bodyPr/>
-          <a:lstStyle/>
-          <a:p>
-            <a:pPr lvl="1"/>
-            <a:r>
-              <a:rPr/>
-              <a:t>Plot the data in time sequence</a:t>
-            </a:r>
-          </a:p>
-          <a:p>
-            <a:pPr lvl="1"/>
-            <a:r>
-              <a:rPr/>
-              <a:t>Add control limits at 3 SIGMA</a:t>
-            </a:r>
-          </a:p>
-          <a:p>
-            <a:pPr lvl="1"/>
-            <a:r>
-              <a:rPr/>
-              <a:t>Out of control if:</a:t>
-            </a:r>
-          </a:p>
-          <a:p>
-            <a:pPr lvl="2"/>
-            <a:r>
-              <a:rPr/>
-              <a:t>One point outside of 3 SIGMA limits</a:t>
-            </a:r>
-          </a:p>
-          <a:p>
-            <a:pPr lvl="2"/>
-            <a:r>
-              <a:rPr/>
-              <a:t>Two out out three points outside of 2 SIGMA limits</a:t>
-            </a:r>
-          </a:p>
-          <a:p>
-            <a:pPr lvl="2"/>
-            <a:r>
-              <a:rPr/>
-              <a:t>Four out out five points outside of 1 SIGMA limits</a:t>
-            </a:r>
-          </a:p>
-          <a:p>
-            <a:pPr lvl="2"/>
-            <a:r>
-              <a:rPr/>
-              <a:t>Eight points on same side of center line</a:t>
-            </a:r>
-          </a:p>
-        </p:txBody>
-      </p:sp>
-    </p:spTree>
-  </p:cSld>
-</p:sld>
-</file>
-
-<file path=ppt/slides/slide17.xml><?xml version="1.0" encoding="utf-8"?>
 <p:sld xmlns:a="http://schemas.openxmlformats.org/drawingml/2006/main" xmlns:r="http://schemas.openxmlformats.org/officeDocument/2006/relationships" xmlns:p="http://schemas.openxmlformats.org/presentationml/2006/main">
   <p:cSld>
     <p:spTree>
@@ -33630,7 +35136,7 @@
 </p:sld>
 </file>
 
-<file path=ppt/slides/slide18.xml><?xml version="1.0" encoding="utf-8"?>
+<file path=ppt/slides/slide17.xml><?xml version="1.0" encoding="utf-8"?>
 <p:sld xmlns:a="http://schemas.openxmlformats.org/drawingml/2006/main" xmlns:r="http://schemas.openxmlformats.org/officeDocument/2006/relationships" xmlns:p="http://schemas.openxmlformats.org/presentationml/2006/main">
   <p:cSld>
     <p:spTree>
@@ -33731,7 +35237,7 @@
 </p:sld>
 </file>
 
-<file path=ppt/slides/slide19.xml><?xml version="1.0" encoding="utf-8"?>
+<file path=ppt/slides/slide18.xml><?xml version="1.0" encoding="utf-8"?>
 <p:sld xmlns:a="http://schemas.openxmlformats.org/drawingml/2006/main" xmlns:r="http://schemas.openxmlformats.org/officeDocument/2006/relationships" xmlns:p="http://schemas.openxmlformats.org/presentationml/2006/main">
   <p:cSld>
     <p:spTree>
@@ -33853,192 +35359,7 @@
 </p:sld>
 </file>
 
-<file path=ppt/slides/slide2.xml><?xml version="1.0" encoding="utf-8"?>
-<p:sld xmlns:a="http://schemas.openxmlformats.org/drawingml/2006/main" xmlns:r="http://schemas.openxmlformats.org/officeDocument/2006/relationships" xmlns:p="http://schemas.openxmlformats.org/presentationml/2006/main">
-  <p:cSld>
-    <p:spTree>
-      <p:nvGrpSpPr>
-        <p:cNvPr id="1" name=""/>
-        <p:cNvGrpSpPr/>
-        <p:nvPr/>
-      </p:nvGrpSpPr>
-      <p:grpSpPr>
-        <a:xfrm>
-          <a:off x="0" y="0"/>
-          <a:ext cx="0" cy="0"/>
-          <a:chOff x="0" y="0"/>
-          <a:chExt cx="0" cy="0"/>
-        </a:xfrm>
-      </p:grpSpPr>
-      <p:sp>
-        <p:nvSpPr>
-          <p:cNvPr id="2" name="Title 1"/>
-          <p:cNvSpPr>
-            <a:spLocks noGrp="1"/>
-          </p:cNvSpPr>
-          <p:nvPr>
-            <p:ph type="title"/>
-          </p:nvPr>
-        </p:nvSpPr>
-        <p:spPr/>
-        <p:txBody>
-          <a:bodyPr/>
-          <a:lstStyle/>
-          <a:p>
-            <a:pPr lvl="0" marL="0" indent="0">
-              <a:buNone/>
-            </a:pPr>
-            <a:r>
-              <a:rPr/>
-              <a:t>Notes</a:t>
-            </a:r>
-            <a:r>
-              <a:rPr/>
-              <a:t> </a:t>
-            </a:r>
-            <a:r>
-              <a:rPr/>
-              <a:t>to</a:t>
-            </a:r>
-            <a:r>
-              <a:rPr/>
-              <a:t> </a:t>
-            </a:r>
-            <a:r>
-              <a:rPr/>
-              <a:t>myself</a:t>
-            </a:r>
-          </a:p>
-        </p:txBody>
-      </p:sp>
-      <p:sp>
-        <p:nvSpPr>
-          <p:cNvPr id="3" name="Content Placeholder 2"/>
-          <p:cNvSpPr>
-            <a:spLocks noGrp="1"/>
-          </p:cNvSpPr>
-          <p:nvPr>
-            <p:ph idx="1"/>
-          </p:nvPr>
-        </p:nvSpPr>
-        <p:spPr/>
-        <p:txBody>
-          <a:bodyPr/>
-          <a:lstStyle/>
-          <a:p>
-            <a:pPr lvl="0" marL="0" indent="0">
-              <a:buNone/>
-            </a:pPr>
-            <a:r>
-              <a:rPr/>
-              <a:t>Revised slides by COB on Thursday.</a:t>
-            </a:r>
-          </a:p>
-          <a:p>
-            <a:pPr lvl="0" marL="0" indent="0">
-              <a:buNone/>
-            </a:pPr>
-            <a:r>
-              <a:rPr/>
-              <a:t>Some examples early. Spend a little more time in reviews. Analysis of Means is an application of control charts where the data comes in clusters rather than in time order. Show tables in a more generic format and less R centric format. Add non-technical images.</a:t>
-            </a:r>
-          </a:p>
-          <a:p>
-            <a:pPr lvl="0" marL="0" indent="0">
-              <a:buNone/>
-            </a:pPr>
-            <a:r>
-              <a:rPr/>
-              <a:t>Description of the data when displaying data. Not enough to just talk about it. Remove the pound signs. Animation Too many formulas. Have some example data. What is h? Don’t assume what people know about sampling error or other terms (Bonferroni, Tukey). Explain why it is so wide.</a:t>
-            </a:r>
-          </a:p>
-          <a:p>
-            <a:pPr lvl="0" marL="0" indent="0">
-              <a:buNone/>
-            </a:pPr>
-            <a:r>
-              <a:rPr/>
-              <a:t>More of a hook at the beginning. How does the control chart relate to everything else?</a:t>
-            </a:r>
-          </a:p>
-          <a:p>
-            <a:pPr lvl="0" marL="0" indent="0">
-              <a:buNone/>
-            </a:pPr>
-            <a:r>
-              <a:rPr>
-                <a:hlinkClick r:id="rId2"/>
-              </a:rPr>
-              <a:t>https://support.minitab.com/en-us/minitab-express/1/help-and-how-to/modeling-statistics/anova/how-to/one-way-anova/interpret-the-results/all-statistics-and-graphs/</a:t>
-            </a:r>
-          </a:p>
-          <a:p>
-            <a:pPr lvl="0" marL="0" indent="0">
-              <a:buNone/>
-            </a:pPr>
-            <a:r>
-              <a:rPr>
-                <a:hlinkClick r:id="rId3"/>
-              </a:rPr>
-              <a:t>https://commons.wikimedia.org/wiki/File:Paint_brush_dipped_in_blue_paint.jpg</a:t>
-            </a:r>
-          </a:p>
-          <a:p>
-            <a:pPr lvl="0" marL="0" indent="0">
-              <a:buNone/>
-            </a:pPr>
-            <a:r>
-              <a:rPr>
-                <a:hlinkClick r:id="rId4"/>
-              </a:rPr>
-              <a:t>https://commons.wikimedia.org/wiki/File:Paint_brushes_(Unsplash).jpg</a:t>
-            </a:r>
-          </a:p>
-          <a:p>
-            <a:pPr lvl="0" marL="0" indent="0">
-              <a:buNone/>
-            </a:pPr>
-            <a:r>
-              <a:rPr>
-                <a:hlinkClick r:id="rId5"/>
-              </a:rPr>
-              <a:t>https://static.wikia.nocookie.net/disney/images/8/8e/Mine.jpg/revision/latest/scale-to-width-down/432?cb=20070709214843</a:t>
-            </a:r>
-          </a:p>
-          <a:p>
-            <a:pPr lvl="0" marL="0" indent="0">
-              <a:buNone/>
-            </a:pPr>
-            <a:r>
-              <a:rPr>
-                <a:hlinkClick r:id="rId6"/>
-              </a:rPr>
-              <a:t>https://journals.lww.com/qmhcjournal/Fulltext/2007/07000/Analysis_of_Means_Used_to_Compare_Providers_.9.aspx</a:t>
-            </a:r>
-            <a:r>
-              <a:rPr/>
-              <a:t>?</a:t>
-            </a:r>
-          </a:p>
-          <a:p>
-            <a:pPr lvl="0" marL="0" indent="0">
-              <a:buNone/>
-            </a:pPr>
-            <a:r>
-              <a:rPr>
-                <a:hlinkClick r:id="rId7"/>
-              </a:rPr>
-              <a:t>https://www.researchgate.net/profile/Michele-Gallo/publication/264083231_Measuring_passenger_satisfaction_a_strategy_based_on_Rasch_Analysis_and_the_ANOM/links/0f31753cd851bd4daf000000/Measuring-passenger-satisfaction-a-strategy-based-on-Rasch-Analysis-and-the-ANOM.pdf</a:t>
-            </a:r>
-          </a:p>
-        </p:txBody>
-      </p:sp>
-    </p:spTree>
-  </p:cSld>
-</p:sld>
-</file>
-
-<file path=ppt/slides/slide20.xml><?xml version="1.0" encoding="utf-8"?>
+<file path=ppt/slides/slide19.xml><?xml version="1.0" encoding="utf-8"?>
 <p:sld xmlns:a="http://schemas.openxmlformats.org/drawingml/2006/main" xmlns:r="http://schemas.openxmlformats.org/officeDocument/2006/relationships" xmlns:p="http://schemas.openxmlformats.org/presentationml/2006/main">
   <p:cSld>
     <p:spTree>
@@ -34209,7 +35530,133 @@
 </p:sld>
 </file>
 
-<file path=ppt/slides/slide21.xml><?xml version="1.0" encoding="utf-8"?>
+<file path=ppt/slides/slide2.xml><?xml version="1.0" encoding="utf-8"?>
+<p:sld xmlns:a="http://schemas.openxmlformats.org/drawingml/2006/main" xmlns:r="http://schemas.openxmlformats.org/officeDocument/2006/relationships" xmlns:p="http://schemas.openxmlformats.org/presentationml/2006/main">
+  <p:cSld>
+    <p:spTree>
+      <p:nvGrpSpPr>
+        <p:cNvPr id="1" name=""/>
+        <p:cNvGrpSpPr/>
+        <p:nvPr/>
+      </p:nvGrpSpPr>
+      <p:grpSpPr>
+        <a:xfrm>
+          <a:off x="0" y="0"/>
+          <a:ext cx="0" cy="0"/>
+          <a:chOff x="0" y="0"/>
+          <a:chExt cx="0" cy="0"/>
+        </a:xfrm>
+      </p:grpSpPr>
+      <p:sp>
+        <p:nvSpPr>
+          <p:cNvPr id="2" name="Title 1"/>
+          <p:cNvSpPr>
+            <a:spLocks noGrp="1"/>
+          </p:cNvSpPr>
+          <p:nvPr>
+            <p:ph type="title"/>
+          </p:nvPr>
+        </p:nvSpPr>
+        <p:spPr/>
+        <p:txBody>
+          <a:bodyPr/>
+          <a:lstStyle/>
+          <a:p>
+            <a:pPr lvl="0" marL="0" indent="0">
+              <a:buNone/>
+            </a:pPr>
+            <a:r>
+              <a:rPr/>
+              <a:t>Introduction</a:t>
+            </a:r>
+          </a:p>
+        </p:txBody>
+      </p:sp>
+      <p:sp>
+        <p:nvSpPr>
+          <p:cNvPr id="3" name="Content Placeholder 2"/>
+          <p:cNvSpPr>
+            <a:spLocks noGrp="1"/>
+          </p:cNvSpPr>
+          <p:nvPr>
+            <p:ph idx="1"/>
+          </p:nvPr>
+        </p:nvSpPr>
+        <p:spPr/>
+        <p:txBody>
+          <a:bodyPr/>
+          <a:lstStyle/>
+          <a:p>
+            <a:pPr lvl="1"/>
+            <a:r>
+              <a:rPr/>
+              <a:t>Analysis of Means (ANOM)</a:t>
+            </a:r>
+          </a:p>
+          <a:p>
+            <a:pPr lvl="2"/>
+            <a:r>
+              <a:rPr/>
+              <a:t>Applications</a:t>
+            </a:r>
+          </a:p>
+          <a:p>
+            <a:pPr lvl="3"/>
+            <a:r>
+              <a:rPr/>
+              <a:t>Quality control</a:t>
+            </a:r>
+          </a:p>
+          <a:p>
+            <a:pPr lvl="3"/>
+            <a:r>
+              <a:rPr/>
+              <a:t>Institutional comparisons</a:t>
+            </a:r>
+          </a:p>
+          <a:p>
+            <a:pPr lvl="1"/>
+            <a:r>
+              <a:rPr/>
+              <a:t>Similar but different from ANOVA</a:t>
+            </a:r>
+          </a:p>
+          <a:p>
+            <a:pPr lvl="1"/>
+            <a:r>
+              <a:rPr/>
+              <a:t>Similar but different from control charts</a:t>
+            </a:r>
+          </a:p>
+          <a:p>
+            <a:pPr lvl="1"/>
+            <a:r>
+              <a:rPr/>
+              <a:t>ANOM advantages</a:t>
+            </a:r>
+          </a:p>
+          <a:p>
+            <a:pPr lvl="2"/>
+            <a:r>
+              <a:rPr/>
+              <a:t>Easy to calculate</a:t>
+            </a:r>
+          </a:p>
+          <a:p>
+            <a:pPr lvl="2"/>
+            <a:r>
+              <a:rPr/>
+              <a:t>Simple, interpretable conclusions</a:t>
+            </a:r>
+          </a:p>
+        </p:txBody>
+      </p:sp>
+    </p:spTree>
+  </p:cSld>
+</p:sld>
+</file>
+
+<file path=ppt/slides/slide20.xml><?xml version="1.0" encoding="utf-8"?>
 <p:sld xmlns:a="http://schemas.openxmlformats.org/drawingml/2006/main" xmlns:r="http://schemas.openxmlformats.org/officeDocument/2006/relationships" xmlns:p="http://schemas.openxmlformats.org/presentationml/2006/main">
   <p:cSld>
     <p:spTree>
@@ -34388,6 +35835,137 @@
 </p:sld>
 </file>
 
+<file path=ppt/slides/slide21.xml><?xml version="1.0" encoding="utf-8"?>
+<p:sld xmlns:a="http://schemas.openxmlformats.org/drawingml/2006/main" xmlns:r="http://schemas.openxmlformats.org/officeDocument/2006/relationships" xmlns:p="http://schemas.openxmlformats.org/presentationml/2006/main">
+  <p:cSld>
+    <p:spTree>
+      <p:nvGrpSpPr>
+        <p:cNvPr id="1" name=""/>
+        <p:cNvGrpSpPr/>
+        <p:nvPr/>
+      </p:nvGrpSpPr>
+      <p:grpSpPr>
+        <a:xfrm>
+          <a:off x="0" y="0"/>
+          <a:ext cx="0" cy="0"/>
+          <a:chOff x="0" y="0"/>
+          <a:chExt cx="0" cy="0"/>
+        </a:xfrm>
+      </p:grpSpPr>
+      <p:sp>
+        <p:nvSpPr>
+          <p:cNvPr id="2" name="Title 1"/>
+          <p:cNvSpPr>
+            <a:spLocks noGrp="1"/>
+          </p:cNvSpPr>
+          <p:nvPr>
+            <p:ph type="title"/>
+          </p:nvPr>
+        </p:nvSpPr>
+        <p:spPr/>
+        <p:txBody>
+          <a:bodyPr/>
+          <a:lstStyle/>
+          <a:p>
+            <a:pPr lvl="0" marL="0" indent="0">
+              <a:buNone/>
+            </a:pPr>
+            <a:r>
+              <a:rPr/>
+              <a:t>Why</a:t>
+            </a:r>
+            <a:r>
+              <a:rPr/>
+              <a:t> </a:t>
+            </a:r>
+            <a:r>
+              <a:rPr/>
+              <a:t>is</a:t>
+            </a:r>
+            <a:r>
+              <a:rPr/>
+              <a:t> </a:t>
+            </a:r>
+            <a:r>
+              <a:rPr/>
+              <a:t>this</a:t>
+            </a:r>
+            <a:r>
+              <a:rPr/>
+              <a:t> </a:t>
+            </a:r>
+            <a:r>
+              <a:rPr/>
+              <a:t>control</a:t>
+            </a:r>
+            <a:r>
+              <a:rPr/>
+              <a:t> </a:t>
+            </a:r>
+            <a:r>
+              <a:rPr/>
+              <a:t>chart</a:t>
+            </a:r>
+            <a:r>
+              <a:rPr/>
+              <a:t> </a:t>
+            </a:r>
+            <a:r>
+              <a:rPr/>
+              <a:t>bad?</a:t>
+            </a:r>
+          </a:p>
+        </p:txBody>
+      </p:sp>
+      <p:sp>
+        <p:nvSpPr>
+          <p:cNvPr id="3" name="Content Placeholder 2"/>
+          <p:cNvSpPr>
+            <a:spLocks noGrp="1"/>
+          </p:cNvSpPr>
+          <p:nvPr>
+            <p:ph idx="1"/>
+          </p:nvPr>
+        </p:nvSpPr>
+        <p:spPr/>
+        <p:txBody>
+          <a:bodyPr/>
+          <a:lstStyle/>
+          <a:p>
+            <a:pPr lvl="1"/>
+            <a:r>
+              <a:rPr/>
+              <a:t>Worker chart has an arbitrary order</a:t>
+            </a:r>
+          </a:p>
+          <a:p>
+            <a:pPr lvl="2"/>
+            <a:r>
+              <a:rPr/>
+              <a:t>Control charts rules depend on a time sequence</a:t>
+            </a:r>
+          </a:p>
+          <a:p>
+            <a:pPr lvl="2"/>
+            <a:r>
+              <a:rPr/>
+              <a:t>Rules optimized for average run length</a:t>
+            </a:r>
+          </a:p>
+          <a:p>
+            <a:pPr lvl="1"/>
+            <a:r>
+              <a:rPr/>
+              <a:t>Use ANOM chart instead</a:t>
+            </a:r>
+          </a:p>
+        </p:txBody>
+      </p:sp>
+    </p:spTree>
+  </p:cSld>
+</p:sld>
+</file>
+
 <file path=ppt/slides/slide22.xml><?xml version="1.0" encoding="utf-8"?>
 <p:sld xmlns:a="http://schemas.openxmlformats.org/drawingml/2006/main" xmlns:r="http://schemas.openxmlformats.org/officeDocument/2006/relationships" xmlns:p="http://schemas.openxmlformats.org/presentationml/2006/main">
   <p:cSld>
@@ -34425,47 +36003,47 @@
             </a:pPr>
             <a:r>
               <a:rPr/>
-              <a:t>Why</a:t>
-            </a:r>
-            <a:r>
-              <a:rPr/>
-              <a:t> </a:t>
-            </a:r>
-            <a:r>
-              <a:rPr/>
-              <a:t>is</a:t>
-            </a:r>
-            <a:r>
-              <a:rPr/>
-              <a:t> </a:t>
-            </a:r>
-            <a:r>
-              <a:rPr/>
-              <a:t>this</a:t>
-            </a:r>
-            <a:r>
-              <a:rPr/>
-              <a:t> </a:t>
-            </a:r>
-            <a:r>
-              <a:rPr/>
-              <a:t>control</a:t>
-            </a:r>
-            <a:r>
-              <a:rPr/>
-              <a:t> </a:t>
-            </a:r>
-            <a:r>
-              <a:rPr/>
-              <a:t>chart</a:t>
-            </a:r>
-            <a:r>
-              <a:rPr/>
-              <a:t> </a:t>
-            </a:r>
-            <a:r>
-              <a:rPr/>
-              <a:t>bad?</a:t>
+              <a:t>Stop</a:t>
+            </a:r>
+            <a:r>
+              <a:rPr/>
+              <a:t> </a:t>
+            </a:r>
+            <a:r>
+              <a:rPr/>
+              <a:t>here</a:t>
+            </a:r>
+            <a:r>
+              <a:rPr/>
+              <a:t> </a:t>
+            </a:r>
+            <a:r>
+              <a:rPr/>
+              <a:t>if</a:t>
+            </a:r>
+            <a:r>
+              <a:rPr/>
+              <a:t> </a:t>
+            </a:r>
+            <a:r>
+              <a:rPr/>
+              <a:t>there</a:t>
+            </a:r>
+            <a:r>
+              <a:rPr/>
+              <a:t> </a:t>
+            </a:r>
+            <a:r>
+              <a:rPr/>
+              <a:t>are</a:t>
+            </a:r>
+            <a:r>
+              <a:rPr/>
+              <a:t> </a:t>
+            </a:r>
+            <a:r>
+              <a:rPr/>
+              <a:t>questions</a:t>
             </a:r>
           </a:p>
         </p:txBody>
@@ -34488,28 +36066,42 @@
             <a:pPr lvl="1"/>
             <a:r>
               <a:rPr/>
-              <a:t>Worker chart has an arbitrary order</a:t>
+              <a:t>What you’ve seen</a:t>
             </a:r>
           </a:p>
           <a:p>
             <a:pPr lvl="2"/>
             <a:r>
               <a:rPr/>
-              <a:t>Control charts rules depend on a time sequence</a:t>
+              <a:t>Review</a:t>
+            </a:r>
+          </a:p>
+          <a:p>
+            <a:pPr lvl="3"/>
+            <a:r>
+              <a:rPr/>
+              <a:t>ANOVA</a:t>
+            </a:r>
+          </a:p>
+          <a:p>
+            <a:pPr lvl="3"/>
+            <a:r>
+              <a:rPr/>
+              <a:t>Control charts</a:t>
+            </a:r>
+          </a:p>
+          <a:p>
+            <a:pPr lvl="1"/>
+            <a:r>
+              <a:rPr/>
+              <a:t>What’s coming up</a:t>
             </a:r>
           </a:p>
           <a:p>
             <a:pPr lvl="2"/>
             <a:r>
               <a:rPr/>
-              <a:t>Rules optimized for average run length</a:t>
-            </a:r>
-          </a:p>
-          <a:p>
-            <a:pPr lvl="1"/>
-            <a:r>
-              <a:rPr/>
-              <a:t>Use ANOM chart instead</a:t>
+              <a:t>Framework for Analysis of Means</a:t>
             </a:r>
           </a:p>
         </p:txBody>
@@ -34520,151 +36112,6 @@
 </file>
 
 <file path=ppt/slides/slide23.xml><?xml version="1.0" encoding="utf-8"?>
-<p:sld xmlns:a="http://schemas.openxmlformats.org/drawingml/2006/main" xmlns:r="http://schemas.openxmlformats.org/officeDocument/2006/relationships" xmlns:p="http://schemas.openxmlformats.org/presentationml/2006/main">
-  <p:cSld>
-    <p:spTree>
-      <p:nvGrpSpPr>
-        <p:cNvPr id="1" name=""/>
-        <p:cNvGrpSpPr/>
-        <p:nvPr/>
-      </p:nvGrpSpPr>
-      <p:grpSpPr>
-        <a:xfrm>
-          <a:off x="0" y="0"/>
-          <a:ext cx="0" cy="0"/>
-          <a:chOff x="0" y="0"/>
-          <a:chExt cx="0" cy="0"/>
-        </a:xfrm>
-      </p:grpSpPr>
-      <p:sp>
-        <p:nvSpPr>
-          <p:cNvPr id="2" name="Title 1"/>
-          <p:cNvSpPr>
-            <a:spLocks noGrp="1"/>
-          </p:cNvSpPr>
-          <p:nvPr>
-            <p:ph type="title"/>
-          </p:nvPr>
-        </p:nvSpPr>
-        <p:spPr/>
-        <p:txBody>
-          <a:bodyPr/>
-          <a:lstStyle/>
-          <a:p>
-            <a:pPr lvl="0" marL="0" indent="0">
-              <a:buNone/>
-            </a:pPr>
-            <a:r>
-              <a:rPr/>
-              <a:t>Stop</a:t>
-            </a:r>
-            <a:r>
-              <a:rPr/>
-              <a:t> </a:t>
-            </a:r>
-            <a:r>
-              <a:rPr/>
-              <a:t>here</a:t>
-            </a:r>
-            <a:r>
-              <a:rPr/>
-              <a:t> </a:t>
-            </a:r>
-            <a:r>
-              <a:rPr/>
-              <a:t>if</a:t>
-            </a:r>
-            <a:r>
-              <a:rPr/>
-              <a:t> </a:t>
-            </a:r>
-            <a:r>
-              <a:rPr/>
-              <a:t>there</a:t>
-            </a:r>
-            <a:r>
-              <a:rPr/>
-              <a:t> </a:t>
-            </a:r>
-            <a:r>
-              <a:rPr/>
-              <a:t>are</a:t>
-            </a:r>
-            <a:r>
-              <a:rPr/>
-              <a:t> </a:t>
-            </a:r>
-            <a:r>
-              <a:rPr/>
-              <a:t>questions</a:t>
-            </a:r>
-          </a:p>
-        </p:txBody>
-      </p:sp>
-      <p:sp>
-        <p:nvSpPr>
-          <p:cNvPr id="3" name="Content Placeholder 2"/>
-          <p:cNvSpPr>
-            <a:spLocks noGrp="1"/>
-          </p:cNvSpPr>
-          <p:nvPr>
-            <p:ph idx="1"/>
-          </p:nvPr>
-        </p:nvSpPr>
-        <p:spPr/>
-        <p:txBody>
-          <a:bodyPr/>
-          <a:lstStyle/>
-          <a:p>
-            <a:pPr lvl="1"/>
-            <a:r>
-              <a:rPr/>
-              <a:t>What you’ve seen</a:t>
-            </a:r>
-          </a:p>
-          <a:p>
-            <a:pPr lvl="2"/>
-            <a:r>
-              <a:rPr/>
-              <a:t>Review</a:t>
-            </a:r>
-          </a:p>
-          <a:p>
-            <a:pPr lvl="3"/>
-            <a:r>
-              <a:rPr/>
-              <a:t>ANOVA</a:t>
-            </a:r>
-          </a:p>
-          <a:p>
-            <a:pPr lvl="3"/>
-            <a:r>
-              <a:rPr/>
-              <a:t>Control charts</a:t>
-            </a:r>
-          </a:p>
-          <a:p>
-            <a:pPr lvl="1"/>
-            <a:r>
-              <a:rPr/>
-              <a:t>What’s coming up</a:t>
-            </a:r>
-          </a:p>
-          <a:p>
-            <a:pPr lvl="2"/>
-            <a:r>
-              <a:rPr/>
-              <a:t>Framework for Analysis of Means</a:t>
-            </a:r>
-          </a:p>
-        </p:txBody>
-      </p:sp>
-    </p:spTree>
-  </p:cSld>
-</p:sld>
-</file>
-
-<file path=ppt/slides/slide24.xml><?xml version="1.0" encoding="utf-8"?>
 <p:sld xmlns:a="http://schemas.openxmlformats.org/drawingml/2006/main" xmlns:r="http://schemas.openxmlformats.org/officeDocument/2006/relationships" xmlns:p="http://schemas.openxmlformats.org/presentationml/2006/main">
   <p:cSld>
     <p:spTree>
@@ -35175,6 +36622,95 @@
 </p:sld>
 </file>
 
+<file path=ppt/slides/slide24.xml><?xml version="1.0" encoding="utf-8"?>
+<p:sld xmlns:a="http://schemas.openxmlformats.org/drawingml/2006/main" xmlns:r="http://schemas.openxmlformats.org/officeDocument/2006/relationships" xmlns:p="http://schemas.openxmlformats.org/presentationml/2006/main">
+  <p:cSld>
+    <p:spTree>
+      <p:nvGrpSpPr>
+        <p:cNvPr id="1" name=""/>
+        <p:cNvGrpSpPr/>
+        <p:nvPr/>
+      </p:nvGrpSpPr>
+      <p:grpSpPr>
+        <a:xfrm>
+          <a:off x="0" y="0"/>
+          <a:ext cx="0" cy="0"/>
+          <a:chOff x="0" y="0"/>
+          <a:chExt cx="0" cy="0"/>
+        </a:xfrm>
+      </p:grpSpPr>
+      <p:sp>
+        <p:nvSpPr>
+          <p:cNvPr id="2" name="Title 1"/>
+          <p:cNvSpPr>
+            <a:spLocks noGrp="1"/>
+          </p:cNvSpPr>
+          <p:nvPr>
+            <p:ph type="title"/>
+          </p:nvPr>
+        </p:nvSpPr>
+        <p:spPr/>
+        <p:txBody>
+          <a:bodyPr/>
+          <a:lstStyle/>
+          <a:p>
+            <a:pPr lvl="0" marL="0" indent="0">
+              <a:buNone/>
+            </a:pPr>
+            <a:r>
+              <a:rPr/>
+              <a:t>ANOM</a:t>
+            </a:r>
+            <a:r>
+              <a:rPr/>
+              <a:t> </a:t>
+            </a:r>
+            <a:r>
+              <a:rPr/>
+              <a:t>table</a:t>
+            </a:r>
+          </a:p>
+        </p:txBody>
+      </p:sp>
+      <p:sp>
+        <p:nvSpPr>
+          <p:cNvPr id="3" name="Content Placeholder 2"/>
+          <p:cNvSpPr>
+            <a:spLocks noGrp="1"/>
+          </p:cNvSpPr>
+          <p:nvPr>
+            <p:ph idx="1"/>
+          </p:nvPr>
+        </p:nvSpPr>
+        <p:spPr/>
+        <p:txBody>
+          <a:bodyPr/>
+          <a:lstStyle/>
+          <a:p>
+            <a:pPr lvl="0" indent="0">
+              <a:buNone/>
+            </a:pPr>
+            <a:r>
+              <a:rPr>
+                <a:latin typeface="Courier"/>
+              </a:rPr>
+              <a:t>     k=2   3    4    5    6  
+df=2 4.30 5.88 6.59 7.10 7.49
+   3 3.18 4.18 4.60 4.92 5.14
+   4 2.78 3.56 3.89 4.12 4.30
+   5 2.57 3.25 3.52 3.72 3.88
+   6 2.45 3.07 3.31 3.49 3.62
+   7 2.36 2.94 3.17 3.33 3.46
+   8 2.31 2.86 3.06 3.22 3.33</a:t>
+            </a:r>
+          </a:p>
+        </p:txBody>
+      </p:sp>
+    </p:spTree>
+  </p:cSld>
+</p:sld>
+</file>
+
 <file path=ppt/slides/slide25.xml><?xml version="1.0" encoding="utf-8"?>
 <p:sld xmlns:a="http://schemas.openxmlformats.org/drawingml/2006/main" xmlns:r="http://schemas.openxmlformats.org/officeDocument/2006/relationships" xmlns:p="http://schemas.openxmlformats.org/presentationml/2006/main">
   <p:cSld>
@@ -35212,15 +36748,47 @@
             </a:pPr>
             <a:r>
               <a:rPr/>
-              <a:t>ANOM</a:t>
-            </a:r>
-            <a:r>
-              <a:rPr/>
-              <a:t> </a:t>
-            </a:r>
-            <a:r>
-              <a:rPr/>
-              <a:t>table</a:t>
+              <a:t>Stop</a:t>
+            </a:r>
+            <a:r>
+              <a:rPr/>
+              <a:t> </a:t>
+            </a:r>
+            <a:r>
+              <a:rPr/>
+              <a:t>here</a:t>
+            </a:r>
+            <a:r>
+              <a:rPr/>
+              <a:t> </a:t>
+            </a:r>
+            <a:r>
+              <a:rPr/>
+              <a:t>if</a:t>
+            </a:r>
+            <a:r>
+              <a:rPr/>
+              <a:t> </a:t>
+            </a:r>
+            <a:r>
+              <a:rPr/>
+              <a:t>there</a:t>
+            </a:r>
+            <a:r>
+              <a:rPr/>
+              <a:t> </a:t>
+            </a:r>
+            <a:r>
+              <a:rPr/>
+              <a:t>are</a:t>
+            </a:r>
+            <a:r>
+              <a:rPr/>
+              <a:t> </a:t>
+            </a:r>
+            <a:r>
+              <a:rPr/>
+              <a:t>questions</a:t>
             </a:r>
           </a:p>
         </p:txBody>
@@ -35240,21 +36808,31 @@
           <a:bodyPr/>
           <a:lstStyle/>
           <a:p>
-            <a:pPr lvl="0" indent="0">
-              <a:buNone/>
-            </a:pPr>
-            <a:r>
-              <a:rPr>
-                <a:latin typeface="Courier"/>
-              </a:rPr>
-              <a:t>     k=2   3    4    5    6  
-df=2 4.30 5.88 6.59 7.10 7.49
-   3 3.18 4.18 4.60 4.92 5.14
-   4 2.78 3.56 3.89 4.12 4.30
-   5 2.57 3.25 3.52 3.72 3.88
-   6 2.45 3.07 3.31 3.49 3.62
-   7 2.36 2.94 3.17 3.33 3.46
-   8 2.31 2.86 3.06 3.22 3.33</a:t>
+            <a:pPr lvl="1"/>
+            <a:r>
+              <a:rPr/>
+              <a:t>What you’ve seen</a:t>
+            </a:r>
+          </a:p>
+          <a:p>
+            <a:pPr lvl="2"/>
+            <a:r>
+              <a:rPr/>
+              <a:t>Framework for Analysis of Means</a:t>
+            </a:r>
+          </a:p>
+          <a:p>
+            <a:pPr lvl="1"/>
+            <a:r>
+              <a:rPr/>
+              <a:t>What’s coming up</a:t>
+            </a:r>
+          </a:p>
+          <a:p>
+            <a:pPr lvl="2"/>
+            <a:r>
+              <a:rPr/>
+              <a:t>A simple example</a:t>
             </a:r>
           </a:p>
         </p:txBody>
@@ -35265,137 +36843,6 @@
 </file>
 
 <file path=ppt/slides/slide26.xml><?xml version="1.0" encoding="utf-8"?>
-<p:sld xmlns:a="http://schemas.openxmlformats.org/drawingml/2006/main" xmlns:r="http://schemas.openxmlformats.org/officeDocument/2006/relationships" xmlns:p="http://schemas.openxmlformats.org/presentationml/2006/main">
-  <p:cSld>
-    <p:spTree>
-      <p:nvGrpSpPr>
-        <p:cNvPr id="1" name=""/>
-        <p:cNvGrpSpPr/>
-        <p:nvPr/>
-      </p:nvGrpSpPr>
-      <p:grpSpPr>
-        <a:xfrm>
-          <a:off x="0" y="0"/>
-          <a:ext cx="0" cy="0"/>
-          <a:chOff x="0" y="0"/>
-          <a:chExt cx="0" cy="0"/>
-        </a:xfrm>
-      </p:grpSpPr>
-      <p:sp>
-        <p:nvSpPr>
-          <p:cNvPr id="2" name="Title 1"/>
-          <p:cNvSpPr>
-            <a:spLocks noGrp="1"/>
-          </p:cNvSpPr>
-          <p:nvPr>
-            <p:ph type="title"/>
-          </p:nvPr>
-        </p:nvSpPr>
-        <p:spPr/>
-        <p:txBody>
-          <a:bodyPr/>
-          <a:lstStyle/>
-          <a:p>
-            <a:pPr lvl="0" marL="0" indent="0">
-              <a:buNone/>
-            </a:pPr>
-            <a:r>
-              <a:rPr/>
-              <a:t>Stop</a:t>
-            </a:r>
-            <a:r>
-              <a:rPr/>
-              <a:t> </a:t>
-            </a:r>
-            <a:r>
-              <a:rPr/>
-              <a:t>here</a:t>
-            </a:r>
-            <a:r>
-              <a:rPr/>
-              <a:t> </a:t>
-            </a:r>
-            <a:r>
-              <a:rPr/>
-              <a:t>if</a:t>
-            </a:r>
-            <a:r>
-              <a:rPr/>
-              <a:t> </a:t>
-            </a:r>
-            <a:r>
-              <a:rPr/>
-              <a:t>there</a:t>
-            </a:r>
-            <a:r>
-              <a:rPr/>
-              <a:t> </a:t>
-            </a:r>
-            <a:r>
-              <a:rPr/>
-              <a:t>are</a:t>
-            </a:r>
-            <a:r>
-              <a:rPr/>
-              <a:t> </a:t>
-            </a:r>
-            <a:r>
-              <a:rPr/>
-              <a:t>questions</a:t>
-            </a:r>
-          </a:p>
-        </p:txBody>
-      </p:sp>
-      <p:sp>
-        <p:nvSpPr>
-          <p:cNvPr id="3" name="Content Placeholder 2"/>
-          <p:cNvSpPr>
-            <a:spLocks noGrp="1"/>
-          </p:cNvSpPr>
-          <p:nvPr>
-            <p:ph idx="1"/>
-          </p:nvPr>
-        </p:nvSpPr>
-        <p:spPr/>
-        <p:txBody>
-          <a:bodyPr/>
-          <a:lstStyle/>
-          <a:p>
-            <a:pPr lvl="1"/>
-            <a:r>
-              <a:rPr/>
-              <a:t>What you’ve seen</a:t>
-            </a:r>
-          </a:p>
-          <a:p>
-            <a:pPr lvl="2"/>
-            <a:r>
-              <a:rPr/>
-              <a:t>Framework for Analysis of Means</a:t>
-            </a:r>
-          </a:p>
-          <a:p>
-            <a:pPr lvl="1"/>
-            <a:r>
-              <a:rPr/>
-              <a:t>What’s coming up</a:t>
-            </a:r>
-          </a:p>
-          <a:p>
-            <a:pPr lvl="2"/>
-            <a:r>
-              <a:rPr/>
-              <a:t>A simple example</a:t>
-            </a:r>
-          </a:p>
-        </p:txBody>
-      </p:sp>
-    </p:spTree>
-  </p:cSld>
-</p:sld>
-</file>
-
-<file path=ppt/slides/slide27.xml><?xml version="1.0" encoding="utf-8"?>
 <p:sld xmlns:a="http://schemas.openxmlformats.org/drawingml/2006/main" xmlns:r="http://schemas.openxmlformats.org/officeDocument/2006/relationships" xmlns:p="http://schemas.openxmlformats.org/presentationml/2006/main">
   <p:cSld>
     <p:spTree>
@@ -35558,7 +37005,7 @@
 </p:sld>
 </file>
 
-<file path=ppt/slides/slide28.xml><?xml version="1.0" encoding="utf-8"?>
+<file path=ppt/slides/slide27.xml><?xml version="1.0" encoding="utf-8"?>
 <p:sld xmlns:a="http://schemas.openxmlformats.org/drawingml/2006/main" xmlns:r="http://schemas.openxmlformats.org/officeDocument/2006/relationships" xmlns:p="http://schemas.openxmlformats.org/presentationml/2006/main">
   <p:cSld>
     <p:spTree>
@@ -35662,7 +37109,7 @@
 </p:sld>
 </file>
 
-<file path=ppt/slides/slide29.xml><?xml version="1.0" encoding="utf-8"?>
+<file path=ppt/slides/slide28.xml><?xml version="1.0" encoding="utf-8"?>
 <p:sld xmlns:a="http://schemas.openxmlformats.org/drawingml/2006/main" xmlns:r="http://schemas.openxmlformats.org/officeDocument/2006/relationships" xmlns:p="http://schemas.openxmlformats.org/presentationml/2006/main">
   <p:cSld>
     <p:spTree>
@@ -35857,6 +37304,137 @@
 </p:sld>
 </file>
 
+<file path=ppt/slides/slide29.xml><?xml version="1.0" encoding="utf-8"?>
+<p:sld xmlns:a="http://schemas.openxmlformats.org/drawingml/2006/main" xmlns:r="http://schemas.openxmlformats.org/officeDocument/2006/relationships" xmlns:p="http://schemas.openxmlformats.org/presentationml/2006/main">
+  <p:cSld>
+    <p:spTree>
+      <p:nvGrpSpPr>
+        <p:cNvPr id="1" name=""/>
+        <p:cNvGrpSpPr/>
+        <p:nvPr/>
+      </p:nvGrpSpPr>
+      <p:grpSpPr>
+        <a:xfrm>
+          <a:off x="0" y="0"/>
+          <a:ext cx="0" cy="0"/>
+          <a:chOff x="0" y="0"/>
+          <a:chExt cx="0" cy="0"/>
+        </a:xfrm>
+      </p:grpSpPr>
+      <p:sp>
+        <p:nvSpPr>
+          <p:cNvPr id="2" name="Title 1"/>
+          <p:cNvSpPr>
+            <a:spLocks noGrp="1"/>
+          </p:cNvSpPr>
+          <p:nvPr>
+            <p:ph type="title"/>
+          </p:nvPr>
+        </p:nvSpPr>
+        <p:spPr/>
+        <p:txBody>
+          <a:bodyPr/>
+          <a:lstStyle/>
+          <a:p>
+            <a:pPr lvl="0" marL="0" indent="0">
+              <a:buNone/>
+            </a:pPr>
+            <a:r>
+              <a:rPr/>
+              <a:t>Label</a:t>
+            </a:r>
+            <a:r>
+              <a:rPr/>
+              <a:t> </a:t>
+            </a:r>
+            <a:r>
+              <a:rPr/>
+              <a:t>positions,</a:t>
+            </a:r>
+            <a:r>
+              <a:rPr/>
+              <a:t> </a:t>
+            </a:r>
+            <a:r>
+              <a:rPr/>
+              <a:t>overall</a:t>
+            </a:r>
+            <a:r>
+              <a:rPr/>
+              <a:t> </a:t>
+            </a:r>
+            <a:r>
+              <a:rPr/>
+              <a:t>mean</a:t>
+            </a:r>
+            <a:r>
+              <a:rPr/>
+              <a:t> </a:t>
+            </a:r>
+            <a:r>
+              <a:rPr/>
+              <a:t>and</a:t>
+            </a:r>
+            <a:r>
+              <a:rPr/>
+              <a:t> </a:t>
+            </a:r>
+            <a:r>
+              <a:rPr/>
+              <a:t>pooled</a:t>
+            </a:r>
+            <a:r>
+              <a:rPr/>
+              <a:t> </a:t>
+            </a:r>
+            <a:r>
+              <a:rPr/>
+              <a:t>standard</a:t>
+            </a:r>
+            <a:r>
+              <a:rPr/>
+              <a:t> </a:t>
+            </a:r>
+            <a:r>
+              <a:rPr/>
+              <a:t>deviation</a:t>
+            </a:r>
+          </a:p>
+        </p:txBody>
+      </p:sp>
+      <p:sp>
+        <p:nvSpPr>
+          <p:cNvPr id="3" name="Content Placeholder 2"/>
+          <p:cNvSpPr>
+            <a:spLocks noGrp="1"/>
+          </p:cNvSpPr>
+          <p:nvPr>
+            <p:ph idx="1"/>
+          </p:nvPr>
+        </p:nvSpPr>
+        <p:spPr/>
+        <p:txBody>
+          <a:bodyPr/>
+          <a:lstStyle/>
+          <a:p>
+            <a:pPr lvl="0" indent="0">
+              <a:buNone/>
+            </a:pPr>
+            <a:r>
+              <a:rPr>
+                <a:latin typeface="Courier"/>
+              </a:rPr>
+              <a:t>   avg    sp
+1 0.01 0.025</a:t>
+            </a:r>
+          </a:p>
+        </p:txBody>
+      </p:sp>
+    </p:spTree>
+  </p:cSld>
+</p:sld>
+</file>
+
 <file path=ppt/slides/slide3.xml><?xml version="1.0" encoding="utf-8"?>
 <p:sld xmlns:a="http://schemas.openxmlformats.org/drawingml/2006/main" xmlns:r="http://schemas.openxmlformats.org/officeDocument/2006/relationships" xmlns:p="http://schemas.openxmlformats.org/presentationml/2006/main">
   <p:cSld>
@@ -35894,86 +37472,131 @@
             </a:pPr>
             <a:r>
               <a:rPr/>
-              <a:t>Introduction</a:t>
+              <a:t>ANOM</a:t>
+            </a:r>
+            <a:r>
+              <a:rPr/>
+              <a:t> </a:t>
+            </a:r>
+            <a:r>
+              <a:rPr/>
+              <a:t>example:</a:t>
+            </a:r>
+            <a:r>
+              <a:rPr/>
+              <a:t> </a:t>
+            </a:r>
+            <a:r>
+              <a:rPr/>
+              <a:t>Monsoon</a:t>
+            </a:r>
+            <a:r>
+              <a:rPr/>
+              <a:t> </a:t>
+            </a:r>
+            <a:r>
+              <a:rPr/>
+              <a:t>distribution</a:t>
             </a:r>
           </a:p>
         </p:txBody>
       </p:sp>
+      <p:pic>
+        <p:nvPicPr>
+          <p:cNvPr descr="images/anom-example-monsoons.png" id="0" name="Picture 1"/>
+          <p:cNvPicPr>
+            <a:picLocks noGrp="1" noChangeAspect="1"/>
+          </p:cNvPicPr>
+          <p:nvPr/>
+        </p:nvPicPr>
+        <p:blipFill>
+          <a:blip r:embed="rId3"/>
+          <a:stretch>
+            <a:fillRect/>
+          </a:stretch>
+        </p:blipFill>
+        <p:spPr bwMode="auto">
+          <a:xfrm>
+            <a:off x="457200" y="1638300"/>
+            <a:ext cx="8229600" cy="3924300"/>
+          </a:xfrm>
+          <a:prstGeom prst="rect">
+            <a:avLst/>
+          </a:prstGeom>
+          <a:noFill/>
+          <a:ln w="9525">
+            <a:noFill/>
+            <a:headEnd/>
+            <a:tailEnd/>
+          </a:ln>
+        </p:spPr>
+      </p:pic>
       <p:sp>
         <p:nvSpPr>
-          <p:cNvPr id="3" name="Content Placeholder 2"/>
-          <p:cNvSpPr>
-            <a:spLocks noGrp="1"/>
-          </p:cNvSpPr>
-          <p:nvPr>
-            <p:ph idx="1"/>
-          </p:nvPr>
+          <p:cNvPr id="1" name="TextBox 3"/>
+          <p:cNvSpPr txBox="1"/>
+          <p:nvPr/>
         </p:nvSpPr>
-        <p:spPr/>
+        <p:spPr>
+          <a:xfrm>
+            <a:off x="457200" y="5613400"/>
+            <a:ext cx="8229600" cy="508000"/>
+          </a:xfrm>
+          <a:prstGeom prst="rect">
+            <a:avLst/>
+          </a:prstGeom>
+          <a:noFill/>
+        </p:spPr>
         <p:txBody>
           <a:bodyPr/>
           <a:lstStyle/>
           <a:p>
-            <a:pPr lvl="1"/>
-            <a:r>
-              <a:rPr/>
-              <a:t>Analysis of Means (ANOM)</a:t>
-            </a:r>
-          </a:p>
-          <a:p>
-            <a:pPr lvl="2"/>
-            <a:r>
-              <a:rPr/>
-              <a:t>Applications</a:t>
-            </a:r>
-          </a:p>
-          <a:p>
-            <a:pPr lvl="3"/>
-            <a:r>
-              <a:rPr/>
-              <a:t>Quality control</a:t>
-            </a:r>
-          </a:p>
-          <a:p>
-            <a:pPr lvl="3"/>
-            <a:r>
-              <a:rPr/>
-              <a:t>Institutional comparisons</a:t>
-            </a:r>
-          </a:p>
-          <a:p>
-            <a:pPr lvl="1"/>
-            <a:r>
-              <a:rPr/>
-              <a:t>Similar but different from ANOVA</a:t>
-            </a:r>
-          </a:p>
-          <a:p>
-            <a:pPr lvl="1"/>
-            <a:r>
-              <a:rPr/>
-              <a:t>Similar but different from control charts</a:t>
-            </a:r>
-          </a:p>
-          <a:p>
-            <a:pPr lvl="1"/>
-            <a:r>
-              <a:rPr/>
-              <a:t>ANOM advantages</a:t>
-            </a:r>
-          </a:p>
-          <a:p>
-            <a:pPr lvl="2"/>
-            <a:r>
-              <a:rPr/>
-              <a:t>Easy to calculate</a:t>
-            </a:r>
-          </a:p>
-          <a:p>
-            <a:pPr lvl="2"/>
-            <a:r>
-              <a:rPr/>
-              <a:t>Simple, interpretable conclusions</a:t>
+            <a:pPr lvl="0" marL="0" indent="0" algn="ctr">
+              <a:buNone/>
+            </a:pPr>
+            <a:r>
+              <a:rPr/>
+              <a:t>Figure</a:t>
+            </a:r>
+            <a:r>
+              <a:rPr/>
+              <a:t> </a:t>
+            </a:r>
+            <a:r>
+              <a:rPr/>
+              <a:t>1.</a:t>
+            </a:r>
+            <a:r>
+              <a:rPr/>
+              <a:t> </a:t>
+            </a:r>
+            <a:r>
+              <a:rPr/>
+              <a:t>Excerpt</a:t>
+            </a:r>
+            <a:r>
+              <a:rPr/>
+              <a:t> </a:t>
+            </a:r>
+            <a:r>
+              <a:rPr/>
+              <a:t>from</a:t>
+            </a:r>
+            <a:r>
+              <a:rPr/>
+              <a:t> </a:t>
+            </a:r>
+            <a:r>
+              <a:rPr/>
+              <a:t>research</a:t>
+            </a:r>
+            <a:r>
+              <a:rPr/>
+              <a:t> </a:t>
+            </a:r>
+            <a:r>
+              <a:rPr/>
+              <a:t>article</a:t>
             </a:r>
           </a:p>
         </p:txBody>
@@ -35984,137 +37607,6 @@
 </file>
 
 <file path=ppt/slides/slide30.xml><?xml version="1.0" encoding="utf-8"?>
-<p:sld xmlns:a="http://schemas.openxmlformats.org/drawingml/2006/main" xmlns:r="http://schemas.openxmlformats.org/officeDocument/2006/relationships" xmlns:p="http://schemas.openxmlformats.org/presentationml/2006/main">
-  <p:cSld>
-    <p:spTree>
-      <p:nvGrpSpPr>
-        <p:cNvPr id="1" name=""/>
-        <p:cNvGrpSpPr/>
-        <p:nvPr/>
-      </p:nvGrpSpPr>
-      <p:grpSpPr>
-        <a:xfrm>
-          <a:off x="0" y="0"/>
-          <a:ext cx="0" cy="0"/>
-          <a:chOff x="0" y="0"/>
-          <a:chExt cx="0" cy="0"/>
-        </a:xfrm>
-      </p:grpSpPr>
-      <p:sp>
-        <p:nvSpPr>
-          <p:cNvPr id="2" name="Title 1"/>
-          <p:cNvSpPr>
-            <a:spLocks noGrp="1"/>
-          </p:cNvSpPr>
-          <p:nvPr>
-            <p:ph type="title"/>
-          </p:nvPr>
-        </p:nvSpPr>
-        <p:spPr/>
-        <p:txBody>
-          <a:bodyPr/>
-          <a:lstStyle/>
-          <a:p>
-            <a:pPr lvl="0" marL="0" indent="0">
-              <a:buNone/>
-            </a:pPr>
-            <a:r>
-              <a:rPr/>
-              <a:t>Label</a:t>
-            </a:r>
-            <a:r>
-              <a:rPr/>
-              <a:t> </a:t>
-            </a:r>
-            <a:r>
-              <a:rPr/>
-              <a:t>positions,</a:t>
-            </a:r>
-            <a:r>
-              <a:rPr/>
-              <a:t> </a:t>
-            </a:r>
-            <a:r>
-              <a:rPr/>
-              <a:t>overall</a:t>
-            </a:r>
-            <a:r>
-              <a:rPr/>
-              <a:t> </a:t>
-            </a:r>
-            <a:r>
-              <a:rPr/>
-              <a:t>mean</a:t>
-            </a:r>
-            <a:r>
-              <a:rPr/>
-              <a:t> </a:t>
-            </a:r>
-            <a:r>
-              <a:rPr/>
-              <a:t>and</a:t>
-            </a:r>
-            <a:r>
-              <a:rPr/>
-              <a:t> </a:t>
-            </a:r>
-            <a:r>
-              <a:rPr/>
-              <a:t>pooled</a:t>
-            </a:r>
-            <a:r>
-              <a:rPr/>
-              <a:t> </a:t>
-            </a:r>
-            <a:r>
-              <a:rPr/>
-              <a:t>standard</a:t>
-            </a:r>
-            <a:r>
-              <a:rPr/>
-              <a:t> </a:t>
-            </a:r>
-            <a:r>
-              <a:rPr/>
-              <a:t>deviation</a:t>
-            </a:r>
-          </a:p>
-        </p:txBody>
-      </p:sp>
-      <p:sp>
-        <p:nvSpPr>
-          <p:cNvPr id="3" name="Content Placeholder 2"/>
-          <p:cNvSpPr>
-            <a:spLocks noGrp="1"/>
-          </p:cNvSpPr>
-          <p:nvPr>
-            <p:ph idx="1"/>
-          </p:nvPr>
-        </p:nvSpPr>
-        <p:spPr/>
-        <p:txBody>
-          <a:bodyPr/>
-          <a:lstStyle/>
-          <a:p>
-            <a:pPr lvl="0" indent="0">
-              <a:buNone/>
-            </a:pPr>
-            <a:r>
-              <a:rPr>
-                <a:latin typeface="Courier"/>
-              </a:rPr>
-              <a:t>   avg    sp
-1 0.01 0.025</a:t>
-            </a:r>
-          </a:p>
-        </p:txBody>
-      </p:sp>
-    </p:spTree>
-  </p:cSld>
-</p:sld>
-</file>
-
-<file path=ppt/slides/slide31.xml><?xml version="1.0" encoding="utf-8"?>
 <p:sld xmlns:a="http://schemas.openxmlformats.org/drawingml/2006/main" xmlns:r="http://schemas.openxmlformats.org/officeDocument/2006/relationships" xmlns:p="http://schemas.openxmlformats.org/presentationml/2006/main">
   <p:cSld>
     <p:spTree>
@@ -36317,7 +37809,7 @@
 </p:sld>
 </file>
 
-<file path=ppt/slides/slide32.xml><?xml version="1.0" encoding="utf-8"?>
+<file path=ppt/slides/slide31.xml><?xml version="1.0" encoding="utf-8"?>
 <p:sld xmlns:a="http://schemas.openxmlformats.org/drawingml/2006/main" xmlns:r="http://schemas.openxmlformats.org/officeDocument/2006/relationships" xmlns:p="http://schemas.openxmlformats.org/presentationml/2006/main">
   <p:cSld>
     <p:spTree>
@@ -36633,7 +38125,7 @@
 </p:sld>
 </file>
 
-<file path=ppt/slides/slide33.xml><?xml version="1.0" encoding="utf-8"?>
+<file path=ppt/slides/slide32.xml><?xml version="1.0" encoding="utf-8"?>
 <p:sld xmlns:a="http://schemas.openxmlformats.org/drawingml/2006/main" xmlns:r="http://schemas.openxmlformats.org/officeDocument/2006/relationships" xmlns:p="http://schemas.openxmlformats.org/presentationml/2006/main">
   <p:cSld>
     <p:spTree>
@@ -36820,7 +38312,7 @@
 </p:sld>
 </file>
 
-<file path=ppt/slides/slide34.xml><?xml version="1.0" encoding="utf-8"?>
+<file path=ppt/slides/slide33.xml><?xml version="1.0" encoding="utf-8"?>
 <p:sld xmlns:a="http://schemas.openxmlformats.org/drawingml/2006/main" xmlns:r="http://schemas.openxmlformats.org/officeDocument/2006/relationships" xmlns:p="http://schemas.openxmlformats.org/presentationml/2006/main">
   <p:cSld>
     <p:spTree>
@@ -36951,7 +38443,7 @@
 </p:sld>
 </file>
 
-<file path=ppt/slides/slide35.xml><?xml version="1.0" encoding="utf-8"?>
+<file path=ppt/slides/slide34.xml><?xml version="1.0" encoding="utf-8"?>
 <p:sld xmlns:a="http://schemas.openxmlformats.org/drawingml/2006/main" xmlns:r="http://schemas.openxmlformats.org/officeDocument/2006/relationships" xmlns:p="http://schemas.openxmlformats.org/presentationml/2006/main">
   <p:cSld>
     <p:spTree>
@@ -37098,7 +38590,7 @@
 </p:sld>
 </file>
 
-<file path=ppt/slides/slide36.xml><?xml version="1.0" encoding="utf-8"?>
+<file path=ppt/slides/slide35.xml><?xml version="1.0" encoding="utf-8"?>
 <p:sld xmlns:a="http://schemas.openxmlformats.org/drawingml/2006/main" xmlns:r="http://schemas.openxmlformats.org/officeDocument/2006/relationships" xmlns:p="http://schemas.openxmlformats.org/presentationml/2006/main">
   <p:cSld>
     <p:spTree>
@@ -37401,6 +38893,110 @@
 </p:sld>
 </file>
 
+<file path=ppt/slides/slide36.xml><?xml version="1.0" encoding="utf-8"?>
+<p:sld xmlns:a="http://schemas.openxmlformats.org/drawingml/2006/main" xmlns:r="http://schemas.openxmlformats.org/officeDocument/2006/relationships" xmlns:p="http://schemas.openxmlformats.org/presentationml/2006/main">
+  <p:cSld>
+    <p:spTree>
+      <p:nvGrpSpPr>
+        <p:cNvPr id="1" name=""/>
+        <p:cNvGrpSpPr/>
+        <p:nvPr/>
+      </p:nvGrpSpPr>
+      <p:grpSpPr>
+        <a:xfrm>
+          <a:off x="0" y="0"/>
+          <a:ext cx="0" cy="0"/>
+          <a:chOff x="0" y="0"/>
+          <a:chExt cx="0" cy="0"/>
+        </a:xfrm>
+      </p:grpSpPr>
+      <p:sp>
+        <p:nvSpPr>
+          <p:cNvPr id="2" name="Title 1"/>
+          <p:cNvSpPr>
+            <a:spLocks noGrp="1"/>
+          </p:cNvSpPr>
+          <p:nvPr>
+            <p:ph type="title"/>
+          </p:nvPr>
+        </p:nvSpPr>
+        <p:spPr/>
+        <p:txBody>
+          <a:bodyPr/>
+          <a:lstStyle/>
+          <a:p>
+            <a:pPr lvl="0" marL="0" indent="0">
+              <a:buNone/>
+            </a:pPr>
+            <a:r>
+              <a:rPr/>
+              <a:t>C-sections,</a:t>
+            </a:r>
+            <a:r>
+              <a:rPr/>
+              <a:t> </a:t>
+            </a:r>
+            <a:r>
+              <a:rPr/>
+              <a:t>first</a:t>
+            </a:r>
+            <a:r>
+              <a:rPr/>
+              <a:t> </a:t>
+            </a:r>
+            <a:r>
+              <a:rPr/>
+              <a:t>six</a:t>
+            </a:r>
+            <a:r>
+              <a:rPr/>
+              <a:t> </a:t>
+            </a:r>
+            <a:r>
+              <a:rPr/>
+              <a:t>observations</a:t>
+            </a:r>
+          </a:p>
+        </p:txBody>
+      </p:sp>
+      <p:sp>
+        <p:nvSpPr>
+          <p:cNvPr id="3" name="Content Placeholder 2"/>
+          <p:cNvSpPr>
+            <a:spLocks noGrp="1"/>
+          </p:cNvSpPr>
+          <p:nvPr>
+            <p:ph idx="1"/>
+          </p:nvPr>
+        </p:nvSpPr>
+        <p:spPr/>
+        <p:txBody>
+          <a:bodyPr/>
+          <a:lstStyle/>
+          <a:p>
+            <a:pPr lvl="0" indent="0">
+              <a:buNone/>
+            </a:pPr>
+            <a:r>
+              <a:rPr>
+                <a:latin typeface="Courier"/>
+              </a:rPr>
+              <a:t>  group c_sections births prob
+1    1A        150    923 0.16
+2    1K         45    298 0.15
+3    1B         34    170 0.20
+4    1D         18    132 0.14
+5    3I         20    106 0.19
+6    3M         12    105 0.11</a:t>
+            </a:r>
+          </a:p>
+        </p:txBody>
+      </p:sp>
+    </p:spTree>
+  </p:cSld>
+</p:sld>
+</file>
+
 <file path=ppt/slides/slide37.xml><?xml version="1.0" encoding="utf-8"?>
 <p:sld xmlns:a="http://schemas.openxmlformats.org/drawingml/2006/main" xmlns:r="http://schemas.openxmlformats.org/officeDocument/2006/relationships" xmlns:p="http://schemas.openxmlformats.org/presentationml/2006/main">
   <p:cSld>
@@ -37446,7 +39042,7 @@
             </a:r>
             <a:r>
               <a:rPr/>
-              <a:t>first</a:t>
+              <a:t>last</a:t>
             </a:r>
             <a:r>
               <a:rPr/>
@@ -37489,13 +39085,13 @@
               <a:rPr>
                 <a:latin typeface="Courier"/>
               </a:rPr>
-              <a:t>  group c_sections births prob
-1    1A        150    923 0.16
-2    1K         45    298 0.15
-3    1B         34    170 0.20
-4    1D         18    132 0.14
-5    3I         20    106 0.19
-6    3M         12    105 0.11</a:t>
+              <a:t>   group c_sections births prob
+24    3G          1     11 0.09
+25    1L          2     10 0.20
+26    1I          1      8 0.12
+27    1P          0      3 0.00
+28    1F          0      3 0.00
+29    1S          1      3 0.33</a:t>
             </a:r>
           </a:p>
         </p:txBody>
@@ -37506,110 +39102,6 @@
 </file>
 
 <file path=ppt/slides/slide38.xml><?xml version="1.0" encoding="utf-8"?>
-<p:sld xmlns:a="http://schemas.openxmlformats.org/drawingml/2006/main" xmlns:r="http://schemas.openxmlformats.org/officeDocument/2006/relationships" xmlns:p="http://schemas.openxmlformats.org/presentationml/2006/main">
-  <p:cSld>
-    <p:spTree>
-      <p:nvGrpSpPr>
-        <p:cNvPr id="1" name=""/>
-        <p:cNvGrpSpPr/>
-        <p:nvPr/>
-      </p:nvGrpSpPr>
-      <p:grpSpPr>
-        <a:xfrm>
-          <a:off x="0" y="0"/>
-          <a:ext cx="0" cy="0"/>
-          <a:chOff x="0" y="0"/>
-          <a:chExt cx="0" cy="0"/>
-        </a:xfrm>
-      </p:grpSpPr>
-      <p:sp>
-        <p:nvSpPr>
-          <p:cNvPr id="2" name="Title 1"/>
-          <p:cNvSpPr>
-            <a:spLocks noGrp="1"/>
-          </p:cNvSpPr>
-          <p:nvPr>
-            <p:ph type="title"/>
-          </p:nvPr>
-        </p:nvSpPr>
-        <p:spPr/>
-        <p:txBody>
-          <a:bodyPr/>
-          <a:lstStyle/>
-          <a:p>
-            <a:pPr lvl="0" marL="0" indent="0">
-              <a:buNone/>
-            </a:pPr>
-            <a:r>
-              <a:rPr/>
-              <a:t>C-sections,</a:t>
-            </a:r>
-            <a:r>
-              <a:rPr/>
-              <a:t> </a:t>
-            </a:r>
-            <a:r>
-              <a:rPr/>
-              <a:t>last</a:t>
-            </a:r>
-            <a:r>
-              <a:rPr/>
-              <a:t> </a:t>
-            </a:r>
-            <a:r>
-              <a:rPr/>
-              <a:t>six</a:t>
-            </a:r>
-            <a:r>
-              <a:rPr/>
-              <a:t> </a:t>
-            </a:r>
-            <a:r>
-              <a:rPr/>
-              <a:t>observations</a:t>
-            </a:r>
-          </a:p>
-        </p:txBody>
-      </p:sp>
-      <p:sp>
-        <p:nvSpPr>
-          <p:cNvPr id="3" name="Content Placeholder 2"/>
-          <p:cNvSpPr>
-            <a:spLocks noGrp="1"/>
-          </p:cNvSpPr>
-          <p:nvPr>
-            <p:ph idx="1"/>
-          </p:nvPr>
-        </p:nvSpPr>
-        <p:spPr/>
-        <p:txBody>
-          <a:bodyPr/>
-          <a:lstStyle/>
-          <a:p>
-            <a:pPr lvl="0" indent="0">
-              <a:buNone/>
-            </a:pPr>
-            <a:r>
-              <a:rPr>
-                <a:latin typeface="Courier"/>
-              </a:rPr>
-              <a:t>   group c_sections births prob
-24    3G          1     11 0.09
-25    1L          2     10 0.20
-26    1I          1      8 0.12
-27    1P          0      3 0.00
-28    1F          0      3 0.00
-29    1S          1      3 0.33</a:t>
-            </a:r>
-          </a:p>
-        </p:txBody>
-      </p:sp>
-    </p:spTree>
-  </p:cSld>
-</p:sld>
-</file>
-
-<file path=ppt/slides/slide39.xml><?xml version="1.0" encoding="utf-8"?>
 <p:sld xmlns:a="http://schemas.openxmlformats.org/drawingml/2006/main" xmlns:r="http://schemas.openxmlformats.org/officeDocument/2006/relationships" xmlns:p="http://schemas.openxmlformats.org/presentationml/2006/main">
   <p:cSld>
     <p:spTree>
@@ -37772,178 +39264,7 @@
 </p:sld>
 </file>
 
-<file path=ppt/slides/slide4.xml><?xml version="1.0" encoding="utf-8"?>
-<p:sld xmlns:a="http://schemas.openxmlformats.org/drawingml/2006/main" xmlns:r="http://schemas.openxmlformats.org/officeDocument/2006/relationships" xmlns:p="http://schemas.openxmlformats.org/presentationml/2006/main">
-  <p:cSld>
-    <p:spTree>
-      <p:nvGrpSpPr>
-        <p:cNvPr id="1" name=""/>
-        <p:cNvGrpSpPr/>
-        <p:nvPr/>
-      </p:nvGrpSpPr>
-      <p:grpSpPr>
-        <a:xfrm>
-          <a:off x="0" y="0"/>
-          <a:ext cx="0" cy="0"/>
-          <a:chOff x="0" y="0"/>
-          <a:chExt cx="0" cy="0"/>
-        </a:xfrm>
-      </p:grpSpPr>
-      <p:sp>
-        <p:nvSpPr>
-          <p:cNvPr id="2" name="Title 1"/>
-          <p:cNvSpPr>
-            <a:spLocks noGrp="1"/>
-          </p:cNvSpPr>
-          <p:nvPr>
-            <p:ph type="title"/>
-          </p:nvPr>
-        </p:nvSpPr>
-        <p:spPr/>
-        <p:txBody>
-          <a:bodyPr/>
-          <a:lstStyle/>
-          <a:p>
-            <a:pPr lvl="0" marL="0" indent="0">
-              <a:buNone/>
-            </a:pPr>
-            <a:r>
-              <a:rPr/>
-              <a:t>ANOM</a:t>
-            </a:r>
-            <a:r>
-              <a:rPr/>
-              <a:t> </a:t>
-            </a:r>
-            <a:r>
-              <a:rPr/>
-              <a:t>example:</a:t>
-            </a:r>
-            <a:r>
-              <a:rPr/>
-              <a:t> </a:t>
-            </a:r>
-            <a:r>
-              <a:rPr/>
-              <a:t>Monsoon</a:t>
-            </a:r>
-            <a:r>
-              <a:rPr/>
-              <a:t> </a:t>
-            </a:r>
-            <a:r>
-              <a:rPr/>
-              <a:t>distribution</a:t>
-            </a:r>
-          </a:p>
-        </p:txBody>
-      </p:sp>
-      <p:pic>
-        <p:nvPicPr>
-          <p:cNvPr descr="images/anom-example-monsoons.png" id="0" name="Picture 1"/>
-          <p:cNvPicPr>
-            <a:picLocks noGrp="1" noChangeAspect="1"/>
-          </p:cNvPicPr>
-          <p:nvPr/>
-        </p:nvPicPr>
-        <p:blipFill>
-          <a:blip r:embed="rId3"/>
-          <a:stretch>
-            <a:fillRect/>
-          </a:stretch>
-        </p:blipFill>
-        <p:spPr bwMode="auto">
-          <a:xfrm>
-            <a:off x="457200" y="1638300"/>
-            <a:ext cx="8229600" cy="3924300"/>
-          </a:xfrm>
-          <a:prstGeom prst="rect">
-            <a:avLst/>
-          </a:prstGeom>
-          <a:noFill/>
-          <a:ln w="9525">
-            <a:noFill/>
-            <a:headEnd/>
-            <a:tailEnd/>
-          </a:ln>
-        </p:spPr>
-      </p:pic>
-      <p:sp>
-        <p:nvSpPr>
-          <p:cNvPr id="1" name="TextBox 3"/>
-          <p:cNvSpPr txBox="1"/>
-          <p:nvPr/>
-        </p:nvSpPr>
-        <p:spPr>
-          <a:xfrm>
-            <a:off x="457200" y="5613400"/>
-            <a:ext cx="8229600" cy="508000"/>
-          </a:xfrm>
-          <a:prstGeom prst="rect">
-            <a:avLst/>
-          </a:prstGeom>
-          <a:noFill/>
-        </p:spPr>
-        <p:txBody>
-          <a:bodyPr/>
-          <a:lstStyle/>
-          <a:p>
-            <a:pPr lvl="0" marL="0" indent="0" algn="ctr">
-              <a:buNone/>
-            </a:pPr>
-            <a:r>
-              <a:rPr/>
-              <a:t>Figure</a:t>
-            </a:r>
-            <a:r>
-              <a:rPr/>
-              <a:t> </a:t>
-            </a:r>
-            <a:r>
-              <a:rPr/>
-              <a:t>1.</a:t>
-            </a:r>
-            <a:r>
-              <a:rPr/>
-              <a:t> </a:t>
-            </a:r>
-            <a:r>
-              <a:rPr/>
-              <a:t>Excerpt</a:t>
-            </a:r>
-            <a:r>
-              <a:rPr/>
-              <a:t> </a:t>
-            </a:r>
-            <a:r>
-              <a:rPr/>
-              <a:t>from</a:t>
-            </a:r>
-            <a:r>
-              <a:rPr/>
-              <a:t> </a:t>
-            </a:r>
-            <a:r>
-              <a:rPr/>
-              <a:t>research</a:t>
-            </a:r>
-            <a:r>
-              <a:rPr/>
-              <a:t> </a:t>
-            </a:r>
-            <a:r>
-              <a:rPr/>
-              <a:t>article</a:t>
-            </a:r>
-          </a:p>
-        </p:txBody>
-      </p:sp>
-    </p:spTree>
-  </p:cSld>
-</p:sld>
-</file>
-
-<file path=ppt/slides/slide40.xml><?xml version="1.0" encoding="utf-8"?>
+<file path=ppt/slides/slide39.xml><?xml version="1.0" encoding="utf-8"?>
 <p:sld xmlns:a="http://schemas.openxmlformats.org/drawingml/2006/main" xmlns:r="http://schemas.openxmlformats.org/officeDocument/2006/relationships" xmlns:p="http://schemas.openxmlformats.org/presentationml/2006/main">
   <p:cSld>
     <p:spTree>
@@ -38146,7 +39467,178 @@
 </p:sld>
 </file>
 
-<file path=ppt/slides/slide41.xml><?xml version="1.0" encoding="utf-8"?>
+<file path=ppt/slides/slide4.xml><?xml version="1.0" encoding="utf-8"?>
+<p:sld xmlns:a="http://schemas.openxmlformats.org/drawingml/2006/main" xmlns:r="http://schemas.openxmlformats.org/officeDocument/2006/relationships" xmlns:p="http://schemas.openxmlformats.org/presentationml/2006/main">
+  <p:cSld>
+    <p:spTree>
+      <p:nvGrpSpPr>
+        <p:cNvPr id="1" name=""/>
+        <p:cNvGrpSpPr/>
+        <p:nvPr/>
+      </p:nvGrpSpPr>
+      <p:grpSpPr>
+        <a:xfrm>
+          <a:off x="0" y="0"/>
+          <a:ext cx="0" cy="0"/>
+          <a:chOff x="0" y="0"/>
+          <a:chExt cx="0" cy="0"/>
+        </a:xfrm>
+      </p:grpSpPr>
+      <p:sp>
+        <p:nvSpPr>
+          <p:cNvPr id="2" name="Title 1"/>
+          <p:cNvSpPr>
+            <a:spLocks noGrp="1"/>
+          </p:cNvSpPr>
+          <p:nvPr>
+            <p:ph type="title"/>
+          </p:nvPr>
+        </p:nvSpPr>
+        <p:spPr/>
+        <p:txBody>
+          <a:bodyPr/>
+          <a:lstStyle/>
+          <a:p>
+            <a:pPr lvl="0" marL="0" indent="0">
+              <a:buNone/>
+            </a:pPr>
+            <a:r>
+              <a:rPr/>
+              <a:t>ANOM</a:t>
+            </a:r>
+            <a:r>
+              <a:rPr/>
+              <a:t> </a:t>
+            </a:r>
+            <a:r>
+              <a:rPr/>
+              <a:t>example:</a:t>
+            </a:r>
+            <a:r>
+              <a:rPr/>
+              <a:t> </a:t>
+            </a:r>
+            <a:r>
+              <a:rPr/>
+              <a:t>Physician</a:t>
+            </a:r>
+            <a:r>
+              <a:rPr/>
+              <a:t> </a:t>
+            </a:r>
+            <a:r>
+              <a:rPr/>
+              <a:t>referrals</a:t>
+            </a:r>
+          </a:p>
+        </p:txBody>
+      </p:sp>
+      <p:pic>
+        <p:nvPicPr>
+          <p:cNvPr descr="images/anom-example-referral.png" id="0" name="Picture 1"/>
+          <p:cNvPicPr>
+            <a:picLocks noGrp="1" noChangeAspect="1"/>
+          </p:cNvPicPr>
+          <p:nvPr/>
+        </p:nvPicPr>
+        <p:blipFill>
+          <a:blip r:embed="rId3"/>
+          <a:stretch>
+            <a:fillRect/>
+          </a:stretch>
+        </p:blipFill>
+        <p:spPr bwMode="auto">
+          <a:xfrm>
+            <a:off x="457200" y="1612900"/>
+            <a:ext cx="8229600" cy="4000500"/>
+          </a:xfrm>
+          <a:prstGeom prst="rect">
+            <a:avLst/>
+          </a:prstGeom>
+          <a:noFill/>
+          <a:ln w="9525">
+            <a:noFill/>
+            <a:headEnd/>
+            <a:tailEnd/>
+          </a:ln>
+        </p:spPr>
+      </p:pic>
+      <p:sp>
+        <p:nvSpPr>
+          <p:cNvPr id="1" name="TextBox 3"/>
+          <p:cNvSpPr txBox="1"/>
+          <p:nvPr/>
+        </p:nvSpPr>
+        <p:spPr>
+          <a:xfrm>
+            <a:off x="457200" y="5613400"/>
+            <a:ext cx="8229600" cy="508000"/>
+          </a:xfrm>
+          <a:prstGeom prst="rect">
+            <a:avLst/>
+          </a:prstGeom>
+          <a:noFill/>
+        </p:spPr>
+        <p:txBody>
+          <a:bodyPr/>
+          <a:lstStyle/>
+          <a:p>
+            <a:pPr lvl="0" marL="0" indent="0" algn="ctr">
+              <a:buNone/>
+            </a:pPr>
+            <a:r>
+              <a:rPr/>
+              <a:t>Figure</a:t>
+            </a:r>
+            <a:r>
+              <a:rPr/>
+              <a:t> </a:t>
+            </a:r>
+            <a:r>
+              <a:rPr/>
+              <a:t>2.</a:t>
+            </a:r>
+            <a:r>
+              <a:rPr/>
+              <a:t> </a:t>
+            </a:r>
+            <a:r>
+              <a:rPr/>
+              <a:t>Excerpt</a:t>
+            </a:r>
+            <a:r>
+              <a:rPr/>
+              <a:t> </a:t>
+            </a:r>
+            <a:r>
+              <a:rPr/>
+              <a:t>from</a:t>
+            </a:r>
+            <a:r>
+              <a:rPr/>
+              <a:t> </a:t>
+            </a:r>
+            <a:r>
+              <a:rPr/>
+              <a:t>research</a:t>
+            </a:r>
+            <a:r>
+              <a:rPr/>
+              <a:t> </a:t>
+            </a:r>
+            <a:r>
+              <a:rPr/>
+              <a:t>article</a:t>
+            </a:r>
+          </a:p>
+        </p:txBody>
+      </p:sp>
+    </p:spTree>
+  </p:cSld>
+</p:sld>
+</file>
+
+<file path=ppt/slides/slide40.xml><?xml version="1.0" encoding="utf-8"?>
 <p:sld xmlns:a="http://schemas.openxmlformats.org/drawingml/2006/main" xmlns:r="http://schemas.openxmlformats.org/officeDocument/2006/relationships" xmlns:p="http://schemas.openxmlformats.org/presentationml/2006/main">
   <p:cSld>
     <p:spTree>
@@ -38309,6 +39801,109 @@
 </p:sld>
 </file>
 
+<file path=ppt/slides/slide41.xml><?xml version="1.0" encoding="utf-8"?>
+<p:sld xmlns:a="http://schemas.openxmlformats.org/drawingml/2006/main" xmlns:r="http://schemas.openxmlformats.org/officeDocument/2006/relationships" xmlns:p="http://schemas.openxmlformats.org/presentationml/2006/main">
+  <p:cSld>
+    <p:spTree>
+      <p:nvGrpSpPr>
+        <p:cNvPr id="1" name=""/>
+        <p:cNvGrpSpPr/>
+        <p:nvPr/>
+      </p:nvGrpSpPr>
+      <p:grpSpPr>
+        <a:xfrm>
+          <a:off x="0" y="0"/>
+          <a:ext cx="0" cy="0"/>
+          <a:chOff x="0" y="0"/>
+          <a:chExt cx="0" cy="0"/>
+        </a:xfrm>
+      </p:grpSpPr>
+      <p:sp>
+        <p:nvSpPr>
+          <p:cNvPr id="2" name="Title 1"/>
+          <p:cNvSpPr>
+            <a:spLocks noGrp="1"/>
+          </p:cNvSpPr>
+          <p:nvPr>
+            <p:ph type="title"/>
+          </p:nvPr>
+        </p:nvSpPr>
+        <p:spPr/>
+        <p:txBody>
+          <a:bodyPr/>
+          <a:lstStyle/>
+          <a:p>
+            <a:pPr lvl="0" marL="0" indent="0">
+              <a:buNone/>
+            </a:pPr>
+            <a:r>
+              <a:rPr/>
+              <a:t>Cat</a:t>
+            </a:r>
+            <a:r>
+              <a:rPr/>
+              <a:t> </a:t>
+            </a:r>
+            <a:r>
+              <a:rPr/>
+              <a:t>scans,</a:t>
+            </a:r>
+            <a:r>
+              <a:rPr/>
+              <a:t> </a:t>
+            </a:r>
+            <a:r>
+              <a:rPr/>
+              <a:t>raw</a:t>
+            </a:r>
+            <a:r>
+              <a:rPr/>
+              <a:t> </a:t>
+            </a:r>
+            <a:r>
+              <a:rPr/>
+              <a:t>data</a:t>
+            </a:r>
+          </a:p>
+        </p:txBody>
+      </p:sp>
+      <p:sp>
+        <p:nvSpPr>
+          <p:cNvPr id="3" name="Content Placeholder 2"/>
+          <p:cNvSpPr>
+            <a:spLocks noGrp="1"/>
+          </p:cNvSpPr>
+          <p:nvPr>
+            <p:ph idx="1"/>
+          </p:nvPr>
+        </p:nvSpPr>
+        <p:spPr/>
+        <p:txBody>
+          <a:bodyPr/>
+          <a:lstStyle/>
+          <a:p>
+            <a:pPr lvl="0" indent="0">
+              <a:buNone/>
+            </a:pPr>
+            <a:r>
+              <a:rPr>
+                <a:latin typeface="Courier"/>
+              </a:rPr>
+              <a:t>  cat_scans members rate
+1        50  26.838 1.86
+2        71  26.895 2.64
+3        41  26.142 1.57
+4        62  25.907 2.39
+5        89  26.565 3.35</a:t>
+            </a:r>
+          </a:p>
+        </p:txBody>
+      </p:sp>
+    </p:spTree>
+  </p:cSld>
+</p:sld>
+</file>
+
 <file path=ppt/slides/slide42.xml><?xml version="1.0" encoding="utf-8"?>
 <p:sld xmlns:a="http://schemas.openxmlformats.org/drawingml/2006/main" xmlns:r="http://schemas.openxmlformats.org/officeDocument/2006/relationships" xmlns:p="http://schemas.openxmlformats.org/presentationml/2006/main">
   <p:cSld>
@@ -38346,7 +39941,7 @@
             </a:pPr>
             <a:r>
               <a:rPr/>
-              <a:t>Cat</a:t>
+              <a:t>CAT</a:t>
             </a:r>
             <a:r>
               <a:rPr/>
@@ -38362,15 +39957,15 @@
             </a:r>
             <a:r>
               <a:rPr/>
-              <a:t>raw</a:t>
-            </a:r>
-            <a:r>
-              <a:rPr/>
-              <a:t> </a:t>
-            </a:r>
-            <a:r>
-              <a:rPr/>
-              <a:t>data</a:t>
+              <a:t>overall</a:t>
+            </a:r>
+            <a:r>
+              <a:rPr/>
+              <a:t> </a:t>
+            </a:r>
+            <a:r>
+              <a:rPr/>
+              <a:t>rates</a:t>
             </a:r>
           </a:p>
         </p:txBody>
@@ -38390,19 +39985,12 @@
           <a:bodyPr/>
           <a:lstStyle/>
           <a:p>
-            <a:pPr lvl="0" indent="0">
+            <a:pPr lvl="0" marL="0" indent="0">
               <a:buNone/>
             </a:pPr>
             <a:r>
-              <a:rPr>
-                <a:latin typeface="Courier"/>
-              </a:rPr>
-              <a:t>  cat_scans members rate
-1        50  26.838 1.86
-2        71  26.895 2.64
-3        41  26.142 1.57
-4        62  25.907 2.39
-5        89  26.565 3.35</a:t>
+              <a:rPr/>
+              <a:t>There are 313 CAT scans and 132.347 thousand members across all clinics, providing an overall rate of 2.36 scans per thousand patients.</a:t>
             </a:r>
           </a:p>
         </p:txBody>
@@ -38413,102 +40001,6 @@
 </file>
 
 <file path=ppt/slides/slide43.xml><?xml version="1.0" encoding="utf-8"?>
-<p:sld xmlns:a="http://schemas.openxmlformats.org/drawingml/2006/main" xmlns:r="http://schemas.openxmlformats.org/officeDocument/2006/relationships" xmlns:p="http://schemas.openxmlformats.org/presentationml/2006/main">
-  <p:cSld>
-    <p:spTree>
-      <p:nvGrpSpPr>
-        <p:cNvPr id="1" name=""/>
-        <p:cNvGrpSpPr/>
-        <p:nvPr/>
-      </p:nvGrpSpPr>
-      <p:grpSpPr>
-        <a:xfrm>
-          <a:off x="0" y="0"/>
-          <a:ext cx="0" cy="0"/>
-          <a:chOff x="0" y="0"/>
-          <a:chExt cx="0" cy="0"/>
-        </a:xfrm>
-      </p:grpSpPr>
-      <p:sp>
-        <p:nvSpPr>
-          <p:cNvPr id="2" name="Title 1"/>
-          <p:cNvSpPr>
-            <a:spLocks noGrp="1"/>
-          </p:cNvSpPr>
-          <p:nvPr>
-            <p:ph type="title"/>
-          </p:nvPr>
-        </p:nvSpPr>
-        <p:spPr/>
-        <p:txBody>
-          <a:bodyPr/>
-          <a:lstStyle/>
-          <a:p>
-            <a:pPr lvl="0" marL="0" indent="0">
-              <a:buNone/>
-            </a:pPr>
-            <a:r>
-              <a:rPr/>
-              <a:t>CAT</a:t>
-            </a:r>
-            <a:r>
-              <a:rPr/>
-              <a:t> </a:t>
-            </a:r>
-            <a:r>
-              <a:rPr/>
-              <a:t>scans,</a:t>
-            </a:r>
-            <a:r>
-              <a:rPr/>
-              <a:t> </a:t>
-            </a:r>
-            <a:r>
-              <a:rPr/>
-              <a:t>overall</a:t>
-            </a:r>
-            <a:r>
-              <a:rPr/>
-              <a:t> </a:t>
-            </a:r>
-            <a:r>
-              <a:rPr/>
-              <a:t>rates</a:t>
-            </a:r>
-          </a:p>
-        </p:txBody>
-      </p:sp>
-      <p:sp>
-        <p:nvSpPr>
-          <p:cNvPr id="3" name="Content Placeholder 2"/>
-          <p:cNvSpPr>
-            <a:spLocks noGrp="1"/>
-          </p:cNvSpPr>
-          <p:nvPr>
-            <p:ph idx="1"/>
-          </p:nvPr>
-        </p:nvSpPr>
-        <p:spPr/>
-        <p:txBody>
-          <a:bodyPr/>
-          <a:lstStyle/>
-          <a:p>
-            <a:pPr lvl="0" marL="0" indent="0">
-              <a:buNone/>
-            </a:pPr>
-            <a:r>
-              <a:rPr/>
-              <a:t>There are 313 CAT scans and 132.347 thousand members across all clinics, providing an overall rate of 2.36 scans per thousand patients.</a:t>
-            </a:r>
-          </a:p>
-        </p:txBody>
-      </p:sp>
-    </p:spTree>
-  </p:cSld>
-</p:sld>
-</file>
-
-<file path=ppt/slides/slide44.xml><?xml version="1.0" encoding="utf-8"?>
 <p:sld xmlns:a="http://schemas.openxmlformats.org/drawingml/2006/main" xmlns:r="http://schemas.openxmlformats.org/officeDocument/2006/relationships" xmlns:p="http://schemas.openxmlformats.org/presentationml/2006/main">
   <p:cSld>
     <p:spTree>
@@ -38703,7 +40195,7 @@
 </p:sld>
 </file>
 
-<file path=ppt/slides/slide45.xml><?xml version="1.0" encoding="utf-8"?>
+<file path=ppt/slides/slide44.xml><?xml version="1.0" encoding="utf-8"?>
 <p:sld xmlns:a="http://schemas.openxmlformats.org/drawingml/2006/main" xmlns:r="http://schemas.openxmlformats.org/officeDocument/2006/relationships" xmlns:p="http://schemas.openxmlformats.org/presentationml/2006/main">
   <p:cSld>
     <p:spTree>
@@ -39063,7 +40555,7 @@
                 <a:pPr lvl="2"/>
                 <a:r>
                   <a:rPr/>
-                  <a:t>This clinic’s CAT scan rate is not differnt from the overall CAT scan rate.</a:t>
+                  <a:t>This clinic’s CAT scan rate is not different from the overall CAT scan rate.</a:t>
                 </a:r>
               </a:p>
             </p:txBody>
@@ -39075,7 +40567,7 @@
 </p:sld>
 </file>
 
-<file path=ppt/slides/slide46.xml><?xml version="1.0" encoding="utf-8"?>
+<file path=ppt/slides/slide45.xml><?xml version="1.0" encoding="utf-8"?>
 <p:sld xmlns:a="http://schemas.openxmlformats.org/drawingml/2006/main" xmlns:r="http://schemas.openxmlformats.org/officeDocument/2006/relationships" xmlns:p="http://schemas.openxmlformats.org/presentationml/2006/main">
   <p:cSld>
     <p:spTree>
@@ -39302,6 +40794,151 @@
 </p:sld>
 </file>
 
+<file path=ppt/slides/slide46.xml><?xml version="1.0" encoding="utf-8"?>
+<p:sld xmlns:a="http://schemas.openxmlformats.org/drawingml/2006/main" xmlns:r="http://schemas.openxmlformats.org/officeDocument/2006/relationships" xmlns:p="http://schemas.openxmlformats.org/presentationml/2006/main">
+  <p:cSld>
+    <p:spTree>
+      <p:nvGrpSpPr>
+        <p:cNvPr id="1" name=""/>
+        <p:cNvGrpSpPr/>
+        <p:nvPr/>
+      </p:nvGrpSpPr>
+      <p:grpSpPr>
+        <a:xfrm>
+          <a:off x="0" y="0"/>
+          <a:ext cx="0" cy="0"/>
+          <a:chOff x="0" y="0"/>
+          <a:chExt cx="0" cy="0"/>
+        </a:xfrm>
+      </p:grpSpPr>
+      <p:sp>
+        <p:nvSpPr>
+          <p:cNvPr id="2" name="Title 1"/>
+          <p:cNvSpPr>
+            <a:spLocks noGrp="1"/>
+          </p:cNvSpPr>
+          <p:nvPr>
+            <p:ph type="title"/>
+          </p:nvPr>
+        </p:nvSpPr>
+        <p:spPr/>
+        <p:txBody>
+          <a:bodyPr/>
+          <a:lstStyle/>
+          <a:p>
+            <a:pPr lvl="0" marL="0" indent="0">
+              <a:buNone/>
+            </a:pPr>
+            <a:r>
+              <a:rPr/>
+              <a:t>Stop</a:t>
+            </a:r>
+            <a:r>
+              <a:rPr/>
+              <a:t> </a:t>
+            </a:r>
+            <a:r>
+              <a:rPr/>
+              <a:t>here</a:t>
+            </a:r>
+            <a:r>
+              <a:rPr/>
+              <a:t> </a:t>
+            </a:r>
+            <a:r>
+              <a:rPr/>
+              <a:t>if</a:t>
+            </a:r>
+            <a:r>
+              <a:rPr/>
+              <a:t> </a:t>
+            </a:r>
+            <a:r>
+              <a:rPr/>
+              <a:t>there</a:t>
+            </a:r>
+            <a:r>
+              <a:rPr/>
+              <a:t> </a:t>
+            </a:r>
+            <a:r>
+              <a:rPr/>
+              <a:t>are</a:t>
+            </a:r>
+            <a:r>
+              <a:rPr/>
+              <a:t> </a:t>
+            </a:r>
+            <a:r>
+              <a:rPr/>
+              <a:t>questions</a:t>
+            </a:r>
+          </a:p>
+        </p:txBody>
+      </p:sp>
+      <p:sp>
+        <p:nvSpPr>
+          <p:cNvPr id="3" name="Content Placeholder 2"/>
+          <p:cNvSpPr>
+            <a:spLocks noGrp="1"/>
+          </p:cNvSpPr>
+          <p:nvPr>
+            <p:ph idx="1"/>
+          </p:nvPr>
+        </p:nvSpPr>
+        <p:spPr/>
+        <p:txBody>
+          <a:bodyPr/>
+          <a:lstStyle/>
+          <a:p>
+            <a:pPr lvl="1"/>
+            <a:r>
+              <a:rPr/>
+              <a:t>What you’ve seen</a:t>
+            </a:r>
+          </a:p>
+          <a:p>
+            <a:pPr lvl="2"/>
+            <a:r>
+              <a:rPr/>
+              <a:t>Extensions to proportions and counts</a:t>
+            </a:r>
+          </a:p>
+          <a:p>
+            <a:pPr lvl="1"/>
+            <a:r>
+              <a:rPr/>
+              <a:t>What’s coming up</a:t>
+            </a:r>
+          </a:p>
+          <a:p>
+            <a:pPr lvl="2"/>
+            <a:r>
+              <a:rPr/>
+              <a:t>Other extensions</a:t>
+            </a:r>
+          </a:p>
+          <a:p>
+            <a:pPr lvl="2"/>
+            <a:r>
+              <a:rPr/>
+              <a:t>How to interpret</a:t>
+            </a:r>
+          </a:p>
+          <a:p>
+            <a:pPr lvl="2"/>
+            <a:r>
+              <a:rPr/>
+              <a:t>Contraindications</a:t>
+            </a:r>
+          </a:p>
+        </p:txBody>
+      </p:sp>
+    </p:spTree>
+  </p:cSld>
+</p:sld>
+</file>
+
 <file path=ppt/slides/slide47.xml><?xml version="1.0" encoding="utf-8"?>
 <p:sld xmlns:a="http://schemas.openxmlformats.org/drawingml/2006/main" xmlns:r="http://schemas.openxmlformats.org/officeDocument/2006/relationships" xmlns:p="http://schemas.openxmlformats.org/presentationml/2006/main">
   <p:cSld>
@@ -39339,47 +40976,31 @@
             </a:pPr>
             <a:r>
               <a:rPr/>
-              <a:t>Stop</a:t>
-            </a:r>
-            <a:r>
-              <a:rPr/>
-              <a:t> </a:t>
-            </a:r>
-            <a:r>
-              <a:rPr/>
-              <a:t>here</a:t>
-            </a:r>
-            <a:r>
-              <a:rPr/>
-              <a:t> </a:t>
-            </a:r>
-            <a:r>
-              <a:rPr/>
-              <a:t>if</a:t>
-            </a:r>
-            <a:r>
-              <a:rPr/>
-              <a:t> </a:t>
-            </a:r>
-            <a:r>
-              <a:rPr/>
-              <a:t>there</a:t>
-            </a:r>
-            <a:r>
-              <a:rPr/>
-              <a:t> </a:t>
-            </a:r>
-            <a:r>
-              <a:rPr/>
-              <a:t>are</a:t>
-            </a:r>
-            <a:r>
-              <a:rPr/>
-              <a:t> </a:t>
-            </a:r>
-            <a:r>
-              <a:rPr/>
-              <a:t>questions</a:t>
+              <a:t>Other</a:t>
+            </a:r>
+            <a:r>
+              <a:rPr/>
+              <a:t> </a:t>
+            </a:r>
+            <a:r>
+              <a:rPr/>
+              <a:t>extensions</a:t>
+            </a:r>
+            <a:r>
+              <a:rPr/>
+              <a:t> </a:t>
+            </a:r>
+            <a:r>
+              <a:rPr/>
+              <a:t>of</a:t>
+            </a:r>
+            <a:r>
+              <a:rPr/>
+              <a:t> </a:t>
+            </a:r>
+            <a:r>
+              <a:rPr/>
+              <a:t>ANOM</a:t>
             </a:r>
           </a:p>
         </p:txBody>
@@ -39402,42 +41023,28 @@
             <a:pPr lvl="1"/>
             <a:r>
               <a:rPr/>
-              <a:t>What you’ve seen</a:t>
-            </a:r>
-          </a:p>
-          <a:p>
-            <a:pPr lvl="2"/>
-            <a:r>
-              <a:rPr/>
-              <a:t>Extensions to proportions and counts</a:t>
+              <a:t>ANOM using the range instead of the standard deviation</a:t>
             </a:r>
           </a:p>
           <a:p>
             <a:pPr lvl="1"/>
             <a:r>
               <a:rPr/>
-              <a:t>What’s coming up</a:t>
-            </a:r>
-          </a:p>
-          <a:p>
-            <a:pPr lvl="2"/>
-            <a:r>
-              <a:rPr/>
-              <a:t>Other extensions</a:t>
-            </a:r>
-          </a:p>
-          <a:p>
-            <a:pPr lvl="2"/>
-            <a:r>
-              <a:rPr/>
-              <a:t>How to interpret</a:t>
-            </a:r>
-          </a:p>
-          <a:p>
-            <a:pPr lvl="2"/>
-            <a:r>
-              <a:rPr/>
-              <a:t>Contraindications</a:t>
+              <a:t>Multifactor studies</a:t>
+            </a:r>
+          </a:p>
+          <a:p>
+            <a:pPr lvl="1"/>
+            <a:r>
+              <a:rPr/>
+              <a:t>Nonparametric approaches</a:t>
+            </a:r>
+          </a:p>
+          <a:p>
+            <a:pPr lvl="1"/>
+            <a:r>
+              <a:rPr/>
+              <a:t>Testing variances</a:t>
             </a:r>
           </a:p>
         </p:txBody>
@@ -39484,31 +41091,31 @@
             </a:pPr>
             <a:r>
               <a:rPr/>
-              <a:t>Other</a:t>
-            </a:r>
-            <a:r>
-              <a:rPr/>
-              <a:t> </a:t>
-            </a:r>
-            <a:r>
-              <a:rPr/>
-              <a:t>extensions</a:t>
-            </a:r>
-            <a:r>
-              <a:rPr/>
-              <a:t> </a:t>
-            </a:r>
-            <a:r>
-              <a:rPr/>
-              <a:t>of</a:t>
-            </a:r>
-            <a:r>
-              <a:rPr/>
-              <a:t> </a:t>
-            </a:r>
-            <a:r>
-              <a:rPr/>
-              <a:t>ANOM</a:t>
+              <a:t>How</a:t>
+            </a:r>
+            <a:r>
+              <a:rPr/>
+              <a:t> </a:t>
+            </a:r>
+            <a:r>
+              <a:rPr/>
+              <a:t>to</a:t>
+            </a:r>
+            <a:r>
+              <a:rPr/>
+              <a:t> </a:t>
+            </a:r>
+            <a:r>
+              <a:rPr/>
+              <a:t>handle</a:t>
+            </a:r>
+            <a:r>
+              <a:rPr/>
+              <a:t> </a:t>
+            </a:r>
+            <a:r>
+              <a:rPr/>
+              <a:t>results</a:t>
             </a:r>
           </a:p>
         </p:txBody>
@@ -39531,28 +41138,49 @@
             <a:pPr lvl="1"/>
             <a:r>
               <a:rPr/>
-              <a:t>ANOM using ranks</a:t>
+              <a:t>Negative result implies consistency</a:t>
+            </a:r>
+          </a:p>
+          <a:p>
+            <a:pPr lvl="2"/>
+            <a:r>
+              <a:rPr/>
+              <a:t>But is it consistently bad?</a:t>
+            </a:r>
+          </a:p>
+          <a:p>
+            <a:pPr lvl="2"/>
+            <a:r>
+              <a:rPr/>
+              <a:t>Work on global changes</a:t>
             </a:r>
           </a:p>
           <a:p>
             <a:pPr lvl="1"/>
             <a:r>
               <a:rPr/>
-              <a:t>Multifactor studies</a:t>
+              <a:t>Positive result implies inconsistency</a:t>
+            </a:r>
+          </a:p>
+          <a:p>
+            <a:pPr lvl="2"/>
+            <a:r>
+              <a:rPr/>
+              <a:t>“If you can’t be a good example, then you’ll just have to be a horrible warning”</a:t>
+            </a:r>
+          </a:p>
+          <a:p>
+            <a:pPr lvl="2"/>
+            <a:r>
+              <a:rPr/>
+              <a:t>Work on local changes</a:t>
             </a:r>
           </a:p>
           <a:p>
             <a:pPr lvl="1"/>
             <a:r>
               <a:rPr/>
-              <a:t>Nonparametric approaches</a:t>
-            </a:r>
-          </a:p>
-          <a:p>
-            <a:pPr lvl="1"/>
-            <a:r>
-              <a:rPr/>
-              <a:t>Testing variances</a:t>
+              <a:t>Similar advice on control charts</a:t>
             </a:r>
           </a:p>
         </p:txBody>
@@ -39599,31 +41227,15 @@
             </a:pPr>
             <a:r>
               <a:rPr/>
-              <a:t>How</a:t>
-            </a:r>
-            <a:r>
-              <a:rPr/>
-              <a:t> </a:t>
-            </a:r>
-            <a:r>
-              <a:rPr/>
-              <a:t>to</a:t>
-            </a:r>
-            <a:r>
-              <a:rPr/>
-              <a:t> </a:t>
-            </a:r>
-            <a:r>
-              <a:rPr/>
-              <a:t>handle</a:t>
-            </a:r>
-            <a:r>
-              <a:rPr/>
-              <a:t> </a:t>
-            </a:r>
-            <a:r>
-              <a:rPr/>
-              <a:t>results</a:t>
+              <a:t>ANOM</a:t>
+            </a:r>
+            <a:r>
+              <a:rPr/>
+              <a:t> </a:t>
+            </a:r>
+            <a:r>
+              <a:rPr/>
+              <a:t>contraindications</a:t>
             </a:r>
           </a:p>
         </p:txBody>
@@ -39646,49 +41258,35 @@
             <a:pPr lvl="1"/>
             <a:r>
               <a:rPr/>
-              <a:t>Negative result implies consistency</a:t>
+              <a:t>Simplicity comes with a price</a:t>
+            </a:r>
+          </a:p>
+          <a:p>
+            <a:pPr lvl="1"/>
+            <a:r>
+              <a:rPr/>
+              <a:t>You should not use ANOM</a:t>
             </a:r>
           </a:p>
           <a:p>
             <a:pPr lvl="2"/>
             <a:r>
               <a:rPr/>
-              <a:t>But is it consistently bad?</a:t>
+              <a:t>when searching for the best group</a:t>
             </a:r>
           </a:p>
           <a:p>
             <a:pPr lvl="2"/>
             <a:r>
               <a:rPr/>
-              <a:t>Work on global changes</a:t>
-            </a:r>
-          </a:p>
-          <a:p>
-            <a:pPr lvl="1"/>
-            <a:r>
-              <a:rPr/>
-              <a:t>Positive result implies inconsistency</a:t>
+              <a:t>when comparing to a control group</a:t>
             </a:r>
           </a:p>
           <a:p>
             <a:pPr lvl="2"/>
             <a:r>
               <a:rPr/>
-              <a:t>“If you can’t be a good example, then you’ll just have to be a horrible warning”</a:t>
-            </a:r>
-          </a:p>
-          <a:p>
-            <a:pPr lvl="2"/>
-            <a:r>
-              <a:rPr/>
-              <a:t>Work on local changes</a:t>
-            </a:r>
-          </a:p>
-          <a:p>
-            <a:pPr lvl="1"/>
-            <a:r>
-              <a:rPr/>
-              <a:t>Similar advice on control charts</a:t>
+              <a:t>for a reward or punishment system</a:t>
             </a:r>
           </a:p>
         </p:txBody>
@@ -39699,388 +41297,6 @@
 </file>
 
 <file path=ppt/slides/slide5.xml><?xml version="1.0" encoding="utf-8"?>
-<p:sld xmlns:a="http://schemas.openxmlformats.org/drawingml/2006/main" xmlns:r="http://schemas.openxmlformats.org/officeDocument/2006/relationships" xmlns:p="http://schemas.openxmlformats.org/presentationml/2006/main">
-  <p:cSld>
-    <p:spTree>
-      <p:nvGrpSpPr>
-        <p:cNvPr id="1" name=""/>
-        <p:cNvGrpSpPr/>
-        <p:nvPr/>
-      </p:nvGrpSpPr>
-      <p:grpSpPr>
-        <a:xfrm>
-          <a:off x="0" y="0"/>
-          <a:ext cx="0" cy="0"/>
-          <a:chOff x="0" y="0"/>
-          <a:chExt cx="0" cy="0"/>
-        </a:xfrm>
-      </p:grpSpPr>
-      <p:sp>
-        <p:nvSpPr>
-          <p:cNvPr id="2" name="Title 1"/>
-          <p:cNvSpPr>
-            <a:spLocks noGrp="1"/>
-          </p:cNvSpPr>
-          <p:nvPr>
-            <p:ph type="title"/>
-          </p:nvPr>
-        </p:nvSpPr>
-        <p:spPr/>
-        <p:txBody>
-          <a:bodyPr/>
-          <a:lstStyle/>
-          <a:p>
-            <a:pPr lvl="0" marL="0" indent="0">
-              <a:buNone/>
-            </a:pPr>
-            <a:r>
-              <a:rPr/>
-              <a:t>ANOM</a:t>
-            </a:r>
-            <a:r>
-              <a:rPr/>
-              <a:t> </a:t>
-            </a:r>
-            <a:r>
-              <a:rPr/>
-              <a:t>example:</a:t>
-            </a:r>
-            <a:r>
-              <a:rPr/>
-              <a:t> </a:t>
-            </a:r>
-            <a:r>
-              <a:rPr/>
-              <a:t>Physician</a:t>
-            </a:r>
-            <a:r>
-              <a:rPr/>
-              <a:t> </a:t>
-            </a:r>
-            <a:r>
-              <a:rPr/>
-              <a:t>referrals</a:t>
-            </a:r>
-          </a:p>
-        </p:txBody>
-      </p:sp>
-      <p:pic>
-        <p:nvPicPr>
-          <p:cNvPr descr="images/anom-example-referral.png" id="0" name="Picture 1"/>
-          <p:cNvPicPr>
-            <a:picLocks noGrp="1" noChangeAspect="1"/>
-          </p:cNvPicPr>
-          <p:nvPr/>
-        </p:nvPicPr>
-        <p:blipFill>
-          <a:blip r:embed="rId3"/>
-          <a:stretch>
-            <a:fillRect/>
-          </a:stretch>
-        </p:blipFill>
-        <p:spPr bwMode="auto">
-          <a:xfrm>
-            <a:off x="457200" y="1612900"/>
-            <a:ext cx="8229600" cy="4000500"/>
-          </a:xfrm>
-          <a:prstGeom prst="rect">
-            <a:avLst/>
-          </a:prstGeom>
-          <a:noFill/>
-          <a:ln w="9525">
-            <a:noFill/>
-            <a:headEnd/>
-            <a:tailEnd/>
-          </a:ln>
-        </p:spPr>
-      </p:pic>
-      <p:sp>
-        <p:nvSpPr>
-          <p:cNvPr id="1" name="TextBox 3"/>
-          <p:cNvSpPr txBox="1"/>
-          <p:nvPr/>
-        </p:nvSpPr>
-        <p:spPr>
-          <a:xfrm>
-            <a:off x="457200" y="5613400"/>
-            <a:ext cx="8229600" cy="508000"/>
-          </a:xfrm>
-          <a:prstGeom prst="rect">
-            <a:avLst/>
-          </a:prstGeom>
-          <a:noFill/>
-        </p:spPr>
-        <p:txBody>
-          <a:bodyPr/>
-          <a:lstStyle/>
-          <a:p>
-            <a:pPr lvl="0" marL="0" indent="0" algn="ctr">
-              <a:buNone/>
-            </a:pPr>
-            <a:r>
-              <a:rPr/>
-              <a:t>Figure</a:t>
-            </a:r>
-            <a:r>
-              <a:rPr/>
-              <a:t> </a:t>
-            </a:r>
-            <a:r>
-              <a:rPr/>
-              <a:t>2.</a:t>
-            </a:r>
-            <a:r>
-              <a:rPr/>
-              <a:t> </a:t>
-            </a:r>
-            <a:r>
-              <a:rPr/>
-              <a:t>Excerpt</a:t>
-            </a:r>
-            <a:r>
-              <a:rPr/>
-              <a:t> </a:t>
-            </a:r>
-            <a:r>
-              <a:rPr/>
-              <a:t>from</a:t>
-            </a:r>
-            <a:r>
-              <a:rPr/>
-              <a:t> </a:t>
-            </a:r>
-            <a:r>
-              <a:rPr/>
-              <a:t>research</a:t>
-            </a:r>
-            <a:r>
-              <a:rPr/>
-              <a:t> </a:t>
-            </a:r>
-            <a:r>
-              <a:rPr/>
-              <a:t>article</a:t>
-            </a:r>
-          </a:p>
-        </p:txBody>
-      </p:sp>
-    </p:spTree>
-  </p:cSld>
-</p:sld>
-</file>
-
-<file path=ppt/slides/slide50.xml><?xml version="1.0" encoding="utf-8"?>
-<p:sld xmlns:a="http://schemas.openxmlformats.org/drawingml/2006/main" xmlns:r="http://schemas.openxmlformats.org/officeDocument/2006/relationships" xmlns:p="http://schemas.openxmlformats.org/presentationml/2006/main">
-  <p:cSld>
-    <p:spTree>
-      <p:nvGrpSpPr>
-        <p:cNvPr id="1" name=""/>
-        <p:cNvGrpSpPr/>
-        <p:nvPr/>
-      </p:nvGrpSpPr>
-      <p:grpSpPr>
-        <a:xfrm>
-          <a:off x="0" y="0"/>
-          <a:ext cx="0" cy="0"/>
-          <a:chOff x="0" y="0"/>
-          <a:chExt cx="0" cy="0"/>
-        </a:xfrm>
-      </p:grpSpPr>
-      <p:sp>
-        <p:nvSpPr>
-          <p:cNvPr id="2" name="Title 1"/>
-          <p:cNvSpPr>
-            <a:spLocks noGrp="1"/>
-          </p:cNvSpPr>
-          <p:nvPr>
-            <p:ph type="title"/>
-          </p:nvPr>
-        </p:nvSpPr>
-        <p:spPr/>
-        <p:txBody>
-          <a:bodyPr/>
-          <a:lstStyle/>
-          <a:p>
-            <a:pPr lvl="0" marL="0" indent="0">
-              <a:buNone/>
-            </a:pPr>
-            <a:r>
-              <a:rPr/>
-              <a:t>ANOM</a:t>
-            </a:r>
-            <a:r>
-              <a:rPr/>
-              <a:t> </a:t>
-            </a:r>
-            <a:r>
-              <a:rPr/>
-              <a:t>contraindications</a:t>
-            </a:r>
-          </a:p>
-        </p:txBody>
-      </p:sp>
-      <p:sp>
-        <p:nvSpPr>
-          <p:cNvPr id="3" name="Content Placeholder 2"/>
-          <p:cNvSpPr>
-            <a:spLocks noGrp="1"/>
-          </p:cNvSpPr>
-          <p:nvPr>
-            <p:ph idx="1"/>
-          </p:nvPr>
-        </p:nvSpPr>
-        <p:spPr/>
-        <p:txBody>
-          <a:bodyPr/>
-          <a:lstStyle/>
-          <a:p>
-            <a:pPr lvl="1"/>
-            <a:r>
-              <a:rPr/>
-              <a:t>Simplicity comes with a price</a:t>
-            </a:r>
-          </a:p>
-          <a:p>
-            <a:pPr lvl="1"/>
-            <a:r>
-              <a:rPr/>
-              <a:t>You should not use ANOM</a:t>
-            </a:r>
-          </a:p>
-          <a:p>
-            <a:pPr lvl="2"/>
-            <a:r>
-              <a:rPr/>
-              <a:t>when searching for the best group</a:t>
-            </a:r>
-          </a:p>
-          <a:p>
-            <a:pPr lvl="2"/>
-            <a:r>
-              <a:rPr/>
-              <a:t>when comparing to a control group</a:t>
-            </a:r>
-          </a:p>
-          <a:p>
-            <a:pPr lvl="2"/>
-            <a:r>
-              <a:rPr/>
-              <a:t>for a reward or punishment system</a:t>
-            </a:r>
-          </a:p>
-        </p:txBody>
-      </p:sp>
-    </p:spTree>
-  </p:cSld>
-</p:sld>
-</file>
-
-<file path=ppt/slides/slide51.xml><?xml version="1.0" encoding="utf-8"?>
-<p:sld xmlns:a="http://schemas.openxmlformats.org/drawingml/2006/main" xmlns:r="http://schemas.openxmlformats.org/officeDocument/2006/relationships" xmlns:p="http://schemas.openxmlformats.org/presentationml/2006/main">
-  <p:cSld>
-    <p:spTree>
-      <p:nvGrpSpPr>
-        <p:cNvPr id="1" name=""/>
-        <p:cNvGrpSpPr/>
-        <p:nvPr/>
-      </p:nvGrpSpPr>
-      <p:grpSpPr>
-        <a:xfrm>
-          <a:off x="0" y="0"/>
-          <a:ext cx="0" cy="0"/>
-          <a:chOff x="0" y="0"/>
-          <a:chExt cx="0" cy="0"/>
-        </a:xfrm>
-      </p:grpSpPr>
-      <p:sp>
-        <p:nvSpPr>
-          <p:cNvPr id="2" name="Title 1"/>
-          <p:cNvSpPr>
-            <a:spLocks noGrp="1"/>
-          </p:cNvSpPr>
-          <p:nvPr>
-            <p:ph type="title"/>
-          </p:nvPr>
-        </p:nvSpPr>
-        <p:spPr/>
-        <p:txBody>
-          <a:bodyPr/>
-          <a:lstStyle/>
-          <a:p>
-            <a:pPr lvl="0" marL="0" indent="0">
-              <a:buNone/>
-            </a:pPr>
-            <a:r>
-              <a:rPr/>
-              <a:t>Conclusions</a:t>
-            </a:r>
-          </a:p>
-        </p:txBody>
-      </p:sp>
-      <p:sp>
-        <p:nvSpPr>
-          <p:cNvPr id="3" name="Content Placeholder 2"/>
-          <p:cNvSpPr>
-            <a:spLocks noGrp="1"/>
-          </p:cNvSpPr>
-          <p:nvPr>
-            <p:ph idx="1"/>
-          </p:nvPr>
-        </p:nvSpPr>
-        <p:spPr/>
-        <p:txBody>
-          <a:bodyPr/>
-          <a:lstStyle/>
-          <a:p>
-            <a:pPr lvl="1"/>
-            <a:r>
-              <a:rPr/>
-              <a:t>ANOM compares each group mean to the overall mean</a:t>
-            </a:r>
-          </a:p>
-          <a:p>
-            <a:pPr lvl="2"/>
-            <a:r>
-              <a:rPr/>
-              <a:t>It can be applied for proportions or counts as well</a:t>
-            </a:r>
-          </a:p>
-          <a:p>
-            <a:pPr lvl="2"/>
-            <a:r>
-              <a:rPr/>
-              <a:t>It has a simple interpretation</a:t>
-            </a:r>
-          </a:p>
-          <a:p>
-            <a:pPr lvl="2"/>
-            <a:r>
-              <a:rPr/>
-              <a:t>It has a simple graphical display</a:t>
-            </a:r>
-          </a:p>
-          <a:p>
-            <a:pPr lvl="2"/>
-            <a:r>
-              <a:rPr/>
-              <a:t>Useful for some but not all research settings</a:t>
-            </a:r>
-          </a:p>
-          <a:p>
-            <a:pPr lvl="1"/>
-            <a:r>
-              <a:rPr/>
-              <a:t>Questions?</a:t>
-            </a:r>
-          </a:p>
-        </p:txBody>
-      </p:sp>
-    </p:spTree>
-  </p:cSld>
-</p:sld>
-</file>
-
-<file path=ppt/slides/slide6.xml><?xml version="1.0" encoding="utf-8"?>
 <p:sld xmlns:a="http://schemas.openxmlformats.org/drawingml/2006/main" xmlns:r="http://schemas.openxmlformats.org/officeDocument/2006/relationships" xmlns:p="http://schemas.openxmlformats.org/presentationml/2006/main">
   <p:cSld>
     <p:spTree>
@@ -40251,7 +41467,641 @@
 </p:sld>
 </file>
 
-<file path=ppt/slides/slide7.xml><?xml version="1.0" encoding="utf-8"?>
+<file path=ppt/slides/slide50.xml><?xml version="1.0" encoding="utf-8"?>
+<p:sld xmlns:a="http://schemas.openxmlformats.org/drawingml/2006/main" xmlns:r="http://schemas.openxmlformats.org/officeDocument/2006/relationships" xmlns:p="http://schemas.openxmlformats.org/presentationml/2006/main">
+  <p:cSld>
+    <p:spTree>
+      <p:nvGrpSpPr>
+        <p:cNvPr id="1" name=""/>
+        <p:cNvGrpSpPr/>
+        <p:nvPr/>
+      </p:nvGrpSpPr>
+      <p:grpSpPr>
+        <a:xfrm>
+          <a:off x="0" y="0"/>
+          <a:ext cx="0" cy="0"/>
+          <a:chOff x="0" y="0"/>
+          <a:chExt cx="0" cy="0"/>
+        </a:xfrm>
+      </p:grpSpPr>
+      <p:sp>
+        <p:nvSpPr>
+          <p:cNvPr id="2" name="Title 1"/>
+          <p:cNvSpPr>
+            <a:spLocks noGrp="1"/>
+          </p:cNvSpPr>
+          <p:nvPr>
+            <p:ph type="title"/>
+          </p:nvPr>
+        </p:nvSpPr>
+        <p:spPr/>
+        <p:txBody>
+          <a:bodyPr/>
+          <a:lstStyle/>
+          <a:p>
+            <a:pPr lvl="0" marL="0" indent="0">
+              <a:buNone/>
+            </a:pPr>
+            <a:r>
+              <a:rPr/>
+              <a:t>Resources,</a:t>
+            </a:r>
+            <a:r>
+              <a:rPr/>
+              <a:t> </a:t>
+            </a:r>
+            <a:r>
+              <a:rPr/>
+              <a:t>Nelson</a:t>
+            </a:r>
+            <a:r>
+              <a:rPr/>
+              <a:t> </a:t>
+            </a:r>
+            <a:r>
+              <a:rPr/>
+              <a:t>et</a:t>
+            </a:r>
+            <a:r>
+              <a:rPr/>
+              <a:t> </a:t>
+            </a:r>
+            <a:r>
+              <a:rPr/>
+              <a:t>al</a:t>
+            </a:r>
+          </a:p>
+        </p:txBody>
+      </p:sp>
+      <p:pic>
+        <p:nvPicPr>
+          <p:cNvPr descr="images/nelson-book.png" id="0" name="Picture 1"/>
+          <p:cNvPicPr>
+            <a:picLocks noGrp="1" noChangeAspect="1"/>
+          </p:cNvPicPr>
+          <p:nvPr/>
+        </p:nvPicPr>
+        <p:blipFill>
+          <a:blip r:embed="rId3"/>
+          <a:stretch>
+            <a:fillRect/>
+          </a:stretch>
+        </p:blipFill>
+        <p:spPr bwMode="auto">
+          <a:xfrm>
+            <a:off x="3149600" y="1600200"/>
+            <a:ext cx="2844800" cy="4013200"/>
+          </a:xfrm>
+          <a:prstGeom prst="rect">
+            <a:avLst/>
+          </a:prstGeom>
+          <a:noFill/>
+          <a:ln w="9525">
+            <a:noFill/>
+            <a:headEnd/>
+            <a:tailEnd/>
+          </a:ln>
+        </p:spPr>
+      </p:pic>
+      <p:sp>
+        <p:nvSpPr>
+          <p:cNvPr id="1" name="TextBox 3"/>
+          <p:cNvSpPr txBox="1"/>
+          <p:nvPr/>
+        </p:nvSpPr>
+        <p:spPr>
+          <a:xfrm>
+            <a:off x="457200" y="5613400"/>
+            <a:ext cx="8229600" cy="508000"/>
+          </a:xfrm>
+          <a:prstGeom prst="rect">
+            <a:avLst/>
+          </a:prstGeom>
+          <a:noFill/>
+        </p:spPr>
+        <p:txBody>
+          <a:bodyPr/>
+          <a:lstStyle/>
+          <a:p>
+            <a:pPr lvl="0" marL="0" indent="0" algn="ctr">
+              <a:buNone/>
+            </a:pPr>
+            <a:r>
+              <a:rPr/>
+              <a:t>Figure</a:t>
+            </a:r>
+            <a:r>
+              <a:rPr/>
+              <a:t> </a:t>
+            </a:r>
+            <a:r>
+              <a:rPr/>
+              <a:t>24.</a:t>
+            </a:r>
+            <a:r>
+              <a:rPr/>
+              <a:t> </a:t>
+            </a:r>
+            <a:r>
+              <a:rPr/>
+              <a:t>Front</a:t>
+            </a:r>
+            <a:r>
+              <a:rPr/>
+              <a:t> </a:t>
+            </a:r>
+            <a:r>
+              <a:rPr/>
+              <a:t>cover</a:t>
+            </a:r>
+            <a:r>
+              <a:rPr/>
+              <a:t> </a:t>
+            </a:r>
+            <a:r>
+              <a:rPr/>
+              <a:t>of</a:t>
+            </a:r>
+            <a:r>
+              <a:rPr/>
+              <a:t> </a:t>
+            </a:r>
+            <a:r>
+              <a:rPr/>
+              <a:t>Nelson</a:t>
+            </a:r>
+            <a:r>
+              <a:rPr/>
+              <a:t> </a:t>
+            </a:r>
+            <a:r>
+              <a:rPr/>
+              <a:t>et</a:t>
+            </a:r>
+            <a:r>
+              <a:rPr/>
+              <a:t> </a:t>
+            </a:r>
+            <a:r>
+              <a:rPr/>
+              <a:t>al</a:t>
+            </a:r>
+          </a:p>
+        </p:txBody>
+      </p:sp>
+    </p:spTree>
+  </p:cSld>
+</p:sld>
+</file>
+
+<file path=ppt/slides/slide51.xml><?xml version="1.0" encoding="utf-8"?>
+<p:sld xmlns:a="http://schemas.openxmlformats.org/drawingml/2006/main" xmlns:r="http://schemas.openxmlformats.org/officeDocument/2006/relationships" xmlns:p="http://schemas.openxmlformats.org/presentationml/2006/main">
+  <p:cSld>
+    <p:spTree>
+      <p:nvGrpSpPr>
+        <p:cNvPr id="1" name=""/>
+        <p:cNvGrpSpPr/>
+        <p:nvPr/>
+      </p:nvGrpSpPr>
+      <p:grpSpPr>
+        <a:xfrm>
+          <a:off x="0" y="0"/>
+          <a:ext cx="0" cy="0"/>
+          <a:chOff x="0" y="0"/>
+          <a:chExt cx="0" cy="0"/>
+        </a:xfrm>
+      </p:grpSpPr>
+      <p:sp>
+        <p:nvSpPr>
+          <p:cNvPr id="2" name="Title 1"/>
+          <p:cNvSpPr>
+            <a:spLocks noGrp="1"/>
+          </p:cNvSpPr>
+          <p:nvPr>
+            <p:ph type="title"/>
+          </p:nvPr>
+        </p:nvSpPr>
+        <p:spPr/>
+        <p:txBody>
+          <a:bodyPr/>
+          <a:lstStyle/>
+          <a:p>
+            <a:pPr lvl="0" marL="0" indent="0">
+              <a:buNone/>
+            </a:pPr>
+            <a:r>
+              <a:rPr/>
+              <a:t>Resources,</a:t>
+            </a:r>
+            <a:r>
+              <a:rPr/>
+              <a:t> </a:t>
+            </a:r>
+            <a:r>
+              <a:rPr/>
+              <a:t>SAS</a:t>
+            </a:r>
+          </a:p>
+        </p:txBody>
+      </p:sp>
+      <p:pic>
+        <p:nvPicPr>
+          <p:cNvPr descr="images/sas-book.png" id="0" name="Picture 1"/>
+          <p:cNvPicPr>
+            <a:picLocks noGrp="1" noChangeAspect="1"/>
+          </p:cNvPicPr>
+          <p:nvPr/>
+        </p:nvPicPr>
+        <p:blipFill>
+          <a:blip r:embed="rId3"/>
+          <a:stretch>
+            <a:fillRect/>
+          </a:stretch>
+        </p:blipFill>
+        <p:spPr bwMode="auto">
+          <a:xfrm>
+            <a:off x="3035300" y="1600200"/>
+            <a:ext cx="3086100" cy="4013200"/>
+          </a:xfrm>
+          <a:prstGeom prst="rect">
+            <a:avLst/>
+          </a:prstGeom>
+          <a:noFill/>
+          <a:ln w="9525">
+            <a:noFill/>
+            <a:headEnd/>
+            <a:tailEnd/>
+          </a:ln>
+        </p:spPr>
+      </p:pic>
+      <p:sp>
+        <p:nvSpPr>
+          <p:cNvPr id="1" name="TextBox 3"/>
+          <p:cNvSpPr txBox="1"/>
+          <p:nvPr/>
+        </p:nvSpPr>
+        <p:spPr>
+          <a:xfrm>
+            <a:off x="457200" y="5613400"/>
+            <a:ext cx="8229600" cy="508000"/>
+          </a:xfrm>
+          <a:prstGeom prst="rect">
+            <a:avLst/>
+          </a:prstGeom>
+          <a:noFill/>
+        </p:spPr>
+        <p:txBody>
+          <a:bodyPr/>
+          <a:lstStyle/>
+          <a:p>
+            <a:pPr lvl="0" marL="0" indent="0" algn="ctr">
+              <a:buNone/>
+            </a:pPr>
+            <a:r>
+              <a:rPr/>
+              <a:t>Figure</a:t>
+            </a:r>
+            <a:r>
+              <a:rPr/>
+              <a:t> </a:t>
+            </a:r>
+            <a:r>
+              <a:rPr/>
+              <a:t>25.</a:t>
+            </a:r>
+            <a:r>
+              <a:rPr/>
+              <a:t> </a:t>
+            </a:r>
+            <a:r>
+              <a:rPr/>
+              <a:t>Front</a:t>
+            </a:r>
+            <a:r>
+              <a:rPr/>
+              <a:t> </a:t>
+            </a:r>
+            <a:r>
+              <a:rPr/>
+              <a:t>cover</a:t>
+            </a:r>
+            <a:r>
+              <a:rPr/>
+              <a:t> </a:t>
+            </a:r>
+            <a:r>
+              <a:rPr/>
+              <a:t>of</a:t>
+            </a:r>
+            <a:r>
+              <a:rPr/>
+              <a:t> </a:t>
+            </a:r>
+            <a:r>
+              <a:rPr/>
+              <a:t>SAS</a:t>
+            </a:r>
+            <a:r>
+              <a:rPr/>
+              <a:t> </a:t>
+            </a:r>
+            <a:r>
+              <a:rPr/>
+              <a:t>manual</a:t>
+            </a:r>
+          </a:p>
+        </p:txBody>
+      </p:sp>
+    </p:spTree>
+  </p:cSld>
+</p:sld>
+</file>
+
+<file path=ppt/slides/slide52.xml><?xml version="1.0" encoding="utf-8"?>
+<p:sld xmlns:a="http://schemas.openxmlformats.org/drawingml/2006/main" xmlns:r="http://schemas.openxmlformats.org/officeDocument/2006/relationships" xmlns:p="http://schemas.openxmlformats.org/presentationml/2006/main">
+  <p:cSld>
+    <p:spTree>
+      <p:nvGrpSpPr>
+        <p:cNvPr id="1" name=""/>
+        <p:cNvGrpSpPr/>
+        <p:nvPr/>
+      </p:nvGrpSpPr>
+      <p:grpSpPr>
+        <a:xfrm>
+          <a:off x="0" y="0"/>
+          <a:ext cx="0" cy="0"/>
+          <a:chOff x="0" y="0"/>
+          <a:chExt cx="0" cy="0"/>
+        </a:xfrm>
+      </p:grpSpPr>
+      <p:sp>
+        <p:nvSpPr>
+          <p:cNvPr id="2" name="Title 1"/>
+          <p:cNvSpPr>
+            <a:spLocks noGrp="1"/>
+          </p:cNvSpPr>
+          <p:nvPr>
+            <p:ph type="title"/>
+          </p:nvPr>
+        </p:nvSpPr>
+        <p:spPr/>
+        <p:txBody>
+          <a:bodyPr/>
+          <a:lstStyle/>
+          <a:p>
+            <a:pPr lvl="0" marL="0" indent="0">
+              <a:buNone/>
+            </a:pPr>
+            <a:r>
+              <a:rPr/>
+              <a:t>Resources,</a:t>
+            </a:r>
+            <a:r>
+              <a:rPr/>
+              <a:t> </a:t>
+            </a:r>
+            <a:r>
+              <a:rPr/>
+              <a:t>R</a:t>
+            </a:r>
+          </a:p>
+        </p:txBody>
+      </p:sp>
+      <p:pic>
+        <p:nvPicPr>
+          <p:cNvPr descr="images/r-vignette.png" id="0" name="Picture 1"/>
+          <p:cNvPicPr>
+            <a:picLocks noGrp="1" noChangeAspect="1"/>
+          </p:cNvPicPr>
+          <p:nvPr/>
+        </p:nvPicPr>
+        <p:blipFill>
+          <a:blip r:embed="rId3"/>
+          <a:stretch>
+            <a:fillRect/>
+          </a:stretch>
+        </p:blipFill>
+        <p:spPr bwMode="auto">
+          <a:xfrm>
+            <a:off x="457200" y="1676400"/>
+            <a:ext cx="8229600" cy="3848100"/>
+          </a:xfrm>
+          <a:prstGeom prst="rect">
+            <a:avLst/>
+          </a:prstGeom>
+          <a:noFill/>
+          <a:ln w="9525">
+            <a:noFill/>
+            <a:headEnd/>
+            <a:tailEnd/>
+          </a:ln>
+        </p:spPr>
+      </p:pic>
+      <p:sp>
+        <p:nvSpPr>
+          <p:cNvPr id="1" name="TextBox 3"/>
+          <p:cNvSpPr txBox="1"/>
+          <p:nvPr/>
+        </p:nvSpPr>
+        <p:spPr>
+          <a:xfrm>
+            <a:off x="457200" y="5613400"/>
+            <a:ext cx="8229600" cy="508000"/>
+          </a:xfrm>
+          <a:prstGeom prst="rect">
+            <a:avLst/>
+          </a:prstGeom>
+          <a:noFill/>
+        </p:spPr>
+        <p:txBody>
+          <a:bodyPr/>
+          <a:lstStyle/>
+          <a:p>
+            <a:pPr lvl="0" marL="0" indent="0" algn="ctr">
+              <a:buNone/>
+            </a:pPr>
+            <a:r>
+              <a:rPr/>
+              <a:t>Figure</a:t>
+            </a:r>
+            <a:r>
+              <a:rPr/>
+              <a:t> </a:t>
+            </a:r>
+            <a:r>
+              <a:rPr/>
+              <a:t>26.</a:t>
+            </a:r>
+            <a:r>
+              <a:rPr/>
+              <a:t> </a:t>
+            </a:r>
+            <a:r>
+              <a:rPr/>
+              <a:t>Front</a:t>
+            </a:r>
+            <a:r>
+              <a:rPr/>
+              <a:t> </a:t>
+            </a:r>
+            <a:r>
+              <a:rPr/>
+              <a:t>page</a:t>
+            </a:r>
+            <a:r>
+              <a:rPr/>
+              <a:t> </a:t>
+            </a:r>
+            <a:r>
+              <a:rPr/>
+              <a:t>of</a:t>
+            </a:r>
+            <a:r>
+              <a:rPr/>
+              <a:t> </a:t>
+            </a:r>
+            <a:r>
+              <a:rPr/>
+              <a:t>R</a:t>
+            </a:r>
+            <a:r>
+              <a:rPr/>
+              <a:t> </a:t>
+            </a:r>
+            <a:r>
+              <a:rPr/>
+              <a:t>vignette</a:t>
+            </a:r>
+            <a:r>
+              <a:rPr/>
+              <a:t> </a:t>
+            </a:r>
+            <a:r>
+              <a:rPr/>
+              <a:t>on</a:t>
+            </a:r>
+            <a:r>
+              <a:rPr/>
+              <a:t> </a:t>
+            </a:r>
+            <a:r>
+              <a:rPr/>
+              <a:t>ANOM</a:t>
+            </a:r>
+          </a:p>
+        </p:txBody>
+      </p:sp>
+    </p:spTree>
+  </p:cSld>
+</p:sld>
+</file>
+
+<file path=ppt/slides/slide53.xml><?xml version="1.0" encoding="utf-8"?>
+<p:sld xmlns:a="http://schemas.openxmlformats.org/drawingml/2006/main" xmlns:r="http://schemas.openxmlformats.org/officeDocument/2006/relationships" xmlns:p="http://schemas.openxmlformats.org/presentationml/2006/main">
+  <p:cSld>
+    <p:spTree>
+      <p:nvGrpSpPr>
+        <p:cNvPr id="1" name=""/>
+        <p:cNvGrpSpPr/>
+        <p:nvPr/>
+      </p:nvGrpSpPr>
+      <p:grpSpPr>
+        <a:xfrm>
+          <a:off x="0" y="0"/>
+          <a:ext cx="0" cy="0"/>
+          <a:chOff x="0" y="0"/>
+          <a:chExt cx="0" cy="0"/>
+        </a:xfrm>
+      </p:grpSpPr>
+      <p:sp>
+        <p:nvSpPr>
+          <p:cNvPr id="2" name="Title 1"/>
+          <p:cNvSpPr>
+            <a:spLocks noGrp="1"/>
+          </p:cNvSpPr>
+          <p:nvPr>
+            <p:ph type="title"/>
+          </p:nvPr>
+        </p:nvSpPr>
+        <p:spPr/>
+        <p:txBody>
+          <a:bodyPr/>
+          <a:lstStyle/>
+          <a:p>
+            <a:pPr lvl="0" marL="0" indent="0">
+              <a:buNone/>
+            </a:pPr>
+            <a:r>
+              <a:rPr/>
+              <a:t>Conclusions</a:t>
+            </a:r>
+          </a:p>
+        </p:txBody>
+      </p:sp>
+      <p:sp>
+        <p:nvSpPr>
+          <p:cNvPr id="3" name="Content Placeholder 2"/>
+          <p:cNvSpPr>
+            <a:spLocks noGrp="1"/>
+          </p:cNvSpPr>
+          <p:nvPr>
+            <p:ph idx="1"/>
+          </p:nvPr>
+        </p:nvSpPr>
+        <p:spPr/>
+        <p:txBody>
+          <a:bodyPr/>
+          <a:lstStyle/>
+          <a:p>
+            <a:pPr lvl="1"/>
+            <a:r>
+              <a:rPr/>
+              <a:t>ANOM compares each group mean to the overall mean</a:t>
+            </a:r>
+          </a:p>
+          <a:p>
+            <a:pPr lvl="2"/>
+            <a:r>
+              <a:rPr/>
+              <a:t>It can be applied for proportions or counts as well</a:t>
+            </a:r>
+          </a:p>
+          <a:p>
+            <a:pPr lvl="2"/>
+            <a:r>
+              <a:rPr/>
+              <a:t>It has a simple interpretation</a:t>
+            </a:r>
+          </a:p>
+          <a:p>
+            <a:pPr lvl="2"/>
+            <a:r>
+              <a:rPr/>
+              <a:t>It has a simple graphical display</a:t>
+            </a:r>
+          </a:p>
+          <a:p>
+            <a:pPr lvl="2"/>
+            <a:r>
+              <a:rPr/>
+              <a:t>Useful for some but not all research settings</a:t>
+            </a:r>
+          </a:p>
+          <a:p>
+            <a:pPr lvl="1"/>
+            <a:r>
+              <a:rPr/>
+              <a:t>Questions?</a:t>
+            </a:r>
+          </a:p>
+        </p:txBody>
+      </p:sp>
+    </p:spTree>
+  </p:cSld>
+</p:sld>
+</file>
+
+<file path=ppt/slides/slide6.xml><?xml version="1.0" encoding="utf-8"?>
 <p:sld xmlns:a="http://schemas.openxmlformats.org/drawingml/2006/main" xmlns:r="http://schemas.openxmlformats.org/officeDocument/2006/relationships" xmlns:p="http://schemas.openxmlformats.org/presentationml/2006/main">
   <p:cSld>
     <p:spTree>
@@ -40438,7 +42288,7 @@
 </p:sld>
 </file>
 
-<file path=ppt/slides/slide8.xml><?xml version="1.0" encoding="utf-8"?>
+<file path=ppt/slides/slide7.xml><?xml version="1.0" encoding="utf-8"?>
 <p:sld xmlns:a="http://schemas.openxmlformats.org/drawingml/2006/main" xmlns:r="http://schemas.openxmlformats.org/officeDocument/2006/relationships" xmlns:p="http://schemas.openxmlformats.org/presentationml/2006/main">
   <p:cSld>
     <p:spTree>
@@ -40633,7 +42483,7 @@
 </p:sld>
 </file>
 
-<file path=ppt/slides/slide9.xml><?xml version="1.0" encoding="utf-8"?>
+<file path=ppt/slides/slide8.xml><?xml version="1.0" encoding="utf-8"?>
 <p:sld xmlns:a="http://schemas.openxmlformats.org/drawingml/2006/main" xmlns:r="http://schemas.openxmlformats.org/officeDocument/2006/relationships" xmlns:p="http://schemas.openxmlformats.org/presentationml/2006/main">
   <p:cSld>
     <p:spTree>
@@ -40815,6 +42665,322 @@
           </a:p>
         </p:txBody>
       </p:sp>
+    </p:spTree>
+  </p:cSld>
+</p:sld>
+</file>
+
+<file path=ppt/slides/slide9.xml><?xml version="1.0" encoding="utf-8"?>
+<p:sld xmlns:a="http://schemas.openxmlformats.org/drawingml/2006/main" xmlns:r="http://schemas.openxmlformats.org/officeDocument/2006/relationships" xmlns:p="http://schemas.openxmlformats.org/presentationml/2006/main">
+  <p:cSld>
+    <p:spTree>
+      <p:nvGrpSpPr>
+        <p:cNvPr id="1" name=""/>
+        <p:cNvGrpSpPr/>
+        <p:nvPr/>
+      </p:nvGrpSpPr>
+      <p:grpSpPr>
+        <a:xfrm>
+          <a:off x="0" y="0"/>
+          <a:ext cx="0" cy="0"/>
+          <a:chOff x="0" y="0"/>
+          <a:chExt cx="0" cy="0"/>
+        </a:xfrm>
+      </p:grpSpPr>
+      <p:sp>
+        <p:nvSpPr>
+          <p:cNvPr id="2" name="Title 1"/>
+          <p:cNvSpPr>
+            <a:spLocks noGrp="1"/>
+          </p:cNvSpPr>
+          <p:nvPr>
+            <p:ph type="title"/>
+          </p:nvPr>
+        </p:nvSpPr>
+        <p:spPr/>
+        <p:txBody>
+          <a:bodyPr/>
+          <a:lstStyle/>
+          <a:p>
+            <a:pPr lvl="0" marL="0" indent="0">
+              <a:buNone/>
+            </a:pPr>
+            <a:r>
+              <a:rPr/>
+              <a:t>Analysis</a:t>
+            </a:r>
+            <a:r>
+              <a:rPr/>
+              <a:t> </a:t>
+            </a:r>
+            <a:r>
+              <a:rPr/>
+              <a:t>of</a:t>
+            </a:r>
+            <a:r>
+              <a:rPr/>
+              <a:t> </a:t>
+            </a:r>
+            <a:r>
+              <a:rPr/>
+              <a:t>Variance</a:t>
+            </a:r>
+            <a:r>
+              <a:rPr/>
+              <a:t> </a:t>
+            </a:r>
+            <a:r>
+              <a:rPr/>
+              <a:t>hypotheses</a:t>
+            </a:r>
+          </a:p>
+        </p:txBody>
+      </p:sp>
+      <mc:AlternateContent xmlns:mc="http://schemas.openxmlformats.org/markup-compatibility/2006">
+        <mc:Choice xmlns:a14="http://schemas.microsoft.com/office/drawing/2010/main" Requires="a14">
+          <p:sp>
+            <p:nvSpPr>
+              <p:cNvPr id="3" name="Content Placeholder 2"/>
+              <p:cNvSpPr>
+                <a:spLocks noGrp="1"/>
+              </p:cNvSpPr>
+              <p:nvPr>
+                <p:ph idx="1"/>
+              </p:nvPr>
+            </p:nvSpPr>
+            <p:spPr/>
+            <p:txBody>
+              <a:bodyPr/>
+              <a:lstStyle/>
+              <a:p>
+                <a:pPr lvl="1"/>
+                <a14:m>
+                  <m:oMathPara xmlns:m="http://schemas.openxmlformats.org/officeDocument/2006/math">
+                    <m:oMathParaPr>
+                      <m:jc m:val="center"/>
+                    </m:oMathParaPr>
+                    <m:oMath>
+                      <m:sSub>
+                        <m:e>
+                          <m:r>
+                            <m:t>H</m:t>
+                          </m:r>
+                        </m:e>
+                        <m:sub>
+                          <m:r>
+                            <m:t>0</m:t>
+                          </m:r>
+                        </m:sub>
+                      </m:sSub>
+                      <m:r>
+                        <m:rPr>
+                          <m:sty m:val="p"/>
+                        </m:rPr>
+                        <m:t>:</m:t>
+                      </m:r>
+                      <m:sSub>
+                        <m:e>
+                          <m:r>
+                            <m:t>μ</m:t>
+                          </m:r>
+                        </m:e>
+                        <m:sub>
+                          <m:r>
+                            <m:t>i</m:t>
+                          </m:r>
+                        </m:sub>
+                      </m:sSub>
+                      <m:r>
+                        <m:rPr>
+                          <m:sty m:val="p"/>
+                        </m:rPr>
+                        <m:t>=</m:t>
+                      </m:r>
+                      <m:sSub>
+                        <m:e>
+                          <m:r>
+                            <m:t>μ</m:t>
+                          </m:r>
+                        </m:e>
+                        <m:sub>
+                          <m:r>
+                            <m:t>j</m:t>
+                          </m:r>
+                        </m:sub>
+                      </m:sSub>
+                      <m:r>
+                        <m:t> </m:t>
+                      </m:r>
+                      <m:r>
+                        <m:t>f</m:t>
+                      </m:r>
+                      <m:r>
+                        <m:t>o</m:t>
+                      </m:r>
+                      <m:r>
+                        <m:t>r</m:t>
+                      </m:r>
+                      <m:r>
+                        <m:t> </m:t>
+                      </m:r>
+                      <m:r>
+                        <m:t>a</m:t>
+                      </m:r>
+                      <m:r>
+                        <m:t>l</m:t>
+                      </m:r>
+                      <m:r>
+                        <m:t>l</m:t>
+                      </m:r>
+                      <m:r>
+                        <m:t> </m:t>
+                      </m:r>
+                      <m:r>
+                        <m:t>i</m:t>
+                      </m:r>
+                      <m:r>
+                        <m:rPr>
+                          <m:sty m:val="p"/>
+                        </m:rPr>
+                        <m:t>,</m:t>
+                      </m:r>
+                      <m:r>
+                        <m:t>j</m:t>
+                      </m:r>
+                    </m:oMath>
+                  </m:oMathPara>
+                </a14:m>
+              </a:p>
+              <a:p>
+                <a:pPr lvl="1"/>
+                <a14:m>
+                  <m:oMathPara xmlns:m="http://schemas.openxmlformats.org/officeDocument/2006/math">
+                    <m:oMathParaPr>
+                      <m:jc m:val="center"/>
+                    </m:oMathParaPr>
+                    <m:oMath>
+                      <m:sSub>
+                        <m:e>
+                          <m:r>
+                            <m:t>H</m:t>
+                          </m:r>
+                        </m:e>
+                        <m:sub>
+                          <m:r>
+                            <m:t>1</m:t>
+                          </m:r>
+                        </m:sub>
+                      </m:sSub>
+                      <m:r>
+                        <m:rPr>
+                          <m:sty m:val="p"/>
+                        </m:rPr>
+                        <m:t>:</m:t>
+                      </m:r>
+                      <m:sSub>
+                        <m:e>
+                          <m:r>
+                            <m:t>μ</m:t>
+                          </m:r>
+                        </m:e>
+                        <m:sub>
+                          <m:r>
+                            <m:t>i</m:t>
+                          </m:r>
+                        </m:sub>
+                      </m:sSub>
+                      <m:r>
+                        <m:rPr>
+                          <m:sty m:val="p"/>
+                        </m:rPr>
+                        <m:t>≠</m:t>
+                      </m:r>
+                      <m:sSub>
+                        <m:e>
+                          <m:r>
+                            <m:t>μ</m:t>
+                          </m:r>
+                        </m:e>
+                        <m:sub>
+                          <m:r>
+                            <m:t>j</m:t>
+                          </m:r>
+                        </m:sub>
+                      </m:sSub>
+                      <m:r>
+                        <m:t> </m:t>
+                      </m:r>
+                      <m:r>
+                        <m:t>f</m:t>
+                      </m:r>
+                      <m:r>
+                        <m:t>o</m:t>
+                      </m:r>
+                      <m:r>
+                        <m:t>r</m:t>
+                      </m:r>
+                      <m:r>
+                        <m:t> </m:t>
+                      </m:r>
+                      <m:r>
+                        <m:t>a</m:t>
+                      </m:r>
+                      <m:r>
+                        <m:t>t</m:t>
+                      </m:r>
+                      <m:r>
+                        <m:t> </m:t>
+                      </m:r>
+                      <m:r>
+                        <m:t>l</m:t>
+                      </m:r>
+                      <m:r>
+                        <m:t>e</m:t>
+                      </m:r>
+                      <m:r>
+                        <m:t>a</m:t>
+                      </m:r>
+                      <m:r>
+                        <m:t>s</m:t>
+                      </m:r>
+                      <m:r>
+                        <m:t>t</m:t>
+                      </m:r>
+                      <m:r>
+                        <m:t> </m:t>
+                      </m:r>
+                      <m:r>
+                        <m:t>o</m:t>
+                      </m:r>
+                      <m:r>
+                        <m:t>n</m:t>
+                      </m:r>
+                      <m:r>
+                        <m:t>e</m:t>
+                      </m:r>
+                      <m:r>
+                        <m:t> </m:t>
+                      </m:r>
+                      <m:r>
+                        <m:t>i</m:t>
+                      </m:r>
+                      <m:r>
+                        <m:rPr>
+                          <m:sty m:val="p"/>
+                        </m:rPr>
+                        <m:t>,</m:t>
+                      </m:r>
+                      <m:r>
+                        <m:t>j</m:t>
+                      </m:r>
+                    </m:oMath>
+                  </m:oMathPara>
+                </a14:m>
+              </a:p>
+            </p:txBody>
+          </p:sp>
+        </mc:Choice>
+      </mc:AlternateContent>
     </p:spTree>
   </p:cSld>
 </p:sld>
